--- a/Sessions & Cookies.pptx
+++ b/Sessions & Cookies.pptx
@@ -7,6 +7,8 @@
   <p:sldIdLst>
     <p:sldId id="256" r:id="rId2"/>
     <p:sldId id="257" r:id="rId3"/>
+    <p:sldId id="258" r:id="rId4"/>
+    <p:sldId id="259" r:id="rId5"/>
   </p:sldIdLst>
   <p:sldSz cx="12192000" cy="6858000"/>
   <p:notesSz cx="6858000" cy="9144000"/>
@@ -105,6 +107,11 @@
       </a:defRPr>
     </a:lvl9pPr>
   </p:defaultTextStyle>
+  <p:extLst>
+    <p:ext uri="{EFAFB233-063F-42B5-8137-9DF3F51BA10A}">
+      <p15:sldGuideLst xmlns:p15="http://schemas.microsoft.com/office/powerpoint/2012/main"/>
+    </p:ext>
+  </p:extLst>
 </p:presentation>
 </file>
 
@@ -255,7 +262,7 @@
           <a:p>
             <a:fld id="{96B1D18C-14DF-42B3-A5BD-77D05B72A41B}" type="datetimeFigureOut">
               <a:rPr lang="en-US" smtClean="0"/>
-              <a:t>1/20/2023</a:t>
+              <a:t>1/24/2023</a:t>
             </a:fld>
             <a:endParaRPr lang="en-US"/>
           </a:p>
@@ -453,7 +460,7 @@
           <a:p>
             <a:fld id="{96B1D18C-14DF-42B3-A5BD-77D05B72A41B}" type="datetimeFigureOut">
               <a:rPr lang="en-US" smtClean="0"/>
-              <a:t>1/20/2023</a:t>
+              <a:t>1/24/2023</a:t>
             </a:fld>
             <a:endParaRPr lang="en-US"/>
           </a:p>
@@ -661,7 +668,7 @@
           <a:p>
             <a:fld id="{96B1D18C-14DF-42B3-A5BD-77D05B72A41B}" type="datetimeFigureOut">
               <a:rPr lang="en-US" smtClean="0"/>
-              <a:t>1/20/2023</a:t>
+              <a:t>1/24/2023</a:t>
             </a:fld>
             <a:endParaRPr lang="en-US"/>
           </a:p>
@@ -859,7 +866,7 @@
           <a:p>
             <a:fld id="{96B1D18C-14DF-42B3-A5BD-77D05B72A41B}" type="datetimeFigureOut">
               <a:rPr lang="en-US" smtClean="0"/>
-              <a:t>1/20/2023</a:t>
+              <a:t>1/24/2023</a:t>
             </a:fld>
             <a:endParaRPr lang="en-US"/>
           </a:p>
@@ -1134,7 +1141,7 @@
           <a:p>
             <a:fld id="{96B1D18C-14DF-42B3-A5BD-77D05B72A41B}" type="datetimeFigureOut">
               <a:rPr lang="en-US" smtClean="0"/>
-              <a:t>1/20/2023</a:t>
+              <a:t>1/24/2023</a:t>
             </a:fld>
             <a:endParaRPr lang="en-US"/>
           </a:p>
@@ -1399,7 +1406,7 @@
           <a:p>
             <a:fld id="{96B1D18C-14DF-42B3-A5BD-77D05B72A41B}" type="datetimeFigureOut">
               <a:rPr lang="en-US" smtClean="0"/>
-              <a:t>1/20/2023</a:t>
+              <a:t>1/24/2023</a:t>
             </a:fld>
             <a:endParaRPr lang="en-US"/>
           </a:p>
@@ -1811,7 +1818,7 @@
           <a:p>
             <a:fld id="{96B1D18C-14DF-42B3-A5BD-77D05B72A41B}" type="datetimeFigureOut">
               <a:rPr lang="en-US" smtClean="0"/>
-              <a:t>1/20/2023</a:t>
+              <a:t>1/24/2023</a:t>
             </a:fld>
             <a:endParaRPr lang="en-US"/>
           </a:p>
@@ -1952,7 +1959,7 @@
           <a:p>
             <a:fld id="{96B1D18C-14DF-42B3-A5BD-77D05B72A41B}" type="datetimeFigureOut">
               <a:rPr lang="en-US" smtClean="0"/>
-              <a:t>1/20/2023</a:t>
+              <a:t>1/24/2023</a:t>
             </a:fld>
             <a:endParaRPr lang="en-US"/>
           </a:p>
@@ -2065,7 +2072,7 @@
           <a:p>
             <a:fld id="{96B1D18C-14DF-42B3-A5BD-77D05B72A41B}" type="datetimeFigureOut">
               <a:rPr lang="en-US" smtClean="0"/>
-              <a:t>1/20/2023</a:t>
+              <a:t>1/24/2023</a:t>
             </a:fld>
             <a:endParaRPr lang="en-US"/>
           </a:p>
@@ -2376,7 +2383,7 @@
           <a:p>
             <a:fld id="{96B1D18C-14DF-42B3-A5BD-77D05B72A41B}" type="datetimeFigureOut">
               <a:rPr lang="en-US" smtClean="0"/>
-              <a:t>1/20/2023</a:t>
+              <a:t>1/24/2023</a:t>
             </a:fld>
             <a:endParaRPr lang="en-US"/>
           </a:p>
@@ -2664,7 +2671,7 @@
           <a:p>
             <a:fld id="{96B1D18C-14DF-42B3-A5BD-77D05B72A41B}" type="datetimeFigureOut">
               <a:rPr lang="en-US" smtClean="0"/>
-              <a:t>1/20/2023</a:t>
+              <a:t>1/24/2023</a:t>
             </a:fld>
             <a:endParaRPr lang="en-US"/>
           </a:p>
@@ -2905,7 +2912,7 @@
           <a:p>
             <a:fld id="{96B1D18C-14DF-42B3-A5BD-77D05B72A41B}" type="datetimeFigureOut">
               <a:rPr lang="en-US" smtClean="0"/>
-              <a:t>1/20/2023</a:t>
+              <a:t>1/24/2023</a:t>
             </a:fld>
             <a:endParaRPr lang="en-US"/>
           </a:p>
@@ -3930,12 +3937,31 @@
             </a:pPr>
             <a:r>
               <a:rPr lang="en-US" dirty="0"/>
-              <a:t>Setting </a:t>
-            </a:r>
-            <a:r>
-              <a:rPr lang="en-US"/>
-              <a:t>a Cookie.</a:t>
-            </a:r>
+              <a:t>Setting a Cookie.</a:t>
+            </a:r>
+          </a:p>
+          <a:p>
+            <a:pPr marL="514350" indent="-514350">
+              <a:buAutoNum type="arabicParenR"/>
+            </a:pPr>
+            <a:r>
+              <a:rPr lang="en-US" dirty="0"/>
+              <a:t>Manipulating Cookies.</a:t>
+            </a:r>
+          </a:p>
+          <a:p>
+            <a:pPr marL="514350" indent="-514350">
+              <a:buAutoNum type="arabicParenR"/>
+            </a:pPr>
+            <a:r>
+              <a:rPr lang="en-US" dirty="0"/>
+              <a:t>Configuring Cookies.</a:t>
+            </a:r>
+          </a:p>
+          <a:p>
+            <a:pPr marL="514350" indent="-514350">
+              <a:buAutoNum type="arabicParenR"/>
+            </a:pPr>
             <a:endParaRPr lang="en-US" dirty="0"/>
           </a:p>
         </p:txBody>
@@ -3944,6 +3970,879 @@
     <p:extLst>
       <p:ext uri="{BB962C8B-B14F-4D97-AF65-F5344CB8AC3E}">
         <p14:creationId xmlns:p14="http://schemas.microsoft.com/office/powerpoint/2010/main" val="3200023473"/>
+      </p:ext>
+    </p:extLst>
+  </p:cSld>
+  <p:clrMapOvr>
+    <a:masterClrMapping/>
+  </p:clrMapOvr>
+</p:sld>
+</file>
+
+<file path=ppt/slides/slide3.xml><?xml version="1.0" encoding="utf-8"?>
+<p:sld xmlns:a="http://schemas.openxmlformats.org/drawingml/2006/main" xmlns:r="http://schemas.openxmlformats.org/officeDocument/2006/relationships" xmlns:p="http://schemas.openxmlformats.org/presentationml/2006/main">
+  <p:cSld>
+    <p:spTree>
+      <p:nvGrpSpPr>
+        <p:cNvPr id="1" name=""/>
+        <p:cNvGrpSpPr/>
+        <p:nvPr/>
+      </p:nvGrpSpPr>
+      <p:grpSpPr>
+        <a:xfrm>
+          <a:off x="0" y="0"/>
+          <a:ext cx="0" cy="0"/>
+          <a:chOff x="0" y="0"/>
+          <a:chExt cx="0" cy="0"/>
+        </a:xfrm>
+      </p:grpSpPr>
+      <p:sp>
+        <p:nvSpPr>
+          <p:cNvPr id="2" name="Title 1">
+            <a:extLst>
+              <a:ext uri="{FF2B5EF4-FFF2-40B4-BE49-F238E27FC236}">
+                <a16:creationId xmlns:a16="http://schemas.microsoft.com/office/drawing/2014/main" id="{406D9291-790E-2E08-A278-B9335708CA8C}"/>
+              </a:ext>
+            </a:extLst>
+          </p:cNvPr>
+          <p:cNvSpPr>
+            <a:spLocks noGrp="1"/>
+          </p:cNvSpPr>
+          <p:nvPr>
+            <p:ph type="ctrTitle"/>
+          </p:nvPr>
+        </p:nvSpPr>
+        <p:spPr>
+          <a:xfrm>
+            <a:off x="1524000" y="207963"/>
+            <a:ext cx="9144000" cy="1127351"/>
+          </a:xfrm>
+        </p:spPr>
+        <p:txBody>
+          <a:bodyPr/>
+          <a:lstStyle/>
+          <a:p>
+            <a:r>
+              <a:rPr lang="en-US" dirty="0"/>
+              <a:t>What’s a Session?</a:t>
+            </a:r>
+          </a:p>
+        </p:txBody>
+      </p:sp>
+      <p:sp>
+        <p:nvSpPr>
+          <p:cNvPr id="4" name="Rectangle 3">
+            <a:extLst>
+              <a:ext uri="{FF2B5EF4-FFF2-40B4-BE49-F238E27FC236}">
+                <a16:creationId xmlns:a16="http://schemas.microsoft.com/office/drawing/2014/main" id="{5CF99170-CE85-C30A-355F-EFE59E9A2D8E}"/>
+              </a:ext>
+            </a:extLst>
+          </p:cNvPr>
+          <p:cNvSpPr/>
+          <p:nvPr/>
+        </p:nvSpPr>
+        <p:spPr>
+          <a:xfrm>
+            <a:off x="3897086" y="1422400"/>
+            <a:ext cx="4397828" cy="740228"/>
+          </a:xfrm>
+          <a:prstGeom prst="rect">
+            <a:avLst/>
+          </a:prstGeom>
+          <a:solidFill>
+            <a:srgbClr val="FFFF00"/>
+          </a:solidFill>
+        </p:spPr>
+        <p:style>
+          <a:lnRef idx="2">
+            <a:schemeClr val="accent1">
+              <a:shade val="50000"/>
+            </a:schemeClr>
+          </a:lnRef>
+          <a:fillRef idx="1">
+            <a:schemeClr val="accent1"/>
+          </a:fillRef>
+          <a:effectRef idx="0">
+            <a:schemeClr val="accent1"/>
+          </a:effectRef>
+          <a:fontRef idx="minor">
+            <a:schemeClr val="lt1"/>
+          </a:fontRef>
+        </p:style>
+        <p:txBody>
+          <a:bodyPr rtlCol="0" anchor="ctr"/>
+          <a:lstStyle/>
+          <a:p>
+            <a:pPr algn="ctr"/>
+            <a:r>
+              <a:rPr lang="en-US" dirty="0">
+                <a:ln w="0"/>
+                <a:solidFill>
+                  <a:schemeClr val="tx1"/>
+                </a:solidFill>
+                <a:effectLst>
+                  <a:outerShdw blurRad="38100" dist="19050" dir="2700000" algn="tl" rotWithShape="0">
+                    <a:schemeClr val="dk1">
+                      <a:alpha val="40000"/>
+                    </a:schemeClr>
+                  </a:outerShdw>
+                </a:effectLst>
+              </a:rPr>
+              <a:t>Cookies are stored on the client-side!</a:t>
+            </a:r>
+          </a:p>
+        </p:txBody>
+      </p:sp>
+      <p:sp>
+        <p:nvSpPr>
+          <p:cNvPr id="5" name="Rectangle 4">
+            <a:extLst>
+              <a:ext uri="{FF2B5EF4-FFF2-40B4-BE49-F238E27FC236}">
+                <a16:creationId xmlns:a16="http://schemas.microsoft.com/office/drawing/2014/main" id="{E06F28EB-1285-5C76-0975-B10F488418ED}"/>
+              </a:ext>
+            </a:extLst>
+          </p:cNvPr>
+          <p:cNvSpPr/>
+          <p:nvPr/>
+        </p:nvSpPr>
+        <p:spPr>
+          <a:xfrm>
+            <a:off x="3897086" y="2663372"/>
+            <a:ext cx="4397828" cy="740228"/>
+          </a:xfrm>
+          <a:prstGeom prst="rect">
+            <a:avLst/>
+          </a:prstGeom>
+          <a:solidFill>
+            <a:srgbClr val="FFC000"/>
+          </a:solidFill>
+        </p:spPr>
+        <p:style>
+          <a:lnRef idx="2">
+            <a:schemeClr val="accent1">
+              <a:shade val="50000"/>
+            </a:schemeClr>
+          </a:lnRef>
+          <a:fillRef idx="1">
+            <a:schemeClr val="accent1"/>
+          </a:fillRef>
+          <a:effectRef idx="0">
+            <a:schemeClr val="accent1"/>
+          </a:effectRef>
+          <a:fontRef idx="minor">
+            <a:schemeClr val="lt1"/>
+          </a:fontRef>
+        </p:style>
+        <p:txBody>
+          <a:bodyPr rtlCol="0" anchor="ctr"/>
+          <a:lstStyle/>
+          <a:p>
+            <a:pPr algn="ctr"/>
+            <a:r>
+              <a:rPr lang="en-US" dirty="0">
+                <a:ln w="0"/>
+                <a:solidFill>
+                  <a:schemeClr val="tx1"/>
+                </a:solidFill>
+                <a:effectLst>
+                  <a:outerShdw blurRad="38100" dist="19050" dir="2700000" algn="tl" rotWithShape="0">
+                    <a:schemeClr val="dk1">
+                      <a:alpha val="40000"/>
+                    </a:schemeClr>
+                  </a:outerShdw>
+                </a:effectLst>
+              </a:rPr>
+              <a:t>User</a:t>
+            </a:r>
+          </a:p>
+        </p:txBody>
+      </p:sp>
+      <p:sp>
+        <p:nvSpPr>
+          <p:cNvPr id="6" name="Rectangle 5">
+            <a:extLst>
+              <a:ext uri="{FF2B5EF4-FFF2-40B4-BE49-F238E27FC236}">
+                <a16:creationId xmlns:a16="http://schemas.microsoft.com/office/drawing/2014/main" id="{683A0BE8-A5E6-E26F-1003-0D2A4A10B42F}"/>
+              </a:ext>
+            </a:extLst>
+          </p:cNvPr>
+          <p:cNvSpPr/>
+          <p:nvPr/>
+        </p:nvSpPr>
+        <p:spPr>
+          <a:xfrm>
+            <a:off x="3897086" y="3947886"/>
+            <a:ext cx="4397828" cy="740228"/>
+          </a:xfrm>
+          <a:prstGeom prst="rect">
+            <a:avLst/>
+          </a:prstGeom>
+        </p:spPr>
+        <p:style>
+          <a:lnRef idx="2">
+            <a:schemeClr val="accent1">
+              <a:shade val="50000"/>
+            </a:schemeClr>
+          </a:lnRef>
+          <a:fillRef idx="1">
+            <a:schemeClr val="accent1"/>
+          </a:fillRef>
+          <a:effectRef idx="0">
+            <a:schemeClr val="accent1"/>
+          </a:effectRef>
+          <a:fontRef idx="minor">
+            <a:schemeClr val="lt1"/>
+          </a:fontRef>
+        </p:style>
+        <p:txBody>
+          <a:bodyPr rtlCol="0" anchor="ctr"/>
+          <a:lstStyle/>
+          <a:p>
+            <a:pPr algn="ctr"/>
+            <a:r>
+              <a:rPr lang="en-US" dirty="0"/>
+              <a:t>Frontend (Views)</a:t>
+            </a:r>
+          </a:p>
+        </p:txBody>
+      </p:sp>
+      <p:sp>
+        <p:nvSpPr>
+          <p:cNvPr id="7" name="Rectangle 6">
+            <a:extLst>
+              <a:ext uri="{FF2B5EF4-FFF2-40B4-BE49-F238E27FC236}">
+                <a16:creationId xmlns:a16="http://schemas.microsoft.com/office/drawing/2014/main" id="{10331282-3726-8AA9-E658-2F53D8278F7D}"/>
+              </a:ext>
+            </a:extLst>
+          </p:cNvPr>
+          <p:cNvSpPr/>
+          <p:nvPr/>
+        </p:nvSpPr>
+        <p:spPr>
+          <a:xfrm>
+            <a:off x="3897086" y="5602515"/>
+            <a:ext cx="4397828" cy="740228"/>
+          </a:xfrm>
+          <a:prstGeom prst="rect">
+            <a:avLst/>
+          </a:prstGeom>
+        </p:spPr>
+        <p:style>
+          <a:lnRef idx="2">
+            <a:schemeClr val="accent1">
+              <a:shade val="50000"/>
+            </a:schemeClr>
+          </a:lnRef>
+          <a:fillRef idx="1">
+            <a:schemeClr val="accent1"/>
+          </a:fillRef>
+          <a:effectRef idx="0">
+            <a:schemeClr val="accent1"/>
+          </a:effectRef>
+          <a:fontRef idx="minor">
+            <a:schemeClr val="lt1"/>
+          </a:fontRef>
+        </p:style>
+        <p:txBody>
+          <a:bodyPr rtlCol="0" anchor="ctr"/>
+          <a:lstStyle/>
+          <a:p>
+            <a:pPr algn="ctr"/>
+            <a:r>
+              <a:rPr lang="en-US" dirty="0"/>
+              <a:t>Server(Node App)</a:t>
+            </a:r>
+          </a:p>
+        </p:txBody>
+      </p:sp>
+      <p:sp>
+        <p:nvSpPr>
+          <p:cNvPr id="8" name="Rectangle 7">
+            <a:extLst>
+              <a:ext uri="{FF2B5EF4-FFF2-40B4-BE49-F238E27FC236}">
+                <a16:creationId xmlns:a16="http://schemas.microsoft.com/office/drawing/2014/main" id="{AB4F2E88-C145-32B0-EF75-898C6E4E19AF}"/>
+              </a:ext>
+            </a:extLst>
+          </p:cNvPr>
+          <p:cNvSpPr/>
+          <p:nvPr/>
+        </p:nvSpPr>
+        <p:spPr>
+          <a:xfrm>
+            <a:off x="9209315" y="3824516"/>
+            <a:ext cx="2431143" cy="740228"/>
+          </a:xfrm>
+          <a:prstGeom prst="rect">
+            <a:avLst/>
+          </a:prstGeom>
+        </p:spPr>
+        <p:style>
+          <a:lnRef idx="2">
+            <a:schemeClr val="accent1">
+              <a:shade val="50000"/>
+            </a:schemeClr>
+          </a:lnRef>
+          <a:fillRef idx="1">
+            <a:schemeClr val="accent1"/>
+          </a:fillRef>
+          <a:effectRef idx="0">
+            <a:schemeClr val="accent1"/>
+          </a:effectRef>
+          <a:fontRef idx="minor">
+            <a:schemeClr val="lt1"/>
+          </a:fontRef>
+        </p:style>
+        <p:txBody>
+          <a:bodyPr rtlCol="0" anchor="ctr"/>
+          <a:lstStyle/>
+          <a:p>
+            <a:pPr algn="ctr"/>
+            <a:r>
+              <a:rPr lang="en-US" dirty="0"/>
+              <a:t>Cookie</a:t>
+            </a:r>
+          </a:p>
+        </p:txBody>
+      </p:sp>
+      <p:cxnSp>
+        <p:nvCxnSpPr>
+          <p:cNvPr id="10" name="Straight Arrow Connector 9">
+            <a:extLst>
+              <a:ext uri="{FF2B5EF4-FFF2-40B4-BE49-F238E27FC236}">
+                <a16:creationId xmlns:a16="http://schemas.microsoft.com/office/drawing/2014/main" id="{A8D51BE9-BC38-B74F-F748-9D458BB20B2D}"/>
+              </a:ext>
+            </a:extLst>
+          </p:cNvPr>
+          <p:cNvCxnSpPr>
+            <a:stCxn id="5" idx="2"/>
+            <a:endCxn id="6" idx="0"/>
+          </p:cNvCxnSpPr>
+          <p:nvPr/>
+        </p:nvCxnSpPr>
+        <p:spPr>
+          <a:xfrm>
+            <a:off x="6096000" y="3403600"/>
+            <a:ext cx="0" cy="544286"/>
+          </a:xfrm>
+          <a:prstGeom prst="straightConnector1">
+            <a:avLst/>
+          </a:prstGeom>
+          <a:ln>
+            <a:tailEnd type="triangle"/>
+          </a:ln>
+        </p:spPr>
+        <p:style>
+          <a:lnRef idx="1">
+            <a:schemeClr val="accent1"/>
+          </a:lnRef>
+          <a:fillRef idx="0">
+            <a:schemeClr val="accent1"/>
+          </a:fillRef>
+          <a:effectRef idx="0">
+            <a:schemeClr val="accent1"/>
+          </a:effectRef>
+          <a:fontRef idx="minor">
+            <a:schemeClr val="tx1"/>
+          </a:fontRef>
+        </p:style>
+      </p:cxnSp>
+      <p:cxnSp>
+        <p:nvCxnSpPr>
+          <p:cNvPr id="12" name="Straight Arrow Connector 11">
+            <a:extLst>
+              <a:ext uri="{FF2B5EF4-FFF2-40B4-BE49-F238E27FC236}">
+                <a16:creationId xmlns:a16="http://schemas.microsoft.com/office/drawing/2014/main" id="{8D4D24EC-3E15-407F-DB3F-A27D9C6A94B7}"/>
+              </a:ext>
+            </a:extLst>
+          </p:cNvPr>
+          <p:cNvCxnSpPr>
+            <a:endCxn id="7" idx="0"/>
+          </p:cNvCxnSpPr>
+          <p:nvPr/>
+        </p:nvCxnSpPr>
+        <p:spPr>
+          <a:xfrm>
+            <a:off x="6096000" y="4564744"/>
+            <a:ext cx="0" cy="1037771"/>
+          </a:xfrm>
+          <a:prstGeom prst="straightConnector1">
+            <a:avLst/>
+          </a:prstGeom>
+          <a:ln>
+            <a:tailEnd type="triangle"/>
+          </a:ln>
+        </p:spPr>
+        <p:style>
+          <a:lnRef idx="1">
+            <a:schemeClr val="accent1"/>
+          </a:lnRef>
+          <a:fillRef idx="0">
+            <a:schemeClr val="accent1"/>
+          </a:fillRef>
+          <a:effectRef idx="0">
+            <a:schemeClr val="accent1"/>
+          </a:effectRef>
+          <a:fontRef idx="minor">
+            <a:schemeClr val="tx1"/>
+          </a:fontRef>
+        </p:style>
+      </p:cxnSp>
+      <p:cxnSp>
+        <p:nvCxnSpPr>
+          <p:cNvPr id="16" name="Straight Arrow Connector 15">
+            <a:extLst>
+              <a:ext uri="{FF2B5EF4-FFF2-40B4-BE49-F238E27FC236}">
+                <a16:creationId xmlns:a16="http://schemas.microsoft.com/office/drawing/2014/main" id="{667C6C4A-C9C4-C01C-8091-FC9A5A6657FF}"/>
+              </a:ext>
+            </a:extLst>
+          </p:cNvPr>
+          <p:cNvCxnSpPr>
+            <a:endCxn id="8" idx="1"/>
+          </p:cNvCxnSpPr>
+          <p:nvPr/>
+        </p:nvCxnSpPr>
+        <p:spPr>
+          <a:xfrm>
+            <a:off x="8294914" y="4194630"/>
+            <a:ext cx="914401" cy="0"/>
+          </a:xfrm>
+          <a:prstGeom prst="straightConnector1">
+            <a:avLst/>
+          </a:prstGeom>
+          <a:ln>
+            <a:tailEnd type="triangle"/>
+          </a:ln>
+        </p:spPr>
+        <p:style>
+          <a:lnRef idx="1">
+            <a:schemeClr val="accent1"/>
+          </a:lnRef>
+          <a:fillRef idx="0">
+            <a:schemeClr val="accent1"/>
+          </a:fillRef>
+          <a:effectRef idx="0">
+            <a:schemeClr val="accent1"/>
+          </a:effectRef>
+          <a:fontRef idx="minor">
+            <a:schemeClr val="tx1"/>
+          </a:fontRef>
+        </p:style>
+      </p:cxnSp>
+      <p:sp>
+        <p:nvSpPr>
+          <p:cNvPr id="17" name="TextBox 16">
+            <a:extLst>
+              <a:ext uri="{FF2B5EF4-FFF2-40B4-BE49-F238E27FC236}">
+                <a16:creationId xmlns:a16="http://schemas.microsoft.com/office/drawing/2014/main" id="{E6B51C7F-4A08-FBF2-AD6F-33232E402169}"/>
+              </a:ext>
+            </a:extLst>
+          </p:cNvPr>
+          <p:cNvSpPr txBox="1"/>
+          <p:nvPr/>
+        </p:nvSpPr>
+        <p:spPr>
+          <a:xfrm>
+            <a:off x="8723083" y="4934857"/>
+            <a:ext cx="1756230" cy="646331"/>
+          </a:xfrm>
+          <a:prstGeom prst="rect">
+            <a:avLst/>
+          </a:prstGeom>
+          <a:noFill/>
+        </p:spPr>
+        <p:txBody>
+          <a:bodyPr wrap="square" rtlCol="0">
+            <a:spAutoFit/>
+          </a:bodyPr>
+          <a:lstStyle/>
+          <a:p>
+            <a:r>
+              <a:rPr lang="en-US" dirty="0"/>
+              <a:t>Set via Response Header</a:t>
+            </a:r>
+          </a:p>
+        </p:txBody>
+      </p:sp>
+      <p:cxnSp>
+        <p:nvCxnSpPr>
+          <p:cNvPr id="19" name="Connector: Elbow 18">
+            <a:extLst>
+              <a:ext uri="{FF2B5EF4-FFF2-40B4-BE49-F238E27FC236}">
+                <a16:creationId xmlns:a16="http://schemas.microsoft.com/office/drawing/2014/main" id="{609E4C08-4CB0-2060-B9CC-43EF9AB46CAD}"/>
+              </a:ext>
+            </a:extLst>
+          </p:cNvPr>
+          <p:cNvCxnSpPr>
+            <a:stCxn id="7" idx="3"/>
+            <a:endCxn id="8" idx="2"/>
+          </p:cNvCxnSpPr>
+          <p:nvPr/>
+        </p:nvCxnSpPr>
+        <p:spPr>
+          <a:xfrm flipV="1">
+            <a:off x="8294914" y="4564744"/>
+            <a:ext cx="2129973" cy="1407885"/>
+          </a:xfrm>
+          <a:prstGeom prst="bentConnector2">
+            <a:avLst/>
+          </a:prstGeom>
+          <a:ln>
+            <a:tailEnd type="triangle"/>
+          </a:ln>
+        </p:spPr>
+        <p:style>
+          <a:lnRef idx="1">
+            <a:schemeClr val="accent1"/>
+          </a:lnRef>
+          <a:fillRef idx="0">
+            <a:schemeClr val="accent1"/>
+          </a:fillRef>
+          <a:effectRef idx="0">
+            <a:schemeClr val="accent1"/>
+          </a:effectRef>
+          <a:fontRef idx="minor">
+            <a:schemeClr val="tx1"/>
+          </a:fontRef>
+        </p:style>
+      </p:cxnSp>
+      <p:sp>
+        <p:nvSpPr>
+          <p:cNvPr id="3" name="Rectangle 2">
+            <a:extLst>
+              <a:ext uri="{FF2B5EF4-FFF2-40B4-BE49-F238E27FC236}">
+                <a16:creationId xmlns:a16="http://schemas.microsoft.com/office/drawing/2014/main" id="{34CC6D03-75F7-39E2-3498-B06216D9BB42}"/>
+              </a:ext>
+            </a:extLst>
+          </p:cNvPr>
+          <p:cNvSpPr/>
+          <p:nvPr/>
+        </p:nvSpPr>
+        <p:spPr>
+          <a:xfrm>
+            <a:off x="9278255" y="5787572"/>
+            <a:ext cx="2431143" cy="740228"/>
+          </a:xfrm>
+          <a:prstGeom prst="rect">
+            <a:avLst/>
+          </a:prstGeom>
+        </p:spPr>
+        <p:style>
+          <a:lnRef idx="2">
+            <a:schemeClr val="accent1">
+              <a:shade val="50000"/>
+            </a:schemeClr>
+          </a:lnRef>
+          <a:fillRef idx="1">
+            <a:schemeClr val="accent1"/>
+          </a:fillRef>
+          <a:effectRef idx="0">
+            <a:schemeClr val="accent1"/>
+          </a:effectRef>
+          <a:fontRef idx="minor">
+            <a:schemeClr val="lt1"/>
+          </a:fontRef>
+        </p:style>
+        <p:txBody>
+          <a:bodyPr rtlCol="0" anchor="ctr"/>
+          <a:lstStyle/>
+          <a:p>
+            <a:pPr algn="ctr"/>
+            <a:r>
+              <a:rPr lang="en-US" dirty="0"/>
+              <a:t>Session</a:t>
+            </a:r>
+          </a:p>
+        </p:txBody>
+      </p:sp>
+      <p:sp>
+        <p:nvSpPr>
+          <p:cNvPr id="9" name="Rectangle 8">
+            <a:extLst>
+              <a:ext uri="{FF2B5EF4-FFF2-40B4-BE49-F238E27FC236}">
+                <a16:creationId xmlns:a16="http://schemas.microsoft.com/office/drawing/2014/main" id="{0206A9AF-629D-9C92-5E46-EE3F3CCF3B1A}"/>
+              </a:ext>
+            </a:extLst>
+          </p:cNvPr>
+          <p:cNvSpPr/>
+          <p:nvPr/>
+        </p:nvSpPr>
+        <p:spPr>
+          <a:xfrm>
+            <a:off x="493486" y="5787572"/>
+            <a:ext cx="2656114" cy="740228"/>
+          </a:xfrm>
+          <a:prstGeom prst="rect">
+            <a:avLst/>
+          </a:prstGeom>
+        </p:spPr>
+        <p:style>
+          <a:lnRef idx="2">
+            <a:schemeClr val="accent1">
+              <a:shade val="50000"/>
+            </a:schemeClr>
+          </a:lnRef>
+          <a:fillRef idx="1">
+            <a:schemeClr val="accent1"/>
+          </a:fillRef>
+          <a:effectRef idx="0">
+            <a:schemeClr val="accent1"/>
+          </a:effectRef>
+          <a:fontRef idx="minor">
+            <a:schemeClr val="lt1"/>
+          </a:fontRef>
+        </p:style>
+        <p:txBody>
+          <a:bodyPr rtlCol="0" anchor="ctr"/>
+          <a:lstStyle/>
+          <a:p>
+            <a:pPr algn="ctr"/>
+            <a:r>
+              <a:rPr lang="en-US" dirty="0"/>
+              <a:t>Database</a:t>
+            </a:r>
+          </a:p>
+        </p:txBody>
+      </p:sp>
+    </p:spTree>
+    <p:extLst>
+      <p:ext uri="{BB962C8B-B14F-4D97-AF65-F5344CB8AC3E}">
+        <p14:creationId xmlns:p14="http://schemas.microsoft.com/office/powerpoint/2010/main" val="2077832860"/>
+      </p:ext>
+    </p:extLst>
+  </p:cSld>
+  <p:clrMapOvr>
+    <a:masterClrMapping/>
+  </p:clrMapOvr>
+</p:sld>
+</file>
+
+<file path=ppt/slides/slide4.xml><?xml version="1.0" encoding="utf-8"?>
+<p:sld xmlns:a="http://schemas.openxmlformats.org/drawingml/2006/main" xmlns:r="http://schemas.openxmlformats.org/officeDocument/2006/relationships" xmlns:p="http://schemas.openxmlformats.org/presentationml/2006/main">
+  <p:cSld>
+    <p:spTree>
+      <p:nvGrpSpPr>
+        <p:cNvPr id="1" name=""/>
+        <p:cNvGrpSpPr/>
+        <p:nvPr/>
+      </p:nvGrpSpPr>
+      <p:grpSpPr>
+        <a:xfrm>
+          <a:off x="0" y="0"/>
+          <a:ext cx="0" cy="0"/>
+          <a:chOff x="0" y="0"/>
+          <a:chExt cx="0" cy="0"/>
+        </a:xfrm>
+      </p:grpSpPr>
+      <p:sp>
+        <p:nvSpPr>
+          <p:cNvPr id="2" name="Title 1">
+            <a:extLst>
+              <a:ext uri="{FF2B5EF4-FFF2-40B4-BE49-F238E27FC236}">
+                <a16:creationId xmlns:a16="http://schemas.microsoft.com/office/drawing/2014/main" id="{50002A57-5D7A-ED41-26BE-4F409695CEAD}"/>
+              </a:ext>
+            </a:extLst>
+          </p:cNvPr>
+          <p:cNvSpPr>
+            <a:spLocks noGrp="1"/>
+          </p:cNvSpPr>
+          <p:nvPr>
+            <p:ph type="title"/>
+          </p:nvPr>
+        </p:nvSpPr>
+        <p:spPr/>
+        <p:txBody>
+          <a:bodyPr/>
+          <a:lstStyle/>
+          <a:p>
+            <a:r>
+              <a:rPr lang="en-US" dirty="0"/>
+              <a:t>Module Summary</a:t>
+            </a:r>
+          </a:p>
+        </p:txBody>
+      </p:sp>
+      <p:sp>
+        <p:nvSpPr>
+          <p:cNvPr id="4" name="TextBox 3">
+            <a:extLst>
+              <a:ext uri="{FF2B5EF4-FFF2-40B4-BE49-F238E27FC236}">
+                <a16:creationId xmlns:a16="http://schemas.microsoft.com/office/drawing/2014/main" id="{C1554600-FD6C-06D0-E1E8-D140449B58FE}"/>
+              </a:ext>
+            </a:extLst>
+          </p:cNvPr>
+          <p:cNvSpPr txBox="1"/>
+          <p:nvPr/>
+        </p:nvSpPr>
+        <p:spPr>
+          <a:xfrm>
+            <a:off x="1364343" y="1944914"/>
+            <a:ext cx="9912522" cy="1477328"/>
+          </a:xfrm>
+          <a:prstGeom prst="rect">
+            <a:avLst/>
+          </a:prstGeom>
+          <a:noFill/>
+        </p:spPr>
+        <p:txBody>
+          <a:bodyPr wrap="none" rtlCol="0">
+            <a:spAutoFit/>
+          </a:bodyPr>
+          <a:lstStyle/>
+          <a:p>
+            <a:r>
+              <a:rPr lang="en-US" dirty="0"/>
+              <a:t>Cookies</a:t>
+            </a:r>
+          </a:p>
+          <a:p>
+            <a:pPr marL="285750" indent="-285750">
+              <a:buFont typeface="Arial" panose="020B0604020202020204" pitchFamily="34" charset="0"/>
+              <a:buChar char="•"/>
+            </a:pPr>
+            <a:r>
+              <a:rPr lang="en-US" dirty="0"/>
+              <a:t>Great for storing data on the client (browser)</a:t>
+            </a:r>
+          </a:p>
+          <a:p>
+            <a:pPr marL="285750" indent="-285750">
+              <a:buFont typeface="Arial" panose="020B0604020202020204" pitchFamily="34" charset="0"/>
+              <a:buChar char="•"/>
+            </a:pPr>
+            <a:r>
+              <a:rPr lang="en-US" dirty="0"/>
+              <a:t>Do NOT store sensitive data here! It can be viewed + manipulated</a:t>
+            </a:r>
+          </a:p>
+          <a:p>
+            <a:pPr marL="285750" indent="-285750">
+              <a:buFont typeface="Arial" panose="020B0604020202020204" pitchFamily="34" charset="0"/>
+              <a:buChar char="•"/>
+            </a:pPr>
+            <a:r>
+              <a:rPr lang="en-US" dirty="0"/>
+              <a:t>Cookies can be configured to expire when the browser is closed or certain age/expiry date is reached</a:t>
+            </a:r>
+          </a:p>
+          <a:p>
+            <a:pPr marL="285750" indent="-285750">
+              <a:buFont typeface="Arial" panose="020B0604020202020204" pitchFamily="34" charset="0"/>
+              <a:buChar char="•"/>
+            </a:pPr>
+            <a:r>
+              <a:rPr lang="en-US" dirty="0"/>
+              <a:t>Works well together with sessions</a:t>
+            </a:r>
+          </a:p>
+        </p:txBody>
+      </p:sp>
+      <p:sp>
+        <p:nvSpPr>
+          <p:cNvPr id="5" name="TextBox 4">
+            <a:extLst>
+              <a:ext uri="{FF2B5EF4-FFF2-40B4-BE49-F238E27FC236}">
+                <a16:creationId xmlns:a16="http://schemas.microsoft.com/office/drawing/2014/main" id="{D441F5F9-18CD-45D8-7FF7-3C0D53F4A0AD}"/>
+              </a:ext>
+            </a:extLst>
+          </p:cNvPr>
+          <p:cNvSpPr txBox="1"/>
+          <p:nvPr/>
+        </p:nvSpPr>
+        <p:spPr>
+          <a:xfrm>
+            <a:off x="1494971" y="3860800"/>
+            <a:ext cx="7137082" cy="2031325"/>
+          </a:xfrm>
+          <a:prstGeom prst="rect">
+            <a:avLst/>
+          </a:prstGeom>
+          <a:noFill/>
+        </p:spPr>
+        <p:txBody>
+          <a:bodyPr wrap="none" rtlCol="0">
+            <a:spAutoFit/>
+          </a:bodyPr>
+          <a:lstStyle/>
+          <a:p>
+            <a:r>
+              <a:rPr lang="en-US" dirty="0"/>
+              <a:t>Sessions</a:t>
+            </a:r>
+          </a:p>
+          <a:p>
+            <a:pPr marL="285750" indent="-285750">
+              <a:buFont typeface="Arial" panose="020B0604020202020204" pitchFamily="34" charset="0"/>
+              <a:buChar char="•"/>
+            </a:pPr>
+            <a:r>
+              <a:rPr lang="en-US" dirty="0"/>
+              <a:t>Stored on the server, NOT on the client</a:t>
+            </a:r>
+          </a:p>
+          <a:p>
+            <a:pPr marL="285750" indent="-285750">
+              <a:buFont typeface="Arial" panose="020B0604020202020204" pitchFamily="34" charset="0"/>
+              <a:buChar char="•"/>
+            </a:pPr>
+            <a:r>
+              <a:rPr lang="en-US" dirty="0"/>
+              <a:t>Great for </a:t>
+            </a:r>
+            <a:r>
+              <a:rPr lang="en-US" dirty="0" err="1"/>
+              <a:t>storeing</a:t>
+            </a:r>
+            <a:r>
+              <a:rPr lang="en-US" dirty="0"/>
+              <a:t> sensitive data that should survive across requests</a:t>
+            </a:r>
+          </a:p>
+          <a:p>
+            <a:pPr marL="285750" indent="-285750">
+              <a:buFont typeface="Arial" panose="020B0604020202020204" pitchFamily="34" charset="0"/>
+              <a:buChar char="•"/>
+            </a:pPr>
+            <a:r>
+              <a:rPr lang="en-US" dirty="0"/>
+              <a:t>We can store ANYTHING in sessions</a:t>
+            </a:r>
+          </a:p>
+          <a:p>
+            <a:pPr marL="285750" indent="-285750">
+              <a:buFont typeface="Arial" panose="020B0604020202020204" pitchFamily="34" charset="0"/>
+              <a:buChar char="•"/>
+            </a:pPr>
+            <a:r>
+              <a:rPr lang="en-US" dirty="0"/>
+              <a:t>Often used for storing user data/authentication status</a:t>
+            </a:r>
+          </a:p>
+          <a:p>
+            <a:pPr marL="285750" indent="-285750">
+              <a:buFont typeface="Arial" panose="020B0604020202020204" pitchFamily="34" charset="0"/>
+              <a:buChar char="•"/>
+            </a:pPr>
+            <a:r>
+              <a:rPr lang="en-US" dirty="0"/>
+              <a:t>Identified via Cookie (don’t mistake this with the term “Session Cookie)</a:t>
+            </a:r>
+          </a:p>
+          <a:p>
+            <a:pPr marL="285750" indent="-285750">
+              <a:buFont typeface="Arial" panose="020B0604020202020204" pitchFamily="34" charset="0"/>
+              <a:buChar char="•"/>
+            </a:pPr>
+            <a:r>
+              <a:rPr lang="en-US" dirty="0"/>
+              <a:t>We can use different storages for saving our sessions on the server</a:t>
+            </a:r>
+          </a:p>
+        </p:txBody>
+      </p:sp>
+    </p:spTree>
+    <p:extLst>
+      <p:ext uri="{BB962C8B-B14F-4D97-AF65-F5344CB8AC3E}">
+        <p14:creationId xmlns:p14="http://schemas.microsoft.com/office/powerpoint/2010/main" val="1631960586"/>
       </p:ext>
     </p:extLst>
   </p:cSld>

--- a/Sessions & Cookies.pptx
+++ b/Sessions & Cookies.pptx
@@ -8,7 +8,10 @@
     <p:sldId id="256" r:id="rId2"/>
     <p:sldId id="257" r:id="rId3"/>
     <p:sldId id="258" r:id="rId4"/>
-    <p:sldId id="259" r:id="rId5"/>
+    <p:sldId id="261" r:id="rId5"/>
+    <p:sldId id="259" r:id="rId6"/>
+    <p:sldId id="260" r:id="rId7"/>
+    <p:sldId id="262" r:id="rId8"/>
   </p:sldIdLst>
   <p:sldSz cx="12192000" cy="6858000"/>
   <p:notesSz cx="6858000" cy="9144000"/>
@@ -262,7 +265,7 @@
           <a:p>
             <a:fld id="{96B1D18C-14DF-42B3-A5BD-77D05B72A41B}" type="datetimeFigureOut">
               <a:rPr lang="en-US" smtClean="0"/>
-              <a:t>1/24/2023</a:t>
+              <a:t>1/25/2023</a:t>
             </a:fld>
             <a:endParaRPr lang="en-US"/>
           </a:p>
@@ -460,7 +463,7 @@
           <a:p>
             <a:fld id="{96B1D18C-14DF-42B3-A5BD-77D05B72A41B}" type="datetimeFigureOut">
               <a:rPr lang="en-US" smtClean="0"/>
-              <a:t>1/24/2023</a:t>
+              <a:t>1/25/2023</a:t>
             </a:fld>
             <a:endParaRPr lang="en-US"/>
           </a:p>
@@ -668,7 +671,7 @@
           <a:p>
             <a:fld id="{96B1D18C-14DF-42B3-A5BD-77D05B72A41B}" type="datetimeFigureOut">
               <a:rPr lang="en-US" smtClean="0"/>
-              <a:t>1/24/2023</a:t>
+              <a:t>1/25/2023</a:t>
             </a:fld>
             <a:endParaRPr lang="en-US"/>
           </a:p>
@@ -866,7 +869,7 @@
           <a:p>
             <a:fld id="{96B1D18C-14DF-42B3-A5BD-77D05B72A41B}" type="datetimeFigureOut">
               <a:rPr lang="en-US" smtClean="0"/>
-              <a:t>1/24/2023</a:t>
+              <a:t>1/25/2023</a:t>
             </a:fld>
             <a:endParaRPr lang="en-US"/>
           </a:p>
@@ -1141,7 +1144,7 @@
           <a:p>
             <a:fld id="{96B1D18C-14DF-42B3-A5BD-77D05B72A41B}" type="datetimeFigureOut">
               <a:rPr lang="en-US" smtClean="0"/>
-              <a:t>1/24/2023</a:t>
+              <a:t>1/25/2023</a:t>
             </a:fld>
             <a:endParaRPr lang="en-US"/>
           </a:p>
@@ -1406,7 +1409,7 @@
           <a:p>
             <a:fld id="{96B1D18C-14DF-42B3-A5BD-77D05B72A41B}" type="datetimeFigureOut">
               <a:rPr lang="en-US" smtClean="0"/>
-              <a:t>1/24/2023</a:t>
+              <a:t>1/25/2023</a:t>
             </a:fld>
             <a:endParaRPr lang="en-US"/>
           </a:p>
@@ -1818,7 +1821,7 @@
           <a:p>
             <a:fld id="{96B1D18C-14DF-42B3-A5BD-77D05B72A41B}" type="datetimeFigureOut">
               <a:rPr lang="en-US" smtClean="0"/>
-              <a:t>1/24/2023</a:t>
+              <a:t>1/25/2023</a:t>
             </a:fld>
             <a:endParaRPr lang="en-US"/>
           </a:p>
@@ -1959,7 +1962,7 @@
           <a:p>
             <a:fld id="{96B1D18C-14DF-42B3-A5BD-77D05B72A41B}" type="datetimeFigureOut">
               <a:rPr lang="en-US" smtClean="0"/>
-              <a:t>1/24/2023</a:t>
+              <a:t>1/25/2023</a:t>
             </a:fld>
             <a:endParaRPr lang="en-US"/>
           </a:p>
@@ -2072,7 +2075,7 @@
           <a:p>
             <a:fld id="{96B1D18C-14DF-42B3-A5BD-77D05B72A41B}" type="datetimeFigureOut">
               <a:rPr lang="en-US" smtClean="0"/>
-              <a:t>1/24/2023</a:t>
+              <a:t>1/25/2023</a:t>
             </a:fld>
             <a:endParaRPr lang="en-US"/>
           </a:p>
@@ -2383,7 +2386,7 @@
           <a:p>
             <a:fld id="{96B1D18C-14DF-42B3-A5BD-77D05B72A41B}" type="datetimeFigureOut">
               <a:rPr lang="en-US" smtClean="0"/>
-              <a:t>1/24/2023</a:t>
+              <a:t>1/25/2023</a:t>
             </a:fld>
             <a:endParaRPr lang="en-US"/>
           </a:p>
@@ -2671,7 +2674,7 @@
           <a:p>
             <a:fld id="{96B1D18C-14DF-42B3-A5BD-77D05B72A41B}" type="datetimeFigureOut">
               <a:rPr lang="en-US" smtClean="0"/>
-              <a:t>1/24/2023</a:t>
+              <a:t>1/25/2023</a:t>
             </a:fld>
             <a:endParaRPr lang="en-US"/>
           </a:p>
@@ -2912,7 +2915,7 @@
           <a:p>
             <a:fld id="{96B1D18C-14DF-42B3-A5BD-77D05B72A41B}" type="datetimeFigureOut">
               <a:rPr lang="en-US" smtClean="0"/>
-              <a:t>1/24/2023</a:t>
+              <a:t>1/25/2023</a:t>
             </a:fld>
             <a:endParaRPr lang="en-US"/>
           </a:p>
@@ -4638,6 +4641,146 @@
           <p:cNvPr id="2" name="Title 1">
             <a:extLst>
               <a:ext uri="{FF2B5EF4-FFF2-40B4-BE49-F238E27FC236}">
+                <a16:creationId xmlns:a16="http://schemas.microsoft.com/office/drawing/2014/main" id="{4566E31F-A8C0-644D-8199-CDAB06BCFA15}"/>
+              </a:ext>
+            </a:extLst>
+          </p:cNvPr>
+          <p:cNvSpPr>
+            <a:spLocks noGrp="1"/>
+          </p:cNvSpPr>
+          <p:nvPr>
+            <p:ph type="title"/>
+          </p:nvPr>
+        </p:nvSpPr>
+        <p:spPr/>
+        <p:txBody>
+          <a:bodyPr/>
+          <a:lstStyle/>
+          <a:p>
+            <a:endParaRPr lang="en-US"/>
+          </a:p>
+        </p:txBody>
+      </p:sp>
+      <p:sp>
+        <p:nvSpPr>
+          <p:cNvPr id="3" name="Content Placeholder 2">
+            <a:extLst>
+              <a:ext uri="{FF2B5EF4-FFF2-40B4-BE49-F238E27FC236}">
+                <a16:creationId xmlns:a16="http://schemas.microsoft.com/office/drawing/2014/main" id="{7470D8D7-1D8A-13B7-2C66-581E7639AED8}"/>
+              </a:ext>
+            </a:extLst>
+          </p:cNvPr>
+          <p:cNvSpPr>
+            <a:spLocks noGrp="1"/>
+          </p:cNvSpPr>
+          <p:nvPr>
+            <p:ph idx="1"/>
+          </p:nvPr>
+        </p:nvSpPr>
+        <p:spPr/>
+        <p:txBody>
+          <a:bodyPr/>
+          <a:lstStyle/>
+          <a:p>
+            <a:pPr marL="514350" indent="-514350">
+              <a:buAutoNum type="arabicParenR"/>
+            </a:pPr>
+            <a:r>
+              <a:rPr lang="en-US" dirty="0"/>
+              <a:t>Initializing the Session Middleware.</a:t>
+            </a:r>
+          </a:p>
+          <a:p>
+            <a:pPr marL="514350" indent="-514350">
+              <a:buAutoNum type="arabicParenR"/>
+            </a:pPr>
+            <a:r>
+              <a:rPr lang="en-US" dirty="0"/>
+              <a:t>Using the Session Middleware.</a:t>
+            </a:r>
+          </a:p>
+          <a:p>
+            <a:pPr marL="514350" indent="-514350">
+              <a:buAutoNum type="arabicParenR"/>
+            </a:pPr>
+            <a:r>
+              <a:rPr lang="en-US" dirty="0"/>
+              <a:t>Using MongoDB to store Sessions. Connect-</a:t>
+            </a:r>
+            <a:r>
+              <a:rPr lang="en-US" dirty="0" err="1"/>
+              <a:t>mongodb</a:t>
+            </a:r>
+            <a:r>
+              <a:rPr lang="en-US" dirty="0"/>
+              <a:t>-session.</a:t>
+            </a:r>
+          </a:p>
+          <a:p>
+            <a:pPr marL="514350" indent="-514350">
+              <a:buAutoNum type="arabicParenR"/>
+            </a:pPr>
+            <a:r>
+              <a:rPr lang="en-US" dirty="0"/>
+              <a:t>Deleting a Cookie.</a:t>
+            </a:r>
+          </a:p>
+          <a:p>
+            <a:pPr marL="514350" indent="-514350">
+              <a:buAutoNum type="arabicParenR"/>
+            </a:pPr>
+            <a:r>
+              <a:rPr lang="en-US" dirty="0" err="1"/>
+              <a:t>Order,cart</a:t>
+            </a:r>
+            <a:r>
+              <a:rPr lang="en-US" dirty="0"/>
+              <a:t> in Auth.</a:t>
+            </a:r>
+          </a:p>
+          <a:p>
+            <a:pPr marL="514350" indent="-514350">
+              <a:buAutoNum type="arabicParenR"/>
+            </a:pPr>
+            <a:endParaRPr lang="en-US" dirty="0"/>
+          </a:p>
+        </p:txBody>
+      </p:sp>
+    </p:spTree>
+    <p:extLst>
+      <p:ext uri="{BB962C8B-B14F-4D97-AF65-F5344CB8AC3E}">
+        <p14:creationId xmlns:p14="http://schemas.microsoft.com/office/powerpoint/2010/main" val="986333043"/>
+      </p:ext>
+    </p:extLst>
+  </p:cSld>
+  <p:clrMapOvr>
+    <a:masterClrMapping/>
+  </p:clrMapOvr>
+</p:sld>
+</file>
+
+<file path=ppt/slides/slide5.xml><?xml version="1.0" encoding="utf-8"?>
+<p:sld xmlns:a="http://schemas.openxmlformats.org/drawingml/2006/main" xmlns:r="http://schemas.openxmlformats.org/officeDocument/2006/relationships" xmlns:p="http://schemas.openxmlformats.org/presentationml/2006/main">
+  <p:cSld>
+    <p:spTree>
+      <p:nvGrpSpPr>
+        <p:cNvPr id="1" name=""/>
+        <p:cNvGrpSpPr/>
+        <p:nvPr/>
+      </p:nvGrpSpPr>
+      <p:grpSpPr>
+        <a:xfrm>
+          <a:off x="0" y="0"/>
+          <a:ext cx="0" cy="0"/>
+          <a:chOff x="0" y="0"/>
+          <a:chExt cx="0" cy="0"/>
+        </a:xfrm>
+      </p:grpSpPr>
+      <p:sp>
+        <p:nvSpPr>
+          <p:cNvPr id="2" name="Title 1">
+            <a:extLst>
+              <a:ext uri="{FF2B5EF4-FFF2-40B4-BE49-F238E27FC236}">
                 <a16:creationId xmlns:a16="http://schemas.microsoft.com/office/drawing/2014/main" id="{50002A57-5D7A-ED41-26BE-4F409695CEAD}"/>
               </a:ext>
             </a:extLst>
@@ -4843,6 +4986,724 @@
     <p:extLst>
       <p:ext uri="{BB962C8B-B14F-4D97-AF65-F5344CB8AC3E}">
         <p14:creationId xmlns:p14="http://schemas.microsoft.com/office/powerpoint/2010/main" val="1631960586"/>
+      </p:ext>
+    </p:extLst>
+  </p:cSld>
+  <p:clrMapOvr>
+    <a:masterClrMapping/>
+  </p:clrMapOvr>
+</p:sld>
+</file>
+
+<file path=ppt/slides/slide6.xml><?xml version="1.0" encoding="utf-8"?>
+<p:sld xmlns:a="http://schemas.openxmlformats.org/drawingml/2006/main" xmlns:r="http://schemas.openxmlformats.org/officeDocument/2006/relationships" xmlns:p="http://schemas.openxmlformats.org/presentationml/2006/main">
+  <p:cSld>
+    <p:spTree>
+      <p:nvGrpSpPr>
+        <p:cNvPr id="1" name=""/>
+        <p:cNvGrpSpPr/>
+        <p:nvPr/>
+      </p:nvGrpSpPr>
+      <p:grpSpPr>
+        <a:xfrm>
+          <a:off x="0" y="0"/>
+          <a:ext cx="0" cy="0"/>
+          <a:chOff x="0" y="0"/>
+          <a:chExt cx="0" cy="0"/>
+        </a:xfrm>
+      </p:grpSpPr>
+      <p:sp>
+        <p:nvSpPr>
+          <p:cNvPr id="11" name="Rectangle 10">
+            <a:extLst>
+              <a:ext uri="{FF2B5EF4-FFF2-40B4-BE49-F238E27FC236}">
+                <a16:creationId xmlns:a16="http://schemas.microsoft.com/office/drawing/2014/main" id="{5ECEA4DE-A4D9-3DEF-233C-30427BF59BD2}"/>
+              </a:ext>
+            </a:extLst>
+          </p:cNvPr>
+          <p:cNvSpPr/>
+          <p:nvPr/>
+        </p:nvSpPr>
+        <p:spPr>
+          <a:xfrm>
+            <a:off x="5364844" y="3323772"/>
+            <a:ext cx="6571344" cy="1524000"/>
+          </a:xfrm>
+          <a:prstGeom prst="rect">
+            <a:avLst/>
+          </a:prstGeom>
+          <a:solidFill>
+            <a:schemeClr val="accent2">
+              <a:lumMod val="40000"/>
+              <a:lumOff val="60000"/>
+            </a:schemeClr>
+          </a:solidFill>
+          <a:ln>
+            <a:prstDash val="sysDash"/>
+          </a:ln>
+        </p:spPr>
+        <p:style>
+          <a:lnRef idx="2">
+            <a:schemeClr val="accent1">
+              <a:shade val="50000"/>
+            </a:schemeClr>
+          </a:lnRef>
+          <a:fillRef idx="1">
+            <a:schemeClr val="accent1"/>
+          </a:fillRef>
+          <a:effectRef idx="0">
+            <a:schemeClr val="accent1"/>
+          </a:effectRef>
+          <a:fontRef idx="minor">
+            <a:schemeClr val="lt1"/>
+          </a:fontRef>
+        </p:style>
+        <p:txBody>
+          <a:bodyPr rtlCol="0" anchor="ctr"/>
+          <a:lstStyle/>
+          <a:p>
+            <a:pPr algn="ctr"/>
+            <a:endParaRPr lang="en-US"/>
+          </a:p>
+        </p:txBody>
+      </p:sp>
+      <p:sp>
+        <p:nvSpPr>
+          <p:cNvPr id="10" name="Rectangle 9">
+            <a:extLst>
+              <a:ext uri="{FF2B5EF4-FFF2-40B4-BE49-F238E27FC236}">
+                <a16:creationId xmlns:a16="http://schemas.microsoft.com/office/drawing/2014/main" id="{E8710A14-B79D-8F7C-DC90-32C9A0642583}"/>
+              </a:ext>
+            </a:extLst>
+          </p:cNvPr>
+          <p:cNvSpPr/>
+          <p:nvPr/>
+        </p:nvSpPr>
+        <p:spPr>
+          <a:xfrm>
+            <a:off x="838200" y="3272974"/>
+            <a:ext cx="2917372" cy="1524000"/>
+          </a:xfrm>
+          <a:prstGeom prst="rect">
+            <a:avLst/>
+          </a:prstGeom>
+          <a:solidFill>
+            <a:schemeClr val="accent6">
+              <a:lumMod val="40000"/>
+              <a:lumOff val="60000"/>
+            </a:schemeClr>
+          </a:solidFill>
+          <a:ln>
+            <a:prstDash val="sysDash"/>
+          </a:ln>
+        </p:spPr>
+        <p:style>
+          <a:lnRef idx="2">
+            <a:schemeClr val="accent1">
+              <a:shade val="50000"/>
+            </a:schemeClr>
+          </a:lnRef>
+          <a:fillRef idx="1">
+            <a:schemeClr val="accent1"/>
+          </a:fillRef>
+          <a:effectRef idx="0">
+            <a:schemeClr val="accent1"/>
+          </a:effectRef>
+          <a:fontRef idx="minor">
+            <a:schemeClr val="lt1"/>
+          </a:fontRef>
+        </p:style>
+        <p:txBody>
+          <a:bodyPr rtlCol="0" anchor="ctr"/>
+          <a:lstStyle/>
+          <a:p>
+            <a:pPr algn="ctr"/>
+            <a:endParaRPr lang="en-US"/>
+          </a:p>
+        </p:txBody>
+      </p:sp>
+      <p:sp>
+        <p:nvSpPr>
+          <p:cNvPr id="2" name="Title 1">
+            <a:extLst>
+              <a:ext uri="{FF2B5EF4-FFF2-40B4-BE49-F238E27FC236}">
+                <a16:creationId xmlns:a16="http://schemas.microsoft.com/office/drawing/2014/main" id="{21C3D781-EEF8-D174-2A7A-24A7FCC943C8}"/>
+              </a:ext>
+            </a:extLst>
+          </p:cNvPr>
+          <p:cNvSpPr>
+            <a:spLocks noGrp="1"/>
+          </p:cNvSpPr>
+          <p:nvPr>
+            <p:ph type="title"/>
+          </p:nvPr>
+        </p:nvSpPr>
+        <p:spPr>
+          <a:xfrm>
+            <a:off x="838200" y="365126"/>
+            <a:ext cx="5838371" cy="883104"/>
+          </a:xfrm>
+        </p:spPr>
+        <p:txBody>
+          <a:bodyPr>
+            <a:normAutofit/>
+          </a:bodyPr>
+          <a:lstStyle/>
+          <a:p>
+            <a:r>
+              <a:rPr lang="en-US" sz="4000" dirty="0"/>
+              <a:t>What is “Authentication”?</a:t>
+            </a:r>
+          </a:p>
+        </p:txBody>
+      </p:sp>
+      <p:sp>
+        <p:nvSpPr>
+          <p:cNvPr id="4" name="Rectangle 3">
+            <a:extLst>
+              <a:ext uri="{FF2B5EF4-FFF2-40B4-BE49-F238E27FC236}">
+                <a16:creationId xmlns:a16="http://schemas.microsoft.com/office/drawing/2014/main" id="{698EBDEC-AA1D-37A2-2047-6BC1498D94C7}"/>
+              </a:ext>
+            </a:extLst>
+          </p:cNvPr>
+          <p:cNvSpPr/>
+          <p:nvPr/>
+        </p:nvSpPr>
+        <p:spPr>
+          <a:xfrm>
+            <a:off x="3614057" y="1505860"/>
+            <a:ext cx="2481943" cy="609599"/>
+          </a:xfrm>
+          <a:prstGeom prst="rect">
+            <a:avLst/>
+          </a:prstGeom>
+        </p:spPr>
+        <p:style>
+          <a:lnRef idx="2">
+            <a:schemeClr val="accent1">
+              <a:shade val="50000"/>
+            </a:schemeClr>
+          </a:lnRef>
+          <a:fillRef idx="1">
+            <a:schemeClr val="accent1"/>
+          </a:fillRef>
+          <a:effectRef idx="0">
+            <a:schemeClr val="accent1"/>
+          </a:effectRef>
+          <a:fontRef idx="minor">
+            <a:schemeClr val="lt1"/>
+          </a:fontRef>
+        </p:style>
+        <p:txBody>
+          <a:bodyPr rtlCol="0" anchor="ctr"/>
+          <a:lstStyle/>
+          <a:p>
+            <a:pPr algn="ctr"/>
+            <a:r>
+              <a:rPr lang="en-US" dirty="0"/>
+              <a:t>User</a:t>
+            </a:r>
+          </a:p>
+        </p:txBody>
+      </p:sp>
+      <p:sp>
+        <p:nvSpPr>
+          <p:cNvPr id="5" name="Rectangle 4">
+            <a:extLst>
+              <a:ext uri="{FF2B5EF4-FFF2-40B4-BE49-F238E27FC236}">
+                <a16:creationId xmlns:a16="http://schemas.microsoft.com/office/drawing/2014/main" id="{3F4E3AA7-E750-7AE6-64A6-E6168A8A4E25}"/>
+              </a:ext>
+            </a:extLst>
+          </p:cNvPr>
+          <p:cNvSpPr/>
+          <p:nvPr/>
+        </p:nvSpPr>
+        <p:spPr>
+          <a:xfrm>
+            <a:off x="1052286" y="3755575"/>
+            <a:ext cx="2481943" cy="609599"/>
+          </a:xfrm>
+          <a:prstGeom prst="rect">
+            <a:avLst/>
+          </a:prstGeom>
+        </p:spPr>
+        <p:style>
+          <a:lnRef idx="2">
+            <a:schemeClr val="accent1">
+              <a:shade val="50000"/>
+            </a:schemeClr>
+          </a:lnRef>
+          <a:fillRef idx="1">
+            <a:schemeClr val="accent1"/>
+          </a:fillRef>
+          <a:effectRef idx="0">
+            <a:schemeClr val="accent1"/>
+          </a:effectRef>
+          <a:fontRef idx="minor">
+            <a:schemeClr val="lt1"/>
+          </a:fontRef>
+        </p:style>
+        <p:txBody>
+          <a:bodyPr rtlCol="0" anchor="ctr"/>
+          <a:lstStyle/>
+          <a:p>
+            <a:pPr algn="ctr"/>
+            <a:r>
+              <a:rPr lang="en-US" dirty="0"/>
+              <a:t>View all Products</a:t>
+            </a:r>
+          </a:p>
+        </p:txBody>
+      </p:sp>
+      <p:sp>
+        <p:nvSpPr>
+          <p:cNvPr id="6" name="Rectangle 5">
+            <a:extLst>
+              <a:ext uri="{FF2B5EF4-FFF2-40B4-BE49-F238E27FC236}">
+                <a16:creationId xmlns:a16="http://schemas.microsoft.com/office/drawing/2014/main" id="{CDABCC83-04A0-0119-E2EE-C0A5C584E641}"/>
+              </a:ext>
+            </a:extLst>
+          </p:cNvPr>
+          <p:cNvSpPr/>
+          <p:nvPr/>
+        </p:nvSpPr>
+        <p:spPr>
+          <a:xfrm>
+            <a:off x="5473703" y="3780973"/>
+            <a:ext cx="2481943" cy="609599"/>
+          </a:xfrm>
+          <a:prstGeom prst="rect">
+            <a:avLst/>
+          </a:prstGeom>
+        </p:spPr>
+        <p:style>
+          <a:lnRef idx="2">
+            <a:schemeClr val="accent1">
+              <a:shade val="50000"/>
+            </a:schemeClr>
+          </a:lnRef>
+          <a:fillRef idx="1">
+            <a:schemeClr val="accent1"/>
+          </a:fillRef>
+          <a:effectRef idx="0">
+            <a:schemeClr val="accent1"/>
+          </a:effectRef>
+          <a:fontRef idx="minor">
+            <a:schemeClr val="lt1"/>
+          </a:fontRef>
+        </p:style>
+        <p:txBody>
+          <a:bodyPr rtlCol="0" anchor="ctr"/>
+          <a:lstStyle/>
+          <a:p>
+            <a:pPr algn="ctr"/>
+            <a:r>
+              <a:rPr lang="en-US" dirty="0"/>
+              <a:t>Create &amp; Manage Products</a:t>
+            </a:r>
+          </a:p>
+        </p:txBody>
+      </p:sp>
+      <p:sp>
+        <p:nvSpPr>
+          <p:cNvPr id="7" name="Rectangle 6">
+            <a:extLst>
+              <a:ext uri="{FF2B5EF4-FFF2-40B4-BE49-F238E27FC236}">
+                <a16:creationId xmlns:a16="http://schemas.microsoft.com/office/drawing/2014/main" id="{50927827-675B-1A5E-B067-16099BFE9788}"/>
+              </a:ext>
+            </a:extLst>
+          </p:cNvPr>
+          <p:cNvSpPr/>
+          <p:nvPr/>
+        </p:nvSpPr>
+        <p:spPr>
+          <a:xfrm>
+            <a:off x="8652332" y="3780973"/>
+            <a:ext cx="2481943" cy="609599"/>
+          </a:xfrm>
+          <a:prstGeom prst="rect">
+            <a:avLst/>
+          </a:prstGeom>
+        </p:spPr>
+        <p:style>
+          <a:lnRef idx="2">
+            <a:schemeClr val="accent1">
+              <a:shade val="50000"/>
+            </a:schemeClr>
+          </a:lnRef>
+          <a:fillRef idx="1">
+            <a:schemeClr val="accent1"/>
+          </a:fillRef>
+          <a:effectRef idx="0">
+            <a:schemeClr val="accent1"/>
+          </a:effectRef>
+          <a:fontRef idx="minor">
+            <a:schemeClr val="lt1"/>
+          </a:fontRef>
+        </p:style>
+        <p:txBody>
+          <a:bodyPr rtlCol="0" anchor="ctr"/>
+          <a:lstStyle/>
+          <a:p>
+            <a:pPr algn="ctr"/>
+            <a:r>
+              <a:rPr lang="en-US" dirty="0"/>
+              <a:t>Place Orders</a:t>
+            </a:r>
+          </a:p>
+        </p:txBody>
+      </p:sp>
+      <p:sp>
+        <p:nvSpPr>
+          <p:cNvPr id="8" name="Rectangle 7">
+            <a:extLst>
+              <a:ext uri="{FF2B5EF4-FFF2-40B4-BE49-F238E27FC236}">
+                <a16:creationId xmlns:a16="http://schemas.microsoft.com/office/drawing/2014/main" id="{5BFBD655-DEDC-A7E2-6CBB-C85158E52F5F}"/>
+              </a:ext>
+            </a:extLst>
+          </p:cNvPr>
+          <p:cNvSpPr/>
+          <p:nvPr/>
+        </p:nvSpPr>
+        <p:spPr>
+          <a:xfrm>
+            <a:off x="4063999" y="5119916"/>
+            <a:ext cx="2481943" cy="609599"/>
+          </a:xfrm>
+          <a:prstGeom prst="rect">
+            <a:avLst/>
+          </a:prstGeom>
+        </p:spPr>
+        <p:style>
+          <a:lnRef idx="2">
+            <a:schemeClr val="accent1">
+              <a:shade val="50000"/>
+            </a:schemeClr>
+          </a:lnRef>
+          <a:fillRef idx="1">
+            <a:schemeClr val="accent1"/>
+          </a:fillRef>
+          <a:effectRef idx="0">
+            <a:schemeClr val="accent1"/>
+          </a:effectRef>
+          <a:fontRef idx="minor">
+            <a:schemeClr val="lt1"/>
+          </a:fontRef>
+        </p:style>
+        <p:txBody>
+          <a:bodyPr rtlCol="0" anchor="ctr"/>
+          <a:lstStyle/>
+          <a:p>
+            <a:pPr algn="ctr"/>
+            <a:r>
+              <a:rPr lang="en-US" dirty="0"/>
+              <a:t>Server</a:t>
+            </a:r>
+          </a:p>
+        </p:txBody>
+      </p:sp>
+      <p:sp>
+        <p:nvSpPr>
+          <p:cNvPr id="9" name="Rectangle 8">
+            <a:extLst>
+              <a:ext uri="{FF2B5EF4-FFF2-40B4-BE49-F238E27FC236}">
+                <a16:creationId xmlns:a16="http://schemas.microsoft.com/office/drawing/2014/main" id="{7AE37E98-B9BD-EB2B-2041-722F5BEC2722}"/>
+              </a:ext>
+            </a:extLst>
+          </p:cNvPr>
+          <p:cNvSpPr/>
+          <p:nvPr/>
+        </p:nvSpPr>
+        <p:spPr>
+          <a:xfrm>
+            <a:off x="4063999" y="5881916"/>
+            <a:ext cx="2481943" cy="609599"/>
+          </a:xfrm>
+          <a:prstGeom prst="rect">
+            <a:avLst/>
+          </a:prstGeom>
+        </p:spPr>
+        <p:style>
+          <a:lnRef idx="2">
+            <a:schemeClr val="accent1">
+              <a:shade val="50000"/>
+            </a:schemeClr>
+          </a:lnRef>
+          <a:fillRef idx="1">
+            <a:schemeClr val="accent1"/>
+          </a:fillRef>
+          <a:effectRef idx="0">
+            <a:schemeClr val="accent1"/>
+          </a:effectRef>
+          <a:fontRef idx="minor">
+            <a:schemeClr val="lt1"/>
+          </a:fontRef>
+        </p:style>
+        <p:txBody>
+          <a:bodyPr rtlCol="0" anchor="ctr"/>
+          <a:lstStyle/>
+          <a:p>
+            <a:pPr algn="ctr"/>
+            <a:r>
+              <a:rPr lang="en-US" dirty="0"/>
+              <a:t>Database</a:t>
+            </a:r>
+          </a:p>
+        </p:txBody>
+      </p:sp>
+      <p:cxnSp>
+        <p:nvCxnSpPr>
+          <p:cNvPr id="15" name="Connector: Elbow 14">
+            <a:extLst>
+              <a:ext uri="{FF2B5EF4-FFF2-40B4-BE49-F238E27FC236}">
+                <a16:creationId xmlns:a16="http://schemas.microsoft.com/office/drawing/2014/main" id="{A82A1AB6-FCD5-2C3C-B383-8BC99F6B011C}"/>
+              </a:ext>
+            </a:extLst>
+          </p:cNvPr>
+          <p:cNvCxnSpPr>
+            <a:stCxn id="4" idx="2"/>
+            <a:endCxn id="10" idx="0"/>
+          </p:cNvCxnSpPr>
+          <p:nvPr/>
+        </p:nvCxnSpPr>
+        <p:spPr>
+          <a:xfrm rot="5400000">
+            <a:off x="2997201" y="1415145"/>
+            <a:ext cx="1157515" cy="2558143"/>
+          </a:xfrm>
+          <a:prstGeom prst="bentConnector3">
+            <a:avLst/>
+          </a:prstGeom>
+          <a:ln>
+            <a:tailEnd type="triangle"/>
+          </a:ln>
+        </p:spPr>
+        <p:style>
+          <a:lnRef idx="1">
+            <a:schemeClr val="accent1"/>
+          </a:lnRef>
+          <a:fillRef idx="0">
+            <a:schemeClr val="accent1"/>
+          </a:fillRef>
+          <a:effectRef idx="0">
+            <a:schemeClr val="accent1"/>
+          </a:effectRef>
+          <a:fontRef idx="minor">
+            <a:schemeClr val="tx1"/>
+          </a:fontRef>
+        </p:style>
+      </p:cxnSp>
+      <p:cxnSp>
+        <p:nvCxnSpPr>
+          <p:cNvPr id="17" name="Connector: Elbow 16">
+            <a:extLst>
+              <a:ext uri="{FF2B5EF4-FFF2-40B4-BE49-F238E27FC236}">
+                <a16:creationId xmlns:a16="http://schemas.microsoft.com/office/drawing/2014/main" id="{A4EA2901-BD1C-5C40-E417-9DFE448800BD}"/>
+              </a:ext>
+            </a:extLst>
+          </p:cNvPr>
+          <p:cNvCxnSpPr>
+            <a:stCxn id="4" idx="2"/>
+            <a:endCxn id="11" idx="0"/>
+          </p:cNvCxnSpPr>
+          <p:nvPr/>
+        </p:nvCxnSpPr>
+        <p:spPr>
+          <a:xfrm rot="16200000" flipH="1">
+            <a:off x="6148616" y="821871"/>
+            <a:ext cx="1208313" cy="3795487"/>
+          </a:xfrm>
+          <a:prstGeom prst="bentConnector3">
+            <a:avLst/>
+          </a:prstGeom>
+          <a:ln>
+            <a:tailEnd type="triangle"/>
+          </a:ln>
+        </p:spPr>
+        <p:style>
+          <a:lnRef idx="1">
+            <a:schemeClr val="accent1"/>
+          </a:lnRef>
+          <a:fillRef idx="0">
+            <a:schemeClr val="accent1"/>
+          </a:fillRef>
+          <a:effectRef idx="0">
+            <a:schemeClr val="accent1"/>
+          </a:effectRef>
+          <a:fontRef idx="minor">
+            <a:schemeClr val="tx1"/>
+          </a:fontRef>
+        </p:style>
+      </p:cxnSp>
+      <p:sp>
+        <p:nvSpPr>
+          <p:cNvPr id="18" name="TextBox 17">
+            <a:extLst>
+              <a:ext uri="{FF2B5EF4-FFF2-40B4-BE49-F238E27FC236}">
+                <a16:creationId xmlns:a16="http://schemas.microsoft.com/office/drawing/2014/main" id="{FAE0BB02-220A-B4A9-3D59-90414BB4F7F6}"/>
+              </a:ext>
+            </a:extLst>
+          </p:cNvPr>
+          <p:cNvSpPr txBox="1"/>
+          <p:nvPr/>
+        </p:nvSpPr>
+        <p:spPr>
+          <a:xfrm>
+            <a:off x="1277257" y="2915195"/>
+            <a:ext cx="3285674" cy="369332"/>
+          </a:xfrm>
+          <a:prstGeom prst="rect">
+            <a:avLst/>
+          </a:prstGeom>
+          <a:noFill/>
+        </p:spPr>
+        <p:txBody>
+          <a:bodyPr wrap="square" rtlCol="0">
+            <a:spAutoFit/>
+          </a:bodyPr>
+          <a:lstStyle/>
+          <a:p>
+            <a:r>
+              <a:rPr lang="en-US" dirty="0"/>
+              <a:t>Open to anyone</a:t>
+            </a:r>
+          </a:p>
+        </p:txBody>
+      </p:sp>
+      <p:sp>
+        <p:nvSpPr>
+          <p:cNvPr id="19" name="TextBox 18">
+            <a:extLst>
+              <a:ext uri="{FF2B5EF4-FFF2-40B4-BE49-F238E27FC236}">
+                <a16:creationId xmlns:a16="http://schemas.microsoft.com/office/drawing/2014/main" id="{684275E3-1ACE-6E35-3EBA-CF49F6CFE3EC}"/>
+              </a:ext>
+            </a:extLst>
+          </p:cNvPr>
+          <p:cNvSpPr txBox="1"/>
+          <p:nvPr/>
+        </p:nvSpPr>
+        <p:spPr>
+          <a:xfrm>
+            <a:off x="5856516" y="2866962"/>
+            <a:ext cx="3285674" cy="369332"/>
+          </a:xfrm>
+          <a:prstGeom prst="rect">
+            <a:avLst/>
+          </a:prstGeom>
+          <a:noFill/>
+        </p:spPr>
+        <p:txBody>
+          <a:bodyPr wrap="square" rtlCol="0">
+            <a:spAutoFit/>
+          </a:bodyPr>
+          <a:lstStyle/>
+          <a:p>
+            <a:r>
+              <a:rPr lang="en-US" dirty="0"/>
+              <a:t>Only available to logged-in users</a:t>
+            </a:r>
+          </a:p>
+        </p:txBody>
+      </p:sp>
+    </p:spTree>
+    <p:extLst>
+      <p:ext uri="{BB962C8B-B14F-4D97-AF65-F5344CB8AC3E}">
+        <p14:creationId xmlns:p14="http://schemas.microsoft.com/office/powerpoint/2010/main" val="616188145"/>
+      </p:ext>
+    </p:extLst>
+  </p:cSld>
+  <p:clrMapOvr>
+    <a:masterClrMapping/>
+  </p:clrMapOvr>
+</p:sld>
+</file>
+
+<file path=ppt/slides/slide7.xml><?xml version="1.0" encoding="utf-8"?>
+<p:sld xmlns:a="http://schemas.openxmlformats.org/drawingml/2006/main" xmlns:r="http://schemas.openxmlformats.org/officeDocument/2006/relationships" xmlns:p="http://schemas.openxmlformats.org/presentationml/2006/main">
+  <p:cSld>
+    <p:spTree>
+      <p:nvGrpSpPr>
+        <p:cNvPr id="1" name=""/>
+        <p:cNvGrpSpPr/>
+        <p:nvPr/>
+      </p:nvGrpSpPr>
+      <p:grpSpPr>
+        <a:xfrm>
+          <a:off x="0" y="0"/>
+          <a:ext cx="0" cy="0"/>
+          <a:chOff x="0" y="0"/>
+          <a:chExt cx="0" cy="0"/>
+        </a:xfrm>
+      </p:grpSpPr>
+      <p:sp>
+        <p:nvSpPr>
+          <p:cNvPr id="2" name="Title 1">
+            <a:extLst>
+              <a:ext uri="{FF2B5EF4-FFF2-40B4-BE49-F238E27FC236}">
+                <a16:creationId xmlns:a16="http://schemas.microsoft.com/office/drawing/2014/main" id="{4566E31F-A8C0-644D-8199-CDAB06BCFA15}"/>
+              </a:ext>
+            </a:extLst>
+          </p:cNvPr>
+          <p:cNvSpPr>
+            <a:spLocks noGrp="1"/>
+          </p:cNvSpPr>
+          <p:nvPr>
+            <p:ph type="title"/>
+          </p:nvPr>
+        </p:nvSpPr>
+        <p:spPr/>
+        <p:txBody>
+          <a:bodyPr/>
+          <a:lstStyle/>
+          <a:p>
+            <a:endParaRPr lang="en-US"/>
+          </a:p>
+        </p:txBody>
+      </p:sp>
+      <p:sp>
+        <p:nvSpPr>
+          <p:cNvPr id="3" name="Content Placeholder 2">
+            <a:extLst>
+              <a:ext uri="{FF2B5EF4-FFF2-40B4-BE49-F238E27FC236}">
+                <a16:creationId xmlns:a16="http://schemas.microsoft.com/office/drawing/2014/main" id="{7470D8D7-1D8A-13B7-2C66-581E7639AED8}"/>
+              </a:ext>
+            </a:extLst>
+          </p:cNvPr>
+          <p:cNvSpPr>
+            <a:spLocks noGrp="1"/>
+          </p:cNvSpPr>
+          <p:nvPr>
+            <p:ph idx="1"/>
+          </p:nvPr>
+        </p:nvSpPr>
+        <p:spPr/>
+        <p:txBody>
+          <a:bodyPr/>
+          <a:lstStyle/>
+          <a:p>
+            <a:pPr marL="514350" indent="-514350">
+              <a:buAutoNum type="arabicParenR"/>
+            </a:pPr>
+            <a:r>
+              <a:rPr lang="en-US" dirty="0"/>
+              <a:t>Implementing an Authentication Flow.</a:t>
+            </a:r>
+          </a:p>
+          <a:p>
+            <a:pPr marL="514350" indent="-514350">
+              <a:buAutoNum type="arabicParenR"/>
+            </a:pPr>
+            <a:r>
+              <a:rPr lang="en-US" dirty="0"/>
+              <a:t>Encrypting Password</a:t>
+            </a:r>
+          </a:p>
+        </p:txBody>
+      </p:sp>
+    </p:spTree>
+    <p:extLst>
+      <p:ext uri="{BB962C8B-B14F-4D97-AF65-F5344CB8AC3E}">
+        <p14:creationId xmlns:p14="http://schemas.microsoft.com/office/powerpoint/2010/main" val="3114676710"/>
       </p:ext>
     </p:extLst>
   </p:cSld>

--- a/Sessions & Cookies.pptx
+++ b/Sessions & Cookies.pptx
@@ -12,6 +12,9 @@
     <p:sldId id="259" r:id="rId6"/>
     <p:sldId id="260" r:id="rId7"/>
     <p:sldId id="262" r:id="rId8"/>
+    <p:sldId id="263" r:id="rId9"/>
+    <p:sldId id="264" r:id="rId10"/>
+    <p:sldId id="265" r:id="rId11"/>
   </p:sldIdLst>
   <p:sldSz cx="12192000" cy="6858000"/>
   <p:notesSz cx="6858000" cy="9144000"/>
@@ -265,7 +268,7 @@
           <a:p>
             <a:fld id="{96B1D18C-14DF-42B3-A5BD-77D05B72A41B}" type="datetimeFigureOut">
               <a:rPr lang="en-US" smtClean="0"/>
-              <a:t>1/25/2023</a:t>
+              <a:t>1/26/2023</a:t>
             </a:fld>
             <a:endParaRPr lang="en-US"/>
           </a:p>
@@ -463,7 +466,7 @@
           <a:p>
             <a:fld id="{96B1D18C-14DF-42B3-A5BD-77D05B72A41B}" type="datetimeFigureOut">
               <a:rPr lang="en-US" smtClean="0"/>
-              <a:t>1/25/2023</a:t>
+              <a:t>1/26/2023</a:t>
             </a:fld>
             <a:endParaRPr lang="en-US"/>
           </a:p>
@@ -671,7 +674,7 @@
           <a:p>
             <a:fld id="{96B1D18C-14DF-42B3-A5BD-77D05B72A41B}" type="datetimeFigureOut">
               <a:rPr lang="en-US" smtClean="0"/>
-              <a:t>1/25/2023</a:t>
+              <a:t>1/26/2023</a:t>
             </a:fld>
             <a:endParaRPr lang="en-US"/>
           </a:p>
@@ -869,7 +872,7 @@
           <a:p>
             <a:fld id="{96B1D18C-14DF-42B3-A5BD-77D05B72A41B}" type="datetimeFigureOut">
               <a:rPr lang="en-US" smtClean="0"/>
-              <a:t>1/25/2023</a:t>
+              <a:t>1/26/2023</a:t>
             </a:fld>
             <a:endParaRPr lang="en-US"/>
           </a:p>
@@ -1144,7 +1147,7 @@
           <a:p>
             <a:fld id="{96B1D18C-14DF-42B3-A5BD-77D05B72A41B}" type="datetimeFigureOut">
               <a:rPr lang="en-US" smtClean="0"/>
-              <a:t>1/25/2023</a:t>
+              <a:t>1/26/2023</a:t>
             </a:fld>
             <a:endParaRPr lang="en-US"/>
           </a:p>
@@ -1409,7 +1412,7 @@
           <a:p>
             <a:fld id="{96B1D18C-14DF-42B3-A5BD-77D05B72A41B}" type="datetimeFigureOut">
               <a:rPr lang="en-US" smtClean="0"/>
-              <a:t>1/25/2023</a:t>
+              <a:t>1/26/2023</a:t>
             </a:fld>
             <a:endParaRPr lang="en-US"/>
           </a:p>
@@ -1821,7 +1824,7 @@
           <a:p>
             <a:fld id="{96B1D18C-14DF-42B3-A5BD-77D05B72A41B}" type="datetimeFigureOut">
               <a:rPr lang="en-US" smtClean="0"/>
-              <a:t>1/25/2023</a:t>
+              <a:t>1/26/2023</a:t>
             </a:fld>
             <a:endParaRPr lang="en-US"/>
           </a:p>
@@ -1962,7 +1965,7 @@
           <a:p>
             <a:fld id="{96B1D18C-14DF-42B3-A5BD-77D05B72A41B}" type="datetimeFigureOut">
               <a:rPr lang="en-US" smtClean="0"/>
-              <a:t>1/25/2023</a:t>
+              <a:t>1/26/2023</a:t>
             </a:fld>
             <a:endParaRPr lang="en-US"/>
           </a:p>
@@ -2075,7 +2078,7 @@
           <a:p>
             <a:fld id="{96B1D18C-14DF-42B3-A5BD-77D05B72A41B}" type="datetimeFigureOut">
               <a:rPr lang="en-US" smtClean="0"/>
-              <a:t>1/25/2023</a:t>
+              <a:t>1/26/2023</a:t>
             </a:fld>
             <a:endParaRPr lang="en-US"/>
           </a:p>
@@ -2386,7 +2389,7 @@
           <a:p>
             <a:fld id="{96B1D18C-14DF-42B3-A5BD-77D05B72A41B}" type="datetimeFigureOut">
               <a:rPr lang="en-US" smtClean="0"/>
-              <a:t>1/25/2023</a:t>
+              <a:t>1/26/2023</a:t>
             </a:fld>
             <a:endParaRPr lang="en-US"/>
           </a:p>
@@ -2674,7 +2677,7 @@
           <a:p>
             <a:fld id="{96B1D18C-14DF-42B3-A5BD-77D05B72A41B}" type="datetimeFigureOut">
               <a:rPr lang="en-US" smtClean="0"/>
-              <a:t>1/25/2023</a:t>
+              <a:t>1/26/2023</a:t>
             </a:fld>
             <a:endParaRPr lang="en-US"/>
           </a:p>
@@ -2915,7 +2918,7 @@
           <a:p>
             <a:fld id="{96B1D18C-14DF-42B3-A5BD-77D05B72A41B}" type="datetimeFigureOut">
               <a:rPr lang="en-US" smtClean="0"/>
-              <a:t>1/25/2023</a:t>
+              <a:t>1/26/2023</a:t>
             </a:fld>
             <a:endParaRPr lang="en-US"/>
           </a:p>
@@ -3854,6 +3857,309 @@
 </p:sld>
 </file>
 
+<file path=ppt/slides/slide10.xml><?xml version="1.0" encoding="utf-8"?>
+<p:sld xmlns:a="http://schemas.openxmlformats.org/drawingml/2006/main" xmlns:r="http://schemas.openxmlformats.org/officeDocument/2006/relationships" xmlns:p="http://schemas.openxmlformats.org/presentationml/2006/main">
+  <p:cSld>
+    <p:spTree>
+      <p:nvGrpSpPr>
+        <p:cNvPr id="1" name=""/>
+        <p:cNvGrpSpPr/>
+        <p:nvPr/>
+      </p:nvGrpSpPr>
+      <p:grpSpPr>
+        <a:xfrm>
+          <a:off x="0" y="0"/>
+          <a:ext cx="0" cy="0"/>
+          <a:chOff x="0" y="0"/>
+          <a:chExt cx="0" cy="0"/>
+        </a:xfrm>
+      </p:grpSpPr>
+      <p:sp>
+        <p:nvSpPr>
+          <p:cNvPr id="2" name="Title 1">
+            <a:extLst>
+              <a:ext uri="{FF2B5EF4-FFF2-40B4-BE49-F238E27FC236}">
+                <a16:creationId xmlns:a16="http://schemas.microsoft.com/office/drawing/2014/main" id="{C35F1B48-62C9-4791-A2CA-9346AB5C11E5}"/>
+              </a:ext>
+            </a:extLst>
+          </p:cNvPr>
+          <p:cNvSpPr>
+            <a:spLocks noGrp="1"/>
+          </p:cNvSpPr>
+          <p:nvPr>
+            <p:ph type="title"/>
+          </p:nvPr>
+        </p:nvSpPr>
+        <p:spPr/>
+        <p:txBody>
+          <a:bodyPr/>
+          <a:lstStyle/>
+          <a:p>
+            <a:r>
+              <a:rPr lang="en-US" dirty="0"/>
+              <a:t>Sending Mails</a:t>
+            </a:r>
+          </a:p>
+        </p:txBody>
+      </p:sp>
+      <p:sp>
+        <p:nvSpPr>
+          <p:cNvPr id="4" name="Rectangle 3">
+            <a:extLst>
+              <a:ext uri="{FF2B5EF4-FFF2-40B4-BE49-F238E27FC236}">
+                <a16:creationId xmlns:a16="http://schemas.microsoft.com/office/drawing/2014/main" id="{67586D2B-BC70-013E-171B-4E3D5C741555}"/>
+              </a:ext>
+            </a:extLst>
+          </p:cNvPr>
+          <p:cNvSpPr/>
+          <p:nvPr/>
+        </p:nvSpPr>
+        <p:spPr>
+          <a:xfrm>
+            <a:off x="624114" y="1690688"/>
+            <a:ext cx="2481943" cy="907369"/>
+          </a:xfrm>
+          <a:prstGeom prst="rect">
+            <a:avLst/>
+          </a:prstGeom>
+        </p:spPr>
+        <p:style>
+          <a:lnRef idx="2">
+            <a:schemeClr val="accent1">
+              <a:shade val="50000"/>
+            </a:schemeClr>
+          </a:lnRef>
+          <a:fillRef idx="1">
+            <a:schemeClr val="accent1"/>
+          </a:fillRef>
+          <a:effectRef idx="0">
+            <a:schemeClr val="accent1"/>
+          </a:effectRef>
+          <a:fontRef idx="minor">
+            <a:schemeClr val="lt1"/>
+          </a:fontRef>
+        </p:style>
+        <p:txBody>
+          <a:bodyPr rtlCol="0" anchor="ctr"/>
+          <a:lstStyle/>
+          <a:p>
+            <a:pPr algn="ctr"/>
+            <a:r>
+              <a:rPr lang="en-US" dirty="0"/>
+              <a:t>Node Server</a:t>
+            </a:r>
+          </a:p>
+        </p:txBody>
+      </p:sp>
+      <p:sp>
+        <p:nvSpPr>
+          <p:cNvPr id="5" name="Rectangle 4">
+            <a:extLst>
+              <a:ext uri="{FF2B5EF4-FFF2-40B4-BE49-F238E27FC236}">
+                <a16:creationId xmlns:a16="http://schemas.microsoft.com/office/drawing/2014/main" id="{A0896050-542F-3424-590C-C85D0F9D4403}"/>
+              </a:ext>
+            </a:extLst>
+          </p:cNvPr>
+          <p:cNvSpPr/>
+          <p:nvPr/>
+        </p:nvSpPr>
+        <p:spPr>
+          <a:xfrm>
+            <a:off x="4978400" y="1690687"/>
+            <a:ext cx="2481943" cy="907369"/>
+          </a:xfrm>
+          <a:prstGeom prst="rect">
+            <a:avLst/>
+          </a:prstGeom>
+        </p:spPr>
+        <p:style>
+          <a:lnRef idx="2">
+            <a:schemeClr val="accent1">
+              <a:shade val="50000"/>
+            </a:schemeClr>
+          </a:lnRef>
+          <a:fillRef idx="1">
+            <a:schemeClr val="accent1"/>
+          </a:fillRef>
+          <a:effectRef idx="0">
+            <a:schemeClr val="accent1"/>
+          </a:effectRef>
+          <a:fontRef idx="minor">
+            <a:schemeClr val="lt1"/>
+          </a:fontRef>
+        </p:style>
+        <p:txBody>
+          <a:bodyPr rtlCol="0" anchor="ctr"/>
+          <a:lstStyle/>
+          <a:p>
+            <a:pPr algn="ctr"/>
+            <a:r>
+              <a:rPr lang="en-US" dirty="0"/>
+              <a:t>Mail Server</a:t>
+            </a:r>
+          </a:p>
+        </p:txBody>
+      </p:sp>
+      <p:sp>
+        <p:nvSpPr>
+          <p:cNvPr id="6" name="Rectangle 5">
+            <a:extLst>
+              <a:ext uri="{FF2B5EF4-FFF2-40B4-BE49-F238E27FC236}">
+                <a16:creationId xmlns:a16="http://schemas.microsoft.com/office/drawing/2014/main" id="{FFFB6F03-C022-510B-26E4-833A85DCF8A7}"/>
+              </a:ext>
+            </a:extLst>
+          </p:cNvPr>
+          <p:cNvSpPr/>
+          <p:nvPr/>
+        </p:nvSpPr>
+        <p:spPr>
+          <a:xfrm>
+            <a:off x="8871857" y="1690686"/>
+            <a:ext cx="2481943" cy="907369"/>
+          </a:xfrm>
+          <a:prstGeom prst="rect">
+            <a:avLst/>
+          </a:prstGeom>
+        </p:spPr>
+        <p:style>
+          <a:lnRef idx="2">
+            <a:schemeClr val="accent1">
+              <a:shade val="50000"/>
+            </a:schemeClr>
+          </a:lnRef>
+          <a:fillRef idx="1">
+            <a:schemeClr val="accent1"/>
+          </a:fillRef>
+          <a:effectRef idx="0">
+            <a:schemeClr val="accent1"/>
+          </a:effectRef>
+          <a:fontRef idx="minor">
+            <a:schemeClr val="lt1"/>
+          </a:fontRef>
+        </p:style>
+        <p:txBody>
+          <a:bodyPr rtlCol="0" anchor="ctr"/>
+          <a:lstStyle/>
+          <a:p>
+            <a:pPr algn="ctr"/>
+            <a:r>
+              <a:rPr lang="en-US" dirty="0"/>
+              <a:t>User</a:t>
+            </a:r>
+          </a:p>
+        </p:txBody>
+      </p:sp>
+      <p:sp>
+        <p:nvSpPr>
+          <p:cNvPr id="7" name="Rectangle 6">
+            <a:extLst>
+              <a:ext uri="{FF2B5EF4-FFF2-40B4-BE49-F238E27FC236}">
+                <a16:creationId xmlns:a16="http://schemas.microsoft.com/office/drawing/2014/main" id="{A3041133-D4BE-6B64-E928-7EAD1998B255}"/>
+              </a:ext>
+            </a:extLst>
+          </p:cNvPr>
+          <p:cNvSpPr/>
+          <p:nvPr/>
+        </p:nvSpPr>
+        <p:spPr>
+          <a:xfrm>
+            <a:off x="624114" y="3352575"/>
+            <a:ext cx="2481943" cy="907369"/>
+          </a:xfrm>
+          <a:prstGeom prst="rect">
+            <a:avLst/>
+          </a:prstGeom>
+        </p:spPr>
+        <p:style>
+          <a:lnRef idx="2">
+            <a:schemeClr val="accent1">
+              <a:shade val="50000"/>
+            </a:schemeClr>
+          </a:lnRef>
+          <a:fillRef idx="1">
+            <a:schemeClr val="accent1"/>
+          </a:fillRef>
+          <a:effectRef idx="0">
+            <a:schemeClr val="accent1"/>
+          </a:effectRef>
+          <a:fontRef idx="minor">
+            <a:schemeClr val="lt1"/>
+          </a:fontRef>
+        </p:style>
+        <p:txBody>
+          <a:bodyPr rtlCol="0" anchor="ctr"/>
+          <a:lstStyle/>
+          <a:p>
+            <a:pPr algn="ctr"/>
+            <a:r>
+              <a:rPr lang="en-US" dirty="0"/>
+              <a:t>&lt;Your Code&gt;</a:t>
+            </a:r>
+          </a:p>
+        </p:txBody>
+      </p:sp>
+      <p:sp>
+        <p:nvSpPr>
+          <p:cNvPr id="8" name="Rectangle 7">
+            <a:extLst>
+              <a:ext uri="{FF2B5EF4-FFF2-40B4-BE49-F238E27FC236}">
+                <a16:creationId xmlns:a16="http://schemas.microsoft.com/office/drawing/2014/main" id="{6208A736-20D0-CFC0-B22C-2E6C5A15EBD3}"/>
+              </a:ext>
+            </a:extLst>
+          </p:cNvPr>
+          <p:cNvSpPr/>
+          <p:nvPr/>
+        </p:nvSpPr>
+        <p:spPr>
+          <a:xfrm>
+            <a:off x="4855028" y="3352574"/>
+            <a:ext cx="2481943" cy="907369"/>
+          </a:xfrm>
+          <a:prstGeom prst="rect">
+            <a:avLst/>
+          </a:prstGeom>
+        </p:spPr>
+        <p:style>
+          <a:lnRef idx="2">
+            <a:schemeClr val="accent1">
+              <a:shade val="50000"/>
+            </a:schemeClr>
+          </a:lnRef>
+          <a:fillRef idx="1">
+            <a:schemeClr val="accent1"/>
+          </a:fillRef>
+          <a:effectRef idx="0">
+            <a:schemeClr val="accent1"/>
+          </a:effectRef>
+          <a:fontRef idx="minor">
+            <a:schemeClr val="lt1"/>
+          </a:fontRef>
+        </p:style>
+        <p:txBody>
+          <a:bodyPr rtlCol="0" anchor="ctr"/>
+          <a:lstStyle/>
+          <a:p>
+            <a:pPr algn="ctr"/>
+            <a:r>
+              <a:rPr lang="en-US" dirty="0"/>
+              <a:t>Third-Party Service</a:t>
+            </a:r>
+          </a:p>
+        </p:txBody>
+      </p:sp>
+    </p:spTree>
+    <p:extLst>
+      <p:ext uri="{BB962C8B-B14F-4D97-AF65-F5344CB8AC3E}">
+        <p14:creationId xmlns:p14="http://schemas.microsoft.com/office/powerpoint/2010/main" val="590984925"/>
+      </p:ext>
+    </p:extLst>
+  </p:cSld>
+  <p:clrMapOvr>
+    <a:masterClrMapping/>
+  </p:clrMapOvr>
+</p:sld>
+</file>
+
 <file path=ppt/slides/slide2.xml><?xml version="1.0" encoding="utf-8"?>
 <p:sld xmlns:a="http://schemas.openxmlformats.org/drawingml/2006/main" xmlns:r="http://schemas.openxmlformats.org/officeDocument/2006/relationships" xmlns:p="http://schemas.openxmlformats.org/presentationml/2006/main">
   <p:cSld>
@@ -5698,12 +6004,1325 @@
               <a:t>Encrypting Password</a:t>
             </a:r>
           </a:p>
+          <a:p>
+            <a:pPr marL="514350" indent="-514350">
+              <a:buAutoNum type="arabicParenR"/>
+            </a:pPr>
+            <a:r>
+              <a:rPr lang="en-US" dirty="0"/>
+              <a:t>Working on Route Protection</a:t>
+            </a:r>
+          </a:p>
+          <a:p>
+            <a:pPr marL="514350" indent="-514350">
+              <a:buAutoNum type="arabicParenR"/>
+            </a:pPr>
+            <a:r>
+              <a:rPr lang="en-US" dirty="0"/>
+              <a:t>Using middleware to protect routes</a:t>
+            </a:r>
+          </a:p>
+          <a:p>
+            <a:pPr marL="514350" indent="-514350">
+              <a:buAutoNum type="arabicParenR"/>
+            </a:pPr>
+            <a:r>
+              <a:rPr lang="en-US" dirty="0"/>
+              <a:t>Adding CSRF Protection</a:t>
+            </a:r>
+          </a:p>
+          <a:p>
+            <a:pPr marL="514350" indent="-514350">
+              <a:buAutoNum type="arabicParenR"/>
+            </a:pPr>
+            <a:r>
+              <a:rPr lang="en-US" dirty="0"/>
+              <a:t>User feedback message.</a:t>
+            </a:r>
+          </a:p>
+          <a:p>
+            <a:pPr marL="514350" indent="-514350">
+              <a:buAutoNum type="arabicParenR"/>
+            </a:pPr>
+            <a:r>
+              <a:rPr lang="en-US" dirty="0"/>
+              <a:t>Adding additional flash message</a:t>
+            </a:r>
+          </a:p>
+          <a:p>
+            <a:pPr marL="514350" indent="-514350">
+              <a:buAutoNum type="arabicParenR"/>
+            </a:pPr>
+            <a:endParaRPr lang="en-US" dirty="0"/>
+          </a:p>
         </p:txBody>
       </p:sp>
     </p:spTree>
     <p:extLst>
       <p:ext uri="{BB962C8B-B14F-4D97-AF65-F5344CB8AC3E}">
         <p14:creationId xmlns:p14="http://schemas.microsoft.com/office/powerpoint/2010/main" val="3114676710"/>
+      </p:ext>
+    </p:extLst>
+  </p:cSld>
+  <p:clrMapOvr>
+    <a:masterClrMapping/>
+  </p:clrMapOvr>
+</p:sld>
+</file>
+
+<file path=ppt/slides/slide8.xml><?xml version="1.0" encoding="utf-8"?>
+<p:sld xmlns:a="http://schemas.openxmlformats.org/drawingml/2006/main" xmlns:r="http://schemas.openxmlformats.org/officeDocument/2006/relationships" xmlns:p="http://schemas.openxmlformats.org/presentationml/2006/main">
+  <p:cSld>
+    <p:spTree>
+      <p:nvGrpSpPr>
+        <p:cNvPr id="1" name=""/>
+        <p:cNvGrpSpPr/>
+        <p:nvPr/>
+      </p:nvGrpSpPr>
+      <p:grpSpPr>
+        <a:xfrm>
+          <a:off x="0" y="0"/>
+          <a:ext cx="0" cy="0"/>
+          <a:chOff x="0" y="0"/>
+          <a:chExt cx="0" cy="0"/>
+        </a:xfrm>
+      </p:grpSpPr>
+      <p:sp>
+        <p:nvSpPr>
+          <p:cNvPr id="2" name="Title 1">
+            <a:extLst>
+              <a:ext uri="{FF2B5EF4-FFF2-40B4-BE49-F238E27FC236}">
+                <a16:creationId xmlns:a16="http://schemas.microsoft.com/office/drawing/2014/main" id="{25101AE6-0836-3775-DA8F-1450CF21030F}"/>
+              </a:ext>
+            </a:extLst>
+          </p:cNvPr>
+          <p:cNvSpPr>
+            <a:spLocks noGrp="1"/>
+          </p:cNvSpPr>
+          <p:nvPr>
+            <p:ph type="title"/>
+          </p:nvPr>
+        </p:nvSpPr>
+        <p:spPr/>
+        <p:txBody>
+          <a:bodyPr/>
+          <a:lstStyle/>
+          <a:p>
+            <a:r>
+              <a:rPr lang="en-US" dirty="0"/>
+              <a:t>CSRF Attacks</a:t>
+            </a:r>
+          </a:p>
+        </p:txBody>
+      </p:sp>
+      <p:sp>
+        <p:nvSpPr>
+          <p:cNvPr id="3" name="Content Placeholder 2">
+            <a:extLst>
+              <a:ext uri="{FF2B5EF4-FFF2-40B4-BE49-F238E27FC236}">
+                <a16:creationId xmlns:a16="http://schemas.microsoft.com/office/drawing/2014/main" id="{845A6EC8-DE42-F5AB-3AB6-99E80DBF1BB0}"/>
+              </a:ext>
+            </a:extLst>
+          </p:cNvPr>
+          <p:cNvSpPr>
+            <a:spLocks noGrp="1"/>
+          </p:cNvSpPr>
+          <p:nvPr>
+            <p:ph idx="1"/>
+          </p:nvPr>
+        </p:nvSpPr>
+        <p:spPr>
+          <a:xfrm>
+            <a:off x="4100286" y="1223056"/>
+            <a:ext cx="4535714" cy="467632"/>
+          </a:xfrm>
+        </p:spPr>
+        <p:txBody>
+          <a:bodyPr>
+            <a:normAutofit lnSpcReduction="10000"/>
+          </a:bodyPr>
+          <a:lstStyle/>
+          <a:p>
+            <a:pPr marL="0" indent="0">
+              <a:buNone/>
+            </a:pPr>
+            <a:r>
+              <a:rPr lang="en-US" dirty="0"/>
+              <a:t>Cross-Site Request Forgery</a:t>
+            </a:r>
+          </a:p>
+        </p:txBody>
+      </p:sp>
+      <p:sp>
+        <p:nvSpPr>
+          <p:cNvPr id="4" name="Rectangle 3">
+            <a:extLst>
+              <a:ext uri="{FF2B5EF4-FFF2-40B4-BE49-F238E27FC236}">
+                <a16:creationId xmlns:a16="http://schemas.microsoft.com/office/drawing/2014/main" id="{EB1C202A-432D-60DE-8CCC-7ACFA08DE002}"/>
+              </a:ext>
+            </a:extLst>
+          </p:cNvPr>
+          <p:cNvSpPr/>
+          <p:nvPr/>
+        </p:nvSpPr>
+        <p:spPr>
+          <a:xfrm>
+            <a:off x="4100286" y="1814286"/>
+            <a:ext cx="2576285" cy="734333"/>
+          </a:xfrm>
+          <a:prstGeom prst="rect">
+            <a:avLst/>
+          </a:prstGeom>
+        </p:spPr>
+        <p:style>
+          <a:lnRef idx="2">
+            <a:schemeClr val="accent1">
+              <a:shade val="50000"/>
+            </a:schemeClr>
+          </a:lnRef>
+          <a:fillRef idx="1">
+            <a:schemeClr val="accent1"/>
+          </a:fillRef>
+          <a:effectRef idx="0">
+            <a:schemeClr val="accent1"/>
+          </a:effectRef>
+          <a:fontRef idx="minor">
+            <a:schemeClr val="lt1"/>
+          </a:fontRef>
+        </p:style>
+        <p:txBody>
+          <a:bodyPr rtlCol="0" anchor="ctr"/>
+          <a:lstStyle/>
+          <a:p>
+            <a:pPr algn="ctr"/>
+            <a:r>
+              <a:rPr lang="en-US" dirty="0"/>
+              <a:t>User</a:t>
+            </a:r>
+          </a:p>
+        </p:txBody>
+      </p:sp>
+      <p:sp>
+        <p:nvSpPr>
+          <p:cNvPr id="5" name="Rectangle 4">
+            <a:extLst>
+              <a:ext uri="{FF2B5EF4-FFF2-40B4-BE49-F238E27FC236}">
+                <a16:creationId xmlns:a16="http://schemas.microsoft.com/office/drawing/2014/main" id="{215BDB8D-8EC7-238B-F358-F2FB98AC992D}"/>
+              </a:ext>
+            </a:extLst>
+          </p:cNvPr>
+          <p:cNvSpPr/>
+          <p:nvPr/>
+        </p:nvSpPr>
+        <p:spPr>
+          <a:xfrm>
+            <a:off x="4100286" y="2825293"/>
+            <a:ext cx="2576285" cy="734333"/>
+          </a:xfrm>
+          <a:prstGeom prst="rect">
+            <a:avLst/>
+          </a:prstGeom>
+        </p:spPr>
+        <p:style>
+          <a:lnRef idx="2">
+            <a:schemeClr val="accent1">
+              <a:shade val="50000"/>
+            </a:schemeClr>
+          </a:lnRef>
+          <a:fillRef idx="1">
+            <a:schemeClr val="accent1"/>
+          </a:fillRef>
+          <a:effectRef idx="0">
+            <a:schemeClr val="accent1"/>
+          </a:effectRef>
+          <a:fontRef idx="minor">
+            <a:schemeClr val="lt1"/>
+          </a:fontRef>
+        </p:style>
+        <p:txBody>
+          <a:bodyPr rtlCol="0" anchor="ctr"/>
+          <a:lstStyle/>
+          <a:p>
+            <a:pPr algn="ctr"/>
+            <a:r>
+              <a:rPr lang="en-US" dirty="0"/>
+              <a:t>Frontend (Views)</a:t>
+            </a:r>
+          </a:p>
+        </p:txBody>
+      </p:sp>
+      <p:sp>
+        <p:nvSpPr>
+          <p:cNvPr id="6" name="Rectangle 5">
+            <a:extLst>
+              <a:ext uri="{FF2B5EF4-FFF2-40B4-BE49-F238E27FC236}">
+                <a16:creationId xmlns:a16="http://schemas.microsoft.com/office/drawing/2014/main" id="{D9CB212A-0FDF-6AAA-006A-5793F9E46D16}"/>
+              </a:ext>
+            </a:extLst>
+          </p:cNvPr>
+          <p:cNvSpPr/>
+          <p:nvPr/>
+        </p:nvSpPr>
+        <p:spPr>
+          <a:xfrm>
+            <a:off x="7496629" y="2825293"/>
+            <a:ext cx="2576285" cy="734333"/>
+          </a:xfrm>
+          <a:prstGeom prst="rect">
+            <a:avLst/>
+          </a:prstGeom>
+        </p:spPr>
+        <p:style>
+          <a:lnRef idx="2">
+            <a:schemeClr val="accent1">
+              <a:shade val="50000"/>
+            </a:schemeClr>
+          </a:lnRef>
+          <a:fillRef idx="1">
+            <a:schemeClr val="accent1"/>
+          </a:fillRef>
+          <a:effectRef idx="0">
+            <a:schemeClr val="accent1"/>
+          </a:effectRef>
+          <a:fontRef idx="minor">
+            <a:schemeClr val="lt1"/>
+          </a:fontRef>
+        </p:style>
+        <p:txBody>
+          <a:bodyPr rtlCol="0" anchor="ctr"/>
+          <a:lstStyle/>
+          <a:p>
+            <a:pPr algn="ctr"/>
+            <a:r>
+              <a:rPr lang="en-US" dirty="0"/>
+              <a:t>Cookie</a:t>
+            </a:r>
+          </a:p>
+        </p:txBody>
+      </p:sp>
+      <p:sp>
+        <p:nvSpPr>
+          <p:cNvPr id="7" name="Rectangle 6">
+            <a:extLst>
+              <a:ext uri="{FF2B5EF4-FFF2-40B4-BE49-F238E27FC236}">
+                <a16:creationId xmlns:a16="http://schemas.microsoft.com/office/drawing/2014/main" id="{2215E6C9-AFE1-4FAB-482C-1B8BB801DAD0}"/>
+              </a:ext>
+            </a:extLst>
+          </p:cNvPr>
+          <p:cNvSpPr/>
+          <p:nvPr/>
+        </p:nvSpPr>
+        <p:spPr>
+          <a:xfrm>
+            <a:off x="4172857" y="5267777"/>
+            <a:ext cx="2576285" cy="734333"/>
+          </a:xfrm>
+          <a:prstGeom prst="rect">
+            <a:avLst/>
+          </a:prstGeom>
+        </p:spPr>
+        <p:style>
+          <a:lnRef idx="2">
+            <a:schemeClr val="accent1">
+              <a:shade val="50000"/>
+            </a:schemeClr>
+          </a:lnRef>
+          <a:fillRef idx="1">
+            <a:schemeClr val="accent1"/>
+          </a:fillRef>
+          <a:effectRef idx="0">
+            <a:schemeClr val="accent1"/>
+          </a:effectRef>
+          <a:fontRef idx="minor">
+            <a:schemeClr val="lt1"/>
+          </a:fontRef>
+        </p:style>
+        <p:txBody>
+          <a:bodyPr rtlCol="0" anchor="ctr"/>
+          <a:lstStyle/>
+          <a:p>
+            <a:pPr algn="ctr"/>
+            <a:r>
+              <a:rPr lang="en-US" dirty="0"/>
+              <a:t>Server(Node App)</a:t>
+            </a:r>
+          </a:p>
+        </p:txBody>
+      </p:sp>
+      <p:sp>
+        <p:nvSpPr>
+          <p:cNvPr id="8" name="Rectangle 7">
+            <a:extLst>
+              <a:ext uri="{FF2B5EF4-FFF2-40B4-BE49-F238E27FC236}">
+                <a16:creationId xmlns:a16="http://schemas.microsoft.com/office/drawing/2014/main" id="{0E3E5FC5-DF4A-70C7-568F-2539214CF0B7}"/>
+              </a:ext>
+            </a:extLst>
+          </p:cNvPr>
+          <p:cNvSpPr/>
+          <p:nvPr/>
+        </p:nvSpPr>
+        <p:spPr>
+          <a:xfrm>
+            <a:off x="4172857" y="6002110"/>
+            <a:ext cx="2576285" cy="734333"/>
+          </a:xfrm>
+          <a:prstGeom prst="rect">
+            <a:avLst/>
+          </a:prstGeom>
+        </p:spPr>
+        <p:style>
+          <a:lnRef idx="2">
+            <a:schemeClr val="accent1">
+              <a:shade val="50000"/>
+            </a:schemeClr>
+          </a:lnRef>
+          <a:fillRef idx="1">
+            <a:schemeClr val="accent1"/>
+          </a:fillRef>
+          <a:effectRef idx="0">
+            <a:schemeClr val="accent1"/>
+          </a:effectRef>
+          <a:fontRef idx="minor">
+            <a:schemeClr val="lt1"/>
+          </a:fontRef>
+        </p:style>
+        <p:txBody>
+          <a:bodyPr rtlCol="0" anchor="ctr"/>
+          <a:lstStyle/>
+          <a:p>
+            <a:pPr algn="ctr"/>
+            <a:r>
+              <a:rPr lang="en-US" dirty="0"/>
+              <a:t>Database</a:t>
+            </a:r>
+          </a:p>
+        </p:txBody>
+      </p:sp>
+      <p:sp>
+        <p:nvSpPr>
+          <p:cNvPr id="9" name="Rectangle 8">
+            <a:extLst>
+              <a:ext uri="{FF2B5EF4-FFF2-40B4-BE49-F238E27FC236}">
+                <a16:creationId xmlns:a16="http://schemas.microsoft.com/office/drawing/2014/main" id="{2D8C59F5-A7B3-2FED-DFDB-A39D6EFAC9BC}"/>
+              </a:ext>
+            </a:extLst>
+          </p:cNvPr>
+          <p:cNvSpPr/>
+          <p:nvPr/>
+        </p:nvSpPr>
+        <p:spPr>
+          <a:xfrm>
+            <a:off x="7496629" y="5267776"/>
+            <a:ext cx="2576285" cy="734333"/>
+          </a:xfrm>
+          <a:prstGeom prst="rect">
+            <a:avLst/>
+          </a:prstGeom>
+        </p:spPr>
+        <p:style>
+          <a:lnRef idx="2">
+            <a:schemeClr val="accent1">
+              <a:shade val="50000"/>
+            </a:schemeClr>
+          </a:lnRef>
+          <a:fillRef idx="1">
+            <a:schemeClr val="accent1"/>
+          </a:fillRef>
+          <a:effectRef idx="0">
+            <a:schemeClr val="accent1"/>
+          </a:effectRef>
+          <a:fontRef idx="minor">
+            <a:schemeClr val="lt1"/>
+          </a:fontRef>
+        </p:style>
+        <p:txBody>
+          <a:bodyPr rtlCol="0" anchor="ctr"/>
+          <a:lstStyle/>
+          <a:p>
+            <a:pPr algn="ctr"/>
+            <a:r>
+              <a:rPr lang="en-US" dirty="0"/>
+              <a:t>Session</a:t>
+            </a:r>
+          </a:p>
+        </p:txBody>
+      </p:sp>
+      <p:sp>
+        <p:nvSpPr>
+          <p:cNvPr id="10" name="Rectangle 9">
+            <a:extLst>
+              <a:ext uri="{FF2B5EF4-FFF2-40B4-BE49-F238E27FC236}">
+                <a16:creationId xmlns:a16="http://schemas.microsoft.com/office/drawing/2014/main" id="{635D09EC-4BAC-3E25-DA71-A3F2342B6A1D}"/>
+              </a:ext>
+            </a:extLst>
+          </p:cNvPr>
+          <p:cNvSpPr/>
+          <p:nvPr/>
+        </p:nvSpPr>
+        <p:spPr>
+          <a:xfrm>
+            <a:off x="4100285" y="3904343"/>
+            <a:ext cx="5014685" cy="914400"/>
+          </a:xfrm>
+          <a:prstGeom prst="rect">
+            <a:avLst/>
+          </a:prstGeom>
+        </p:spPr>
+        <p:style>
+          <a:lnRef idx="2">
+            <a:schemeClr val="accent1">
+              <a:shade val="50000"/>
+            </a:schemeClr>
+          </a:lnRef>
+          <a:fillRef idx="1">
+            <a:schemeClr val="accent1"/>
+          </a:fillRef>
+          <a:effectRef idx="0">
+            <a:schemeClr val="accent1"/>
+          </a:effectRef>
+          <a:fontRef idx="minor">
+            <a:schemeClr val="lt1"/>
+          </a:fontRef>
+        </p:style>
+        <p:txBody>
+          <a:bodyPr rtlCol="0" anchor="ctr"/>
+          <a:lstStyle/>
+          <a:p>
+            <a:pPr algn="ctr"/>
+            <a:r>
+              <a:rPr lang="en-US" dirty="0"/>
+              <a:t>Intended Request</a:t>
+            </a:r>
+          </a:p>
+          <a:p>
+            <a:pPr algn="ctr"/>
+            <a:r>
+              <a:rPr lang="en-US" dirty="0"/>
+              <a:t>(e.g. send money to B)</a:t>
+            </a:r>
+          </a:p>
+        </p:txBody>
+      </p:sp>
+      <p:sp>
+        <p:nvSpPr>
+          <p:cNvPr id="11" name="Rectangle 10">
+            <a:extLst>
+              <a:ext uri="{FF2B5EF4-FFF2-40B4-BE49-F238E27FC236}">
+                <a16:creationId xmlns:a16="http://schemas.microsoft.com/office/drawing/2014/main" id="{E433E79A-6CBE-CF71-D4B2-9A589522A240}"/>
+              </a:ext>
+            </a:extLst>
+          </p:cNvPr>
+          <p:cNvSpPr/>
+          <p:nvPr/>
+        </p:nvSpPr>
+        <p:spPr>
+          <a:xfrm>
+            <a:off x="703943" y="2875524"/>
+            <a:ext cx="2576285" cy="734333"/>
+          </a:xfrm>
+          <a:prstGeom prst="rect">
+            <a:avLst/>
+          </a:prstGeom>
+        </p:spPr>
+        <p:style>
+          <a:lnRef idx="2">
+            <a:schemeClr val="accent1">
+              <a:shade val="50000"/>
+            </a:schemeClr>
+          </a:lnRef>
+          <a:fillRef idx="1">
+            <a:schemeClr val="accent1"/>
+          </a:fillRef>
+          <a:effectRef idx="0">
+            <a:schemeClr val="accent1"/>
+          </a:effectRef>
+          <a:fontRef idx="minor">
+            <a:schemeClr val="lt1"/>
+          </a:fontRef>
+        </p:style>
+        <p:txBody>
+          <a:bodyPr rtlCol="0" anchor="ctr"/>
+          <a:lstStyle/>
+          <a:p>
+            <a:pPr algn="ctr"/>
+            <a:r>
+              <a:rPr lang="en-US" dirty="0"/>
+              <a:t>Fake Site</a:t>
+            </a:r>
+          </a:p>
+        </p:txBody>
+      </p:sp>
+      <p:sp>
+        <p:nvSpPr>
+          <p:cNvPr id="12" name="Rectangle 11">
+            <a:extLst>
+              <a:ext uri="{FF2B5EF4-FFF2-40B4-BE49-F238E27FC236}">
+                <a16:creationId xmlns:a16="http://schemas.microsoft.com/office/drawing/2014/main" id="{D3FC3B8D-199A-A24A-1305-FE8CD6266389}"/>
+              </a:ext>
+            </a:extLst>
+          </p:cNvPr>
+          <p:cNvSpPr/>
+          <p:nvPr/>
+        </p:nvSpPr>
+        <p:spPr>
+          <a:xfrm>
+            <a:off x="772886" y="3880300"/>
+            <a:ext cx="2725058" cy="914400"/>
+          </a:xfrm>
+          <a:prstGeom prst="rect">
+            <a:avLst/>
+          </a:prstGeom>
+        </p:spPr>
+        <p:style>
+          <a:lnRef idx="2">
+            <a:schemeClr val="accent1">
+              <a:shade val="50000"/>
+            </a:schemeClr>
+          </a:lnRef>
+          <a:fillRef idx="1">
+            <a:schemeClr val="accent1"/>
+          </a:fillRef>
+          <a:effectRef idx="0">
+            <a:schemeClr val="accent1"/>
+          </a:effectRef>
+          <a:fontRef idx="minor">
+            <a:schemeClr val="lt1"/>
+          </a:fontRef>
+        </p:style>
+        <p:txBody>
+          <a:bodyPr rtlCol="0" anchor="ctr"/>
+          <a:lstStyle/>
+          <a:p>
+            <a:pPr algn="ctr"/>
+            <a:r>
+              <a:rPr lang="en-US" dirty="0"/>
+              <a:t>Intended Request</a:t>
+            </a:r>
+          </a:p>
+          <a:p>
+            <a:pPr algn="ctr"/>
+            <a:r>
+              <a:rPr lang="en-US" dirty="0"/>
+              <a:t>(e.g. send money to C)</a:t>
+            </a:r>
+          </a:p>
+        </p:txBody>
+      </p:sp>
+      <p:cxnSp>
+        <p:nvCxnSpPr>
+          <p:cNvPr id="14" name="Connector: Elbow 13">
+            <a:extLst>
+              <a:ext uri="{FF2B5EF4-FFF2-40B4-BE49-F238E27FC236}">
+                <a16:creationId xmlns:a16="http://schemas.microsoft.com/office/drawing/2014/main" id="{3261322A-69B4-FE63-BE6A-BFF619760A6C}"/>
+              </a:ext>
+            </a:extLst>
+          </p:cNvPr>
+          <p:cNvCxnSpPr>
+            <a:stCxn id="4" idx="2"/>
+            <a:endCxn id="5" idx="0"/>
+          </p:cNvCxnSpPr>
+          <p:nvPr/>
+        </p:nvCxnSpPr>
+        <p:spPr>
+          <a:xfrm rot="5400000">
+            <a:off x="5250092" y="2686956"/>
+            <a:ext cx="276674" cy="12700"/>
+          </a:xfrm>
+          <a:prstGeom prst="bentConnector3">
+            <a:avLst/>
+          </a:prstGeom>
+          <a:ln>
+            <a:tailEnd type="triangle"/>
+          </a:ln>
+        </p:spPr>
+        <p:style>
+          <a:lnRef idx="1">
+            <a:schemeClr val="accent1"/>
+          </a:lnRef>
+          <a:fillRef idx="0">
+            <a:schemeClr val="accent1"/>
+          </a:fillRef>
+          <a:effectRef idx="0">
+            <a:schemeClr val="accent1"/>
+          </a:effectRef>
+          <a:fontRef idx="minor">
+            <a:schemeClr val="tx1"/>
+          </a:fontRef>
+        </p:style>
+      </p:cxnSp>
+      <p:cxnSp>
+        <p:nvCxnSpPr>
+          <p:cNvPr id="16" name="Connector: Elbow 15">
+            <a:extLst>
+              <a:ext uri="{FF2B5EF4-FFF2-40B4-BE49-F238E27FC236}">
+                <a16:creationId xmlns:a16="http://schemas.microsoft.com/office/drawing/2014/main" id="{1F349413-D8DF-4857-76E3-5A4460D957D7}"/>
+              </a:ext>
+            </a:extLst>
+          </p:cNvPr>
+          <p:cNvCxnSpPr>
+            <a:stCxn id="5" idx="2"/>
+            <a:endCxn id="10" idx="0"/>
+          </p:cNvCxnSpPr>
+          <p:nvPr/>
+        </p:nvCxnSpPr>
+        <p:spPr>
+          <a:xfrm rot="16200000" flipH="1">
+            <a:off x="5825670" y="3122384"/>
+            <a:ext cx="344717" cy="1219199"/>
+          </a:xfrm>
+          <a:prstGeom prst="bentConnector3">
+            <a:avLst/>
+          </a:prstGeom>
+          <a:ln>
+            <a:tailEnd type="triangle"/>
+          </a:ln>
+        </p:spPr>
+        <p:style>
+          <a:lnRef idx="1">
+            <a:schemeClr val="accent1"/>
+          </a:lnRef>
+          <a:fillRef idx="0">
+            <a:schemeClr val="accent1"/>
+          </a:fillRef>
+          <a:effectRef idx="0">
+            <a:schemeClr val="accent1"/>
+          </a:effectRef>
+          <a:fontRef idx="minor">
+            <a:schemeClr val="tx1"/>
+          </a:fontRef>
+        </p:style>
+      </p:cxnSp>
+      <p:cxnSp>
+        <p:nvCxnSpPr>
+          <p:cNvPr id="18" name="Connector: Elbow 17">
+            <a:extLst>
+              <a:ext uri="{FF2B5EF4-FFF2-40B4-BE49-F238E27FC236}">
+                <a16:creationId xmlns:a16="http://schemas.microsoft.com/office/drawing/2014/main" id="{2CCE88E2-1282-4A9D-4DEB-243EEDE52743}"/>
+              </a:ext>
+            </a:extLst>
+          </p:cNvPr>
+          <p:cNvCxnSpPr>
+            <a:stCxn id="10" idx="2"/>
+            <a:endCxn id="7" idx="0"/>
+          </p:cNvCxnSpPr>
+          <p:nvPr/>
+        </p:nvCxnSpPr>
+        <p:spPr>
+          <a:xfrm rot="5400000">
+            <a:off x="5809797" y="4469946"/>
+            <a:ext cx="449034" cy="1146628"/>
+          </a:xfrm>
+          <a:prstGeom prst="bentConnector3">
+            <a:avLst/>
+          </a:prstGeom>
+          <a:ln>
+            <a:tailEnd type="triangle"/>
+          </a:ln>
+        </p:spPr>
+        <p:style>
+          <a:lnRef idx="1">
+            <a:schemeClr val="accent1"/>
+          </a:lnRef>
+          <a:fillRef idx="0">
+            <a:schemeClr val="accent1"/>
+          </a:fillRef>
+          <a:effectRef idx="0">
+            <a:schemeClr val="accent1"/>
+          </a:effectRef>
+          <a:fontRef idx="minor">
+            <a:schemeClr val="tx1"/>
+          </a:fontRef>
+        </p:style>
+      </p:cxnSp>
+      <p:cxnSp>
+        <p:nvCxnSpPr>
+          <p:cNvPr id="20" name="Connector: Elbow 19">
+            <a:extLst>
+              <a:ext uri="{FF2B5EF4-FFF2-40B4-BE49-F238E27FC236}">
+                <a16:creationId xmlns:a16="http://schemas.microsoft.com/office/drawing/2014/main" id="{63D7D01F-830E-D4AF-7090-DCDB4C7F041D}"/>
+              </a:ext>
+            </a:extLst>
+          </p:cNvPr>
+          <p:cNvCxnSpPr>
+            <a:stCxn id="7" idx="3"/>
+            <a:endCxn id="9" idx="1"/>
+          </p:cNvCxnSpPr>
+          <p:nvPr/>
+        </p:nvCxnSpPr>
+        <p:spPr>
+          <a:xfrm flipV="1">
+            <a:off x="6749142" y="5634943"/>
+            <a:ext cx="747487" cy="1"/>
+          </a:xfrm>
+          <a:prstGeom prst="bentConnector3">
+            <a:avLst/>
+          </a:prstGeom>
+          <a:ln>
+            <a:tailEnd type="triangle"/>
+          </a:ln>
+        </p:spPr>
+        <p:style>
+          <a:lnRef idx="1">
+            <a:schemeClr val="accent1"/>
+          </a:lnRef>
+          <a:fillRef idx="0">
+            <a:schemeClr val="accent1"/>
+          </a:fillRef>
+          <a:effectRef idx="0">
+            <a:schemeClr val="accent1"/>
+          </a:effectRef>
+          <a:fontRef idx="minor">
+            <a:schemeClr val="tx1"/>
+          </a:fontRef>
+        </p:style>
+      </p:cxnSp>
+      <p:cxnSp>
+        <p:nvCxnSpPr>
+          <p:cNvPr id="22" name="Connector: Elbow 21">
+            <a:extLst>
+              <a:ext uri="{FF2B5EF4-FFF2-40B4-BE49-F238E27FC236}">
+                <a16:creationId xmlns:a16="http://schemas.microsoft.com/office/drawing/2014/main" id="{E93DC1C6-71D8-EE65-561B-474E9165E044}"/>
+              </a:ext>
+            </a:extLst>
+          </p:cNvPr>
+          <p:cNvCxnSpPr>
+            <a:stCxn id="5" idx="3"/>
+            <a:endCxn id="6" idx="1"/>
+          </p:cNvCxnSpPr>
+          <p:nvPr/>
+        </p:nvCxnSpPr>
+        <p:spPr>
+          <a:xfrm>
+            <a:off x="6676571" y="3192460"/>
+            <a:ext cx="820058" cy="12700"/>
+          </a:xfrm>
+          <a:prstGeom prst="bentConnector3">
+            <a:avLst/>
+          </a:prstGeom>
+          <a:ln>
+            <a:tailEnd type="triangle"/>
+          </a:ln>
+        </p:spPr>
+        <p:style>
+          <a:lnRef idx="1">
+            <a:schemeClr val="accent1"/>
+          </a:lnRef>
+          <a:fillRef idx="0">
+            <a:schemeClr val="accent1"/>
+          </a:fillRef>
+          <a:effectRef idx="0">
+            <a:schemeClr val="accent1"/>
+          </a:effectRef>
+          <a:fontRef idx="minor">
+            <a:schemeClr val="tx1"/>
+          </a:fontRef>
+        </p:style>
+      </p:cxnSp>
+      <p:cxnSp>
+        <p:nvCxnSpPr>
+          <p:cNvPr id="24" name="Connector: Elbow 23">
+            <a:extLst>
+              <a:ext uri="{FF2B5EF4-FFF2-40B4-BE49-F238E27FC236}">
+                <a16:creationId xmlns:a16="http://schemas.microsoft.com/office/drawing/2014/main" id="{EA4CB494-A130-2ED3-0834-B1C40079E624}"/>
+              </a:ext>
+            </a:extLst>
+          </p:cNvPr>
+          <p:cNvCxnSpPr>
+            <a:stCxn id="4" idx="1"/>
+            <a:endCxn id="11" idx="0"/>
+          </p:cNvCxnSpPr>
+          <p:nvPr/>
+        </p:nvCxnSpPr>
+        <p:spPr>
+          <a:xfrm rot="10800000" flipV="1">
+            <a:off x="1992086" y="2181452"/>
+            <a:ext cx="2108200" cy="694071"/>
+          </a:xfrm>
+          <a:prstGeom prst="bentConnector2">
+            <a:avLst/>
+          </a:prstGeom>
+          <a:ln>
+            <a:tailEnd type="triangle"/>
+          </a:ln>
+        </p:spPr>
+        <p:style>
+          <a:lnRef idx="1">
+            <a:schemeClr val="accent1"/>
+          </a:lnRef>
+          <a:fillRef idx="0">
+            <a:schemeClr val="accent1"/>
+          </a:fillRef>
+          <a:effectRef idx="0">
+            <a:schemeClr val="accent1"/>
+          </a:effectRef>
+          <a:fontRef idx="minor">
+            <a:schemeClr val="tx1"/>
+          </a:fontRef>
+        </p:style>
+      </p:cxnSp>
+      <p:cxnSp>
+        <p:nvCxnSpPr>
+          <p:cNvPr id="26" name="Connector: Elbow 25">
+            <a:extLst>
+              <a:ext uri="{FF2B5EF4-FFF2-40B4-BE49-F238E27FC236}">
+                <a16:creationId xmlns:a16="http://schemas.microsoft.com/office/drawing/2014/main" id="{F7A8ACE0-EF94-C267-7A84-8FDE9D918B43}"/>
+              </a:ext>
+            </a:extLst>
+          </p:cNvPr>
+          <p:cNvCxnSpPr>
+            <a:stCxn id="11" idx="2"/>
+            <a:endCxn id="12" idx="0"/>
+          </p:cNvCxnSpPr>
+          <p:nvPr/>
+        </p:nvCxnSpPr>
+        <p:spPr>
+          <a:xfrm rot="16200000" flipH="1">
+            <a:off x="1928529" y="3673413"/>
+            <a:ext cx="270443" cy="143329"/>
+          </a:xfrm>
+          <a:prstGeom prst="bentConnector3">
+            <a:avLst/>
+          </a:prstGeom>
+          <a:ln>
+            <a:tailEnd type="triangle"/>
+          </a:ln>
+        </p:spPr>
+        <p:style>
+          <a:lnRef idx="1">
+            <a:schemeClr val="accent1"/>
+          </a:lnRef>
+          <a:fillRef idx="0">
+            <a:schemeClr val="accent1"/>
+          </a:fillRef>
+          <a:effectRef idx="0">
+            <a:schemeClr val="accent1"/>
+          </a:effectRef>
+          <a:fontRef idx="minor">
+            <a:schemeClr val="tx1"/>
+          </a:fontRef>
+        </p:style>
+      </p:cxnSp>
+      <p:cxnSp>
+        <p:nvCxnSpPr>
+          <p:cNvPr id="28" name="Connector: Elbow 27">
+            <a:extLst>
+              <a:ext uri="{FF2B5EF4-FFF2-40B4-BE49-F238E27FC236}">
+                <a16:creationId xmlns:a16="http://schemas.microsoft.com/office/drawing/2014/main" id="{ACBA00D1-60B0-EE2C-916A-8FF7C889FF79}"/>
+              </a:ext>
+            </a:extLst>
+          </p:cNvPr>
+          <p:cNvCxnSpPr>
+            <a:stCxn id="12" idx="2"/>
+            <a:endCxn id="7" idx="0"/>
+          </p:cNvCxnSpPr>
+          <p:nvPr/>
+        </p:nvCxnSpPr>
+        <p:spPr>
+          <a:xfrm rot="16200000" flipH="1">
+            <a:off x="3561669" y="3368445"/>
+            <a:ext cx="473077" cy="3325585"/>
+          </a:xfrm>
+          <a:prstGeom prst="bentConnector3">
+            <a:avLst/>
+          </a:prstGeom>
+          <a:ln>
+            <a:tailEnd type="triangle"/>
+          </a:ln>
+        </p:spPr>
+        <p:style>
+          <a:lnRef idx="1">
+            <a:schemeClr val="accent1"/>
+          </a:lnRef>
+          <a:fillRef idx="0">
+            <a:schemeClr val="accent1"/>
+          </a:fillRef>
+          <a:effectRef idx="0">
+            <a:schemeClr val="accent1"/>
+          </a:effectRef>
+          <a:fontRef idx="minor">
+            <a:schemeClr val="tx1"/>
+          </a:fontRef>
+        </p:style>
+      </p:cxnSp>
+    </p:spTree>
+    <p:extLst>
+      <p:ext uri="{BB962C8B-B14F-4D97-AF65-F5344CB8AC3E}">
+        <p14:creationId xmlns:p14="http://schemas.microsoft.com/office/powerpoint/2010/main" val="3119829285"/>
+      </p:ext>
+    </p:extLst>
+  </p:cSld>
+  <p:clrMapOvr>
+    <a:masterClrMapping/>
+  </p:clrMapOvr>
+</p:sld>
+</file>
+
+<file path=ppt/slides/slide9.xml><?xml version="1.0" encoding="utf-8"?>
+<p:sld xmlns:a="http://schemas.openxmlformats.org/drawingml/2006/main" xmlns:r="http://schemas.openxmlformats.org/officeDocument/2006/relationships" xmlns:p="http://schemas.openxmlformats.org/presentationml/2006/main">
+  <p:cSld>
+    <p:spTree>
+      <p:nvGrpSpPr>
+        <p:cNvPr id="1" name=""/>
+        <p:cNvGrpSpPr/>
+        <p:nvPr/>
+      </p:nvGrpSpPr>
+      <p:grpSpPr>
+        <a:xfrm>
+          <a:off x="0" y="0"/>
+          <a:ext cx="0" cy="0"/>
+          <a:chOff x="0" y="0"/>
+          <a:chExt cx="0" cy="0"/>
+        </a:xfrm>
+      </p:grpSpPr>
+      <p:sp>
+        <p:nvSpPr>
+          <p:cNvPr id="2" name="Title 1">
+            <a:extLst>
+              <a:ext uri="{FF2B5EF4-FFF2-40B4-BE49-F238E27FC236}">
+                <a16:creationId xmlns:a16="http://schemas.microsoft.com/office/drawing/2014/main" id="{F4ECE378-A0D0-6084-5D9C-FF24D1D3FA2D}"/>
+              </a:ext>
+            </a:extLst>
+          </p:cNvPr>
+          <p:cNvSpPr>
+            <a:spLocks noGrp="1"/>
+          </p:cNvSpPr>
+          <p:nvPr>
+            <p:ph type="title"/>
+          </p:nvPr>
+        </p:nvSpPr>
+        <p:spPr>
+          <a:xfrm>
+            <a:off x="838200" y="365125"/>
+            <a:ext cx="4009571" cy="1325563"/>
+          </a:xfrm>
+        </p:spPr>
+        <p:txBody>
+          <a:bodyPr/>
+          <a:lstStyle/>
+          <a:p>
+            <a:r>
+              <a:rPr lang="en-US" dirty="0"/>
+              <a:t>Authentication</a:t>
+            </a:r>
+          </a:p>
+        </p:txBody>
+      </p:sp>
+      <p:sp>
+        <p:nvSpPr>
+          <p:cNvPr id="3" name="Content Placeholder 2">
+            <a:extLst>
+              <a:ext uri="{FF2B5EF4-FFF2-40B4-BE49-F238E27FC236}">
+                <a16:creationId xmlns:a16="http://schemas.microsoft.com/office/drawing/2014/main" id="{BC9818AA-7962-15C6-04D7-F2EDA868CF6B}"/>
+              </a:ext>
+            </a:extLst>
+          </p:cNvPr>
+          <p:cNvSpPr>
+            <a:spLocks noGrp="1"/>
+          </p:cNvSpPr>
+          <p:nvPr>
+            <p:ph idx="1"/>
+          </p:nvPr>
+        </p:nvSpPr>
+        <p:spPr>
+          <a:xfrm>
+            <a:off x="838200" y="1825625"/>
+            <a:ext cx="5257800" cy="4351338"/>
+          </a:xfrm>
+        </p:spPr>
+        <p:txBody>
+          <a:bodyPr>
+            <a:normAutofit lnSpcReduction="10000"/>
+          </a:bodyPr>
+          <a:lstStyle/>
+          <a:p>
+            <a:r>
+              <a:rPr lang="en-US" dirty="0"/>
+              <a:t>Authentication means that not every visitor of the page can view and interact with everything</a:t>
+            </a:r>
+          </a:p>
+          <a:p>
+            <a:r>
+              <a:rPr lang="en-US" dirty="0"/>
+              <a:t>Authentication has to happen on the server-side and builds up on sessions</a:t>
+            </a:r>
+          </a:p>
+          <a:p>
+            <a:r>
+              <a:rPr lang="en-US" dirty="0"/>
+              <a:t>We can protect routes by checking the (session-controlled)login status right before we access a controller action.</a:t>
+            </a:r>
+          </a:p>
+        </p:txBody>
+      </p:sp>
+      <p:sp>
+        <p:nvSpPr>
+          <p:cNvPr id="4" name="Title 1">
+            <a:extLst>
+              <a:ext uri="{FF2B5EF4-FFF2-40B4-BE49-F238E27FC236}">
+                <a16:creationId xmlns:a16="http://schemas.microsoft.com/office/drawing/2014/main" id="{7FD3DBC5-05EC-B92A-3BA2-1BFEDE1C81B2}"/>
+              </a:ext>
+            </a:extLst>
+          </p:cNvPr>
+          <p:cNvSpPr txBox="1">
+            <a:spLocks/>
+          </p:cNvSpPr>
+          <p:nvPr/>
+        </p:nvSpPr>
+        <p:spPr>
+          <a:xfrm>
+            <a:off x="7456714" y="365124"/>
+            <a:ext cx="4009571" cy="1325563"/>
+          </a:xfrm>
+          <a:prstGeom prst="rect">
+            <a:avLst/>
+          </a:prstGeom>
+        </p:spPr>
+        <p:txBody>
+          <a:bodyPr vert="horz" lIns="91440" tIns="45720" rIns="91440" bIns="45720" rtlCol="0" anchor="ctr">
+            <a:normAutofit/>
+          </a:bodyPr>
+          <a:lstStyle>
+            <a:lvl1pPr algn="l" defTabSz="914400" rtl="0" eaLnBrk="1" latinLnBrk="0" hangingPunct="1">
+              <a:lnSpc>
+                <a:spcPct val="90000"/>
+              </a:lnSpc>
+              <a:spcBef>
+                <a:spcPct val="0"/>
+              </a:spcBef>
+              <a:buNone/>
+              <a:defRPr sz="4400" kern="1200">
+                <a:solidFill>
+                  <a:schemeClr val="tx1"/>
+                </a:solidFill>
+                <a:latin typeface="+mj-lt"/>
+                <a:ea typeface="+mj-ea"/>
+                <a:cs typeface="+mj-cs"/>
+              </a:defRPr>
+            </a:lvl1pPr>
+          </a:lstStyle>
+          <a:p>
+            <a:r>
+              <a:rPr lang="en-US" dirty="0"/>
+              <a:t>Security &amp; UX</a:t>
+            </a:r>
+          </a:p>
+        </p:txBody>
+      </p:sp>
+      <p:sp>
+        <p:nvSpPr>
+          <p:cNvPr id="5" name="Content Placeholder 2">
+            <a:extLst>
+              <a:ext uri="{FF2B5EF4-FFF2-40B4-BE49-F238E27FC236}">
+                <a16:creationId xmlns:a16="http://schemas.microsoft.com/office/drawing/2014/main" id="{947F1FBD-5D42-8F41-3209-C065D235BA5C}"/>
+              </a:ext>
+            </a:extLst>
+          </p:cNvPr>
+          <p:cNvSpPr txBox="1">
+            <a:spLocks/>
+          </p:cNvSpPr>
+          <p:nvPr/>
+        </p:nvSpPr>
+        <p:spPr>
+          <a:xfrm>
+            <a:off x="6542314" y="1690687"/>
+            <a:ext cx="5257800" cy="4351338"/>
+          </a:xfrm>
+          <a:prstGeom prst="rect">
+            <a:avLst/>
+          </a:prstGeom>
+        </p:spPr>
+        <p:txBody>
+          <a:bodyPr vert="horz" lIns="91440" tIns="45720" rIns="91440" bIns="45720" rtlCol="0">
+            <a:normAutofit/>
+          </a:bodyPr>
+          <a:lstStyle>
+            <a:lvl1pPr marL="228600" indent="-228600" algn="l" defTabSz="914400" rtl="0" eaLnBrk="1" latinLnBrk="0" hangingPunct="1">
+              <a:lnSpc>
+                <a:spcPct val="90000"/>
+              </a:lnSpc>
+              <a:spcBef>
+                <a:spcPts val="1000"/>
+              </a:spcBef>
+              <a:buFont typeface="Arial" panose="020B0604020202020204" pitchFamily="34" charset="0"/>
+              <a:buChar char="•"/>
+              <a:defRPr sz="2800" kern="1200">
+                <a:solidFill>
+                  <a:schemeClr val="tx1"/>
+                </a:solidFill>
+                <a:latin typeface="+mn-lt"/>
+                <a:ea typeface="+mn-ea"/>
+                <a:cs typeface="+mn-cs"/>
+              </a:defRPr>
+            </a:lvl1pPr>
+            <a:lvl2pPr marL="685800" indent="-228600" algn="l" defTabSz="914400" rtl="0" eaLnBrk="1" latinLnBrk="0" hangingPunct="1">
+              <a:lnSpc>
+                <a:spcPct val="90000"/>
+              </a:lnSpc>
+              <a:spcBef>
+                <a:spcPts val="500"/>
+              </a:spcBef>
+              <a:buFont typeface="Arial" panose="020B0604020202020204" pitchFamily="34" charset="0"/>
+              <a:buChar char="•"/>
+              <a:defRPr sz="2400" kern="1200">
+                <a:solidFill>
+                  <a:schemeClr val="tx1"/>
+                </a:solidFill>
+                <a:latin typeface="+mn-lt"/>
+                <a:ea typeface="+mn-ea"/>
+                <a:cs typeface="+mn-cs"/>
+              </a:defRPr>
+            </a:lvl2pPr>
+            <a:lvl3pPr marL="1143000" indent="-228600" algn="l" defTabSz="914400" rtl="0" eaLnBrk="1" latinLnBrk="0" hangingPunct="1">
+              <a:lnSpc>
+                <a:spcPct val="90000"/>
+              </a:lnSpc>
+              <a:spcBef>
+                <a:spcPts val="500"/>
+              </a:spcBef>
+              <a:buFont typeface="Arial" panose="020B0604020202020204" pitchFamily="34" charset="0"/>
+              <a:buChar char="•"/>
+              <a:defRPr sz="2000" kern="1200">
+                <a:solidFill>
+                  <a:schemeClr val="tx1"/>
+                </a:solidFill>
+                <a:latin typeface="+mn-lt"/>
+                <a:ea typeface="+mn-ea"/>
+                <a:cs typeface="+mn-cs"/>
+              </a:defRPr>
+            </a:lvl3pPr>
+            <a:lvl4pPr marL="1600200" indent="-228600" algn="l" defTabSz="914400" rtl="0" eaLnBrk="1" latinLnBrk="0" hangingPunct="1">
+              <a:lnSpc>
+                <a:spcPct val="90000"/>
+              </a:lnSpc>
+              <a:spcBef>
+                <a:spcPts val="500"/>
+              </a:spcBef>
+              <a:buFont typeface="Arial" panose="020B0604020202020204" pitchFamily="34" charset="0"/>
+              <a:buChar char="•"/>
+              <a:defRPr sz="1800" kern="1200">
+                <a:solidFill>
+                  <a:schemeClr val="tx1"/>
+                </a:solidFill>
+                <a:latin typeface="+mn-lt"/>
+                <a:ea typeface="+mn-ea"/>
+                <a:cs typeface="+mn-cs"/>
+              </a:defRPr>
+            </a:lvl4pPr>
+            <a:lvl5pPr marL="2057400" indent="-228600" algn="l" defTabSz="914400" rtl="0" eaLnBrk="1" latinLnBrk="0" hangingPunct="1">
+              <a:lnSpc>
+                <a:spcPct val="90000"/>
+              </a:lnSpc>
+              <a:spcBef>
+                <a:spcPts val="500"/>
+              </a:spcBef>
+              <a:buFont typeface="Arial" panose="020B0604020202020204" pitchFamily="34" charset="0"/>
+              <a:buChar char="•"/>
+              <a:defRPr sz="1800" kern="1200">
+                <a:solidFill>
+                  <a:schemeClr val="tx1"/>
+                </a:solidFill>
+                <a:latin typeface="+mn-lt"/>
+                <a:ea typeface="+mn-ea"/>
+                <a:cs typeface="+mn-cs"/>
+              </a:defRPr>
+            </a:lvl5pPr>
+            <a:lvl6pPr marL="2514600" indent="-228600" algn="l" defTabSz="914400" rtl="0" eaLnBrk="1" latinLnBrk="0" hangingPunct="1">
+              <a:lnSpc>
+                <a:spcPct val="90000"/>
+              </a:lnSpc>
+              <a:spcBef>
+                <a:spcPts val="500"/>
+              </a:spcBef>
+              <a:buFont typeface="Arial" panose="020B0604020202020204" pitchFamily="34" charset="0"/>
+              <a:buChar char="•"/>
+              <a:defRPr sz="1800" kern="1200">
+                <a:solidFill>
+                  <a:schemeClr val="tx1"/>
+                </a:solidFill>
+                <a:latin typeface="+mn-lt"/>
+                <a:ea typeface="+mn-ea"/>
+                <a:cs typeface="+mn-cs"/>
+              </a:defRPr>
+            </a:lvl6pPr>
+            <a:lvl7pPr marL="2971800" indent="-228600" algn="l" defTabSz="914400" rtl="0" eaLnBrk="1" latinLnBrk="0" hangingPunct="1">
+              <a:lnSpc>
+                <a:spcPct val="90000"/>
+              </a:lnSpc>
+              <a:spcBef>
+                <a:spcPts val="500"/>
+              </a:spcBef>
+              <a:buFont typeface="Arial" panose="020B0604020202020204" pitchFamily="34" charset="0"/>
+              <a:buChar char="•"/>
+              <a:defRPr sz="1800" kern="1200">
+                <a:solidFill>
+                  <a:schemeClr val="tx1"/>
+                </a:solidFill>
+                <a:latin typeface="+mn-lt"/>
+                <a:ea typeface="+mn-ea"/>
+                <a:cs typeface="+mn-cs"/>
+              </a:defRPr>
+            </a:lvl7pPr>
+            <a:lvl8pPr marL="3429000" indent="-228600" algn="l" defTabSz="914400" rtl="0" eaLnBrk="1" latinLnBrk="0" hangingPunct="1">
+              <a:lnSpc>
+                <a:spcPct val="90000"/>
+              </a:lnSpc>
+              <a:spcBef>
+                <a:spcPts val="500"/>
+              </a:spcBef>
+              <a:buFont typeface="Arial" panose="020B0604020202020204" pitchFamily="34" charset="0"/>
+              <a:buChar char="•"/>
+              <a:defRPr sz="1800" kern="1200">
+                <a:solidFill>
+                  <a:schemeClr val="tx1"/>
+                </a:solidFill>
+                <a:latin typeface="+mn-lt"/>
+                <a:ea typeface="+mn-ea"/>
+                <a:cs typeface="+mn-cs"/>
+              </a:defRPr>
+            </a:lvl8pPr>
+            <a:lvl9pPr marL="3886200" indent="-228600" algn="l" defTabSz="914400" rtl="0" eaLnBrk="1" latinLnBrk="0" hangingPunct="1">
+              <a:lnSpc>
+                <a:spcPct val="90000"/>
+              </a:lnSpc>
+              <a:spcBef>
+                <a:spcPts val="500"/>
+              </a:spcBef>
+              <a:buFont typeface="Arial" panose="020B0604020202020204" pitchFamily="34" charset="0"/>
+              <a:buChar char="•"/>
+              <a:defRPr sz="1800" kern="1200">
+                <a:solidFill>
+                  <a:schemeClr val="tx1"/>
+                </a:solidFill>
+                <a:latin typeface="+mn-lt"/>
+                <a:ea typeface="+mn-ea"/>
+                <a:cs typeface="+mn-cs"/>
+              </a:defRPr>
+            </a:lvl9pPr>
+          </a:lstStyle>
+          <a:p>
+            <a:r>
+              <a:rPr lang="en-US" dirty="0"/>
+              <a:t>Passwords should be stored in a hashed form</a:t>
+            </a:r>
+          </a:p>
+          <a:p>
+            <a:r>
+              <a:rPr lang="en-US" dirty="0"/>
+              <a:t>CSRF attacks are a real issue and we should therefore include CSRF protection in ANY application we build.</a:t>
+            </a:r>
+          </a:p>
+          <a:p>
+            <a:r>
+              <a:rPr lang="en-US" dirty="0"/>
+              <a:t>For a better user experience, we can flash data/ messages into the session which we can display in our views.</a:t>
+            </a:r>
+          </a:p>
+        </p:txBody>
+      </p:sp>
+    </p:spTree>
+    <p:extLst>
+      <p:ext uri="{BB962C8B-B14F-4D97-AF65-F5344CB8AC3E}">
+        <p14:creationId xmlns:p14="http://schemas.microsoft.com/office/powerpoint/2010/main" val="16104819"/>
       </p:ext>
     </p:extLst>
   </p:cSld>

--- a/Sessions & Cookies.pptx
+++ b/Sessions & Cookies.pptx
@@ -15,6 +15,8 @@
     <p:sldId id="263" r:id="rId9"/>
     <p:sldId id="264" r:id="rId10"/>
     <p:sldId id="265" r:id="rId11"/>
+    <p:sldId id="266" r:id="rId12"/>
+    <p:sldId id="267" r:id="rId13"/>
   </p:sldIdLst>
   <p:sldSz cx="12192000" cy="6858000"/>
   <p:notesSz cx="6858000" cy="9144000"/>
@@ -268,7 +270,7 @@
           <a:p>
             <a:fld id="{96B1D18C-14DF-42B3-A5BD-77D05B72A41B}" type="datetimeFigureOut">
               <a:rPr lang="en-US" smtClean="0"/>
-              <a:t>1/26/2023</a:t>
+              <a:t>1/31/2023</a:t>
             </a:fld>
             <a:endParaRPr lang="en-US"/>
           </a:p>
@@ -466,7 +468,7 @@
           <a:p>
             <a:fld id="{96B1D18C-14DF-42B3-A5BD-77D05B72A41B}" type="datetimeFigureOut">
               <a:rPr lang="en-US" smtClean="0"/>
-              <a:t>1/26/2023</a:t>
+              <a:t>1/31/2023</a:t>
             </a:fld>
             <a:endParaRPr lang="en-US"/>
           </a:p>
@@ -674,7 +676,7 @@
           <a:p>
             <a:fld id="{96B1D18C-14DF-42B3-A5BD-77D05B72A41B}" type="datetimeFigureOut">
               <a:rPr lang="en-US" smtClean="0"/>
-              <a:t>1/26/2023</a:t>
+              <a:t>1/31/2023</a:t>
             </a:fld>
             <a:endParaRPr lang="en-US"/>
           </a:p>
@@ -872,7 +874,7 @@
           <a:p>
             <a:fld id="{96B1D18C-14DF-42B3-A5BD-77D05B72A41B}" type="datetimeFigureOut">
               <a:rPr lang="en-US" smtClean="0"/>
-              <a:t>1/26/2023</a:t>
+              <a:t>1/31/2023</a:t>
             </a:fld>
             <a:endParaRPr lang="en-US"/>
           </a:p>
@@ -1147,7 +1149,7 @@
           <a:p>
             <a:fld id="{96B1D18C-14DF-42B3-A5BD-77D05B72A41B}" type="datetimeFigureOut">
               <a:rPr lang="en-US" smtClean="0"/>
-              <a:t>1/26/2023</a:t>
+              <a:t>1/31/2023</a:t>
             </a:fld>
             <a:endParaRPr lang="en-US"/>
           </a:p>
@@ -1412,7 +1414,7 @@
           <a:p>
             <a:fld id="{96B1D18C-14DF-42B3-A5BD-77D05B72A41B}" type="datetimeFigureOut">
               <a:rPr lang="en-US" smtClean="0"/>
-              <a:t>1/26/2023</a:t>
+              <a:t>1/31/2023</a:t>
             </a:fld>
             <a:endParaRPr lang="en-US"/>
           </a:p>
@@ -1824,7 +1826,7 @@
           <a:p>
             <a:fld id="{96B1D18C-14DF-42B3-A5BD-77D05B72A41B}" type="datetimeFigureOut">
               <a:rPr lang="en-US" smtClean="0"/>
-              <a:t>1/26/2023</a:t>
+              <a:t>1/31/2023</a:t>
             </a:fld>
             <a:endParaRPr lang="en-US"/>
           </a:p>
@@ -1965,7 +1967,7 @@
           <a:p>
             <a:fld id="{96B1D18C-14DF-42B3-A5BD-77D05B72A41B}" type="datetimeFigureOut">
               <a:rPr lang="en-US" smtClean="0"/>
-              <a:t>1/26/2023</a:t>
+              <a:t>1/31/2023</a:t>
             </a:fld>
             <a:endParaRPr lang="en-US"/>
           </a:p>
@@ -2078,7 +2080,7 @@
           <a:p>
             <a:fld id="{96B1D18C-14DF-42B3-A5BD-77D05B72A41B}" type="datetimeFigureOut">
               <a:rPr lang="en-US" smtClean="0"/>
-              <a:t>1/26/2023</a:t>
+              <a:t>1/31/2023</a:t>
             </a:fld>
             <a:endParaRPr lang="en-US"/>
           </a:p>
@@ -2389,7 +2391,7 @@
           <a:p>
             <a:fld id="{96B1D18C-14DF-42B3-A5BD-77D05B72A41B}" type="datetimeFigureOut">
               <a:rPr lang="en-US" smtClean="0"/>
-              <a:t>1/26/2023</a:t>
+              <a:t>1/31/2023</a:t>
             </a:fld>
             <a:endParaRPr lang="en-US"/>
           </a:p>
@@ -2677,7 +2679,7 @@
           <a:p>
             <a:fld id="{96B1D18C-14DF-42B3-A5BD-77D05B72A41B}" type="datetimeFigureOut">
               <a:rPr lang="en-US" smtClean="0"/>
-              <a:t>1/26/2023</a:t>
+              <a:t>1/31/2023</a:t>
             </a:fld>
             <a:endParaRPr lang="en-US"/>
           </a:p>
@@ -2918,7 +2920,7 @@
           <a:p>
             <a:fld id="{96B1D18C-14DF-42B3-A5BD-77D05B72A41B}" type="datetimeFigureOut">
               <a:rPr lang="en-US" smtClean="0"/>
-              <a:t>1/26/2023</a:t>
+              <a:t>1/31/2023</a:t>
             </a:fld>
             <a:endParaRPr lang="en-US"/>
           </a:p>
@@ -4160,6 +4162,515 @@
 </p:sld>
 </file>
 
+<file path=ppt/slides/slide11.xml><?xml version="1.0" encoding="utf-8"?>
+<p:sld xmlns:a="http://schemas.openxmlformats.org/drawingml/2006/main" xmlns:r="http://schemas.openxmlformats.org/officeDocument/2006/relationships" xmlns:p="http://schemas.openxmlformats.org/presentationml/2006/main">
+  <p:cSld>
+    <p:spTree>
+      <p:nvGrpSpPr>
+        <p:cNvPr id="1" name=""/>
+        <p:cNvGrpSpPr/>
+        <p:nvPr/>
+      </p:nvGrpSpPr>
+      <p:grpSpPr>
+        <a:xfrm>
+          <a:off x="0" y="0"/>
+          <a:ext cx="0" cy="0"/>
+          <a:chOff x="0" y="0"/>
+          <a:chExt cx="0" cy="0"/>
+        </a:xfrm>
+      </p:grpSpPr>
+      <p:sp>
+        <p:nvSpPr>
+          <p:cNvPr id="2" name="Title 1">
+            <a:extLst>
+              <a:ext uri="{FF2B5EF4-FFF2-40B4-BE49-F238E27FC236}">
+                <a16:creationId xmlns:a16="http://schemas.microsoft.com/office/drawing/2014/main" id="{64313757-57F5-8969-123D-686FC6F565A8}"/>
+              </a:ext>
+            </a:extLst>
+          </p:cNvPr>
+          <p:cNvSpPr>
+            <a:spLocks noGrp="1"/>
+          </p:cNvSpPr>
+          <p:nvPr>
+            <p:ph type="title"/>
+          </p:nvPr>
+        </p:nvSpPr>
+        <p:spPr/>
+        <p:txBody>
+          <a:bodyPr/>
+          <a:lstStyle/>
+          <a:p>
+            <a:endParaRPr lang="en-US"/>
+          </a:p>
+        </p:txBody>
+      </p:sp>
+      <p:sp>
+        <p:nvSpPr>
+          <p:cNvPr id="3" name="Content Placeholder 2">
+            <a:extLst>
+              <a:ext uri="{FF2B5EF4-FFF2-40B4-BE49-F238E27FC236}">
+                <a16:creationId xmlns:a16="http://schemas.microsoft.com/office/drawing/2014/main" id="{E632D20C-12E6-E829-9F68-89BE2B3CDEB4}"/>
+              </a:ext>
+            </a:extLst>
+          </p:cNvPr>
+          <p:cNvSpPr>
+            <a:spLocks noGrp="1"/>
+          </p:cNvSpPr>
+          <p:nvPr>
+            <p:ph idx="1"/>
+          </p:nvPr>
+        </p:nvSpPr>
+        <p:spPr/>
+        <p:txBody>
+          <a:bodyPr/>
+          <a:lstStyle/>
+          <a:p>
+            <a:r>
+              <a:rPr lang="en-US" dirty="0"/>
+              <a:t>Resetting Password.</a:t>
+            </a:r>
+          </a:p>
+          <a:p>
+            <a:r>
+              <a:rPr lang="en-US" dirty="0"/>
+              <a:t>Implementing the Token Logic</a:t>
+            </a:r>
+          </a:p>
+          <a:p>
+            <a:r>
+              <a:rPr lang="en-US" dirty="0"/>
+              <a:t>Creating the Token</a:t>
+            </a:r>
+          </a:p>
+          <a:p>
+            <a:r>
+              <a:rPr lang="en-US" dirty="0"/>
+              <a:t>Creating the Reset Password Form</a:t>
+            </a:r>
+          </a:p>
+          <a:p>
+            <a:r>
+              <a:rPr lang="en-US" dirty="0"/>
+              <a:t>Adding Logic to update the password</a:t>
+            </a:r>
+          </a:p>
+          <a:p>
+            <a:r>
+              <a:rPr lang="en-US" dirty="0"/>
+              <a:t>Adding Authorization</a:t>
+            </a:r>
+          </a:p>
+          <a:p>
+            <a:r>
+              <a:rPr lang="en-US" dirty="0"/>
+              <a:t>Adding Protection to Post actions</a:t>
+            </a:r>
+          </a:p>
+          <a:p>
+            <a:endParaRPr lang="en-US" dirty="0"/>
+          </a:p>
+        </p:txBody>
+      </p:sp>
+    </p:spTree>
+    <p:extLst>
+      <p:ext uri="{BB962C8B-B14F-4D97-AF65-F5344CB8AC3E}">
+        <p14:creationId xmlns:p14="http://schemas.microsoft.com/office/powerpoint/2010/main" val="4047831796"/>
+      </p:ext>
+    </p:extLst>
+  </p:cSld>
+  <p:clrMapOvr>
+    <a:masterClrMapping/>
+  </p:clrMapOvr>
+</p:sld>
+</file>
+
+<file path=ppt/slides/slide12.xml><?xml version="1.0" encoding="utf-8"?>
+<p:sld xmlns:a="http://schemas.openxmlformats.org/drawingml/2006/main" xmlns:r="http://schemas.openxmlformats.org/officeDocument/2006/relationships" xmlns:p="http://schemas.openxmlformats.org/presentationml/2006/main">
+  <p:cSld>
+    <p:spTree>
+      <p:nvGrpSpPr>
+        <p:cNvPr id="1" name=""/>
+        <p:cNvGrpSpPr/>
+        <p:nvPr/>
+      </p:nvGrpSpPr>
+      <p:grpSpPr>
+        <a:xfrm>
+          <a:off x="0" y="0"/>
+          <a:ext cx="0" cy="0"/>
+          <a:chOff x="0" y="0"/>
+          <a:chExt cx="0" cy="0"/>
+        </a:xfrm>
+      </p:grpSpPr>
+      <p:sp>
+        <p:nvSpPr>
+          <p:cNvPr id="2" name="Title 1">
+            <a:extLst>
+              <a:ext uri="{FF2B5EF4-FFF2-40B4-BE49-F238E27FC236}">
+                <a16:creationId xmlns:a16="http://schemas.microsoft.com/office/drawing/2014/main" id="{6A79C40D-C229-4674-B252-0772A631F181}"/>
+              </a:ext>
+            </a:extLst>
+          </p:cNvPr>
+          <p:cNvSpPr>
+            <a:spLocks noGrp="1"/>
+          </p:cNvSpPr>
+          <p:nvPr>
+            <p:ph type="title"/>
+          </p:nvPr>
+        </p:nvSpPr>
+        <p:spPr>
+          <a:xfrm>
+            <a:off x="838199" y="365125"/>
+            <a:ext cx="4793343" cy="1325563"/>
+          </a:xfrm>
+        </p:spPr>
+        <p:txBody>
+          <a:bodyPr/>
+          <a:lstStyle/>
+          <a:p>
+            <a:r>
+              <a:rPr lang="en-US" dirty="0"/>
+              <a:t>Password Resetting</a:t>
+            </a:r>
+          </a:p>
+        </p:txBody>
+      </p:sp>
+      <p:sp>
+        <p:nvSpPr>
+          <p:cNvPr id="3" name="Content Placeholder 2">
+            <a:extLst>
+              <a:ext uri="{FF2B5EF4-FFF2-40B4-BE49-F238E27FC236}">
+                <a16:creationId xmlns:a16="http://schemas.microsoft.com/office/drawing/2014/main" id="{5A3E132D-3D91-58FB-6E43-374DE01AF8EE}"/>
+              </a:ext>
+            </a:extLst>
+          </p:cNvPr>
+          <p:cNvSpPr>
+            <a:spLocks noGrp="1"/>
+          </p:cNvSpPr>
+          <p:nvPr>
+            <p:ph idx="1"/>
+          </p:nvPr>
+        </p:nvSpPr>
+        <p:spPr>
+          <a:xfrm>
+            <a:off x="838199" y="1825625"/>
+            <a:ext cx="5098143" cy="4351338"/>
+          </a:xfrm>
+        </p:spPr>
+        <p:txBody>
+          <a:bodyPr>
+            <a:normAutofit/>
+          </a:bodyPr>
+          <a:lstStyle/>
+          <a:p>
+            <a:pPr marL="0" indent="0">
+              <a:buNone/>
+            </a:pPr>
+            <a:r>
+              <a:rPr lang="en-US" dirty="0"/>
+              <a:t>Password resetting has to be implemented in a way that prevents users from resetting random user accounts.</a:t>
+            </a:r>
+          </a:p>
+          <a:p>
+            <a:pPr marL="0" indent="0">
+              <a:buNone/>
+            </a:pPr>
+            <a:r>
+              <a:rPr lang="en-US" dirty="0"/>
+              <a:t>Reset tokens have to be random unguessable and unique</a:t>
+            </a:r>
+          </a:p>
+        </p:txBody>
+      </p:sp>
+      <p:sp>
+        <p:nvSpPr>
+          <p:cNvPr id="4" name="Title 1">
+            <a:extLst>
+              <a:ext uri="{FF2B5EF4-FFF2-40B4-BE49-F238E27FC236}">
+                <a16:creationId xmlns:a16="http://schemas.microsoft.com/office/drawing/2014/main" id="{1A9032F9-8F66-F873-ABAD-73A1C1108720}"/>
+              </a:ext>
+            </a:extLst>
+          </p:cNvPr>
+          <p:cNvSpPr txBox="1">
+            <a:spLocks/>
+          </p:cNvSpPr>
+          <p:nvPr/>
+        </p:nvSpPr>
+        <p:spPr>
+          <a:xfrm>
+            <a:off x="7500258" y="365124"/>
+            <a:ext cx="3853542" cy="1325563"/>
+          </a:xfrm>
+          <a:prstGeom prst="rect">
+            <a:avLst/>
+          </a:prstGeom>
+        </p:spPr>
+        <p:txBody>
+          <a:bodyPr vert="horz" lIns="91440" tIns="45720" rIns="91440" bIns="45720" rtlCol="0" anchor="ctr">
+            <a:normAutofit/>
+          </a:bodyPr>
+          <a:lstStyle>
+            <a:lvl1pPr algn="l" defTabSz="914400" rtl="0" eaLnBrk="1" latinLnBrk="0" hangingPunct="1">
+              <a:lnSpc>
+                <a:spcPct val="90000"/>
+              </a:lnSpc>
+              <a:spcBef>
+                <a:spcPct val="0"/>
+              </a:spcBef>
+              <a:buNone/>
+              <a:defRPr sz="4400" kern="1200">
+                <a:solidFill>
+                  <a:schemeClr val="tx1"/>
+                </a:solidFill>
+                <a:latin typeface="+mj-lt"/>
+                <a:ea typeface="+mj-ea"/>
+                <a:cs typeface="+mj-cs"/>
+              </a:defRPr>
+            </a:lvl1pPr>
+          </a:lstStyle>
+          <a:p>
+            <a:r>
+              <a:rPr lang="en-US" dirty="0"/>
+              <a:t>Authorization</a:t>
+            </a:r>
+          </a:p>
+        </p:txBody>
+      </p:sp>
+      <p:sp>
+        <p:nvSpPr>
+          <p:cNvPr id="5" name="Content Placeholder 2">
+            <a:extLst>
+              <a:ext uri="{FF2B5EF4-FFF2-40B4-BE49-F238E27FC236}">
+                <a16:creationId xmlns:a16="http://schemas.microsoft.com/office/drawing/2014/main" id="{094A334A-9C14-794C-AA94-38C2506119B4}"/>
+              </a:ext>
+            </a:extLst>
+          </p:cNvPr>
+          <p:cNvSpPr txBox="1">
+            <a:spLocks/>
+          </p:cNvSpPr>
+          <p:nvPr/>
+        </p:nvSpPr>
+        <p:spPr>
+          <a:xfrm>
+            <a:off x="6803570" y="1690687"/>
+            <a:ext cx="4793343" cy="4351338"/>
+          </a:xfrm>
+          <a:prstGeom prst="rect">
+            <a:avLst/>
+          </a:prstGeom>
+        </p:spPr>
+        <p:txBody>
+          <a:bodyPr vert="horz" lIns="91440" tIns="45720" rIns="91440" bIns="45720" rtlCol="0">
+            <a:normAutofit/>
+          </a:bodyPr>
+          <a:lstStyle>
+            <a:lvl1pPr marL="228600" indent="-228600" algn="l" defTabSz="914400" rtl="0" eaLnBrk="1" latinLnBrk="0" hangingPunct="1">
+              <a:lnSpc>
+                <a:spcPct val="90000"/>
+              </a:lnSpc>
+              <a:spcBef>
+                <a:spcPts val="1000"/>
+              </a:spcBef>
+              <a:buFont typeface="Arial" panose="020B0604020202020204" pitchFamily="34" charset="0"/>
+              <a:buChar char="•"/>
+              <a:defRPr sz="2800" kern="1200">
+                <a:solidFill>
+                  <a:schemeClr val="tx1"/>
+                </a:solidFill>
+                <a:latin typeface="+mn-lt"/>
+                <a:ea typeface="+mn-ea"/>
+                <a:cs typeface="+mn-cs"/>
+              </a:defRPr>
+            </a:lvl1pPr>
+            <a:lvl2pPr marL="685800" indent="-228600" algn="l" defTabSz="914400" rtl="0" eaLnBrk="1" latinLnBrk="0" hangingPunct="1">
+              <a:lnSpc>
+                <a:spcPct val="90000"/>
+              </a:lnSpc>
+              <a:spcBef>
+                <a:spcPts val="500"/>
+              </a:spcBef>
+              <a:buFont typeface="Arial" panose="020B0604020202020204" pitchFamily="34" charset="0"/>
+              <a:buChar char="•"/>
+              <a:defRPr sz="2400" kern="1200">
+                <a:solidFill>
+                  <a:schemeClr val="tx1"/>
+                </a:solidFill>
+                <a:latin typeface="+mn-lt"/>
+                <a:ea typeface="+mn-ea"/>
+                <a:cs typeface="+mn-cs"/>
+              </a:defRPr>
+            </a:lvl2pPr>
+            <a:lvl3pPr marL="1143000" indent="-228600" algn="l" defTabSz="914400" rtl="0" eaLnBrk="1" latinLnBrk="0" hangingPunct="1">
+              <a:lnSpc>
+                <a:spcPct val="90000"/>
+              </a:lnSpc>
+              <a:spcBef>
+                <a:spcPts val="500"/>
+              </a:spcBef>
+              <a:buFont typeface="Arial" panose="020B0604020202020204" pitchFamily="34" charset="0"/>
+              <a:buChar char="•"/>
+              <a:defRPr sz="2000" kern="1200">
+                <a:solidFill>
+                  <a:schemeClr val="tx1"/>
+                </a:solidFill>
+                <a:latin typeface="+mn-lt"/>
+                <a:ea typeface="+mn-ea"/>
+                <a:cs typeface="+mn-cs"/>
+              </a:defRPr>
+            </a:lvl3pPr>
+            <a:lvl4pPr marL="1600200" indent="-228600" algn="l" defTabSz="914400" rtl="0" eaLnBrk="1" latinLnBrk="0" hangingPunct="1">
+              <a:lnSpc>
+                <a:spcPct val="90000"/>
+              </a:lnSpc>
+              <a:spcBef>
+                <a:spcPts val="500"/>
+              </a:spcBef>
+              <a:buFont typeface="Arial" panose="020B0604020202020204" pitchFamily="34" charset="0"/>
+              <a:buChar char="•"/>
+              <a:defRPr sz="1800" kern="1200">
+                <a:solidFill>
+                  <a:schemeClr val="tx1"/>
+                </a:solidFill>
+                <a:latin typeface="+mn-lt"/>
+                <a:ea typeface="+mn-ea"/>
+                <a:cs typeface="+mn-cs"/>
+              </a:defRPr>
+            </a:lvl4pPr>
+            <a:lvl5pPr marL="2057400" indent="-228600" algn="l" defTabSz="914400" rtl="0" eaLnBrk="1" latinLnBrk="0" hangingPunct="1">
+              <a:lnSpc>
+                <a:spcPct val="90000"/>
+              </a:lnSpc>
+              <a:spcBef>
+                <a:spcPts val="500"/>
+              </a:spcBef>
+              <a:buFont typeface="Arial" panose="020B0604020202020204" pitchFamily="34" charset="0"/>
+              <a:buChar char="•"/>
+              <a:defRPr sz="1800" kern="1200">
+                <a:solidFill>
+                  <a:schemeClr val="tx1"/>
+                </a:solidFill>
+                <a:latin typeface="+mn-lt"/>
+                <a:ea typeface="+mn-ea"/>
+                <a:cs typeface="+mn-cs"/>
+              </a:defRPr>
+            </a:lvl5pPr>
+            <a:lvl6pPr marL="2514600" indent="-228600" algn="l" defTabSz="914400" rtl="0" eaLnBrk="1" latinLnBrk="0" hangingPunct="1">
+              <a:lnSpc>
+                <a:spcPct val="90000"/>
+              </a:lnSpc>
+              <a:spcBef>
+                <a:spcPts val="500"/>
+              </a:spcBef>
+              <a:buFont typeface="Arial" panose="020B0604020202020204" pitchFamily="34" charset="0"/>
+              <a:buChar char="•"/>
+              <a:defRPr sz="1800" kern="1200">
+                <a:solidFill>
+                  <a:schemeClr val="tx1"/>
+                </a:solidFill>
+                <a:latin typeface="+mn-lt"/>
+                <a:ea typeface="+mn-ea"/>
+                <a:cs typeface="+mn-cs"/>
+              </a:defRPr>
+            </a:lvl6pPr>
+            <a:lvl7pPr marL="2971800" indent="-228600" algn="l" defTabSz="914400" rtl="0" eaLnBrk="1" latinLnBrk="0" hangingPunct="1">
+              <a:lnSpc>
+                <a:spcPct val="90000"/>
+              </a:lnSpc>
+              <a:spcBef>
+                <a:spcPts val="500"/>
+              </a:spcBef>
+              <a:buFont typeface="Arial" panose="020B0604020202020204" pitchFamily="34" charset="0"/>
+              <a:buChar char="•"/>
+              <a:defRPr sz="1800" kern="1200">
+                <a:solidFill>
+                  <a:schemeClr val="tx1"/>
+                </a:solidFill>
+                <a:latin typeface="+mn-lt"/>
+                <a:ea typeface="+mn-ea"/>
+                <a:cs typeface="+mn-cs"/>
+              </a:defRPr>
+            </a:lvl7pPr>
+            <a:lvl8pPr marL="3429000" indent="-228600" algn="l" defTabSz="914400" rtl="0" eaLnBrk="1" latinLnBrk="0" hangingPunct="1">
+              <a:lnSpc>
+                <a:spcPct val="90000"/>
+              </a:lnSpc>
+              <a:spcBef>
+                <a:spcPts val="500"/>
+              </a:spcBef>
+              <a:buFont typeface="Arial" panose="020B0604020202020204" pitchFamily="34" charset="0"/>
+              <a:buChar char="•"/>
+              <a:defRPr sz="1800" kern="1200">
+                <a:solidFill>
+                  <a:schemeClr val="tx1"/>
+                </a:solidFill>
+                <a:latin typeface="+mn-lt"/>
+                <a:ea typeface="+mn-ea"/>
+                <a:cs typeface="+mn-cs"/>
+              </a:defRPr>
+            </a:lvl8pPr>
+            <a:lvl9pPr marL="3886200" indent="-228600" algn="l" defTabSz="914400" rtl="0" eaLnBrk="1" latinLnBrk="0" hangingPunct="1">
+              <a:lnSpc>
+                <a:spcPct val="90000"/>
+              </a:lnSpc>
+              <a:spcBef>
+                <a:spcPts val="500"/>
+              </a:spcBef>
+              <a:buFont typeface="Arial" panose="020B0604020202020204" pitchFamily="34" charset="0"/>
+              <a:buChar char="•"/>
+              <a:defRPr sz="1800" kern="1200">
+                <a:solidFill>
+                  <a:schemeClr val="tx1"/>
+                </a:solidFill>
+                <a:latin typeface="+mn-lt"/>
+                <a:ea typeface="+mn-ea"/>
+                <a:cs typeface="+mn-cs"/>
+              </a:defRPr>
+            </a:lvl9pPr>
+          </a:lstStyle>
+          <a:p>
+            <a:pPr marL="0" indent="0">
+              <a:buFont typeface="Arial" panose="020B0604020202020204" pitchFamily="34" charset="0"/>
+              <a:buNone/>
+            </a:pPr>
+            <a:r>
+              <a:rPr lang="en-US" dirty="0"/>
+              <a:t>Authorization is an important part of pretty much every app.</a:t>
+            </a:r>
+          </a:p>
+          <a:p>
+            <a:pPr marL="0" indent="0">
+              <a:buFont typeface="Arial" panose="020B0604020202020204" pitchFamily="34" charset="0"/>
+              <a:buNone/>
+            </a:pPr>
+            <a:r>
+              <a:rPr lang="en-US" dirty="0"/>
+              <a:t>Not every authenticated user should be able to do everything.</a:t>
+            </a:r>
+          </a:p>
+          <a:p>
+            <a:pPr marL="0" indent="0">
+              <a:buFont typeface="Arial" panose="020B0604020202020204" pitchFamily="34" charset="0"/>
+              <a:buNone/>
+            </a:pPr>
+            <a:r>
+              <a:rPr lang="en-US" dirty="0"/>
+              <a:t>Instead, we want to lock down access by restricting the permissions of our users.</a:t>
+            </a:r>
+          </a:p>
+        </p:txBody>
+      </p:sp>
+    </p:spTree>
+    <p:extLst>
+      <p:ext uri="{BB962C8B-B14F-4D97-AF65-F5344CB8AC3E}">
+        <p14:creationId xmlns:p14="http://schemas.microsoft.com/office/powerpoint/2010/main" val="290224940"/>
+      </p:ext>
+    </p:extLst>
+  </p:cSld>
+  <p:clrMapOvr>
+    <a:masterClrMapping/>
+  </p:clrMapOvr>
+</p:sld>
+</file>
+
 <file path=ppt/slides/slide2.xml><?xml version="1.0" encoding="utf-8"?>
 <p:sld xmlns:a="http://schemas.openxmlformats.org/drawingml/2006/main" xmlns:r="http://schemas.openxmlformats.org/officeDocument/2006/relationships" xmlns:p="http://schemas.openxmlformats.org/presentationml/2006/main">
   <p:cSld>

--- a/Sessions & Cookies.pptx
+++ b/Sessions & Cookies.pptx
@@ -17,6 +17,10 @@
     <p:sldId id="265" r:id="rId11"/>
     <p:sldId id="266" r:id="rId12"/>
     <p:sldId id="267" r:id="rId13"/>
+    <p:sldId id="268" r:id="rId14"/>
+    <p:sldId id="269" r:id="rId15"/>
+    <p:sldId id="271" r:id="rId16"/>
+    <p:sldId id="270" r:id="rId17"/>
   </p:sldIdLst>
   <p:sldSz cx="12192000" cy="6858000"/>
   <p:notesSz cx="6858000" cy="9144000"/>
@@ -270,7 +274,7 @@
           <a:p>
             <a:fld id="{96B1D18C-14DF-42B3-A5BD-77D05B72A41B}" type="datetimeFigureOut">
               <a:rPr lang="en-US" smtClean="0"/>
-              <a:t>1/31/2023</a:t>
+              <a:t>2/1/2023</a:t>
             </a:fld>
             <a:endParaRPr lang="en-US"/>
           </a:p>
@@ -468,7 +472,7 @@
           <a:p>
             <a:fld id="{96B1D18C-14DF-42B3-A5BD-77D05B72A41B}" type="datetimeFigureOut">
               <a:rPr lang="en-US" smtClean="0"/>
-              <a:t>1/31/2023</a:t>
+              <a:t>2/1/2023</a:t>
             </a:fld>
             <a:endParaRPr lang="en-US"/>
           </a:p>
@@ -676,7 +680,7 @@
           <a:p>
             <a:fld id="{96B1D18C-14DF-42B3-A5BD-77D05B72A41B}" type="datetimeFigureOut">
               <a:rPr lang="en-US" smtClean="0"/>
-              <a:t>1/31/2023</a:t>
+              <a:t>2/1/2023</a:t>
             </a:fld>
             <a:endParaRPr lang="en-US"/>
           </a:p>
@@ -874,7 +878,7 @@
           <a:p>
             <a:fld id="{96B1D18C-14DF-42B3-A5BD-77D05B72A41B}" type="datetimeFigureOut">
               <a:rPr lang="en-US" smtClean="0"/>
-              <a:t>1/31/2023</a:t>
+              <a:t>2/1/2023</a:t>
             </a:fld>
             <a:endParaRPr lang="en-US"/>
           </a:p>
@@ -1149,7 +1153,7 @@
           <a:p>
             <a:fld id="{96B1D18C-14DF-42B3-A5BD-77D05B72A41B}" type="datetimeFigureOut">
               <a:rPr lang="en-US" smtClean="0"/>
-              <a:t>1/31/2023</a:t>
+              <a:t>2/1/2023</a:t>
             </a:fld>
             <a:endParaRPr lang="en-US"/>
           </a:p>
@@ -1414,7 +1418,7 @@
           <a:p>
             <a:fld id="{96B1D18C-14DF-42B3-A5BD-77D05B72A41B}" type="datetimeFigureOut">
               <a:rPr lang="en-US" smtClean="0"/>
-              <a:t>1/31/2023</a:t>
+              <a:t>2/1/2023</a:t>
             </a:fld>
             <a:endParaRPr lang="en-US"/>
           </a:p>
@@ -1826,7 +1830,7 @@
           <a:p>
             <a:fld id="{96B1D18C-14DF-42B3-A5BD-77D05B72A41B}" type="datetimeFigureOut">
               <a:rPr lang="en-US" smtClean="0"/>
-              <a:t>1/31/2023</a:t>
+              <a:t>2/1/2023</a:t>
             </a:fld>
             <a:endParaRPr lang="en-US"/>
           </a:p>
@@ -1967,7 +1971,7 @@
           <a:p>
             <a:fld id="{96B1D18C-14DF-42B3-A5BD-77D05B72A41B}" type="datetimeFigureOut">
               <a:rPr lang="en-US" smtClean="0"/>
-              <a:t>1/31/2023</a:t>
+              <a:t>2/1/2023</a:t>
             </a:fld>
             <a:endParaRPr lang="en-US"/>
           </a:p>
@@ -2080,7 +2084,7 @@
           <a:p>
             <a:fld id="{96B1D18C-14DF-42B3-A5BD-77D05B72A41B}" type="datetimeFigureOut">
               <a:rPr lang="en-US" smtClean="0"/>
-              <a:t>1/31/2023</a:t>
+              <a:t>2/1/2023</a:t>
             </a:fld>
             <a:endParaRPr lang="en-US"/>
           </a:p>
@@ -2391,7 +2395,7 @@
           <a:p>
             <a:fld id="{96B1D18C-14DF-42B3-A5BD-77D05B72A41B}" type="datetimeFigureOut">
               <a:rPr lang="en-US" smtClean="0"/>
-              <a:t>1/31/2023</a:t>
+              <a:t>2/1/2023</a:t>
             </a:fld>
             <a:endParaRPr lang="en-US"/>
           </a:p>
@@ -2679,7 +2683,7 @@
           <a:p>
             <a:fld id="{96B1D18C-14DF-42B3-A5BD-77D05B72A41B}" type="datetimeFigureOut">
               <a:rPr lang="en-US" smtClean="0"/>
-              <a:t>1/31/2023</a:t>
+              <a:t>2/1/2023</a:t>
             </a:fld>
             <a:endParaRPr lang="en-US"/>
           </a:p>
@@ -2920,7 +2924,7 @@
           <a:p>
             <a:fld id="{96B1D18C-14DF-42B3-A5BD-77D05B72A41B}" type="datetimeFigureOut">
               <a:rPr lang="en-US" smtClean="0"/>
-              <a:t>1/31/2023</a:t>
+              <a:t>2/1/2023</a:t>
             </a:fld>
             <a:endParaRPr lang="en-US"/>
           </a:p>
@@ -4671,6 +4675,1838 @@
 </p:sld>
 </file>
 
+<file path=ppt/slides/slide13.xml><?xml version="1.0" encoding="utf-8"?>
+<p:sld xmlns:a="http://schemas.openxmlformats.org/drawingml/2006/main" xmlns:r="http://schemas.openxmlformats.org/officeDocument/2006/relationships" xmlns:p="http://schemas.openxmlformats.org/presentationml/2006/main">
+  <p:cSld>
+    <p:spTree>
+      <p:nvGrpSpPr>
+        <p:cNvPr id="1" name=""/>
+        <p:cNvGrpSpPr/>
+        <p:nvPr/>
+      </p:nvGrpSpPr>
+      <p:grpSpPr>
+        <a:xfrm>
+          <a:off x="0" y="0"/>
+          <a:ext cx="0" cy="0"/>
+          <a:chOff x="0" y="0"/>
+          <a:chExt cx="0" cy="0"/>
+        </a:xfrm>
+      </p:grpSpPr>
+      <p:sp>
+        <p:nvSpPr>
+          <p:cNvPr id="2" name="Title 1">
+            <a:extLst>
+              <a:ext uri="{FF2B5EF4-FFF2-40B4-BE49-F238E27FC236}">
+                <a16:creationId xmlns:a16="http://schemas.microsoft.com/office/drawing/2014/main" id="{8C976831-9A32-EC4A-AAAB-DA1B50F7FAAF}"/>
+              </a:ext>
+            </a:extLst>
+          </p:cNvPr>
+          <p:cNvSpPr>
+            <a:spLocks noGrp="1"/>
+          </p:cNvSpPr>
+          <p:nvPr>
+            <p:ph type="title"/>
+          </p:nvPr>
+        </p:nvSpPr>
+        <p:spPr>
+          <a:xfrm>
+            <a:off x="1676400" y="1584325"/>
+            <a:ext cx="10515600" cy="1325563"/>
+          </a:xfrm>
+        </p:spPr>
+        <p:txBody>
+          <a:bodyPr/>
+          <a:lstStyle/>
+          <a:p>
+            <a:r>
+              <a:rPr lang="en-US" dirty="0"/>
+              <a:t>Forms, User Input &amp; Validation</a:t>
+            </a:r>
+          </a:p>
+        </p:txBody>
+      </p:sp>
+    </p:spTree>
+    <p:extLst>
+      <p:ext uri="{BB962C8B-B14F-4D97-AF65-F5344CB8AC3E}">
+        <p14:creationId xmlns:p14="http://schemas.microsoft.com/office/powerpoint/2010/main" val="3302675697"/>
+      </p:ext>
+    </p:extLst>
+  </p:cSld>
+  <p:clrMapOvr>
+    <a:masterClrMapping/>
+  </p:clrMapOvr>
+</p:sld>
+</file>
+
+<file path=ppt/slides/slide14.xml><?xml version="1.0" encoding="utf-8"?>
+<p:sld xmlns:a="http://schemas.openxmlformats.org/drawingml/2006/main" xmlns:r="http://schemas.openxmlformats.org/officeDocument/2006/relationships" xmlns:p="http://schemas.openxmlformats.org/presentationml/2006/main">
+  <p:cSld>
+    <p:spTree>
+      <p:nvGrpSpPr>
+        <p:cNvPr id="1" name=""/>
+        <p:cNvGrpSpPr/>
+        <p:nvPr/>
+      </p:nvGrpSpPr>
+      <p:grpSpPr>
+        <a:xfrm>
+          <a:off x="0" y="0"/>
+          <a:ext cx="0" cy="0"/>
+          <a:chOff x="0" y="0"/>
+          <a:chExt cx="0" cy="0"/>
+        </a:xfrm>
+      </p:grpSpPr>
+      <p:sp>
+        <p:nvSpPr>
+          <p:cNvPr id="4" name="Rectangle 3">
+            <a:extLst>
+              <a:ext uri="{FF2B5EF4-FFF2-40B4-BE49-F238E27FC236}">
+                <a16:creationId xmlns:a16="http://schemas.microsoft.com/office/drawing/2014/main" id="{061AD6D8-4F23-6D53-1E0E-45BB9E3F8155}"/>
+              </a:ext>
+            </a:extLst>
+          </p:cNvPr>
+          <p:cNvSpPr/>
+          <p:nvPr/>
+        </p:nvSpPr>
+        <p:spPr>
+          <a:xfrm>
+            <a:off x="4455886" y="290286"/>
+            <a:ext cx="2438400" cy="493485"/>
+          </a:xfrm>
+          <a:prstGeom prst="rect">
+            <a:avLst/>
+          </a:prstGeom>
+        </p:spPr>
+        <p:style>
+          <a:lnRef idx="2">
+            <a:schemeClr val="accent1">
+              <a:shade val="50000"/>
+            </a:schemeClr>
+          </a:lnRef>
+          <a:fillRef idx="1">
+            <a:schemeClr val="accent1"/>
+          </a:fillRef>
+          <a:effectRef idx="0">
+            <a:schemeClr val="accent1"/>
+          </a:effectRef>
+          <a:fontRef idx="minor">
+            <a:schemeClr val="lt1"/>
+          </a:fontRef>
+        </p:style>
+        <p:txBody>
+          <a:bodyPr rtlCol="0" anchor="ctr"/>
+          <a:lstStyle/>
+          <a:p>
+            <a:pPr algn="ctr"/>
+            <a:r>
+              <a:rPr lang="en-US" dirty="0"/>
+              <a:t>User</a:t>
+            </a:r>
+          </a:p>
+        </p:txBody>
+      </p:sp>
+      <p:sp>
+        <p:nvSpPr>
+          <p:cNvPr id="6" name="Rectangle 5">
+            <a:extLst>
+              <a:ext uri="{FF2B5EF4-FFF2-40B4-BE49-F238E27FC236}">
+                <a16:creationId xmlns:a16="http://schemas.microsoft.com/office/drawing/2014/main" id="{A59EA36E-FB2A-B928-CB36-3F9216510735}"/>
+              </a:ext>
+            </a:extLst>
+          </p:cNvPr>
+          <p:cNvSpPr/>
+          <p:nvPr/>
+        </p:nvSpPr>
+        <p:spPr>
+          <a:xfrm>
+            <a:off x="4455886" y="1204686"/>
+            <a:ext cx="2438400" cy="493485"/>
+          </a:xfrm>
+          <a:prstGeom prst="rect">
+            <a:avLst/>
+          </a:prstGeom>
+        </p:spPr>
+        <p:style>
+          <a:lnRef idx="2">
+            <a:schemeClr val="accent1">
+              <a:shade val="50000"/>
+            </a:schemeClr>
+          </a:lnRef>
+          <a:fillRef idx="1">
+            <a:schemeClr val="accent1"/>
+          </a:fillRef>
+          <a:effectRef idx="0">
+            <a:schemeClr val="accent1"/>
+          </a:effectRef>
+          <a:fontRef idx="minor">
+            <a:schemeClr val="lt1"/>
+          </a:fontRef>
+        </p:style>
+        <p:txBody>
+          <a:bodyPr rtlCol="0" anchor="ctr"/>
+          <a:lstStyle/>
+          <a:p>
+            <a:pPr algn="ctr"/>
+            <a:r>
+              <a:rPr lang="en-US" dirty="0"/>
+              <a:t>&lt;form&gt;</a:t>
+            </a:r>
+          </a:p>
+        </p:txBody>
+      </p:sp>
+      <p:sp>
+        <p:nvSpPr>
+          <p:cNvPr id="7" name="Rectangle 6">
+            <a:extLst>
+              <a:ext uri="{FF2B5EF4-FFF2-40B4-BE49-F238E27FC236}">
+                <a16:creationId xmlns:a16="http://schemas.microsoft.com/office/drawing/2014/main" id="{3FF900E8-532F-AC7F-478E-9ACB9AB0B89E}"/>
+              </a:ext>
+            </a:extLst>
+          </p:cNvPr>
+          <p:cNvSpPr/>
+          <p:nvPr/>
+        </p:nvSpPr>
+        <p:spPr>
+          <a:xfrm>
+            <a:off x="4455886" y="2119086"/>
+            <a:ext cx="2438400" cy="493485"/>
+          </a:xfrm>
+          <a:prstGeom prst="rect">
+            <a:avLst/>
+          </a:prstGeom>
+        </p:spPr>
+        <p:style>
+          <a:lnRef idx="2">
+            <a:schemeClr val="accent1">
+              <a:shade val="50000"/>
+            </a:schemeClr>
+          </a:lnRef>
+          <a:fillRef idx="1">
+            <a:schemeClr val="accent1"/>
+          </a:fillRef>
+          <a:effectRef idx="0">
+            <a:schemeClr val="accent1"/>
+          </a:effectRef>
+          <a:fontRef idx="minor">
+            <a:schemeClr val="lt1"/>
+          </a:fontRef>
+        </p:style>
+        <p:txBody>
+          <a:bodyPr rtlCol="0" anchor="ctr"/>
+          <a:lstStyle/>
+          <a:p>
+            <a:pPr algn="ctr"/>
+            <a:r>
+              <a:rPr lang="en-US" dirty="0"/>
+              <a:t>Validation</a:t>
+            </a:r>
+          </a:p>
+        </p:txBody>
+      </p:sp>
+      <p:sp>
+        <p:nvSpPr>
+          <p:cNvPr id="8" name="Rectangle 7">
+            <a:extLst>
+              <a:ext uri="{FF2B5EF4-FFF2-40B4-BE49-F238E27FC236}">
+                <a16:creationId xmlns:a16="http://schemas.microsoft.com/office/drawing/2014/main" id="{F345E729-FE8F-F68E-C18B-773069E6930D}"/>
+              </a:ext>
+            </a:extLst>
+          </p:cNvPr>
+          <p:cNvSpPr/>
+          <p:nvPr/>
+        </p:nvSpPr>
+        <p:spPr>
+          <a:xfrm>
+            <a:off x="232228" y="2119086"/>
+            <a:ext cx="2438400" cy="493485"/>
+          </a:xfrm>
+          <a:prstGeom prst="rect">
+            <a:avLst/>
+          </a:prstGeom>
+        </p:spPr>
+        <p:style>
+          <a:lnRef idx="2">
+            <a:schemeClr val="accent1">
+              <a:shade val="50000"/>
+            </a:schemeClr>
+          </a:lnRef>
+          <a:fillRef idx="1">
+            <a:schemeClr val="accent1"/>
+          </a:fillRef>
+          <a:effectRef idx="0">
+            <a:schemeClr val="accent1"/>
+          </a:effectRef>
+          <a:fontRef idx="minor">
+            <a:schemeClr val="lt1"/>
+          </a:fontRef>
+        </p:style>
+        <p:txBody>
+          <a:bodyPr rtlCol="0" anchor="ctr"/>
+          <a:lstStyle/>
+          <a:p>
+            <a:pPr algn="ctr"/>
+            <a:r>
+              <a:rPr lang="en-US" dirty="0"/>
+              <a:t>Controller/Middleware</a:t>
+            </a:r>
+          </a:p>
+        </p:txBody>
+      </p:sp>
+      <p:cxnSp>
+        <p:nvCxnSpPr>
+          <p:cNvPr id="10" name="Straight Arrow Connector 9">
+            <a:extLst>
+              <a:ext uri="{FF2B5EF4-FFF2-40B4-BE49-F238E27FC236}">
+                <a16:creationId xmlns:a16="http://schemas.microsoft.com/office/drawing/2014/main" id="{2530BC80-2EFB-F101-20C3-314488C278DF}"/>
+              </a:ext>
+            </a:extLst>
+          </p:cNvPr>
+          <p:cNvCxnSpPr>
+            <a:stCxn id="4" idx="2"/>
+          </p:cNvCxnSpPr>
+          <p:nvPr/>
+        </p:nvCxnSpPr>
+        <p:spPr>
+          <a:xfrm>
+            <a:off x="5675086" y="783771"/>
+            <a:ext cx="0" cy="667657"/>
+          </a:xfrm>
+          <a:prstGeom prst="straightConnector1">
+            <a:avLst/>
+          </a:prstGeom>
+          <a:ln>
+            <a:tailEnd type="triangle"/>
+          </a:ln>
+        </p:spPr>
+        <p:style>
+          <a:lnRef idx="1">
+            <a:schemeClr val="accent1"/>
+          </a:lnRef>
+          <a:fillRef idx="0">
+            <a:schemeClr val="accent1"/>
+          </a:fillRef>
+          <a:effectRef idx="0">
+            <a:schemeClr val="accent1"/>
+          </a:effectRef>
+          <a:fontRef idx="minor">
+            <a:schemeClr val="tx1"/>
+          </a:fontRef>
+        </p:style>
+      </p:cxnSp>
+      <p:cxnSp>
+        <p:nvCxnSpPr>
+          <p:cNvPr id="12" name="Straight Arrow Connector 11">
+            <a:extLst>
+              <a:ext uri="{FF2B5EF4-FFF2-40B4-BE49-F238E27FC236}">
+                <a16:creationId xmlns:a16="http://schemas.microsoft.com/office/drawing/2014/main" id="{E951AF3C-759C-C206-C059-2064E9813F42}"/>
+              </a:ext>
+            </a:extLst>
+          </p:cNvPr>
+          <p:cNvCxnSpPr>
+            <a:stCxn id="6" idx="2"/>
+          </p:cNvCxnSpPr>
+          <p:nvPr/>
+        </p:nvCxnSpPr>
+        <p:spPr>
+          <a:xfrm>
+            <a:off x="5675086" y="1698171"/>
+            <a:ext cx="0" cy="667657"/>
+          </a:xfrm>
+          <a:prstGeom prst="straightConnector1">
+            <a:avLst/>
+          </a:prstGeom>
+          <a:ln>
+            <a:tailEnd type="triangle"/>
+          </a:ln>
+        </p:spPr>
+        <p:style>
+          <a:lnRef idx="1">
+            <a:schemeClr val="accent1"/>
+          </a:lnRef>
+          <a:fillRef idx="0">
+            <a:schemeClr val="accent1"/>
+          </a:fillRef>
+          <a:effectRef idx="0">
+            <a:schemeClr val="accent1"/>
+          </a:effectRef>
+          <a:fontRef idx="minor">
+            <a:schemeClr val="tx1"/>
+          </a:fontRef>
+        </p:style>
+      </p:cxnSp>
+      <p:cxnSp>
+        <p:nvCxnSpPr>
+          <p:cNvPr id="14" name="Connector: Elbow 13">
+            <a:extLst>
+              <a:ext uri="{FF2B5EF4-FFF2-40B4-BE49-F238E27FC236}">
+                <a16:creationId xmlns:a16="http://schemas.microsoft.com/office/drawing/2014/main" id="{3B026C95-125C-5A05-AFA8-8FBE5E2FE40F}"/>
+              </a:ext>
+            </a:extLst>
+          </p:cNvPr>
+          <p:cNvCxnSpPr>
+            <a:stCxn id="7" idx="1"/>
+          </p:cNvCxnSpPr>
+          <p:nvPr/>
+        </p:nvCxnSpPr>
+        <p:spPr>
+          <a:xfrm rot="10800000">
+            <a:off x="2540000" y="2365829"/>
+            <a:ext cx="1915886" cy="1"/>
+          </a:xfrm>
+          <a:prstGeom prst="bentConnector3">
+            <a:avLst/>
+          </a:prstGeom>
+          <a:ln>
+            <a:tailEnd type="triangle"/>
+          </a:ln>
+        </p:spPr>
+        <p:style>
+          <a:lnRef idx="1">
+            <a:schemeClr val="accent1"/>
+          </a:lnRef>
+          <a:fillRef idx="0">
+            <a:schemeClr val="accent1"/>
+          </a:fillRef>
+          <a:effectRef idx="0">
+            <a:schemeClr val="accent1"/>
+          </a:effectRef>
+          <a:fontRef idx="minor">
+            <a:schemeClr val="tx1"/>
+          </a:fontRef>
+        </p:style>
+      </p:cxnSp>
+      <p:cxnSp>
+        <p:nvCxnSpPr>
+          <p:cNvPr id="16" name="Connector: Elbow 15">
+            <a:extLst>
+              <a:ext uri="{FF2B5EF4-FFF2-40B4-BE49-F238E27FC236}">
+                <a16:creationId xmlns:a16="http://schemas.microsoft.com/office/drawing/2014/main" id="{CE653AA0-F8DC-6F0B-1D55-8A15E27C89C0}"/>
+              </a:ext>
+            </a:extLst>
+          </p:cNvPr>
+          <p:cNvCxnSpPr>
+            <a:stCxn id="7" idx="3"/>
+            <a:endCxn id="4" idx="3"/>
+          </p:cNvCxnSpPr>
+          <p:nvPr/>
+        </p:nvCxnSpPr>
+        <p:spPr>
+          <a:xfrm flipV="1">
+            <a:off x="6894286" y="537029"/>
+            <a:ext cx="12700" cy="1828800"/>
+          </a:xfrm>
+          <a:prstGeom prst="bentConnector3">
+            <a:avLst>
+              <a:gd name="adj1" fmla="val 1800000"/>
+            </a:avLst>
+          </a:prstGeom>
+          <a:ln>
+            <a:tailEnd type="triangle"/>
+          </a:ln>
+        </p:spPr>
+        <p:style>
+          <a:lnRef idx="1">
+            <a:schemeClr val="accent1"/>
+          </a:lnRef>
+          <a:fillRef idx="0">
+            <a:schemeClr val="accent1"/>
+          </a:fillRef>
+          <a:effectRef idx="0">
+            <a:schemeClr val="accent1"/>
+          </a:effectRef>
+          <a:fontRef idx="minor">
+            <a:schemeClr val="tx1"/>
+          </a:fontRef>
+        </p:style>
+      </p:cxnSp>
+      <p:sp>
+        <p:nvSpPr>
+          <p:cNvPr id="17" name="TextBox 16">
+            <a:extLst>
+              <a:ext uri="{FF2B5EF4-FFF2-40B4-BE49-F238E27FC236}">
+                <a16:creationId xmlns:a16="http://schemas.microsoft.com/office/drawing/2014/main" id="{F0C46755-4896-5FFA-A8A1-C874526D27B4}"/>
+              </a:ext>
+            </a:extLst>
+          </p:cNvPr>
+          <p:cNvSpPr txBox="1"/>
+          <p:nvPr/>
+        </p:nvSpPr>
+        <p:spPr>
+          <a:xfrm>
+            <a:off x="7416800" y="1204686"/>
+            <a:ext cx="1318759" cy="369332"/>
+          </a:xfrm>
+          <a:prstGeom prst="rect">
+            <a:avLst/>
+          </a:prstGeom>
+          <a:noFill/>
+        </p:spPr>
+        <p:txBody>
+          <a:bodyPr wrap="none" rtlCol="0">
+            <a:spAutoFit/>
+          </a:bodyPr>
+          <a:lstStyle/>
+          <a:p>
+            <a:r>
+              <a:rPr lang="en-US" dirty="0"/>
+              <a:t>Reject Input</a:t>
+            </a:r>
+          </a:p>
+        </p:txBody>
+      </p:sp>
+      <p:sp>
+        <p:nvSpPr>
+          <p:cNvPr id="19" name="Rectangle 18">
+            <a:extLst>
+              <a:ext uri="{FF2B5EF4-FFF2-40B4-BE49-F238E27FC236}">
+                <a16:creationId xmlns:a16="http://schemas.microsoft.com/office/drawing/2014/main" id="{D9A26D93-A630-41F2-D188-15BD9481F1C4}"/>
+              </a:ext>
+            </a:extLst>
+          </p:cNvPr>
+          <p:cNvSpPr/>
+          <p:nvPr/>
+        </p:nvSpPr>
+        <p:spPr>
+          <a:xfrm>
+            <a:off x="4455886" y="3182257"/>
+            <a:ext cx="2438400" cy="493485"/>
+          </a:xfrm>
+          <a:prstGeom prst="rect">
+            <a:avLst/>
+          </a:prstGeom>
+        </p:spPr>
+        <p:style>
+          <a:lnRef idx="2">
+            <a:schemeClr val="accent1">
+              <a:shade val="50000"/>
+            </a:schemeClr>
+          </a:lnRef>
+          <a:fillRef idx="1">
+            <a:schemeClr val="accent1"/>
+          </a:fillRef>
+          <a:effectRef idx="0">
+            <a:schemeClr val="accent1"/>
+          </a:effectRef>
+          <a:fontRef idx="minor">
+            <a:schemeClr val="lt1"/>
+          </a:fontRef>
+        </p:style>
+        <p:txBody>
+          <a:bodyPr rtlCol="0" anchor="ctr"/>
+          <a:lstStyle/>
+          <a:p>
+            <a:pPr algn="ctr"/>
+            <a:r>
+              <a:rPr lang="en-US" dirty="0"/>
+              <a:t>&lt;your node code&gt; (Model)</a:t>
+            </a:r>
+          </a:p>
+        </p:txBody>
+      </p:sp>
+      <p:sp>
+        <p:nvSpPr>
+          <p:cNvPr id="20" name="Rectangle 19">
+            <a:extLst>
+              <a:ext uri="{FF2B5EF4-FFF2-40B4-BE49-F238E27FC236}">
+                <a16:creationId xmlns:a16="http://schemas.microsoft.com/office/drawing/2014/main" id="{2A37E6D0-76E8-D9FB-AD57-D4B2C0E88385}"/>
+              </a:ext>
+            </a:extLst>
+          </p:cNvPr>
+          <p:cNvSpPr/>
+          <p:nvPr/>
+        </p:nvSpPr>
+        <p:spPr>
+          <a:xfrm>
+            <a:off x="4468586" y="4394201"/>
+            <a:ext cx="2438400" cy="493485"/>
+          </a:xfrm>
+          <a:prstGeom prst="rect">
+            <a:avLst/>
+          </a:prstGeom>
+        </p:spPr>
+        <p:style>
+          <a:lnRef idx="2">
+            <a:schemeClr val="accent1">
+              <a:shade val="50000"/>
+            </a:schemeClr>
+          </a:lnRef>
+          <a:fillRef idx="1">
+            <a:schemeClr val="accent1"/>
+          </a:fillRef>
+          <a:effectRef idx="0">
+            <a:schemeClr val="accent1"/>
+          </a:effectRef>
+          <a:fontRef idx="minor">
+            <a:schemeClr val="lt1"/>
+          </a:fontRef>
+        </p:style>
+        <p:txBody>
+          <a:bodyPr rtlCol="0" anchor="ctr"/>
+          <a:lstStyle/>
+          <a:p>
+            <a:pPr algn="ctr"/>
+            <a:r>
+              <a:rPr lang="en-US" dirty="0"/>
+              <a:t>Database/File</a:t>
+            </a:r>
+          </a:p>
+        </p:txBody>
+      </p:sp>
+      <p:cxnSp>
+        <p:nvCxnSpPr>
+          <p:cNvPr id="22" name="Connector: Elbow 21">
+            <a:extLst>
+              <a:ext uri="{FF2B5EF4-FFF2-40B4-BE49-F238E27FC236}">
+                <a16:creationId xmlns:a16="http://schemas.microsoft.com/office/drawing/2014/main" id="{7C3268D4-DBB9-FAC5-A59E-4535FDE7B28A}"/>
+              </a:ext>
+            </a:extLst>
+          </p:cNvPr>
+          <p:cNvCxnSpPr>
+            <a:stCxn id="7" idx="2"/>
+            <a:endCxn id="19" idx="0"/>
+          </p:cNvCxnSpPr>
+          <p:nvPr/>
+        </p:nvCxnSpPr>
+        <p:spPr>
+          <a:xfrm rot="5400000">
+            <a:off x="5390243" y="2897414"/>
+            <a:ext cx="569686" cy="12700"/>
+          </a:xfrm>
+          <a:prstGeom prst="bentConnector3">
+            <a:avLst/>
+          </a:prstGeom>
+          <a:ln>
+            <a:tailEnd type="triangle"/>
+          </a:ln>
+        </p:spPr>
+        <p:style>
+          <a:lnRef idx="1">
+            <a:schemeClr val="accent1"/>
+          </a:lnRef>
+          <a:fillRef idx="0">
+            <a:schemeClr val="accent1"/>
+          </a:fillRef>
+          <a:effectRef idx="0">
+            <a:schemeClr val="accent1"/>
+          </a:effectRef>
+          <a:fontRef idx="minor">
+            <a:schemeClr val="tx1"/>
+          </a:fontRef>
+        </p:style>
+      </p:cxnSp>
+      <p:cxnSp>
+        <p:nvCxnSpPr>
+          <p:cNvPr id="24" name="Straight Arrow Connector 23">
+            <a:extLst>
+              <a:ext uri="{FF2B5EF4-FFF2-40B4-BE49-F238E27FC236}">
+                <a16:creationId xmlns:a16="http://schemas.microsoft.com/office/drawing/2014/main" id="{C4ABDFFD-189F-CA78-2745-33065F7CFD7C}"/>
+              </a:ext>
+            </a:extLst>
+          </p:cNvPr>
+          <p:cNvCxnSpPr>
+            <a:stCxn id="19" idx="2"/>
+          </p:cNvCxnSpPr>
+          <p:nvPr/>
+        </p:nvCxnSpPr>
+        <p:spPr>
+          <a:xfrm>
+            <a:off x="5675086" y="3675742"/>
+            <a:ext cx="0" cy="965201"/>
+          </a:xfrm>
+          <a:prstGeom prst="straightConnector1">
+            <a:avLst/>
+          </a:prstGeom>
+          <a:ln>
+            <a:tailEnd type="triangle"/>
+          </a:ln>
+        </p:spPr>
+        <p:style>
+          <a:lnRef idx="1">
+            <a:schemeClr val="accent1"/>
+          </a:lnRef>
+          <a:fillRef idx="0">
+            <a:schemeClr val="accent1"/>
+          </a:fillRef>
+          <a:effectRef idx="0">
+            <a:schemeClr val="accent1"/>
+          </a:effectRef>
+          <a:fontRef idx="minor">
+            <a:schemeClr val="tx1"/>
+          </a:fontRef>
+        </p:style>
+      </p:cxnSp>
+    </p:spTree>
+    <p:extLst>
+      <p:ext uri="{BB962C8B-B14F-4D97-AF65-F5344CB8AC3E}">
+        <p14:creationId xmlns:p14="http://schemas.microsoft.com/office/powerpoint/2010/main" val="877004805"/>
+      </p:ext>
+    </p:extLst>
+  </p:cSld>
+  <p:clrMapOvr>
+    <a:masterClrMapping/>
+  </p:clrMapOvr>
+</p:sld>
+</file>
+
+<file path=ppt/slides/slide15.xml><?xml version="1.0" encoding="utf-8"?>
+<p:sld xmlns:a="http://schemas.openxmlformats.org/drawingml/2006/main" xmlns:r="http://schemas.openxmlformats.org/officeDocument/2006/relationships" xmlns:p="http://schemas.openxmlformats.org/presentationml/2006/main">
+  <p:cSld>
+    <p:spTree>
+      <p:nvGrpSpPr>
+        <p:cNvPr id="1" name=""/>
+        <p:cNvGrpSpPr/>
+        <p:nvPr/>
+      </p:nvGrpSpPr>
+      <p:grpSpPr>
+        <a:xfrm>
+          <a:off x="0" y="0"/>
+          <a:ext cx="0" cy="0"/>
+          <a:chOff x="0" y="0"/>
+          <a:chExt cx="0" cy="0"/>
+        </a:xfrm>
+      </p:grpSpPr>
+      <p:sp>
+        <p:nvSpPr>
+          <p:cNvPr id="4" name="Rectangle 3">
+            <a:extLst>
+              <a:ext uri="{FF2B5EF4-FFF2-40B4-BE49-F238E27FC236}">
+                <a16:creationId xmlns:a16="http://schemas.microsoft.com/office/drawing/2014/main" id="{061AD6D8-4F23-6D53-1E0E-45BB9E3F8155}"/>
+              </a:ext>
+            </a:extLst>
+          </p:cNvPr>
+          <p:cNvSpPr/>
+          <p:nvPr/>
+        </p:nvSpPr>
+        <p:spPr>
+          <a:xfrm>
+            <a:off x="4586514" y="1041396"/>
+            <a:ext cx="2438400" cy="493485"/>
+          </a:xfrm>
+          <a:prstGeom prst="rect">
+            <a:avLst/>
+          </a:prstGeom>
+        </p:spPr>
+        <p:style>
+          <a:lnRef idx="2">
+            <a:schemeClr val="accent1">
+              <a:shade val="50000"/>
+            </a:schemeClr>
+          </a:lnRef>
+          <a:fillRef idx="1">
+            <a:schemeClr val="accent1"/>
+          </a:fillRef>
+          <a:effectRef idx="0">
+            <a:schemeClr val="accent1"/>
+          </a:effectRef>
+          <a:fontRef idx="minor">
+            <a:schemeClr val="lt1"/>
+          </a:fontRef>
+        </p:style>
+        <p:txBody>
+          <a:bodyPr rtlCol="0" anchor="ctr"/>
+          <a:lstStyle/>
+          <a:p>
+            <a:pPr algn="ctr"/>
+            <a:r>
+              <a:rPr lang="en-US" dirty="0" err="1"/>
+              <a:t>UserInput</a:t>
+            </a:r>
+            <a:r>
+              <a:rPr lang="en-US" dirty="0"/>
+              <a:t> (Form Input)</a:t>
+            </a:r>
+          </a:p>
+        </p:txBody>
+      </p:sp>
+      <p:sp>
+        <p:nvSpPr>
+          <p:cNvPr id="6" name="Rectangle 5">
+            <a:extLst>
+              <a:ext uri="{FF2B5EF4-FFF2-40B4-BE49-F238E27FC236}">
+                <a16:creationId xmlns:a16="http://schemas.microsoft.com/office/drawing/2014/main" id="{A59EA36E-FB2A-B928-CB36-3F9216510735}"/>
+              </a:ext>
+            </a:extLst>
+          </p:cNvPr>
+          <p:cNvSpPr/>
+          <p:nvPr/>
+        </p:nvSpPr>
+        <p:spPr>
+          <a:xfrm>
+            <a:off x="4449536" y="2478307"/>
+            <a:ext cx="2438400" cy="493485"/>
+          </a:xfrm>
+          <a:prstGeom prst="rect">
+            <a:avLst/>
+          </a:prstGeom>
+        </p:spPr>
+        <p:style>
+          <a:lnRef idx="2">
+            <a:schemeClr val="accent1">
+              <a:shade val="50000"/>
+            </a:schemeClr>
+          </a:lnRef>
+          <a:fillRef idx="1">
+            <a:schemeClr val="accent1"/>
+          </a:fillRef>
+          <a:effectRef idx="0">
+            <a:schemeClr val="accent1"/>
+          </a:effectRef>
+          <a:fontRef idx="minor">
+            <a:schemeClr val="lt1"/>
+          </a:fontRef>
+        </p:style>
+        <p:txBody>
+          <a:bodyPr rtlCol="0" anchor="ctr"/>
+          <a:lstStyle/>
+          <a:p>
+            <a:pPr algn="ctr"/>
+            <a:r>
+              <a:rPr lang="en-US" dirty="0"/>
+              <a:t>Validate on Client-side</a:t>
+            </a:r>
+          </a:p>
+        </p:txBody>
+      </p:sp>
+      <p:sp>
+        <p:nvSpPr>
+          <p:cNvPr id="7" name="Rectangle 6">
+            <a:extLst>
+              <a:ext uri="{FF2B5EF4-FFF2-40B4-BE49-F238E27FC236}">
+                <a16:creationId xmlns:a16="http://schemas.microsoft.com/office/drawing/2014/main" id="{3FF900E8-532F-AC7F-478E-9ACB9AB0B89E}"/>
+              </a:ext>
+            </a:extLst>
+          </p:cNvPr>
+          <p:cNvSpPr/>
+          <p:nvPr/>
+        </p:nvSpPr>
+        <p:spPr>
+          <a:xfrm>
+            <a:off x="4586514" y="3759195"/>
+            <a:ext cx="2438400" cy="493485"/>
+          </a:xfrm>
+          <a:prstGeom prst="rect">
+            <a:avLst/>
+          </a:prstGeom>
+        </p:spPr>
+        <p:style>
+          <a:lnRef idx="2">
+            <a:schemeClr val="accent1">
+              <a:shade val="50000"/>
+            </a:schemeClr>
+          </a:lnRef>
+          <a:fillRef idx="1">
+            <a:schemeClr val="accent1"/>
+          </a:fillRef>
+          <a:effectRef idx="0">
+            <a:schemeClr val="accent1"/>
+          </a:effectRef>
+          <a:fontRef idx="minor">
+            <a:schemeClr val="lt1"/>
+          </a:fontRef>
+        </p:style>
+        <p:txBody>
+          <a:bodyPr rtlCol="0" anchor="ctr"/>
+          <a:lstStyle/>
+          <a:p>
+            <a:pPr algn="ctr"/>
+            <a:r>
+              <a:rPr lang="en-US" dirty="0"/>
+              <a:t>Validate on Server-Side</a:t>
+            </a:r>
+          </a:p>
+        </p:txBody>
+      </p:sp>
+      <p:cxnSp>
+        <p:nvCxnSpPr>
+          <p:cNvPr id="10" name="Straight Arrow Connector 9">
+            <a:extLst>
+              <a:ext uri="{FF2B5EF4-FFF2-40B4-BE49-F238E27FC236}">
+                <a16:creationId xmlns:a16="http://schemas.microsoft.com/office/drawing/2014/main" id="{2530BC80-2EFB-F101-20C3-314488C278DF}"/>
+              </a:ext>
+            </a:extLst>
+          </p:cNvPr>
+          <p:cNvCxnSpPr>
+            <a:stCxn id="4" idx="2"/>
+          </p:cNvCxnSpPr>
+          <p:nvPr/>
+        </p:nvCxnSpPr>
+        <p:spPr>
+          <a:xfrm>
+            <a:off x="5805714" y="1534881"/>
+            <a:ext cx="0" cy="667657"/>
+          </a:xfrm>
+          <a:prstGeom prst="straightConnector1">
+            <a:avLst/>
+          </a:prstGeom>
+          <a:ln>
+            <a:tailEnd type="triangle"/>
+          </a:ln>
+        </p:spPr>
+        <p:style>
+          <a:lnRef idx="1">
+            <a:schemeClr val="accent1"/>
+          </a:lnRef>
+          <a:fillRef idx="0">
+            <a:schemeClr val="accent1"/>
+          </a:fillRef>
+          <a:effectRef idx="0">
+            <a:schemeClr val="accent1"/>
+          </a:effectRef>
+          <a:fontRef idx="minor">
+            <a:schemeClr val="tx1"/>
+          </a:fontRef>
+        </p:style>
+      </p:cxnSp>
+      <p:cxnSp>
+        <p:nvCxnSpPr>
+          <p:cNvPr id="12" name="Straight Arrow Connector 11">
+            <a:extLst>
+              <a:ext uri="{FF2B5EF4-FFF2-40B4-BE49-F238E27FC236}">
+                <a16:creationId xmlns:a16="http://schemas.microsoft.com/office/drawing/2014/main" id="{E951AF3C-759C-C206-C059-2064E9813F42}"/>
+              </a:ext>
+            </a:extLst>
+          </p:cNvPr>
+          <p:cNvCxnSpPr>
+            <a:stCxn id="6" idx="2"/>
+          </p:cNvCxnSpPr>
+          <p:nvPr/>
+        </p:nvCxnSpPr>
+        <p:spPr>
+          <a:xfrm>
+            <a:off x="5668736" y="2971792"/>
+            <a:ext cx="0" cy="667657"/>
+          </a:xfrm>
+          <a:prstGeom prst="straightConnector1">
+            <a:avLst/>
+          </a:prstGeom>
+          <a:ln>
+            <a:tailEnd type="triangle"/>
+          </a:ln>
+        </p:spPr>
+        <p:style>
+          <a:lnRef idx="1">
+            <a:schemeClr val="accent1"/>
+          </a:lnRef>
+          <a:fillRef idx="0">
+            <a:schemeClr val="accent1"/>
+          </a:fillRef>
+          <a:effectRef idx="0">
+            <a:schemeClr val="accent1"/>
+          </a:effectRef>
+          <a:fontRef idx="minor">
+            <a:schemeClr val="tx1"/>
+          </a:fontRef>
+        </p:style>
+      </p:cxnSp>
+      <p:sp>
+        <p:nvSpPr>
+          <p:cNvPr id="17" name="TextBox 16">
+            <a:extLst>
+              <a:ext uri="{FF2B5EF4-FFF2-40B4-BE49-F238E27FC236}">
+                <a16:creationId xmlns:a16="http://schemas.microsoft.com/office/drawing/2014/main" id="{F0C46755-4896-5FFA-A8A1-C874526D27B4}"/>
+              </a:ext>
+            </a:extLst>
+          </p:cNvPr>
+          <p:cNvSpPr txBox="1"/>
+          <p:nvPr/>
+        </p:nvSpPr>
+        <p:spPr>
+          <a:xfrm>
+            <a:off x="7416800" y="1204686"/>
+            <a:ext cx="1318759" cy="369332"/>
+          </a:xfrm>
+          <a:prstGeom prst="rect">
+            <a:avLst/>
+          </a:prstGeom>
+          <a:noFill/>
+        </p:spPr>
+        <p:txBody>
+          <a:bodyPr wrap="none" rtlCol="0">
+            <a:spAutoFit/>
+          </a:bodyPr>
+          <a:lstStyle/>
+          <a:p>
+            <a:r>
+              <a:rPr lang="en-US" dirty="0"/>
+              <a:t>Reject Input</a:t>
+            </a:r>
+          </a:p>
+        </p:txBody>
+      </p:sp>
+      <p:sp>
+        <p:nvSpPr>
+          <p:cNvPr id="19" name="Rectangle 18">
+            <a:extLst>
+              <a:ext uri="{FF2B5EF4-FFF2-40B4-BE49-F238E27FC236}">
+                <a16:creationId xmlns:a16="http://schemas.microsoft.com/office/drawing/2014/main" id="{D9A26D93-A630-41F2-D188-15BD9481F1C4}"/>
+              </a:ext>
+            </a:extLst>
+          </p:cNvPr>
+          <p:cNvSpPr/>
+          <p:nvPr/>
+        </p:nvSpPr>
+        <p:spPr>
+          <a:xfrm>
+            <a:off x="4586514" y="4913083"/>
+            <a:ext cx="2438400" cy="493485"/>
+          </a:xfrm>
+          <a:prstGeom prst="rect">
+            <a:avLst/>
+          </a:prstGeom>
+        </p:spPr>
+        <p:style>
+          <a:lnRef idx="2">
+            <a:schemeClr val="accent1">
+              <a:shade val="50000"/>
+            </a:schemeClr>
+          </a:lnRef>
+          <a:fillRef idx="1">
+            <a:schemeClr val="accent1"/>
+          </a:fillRef>
+          <a:effectRef idx="0">
+            <a:schemeClr val="accent1"/>
+          </a:effectRef>
+          <a:fontRef idx="minor">
+            <a:schemeClr val="lt1"/>
+          </a:fontRef>
+        </p:style>
+        <p:txBody>
+          <a:bodyPr rtlCol="0" anchor="ctr"/>
+          <a:lstStyle/>
+          <a:p>
+            <a:pPr algn="ctr"/>
+            <a:r>
+              <a:rPr lang="en-US" dirty="0"/>
+              <a:t>Server (Node App)</a:t>
+            </a:r>
+          </a:p>
+        </p:txBody>
+      </p:sp>
+      <p:sp>
+        <p:nvSpPr>
+          <p:cNvPr id="20" name="Rectangle 19">
+            <a:extLst>
+              <a:ext uri="{FF2B5EF4-FFF2-40B4-BE49-F238E27FC236}">
+                <a16:creationId xmlns:a16="http://schemas.microsoft.com/office/drawing/2014/main" id="{2A37E6D0-76E8-D9FB-AD57-D4B2C0E88385}"/>
+              </a:ext>
+            </a:extLst>
+          </p:cNvPr>
+          <p:cNvSpPr/>
+          <p:nvPr/>
+        </p:nvSpPr>
+        <p:spPr>
+          <a:xfrm>
+            <a:off x="4449536" y="6074229"/>
+            <a:ext cx="2438400" cy="493485"/>
+          </a:xfrm>
+          <a:prstGeom prst="rect">
+            <a:avLst/>
+          </a:prstGeom>
+        </p:spPr>
+        <p:style>
+          <a:lnRef idx="2">
+            <a:schemeClr val="accent1">
+              <a:shade val="50000"/>
+            </a:schemeClr>
+          </a:lnRef>
+          <a:fillRef idx="1">
+            <a:schemeClr val="accent1"/>
+          </a:fillRef>
+          <a:effectRef idx="0">
+            <a:schemeClr val="accent1"/>
+          </a:effectRef>
+          <a:fontRef idx="minor">
+            <a:schemeClr val="lt1"/>
+          </a:fontRef>
+        </p:style>
+        <p:txBody>
+          <a:bodyPr rtlCol="0" anchor="ctr"/>
+          <a:lstStyle/>
+          <a:p>
+            <a:pPr algn="ctr"/>
+            <a:r>
+              <a:rPr lang="en-US" dirty="0"/>
+              <a:t>Database/File</a:t>
+            </a:r>
+          </a:p>
+        </p:txBody>
+      </p:sp>
+      <p:cxnSp>
+        <p:nvCxnSpPr>
+          <p:cNvPr id="22" name="Connector: Elbow 21">
+            <a:extLst>
+              <a:ext uri="{FF2B5EF4-FFF2-40B4-BE49-F238E27FC236}">
+                <a16:creationId xmlns:a16="http://schemas.microsoft.com/office/drawing/2014/main" id="{7C3268D4-DBB9-FAC5-A59E-4535FDE7B28A}"/>
+              </a:ext>
+            </a:extLst>
+          </p:cNvPr>
+          <p:cNvCxnSpPr>
+            <a:stCxn id="7" idx="2"/>
+            <a:endCxn id="19" idx="0"/>
+          </p:cNvCxnSpPr>
+          <p:nvPr/>
+        </p:nvCxnSpPr>
+        <p:spPr>
+          <a:xfrm rot="5400000">
+            <a:off x="5475513" y="4582881"/>
+            <a:ext cx="660403" cy="12700"/>
+          </a:xfrm>
+          <a:prstGeom prst="bentConnector3">
+            <a:avLst/>
+          </a:prstGeom>
+          <a:ln>
+            <a:tailEnd type="triangle"/>
+          </a:ln>
+        </p:spPr>
+        <p:style>
+          <a:lnRef idx="1">
+            <a:schemeClr val="accent1"/>
+          </a:lnRef>
+          <a:fillRef idx="0">
+            <a:schemeClr val="accent1"/>
+          </a:fillRef>
+          <a:effectRef idx="0">
+            <a:schemeClr val="accent1"/>
+          </a:effectRef>
+          <a:fontRef idx="minor">
+            <a:schemeClr val="tx1"/>
+          </a:fontRef>
+        </p:style>
+      </p:cxnSp>
+      <p:cxnSp>
+        <p:nvCxnSpPr>
+          <p:cNvPr id="24" name="Straight Arrow Connector 23">
+            <a:extLst>
+              <a:ext uri="{FF2B5EF4-FFF2-40B4-BE49-F238E27FC236}">
+                <a16:creationId xmlns:a16="http://schemas.microsoft.com/office/drawing/2014/main" id="{C4ABDFFD-189F-CA78-2745-33065F7CFD7C}"/>
+              </a:ext>
+            </a:extLst>
+          </p:cNvPr>
+          <p:cNvCxnSpPr>
+            <a:cxnSpLocks/>
+            <a:stCxn id="19" idx="2"/>
+            <a:endCxn id="20" idx="0"/>
+          </p:cNvCxnSpPr>
+          <p:nvPr/>
+        </p:nvCxnSpPr>
+        <p:spPr>
+          <a:xfrm flipH="1">
+            <a:off x="5668736" y="5406568"/>
+            <a:ext cx="136978" cy="667661"/>
+          </a:xfrm>
+          <a:prstGeom prst="straightConnector1">
+            <a:avLst/>
+          </a:prstGeom>
+          <a:ln>
+            <a:tailEnd type="triangle"/>
+          </a:ln>
+        </p:spPr>
+        <p:style>
+          <a:lnRef idx="1">
+            <a:schemeClr val="accent1"/>
+          </a:lnRef>
+          <a:fillRef idx="0">
+            <a:schemeClr val="accent1"/>
+          </a:fillRef>
+          <a:effectRef idx="0">
+            <a:schemeClr val="accent1"/>
+          </a:effectRef>
+          <a:fontRef idx="minor">
+            <a:schemeClr val="tx1"/>
+          </a:fontRef>
+        </p:style>
+      </p:cxnSp>
+      <p:sp>
+        <p:nvSpPr>
+          <p:cNvPr id="5" name="Rectangle 4">
+            <a:extLst>
+              <a:ext uri="{FF2B5EF4-FFF2-40B4-BE49-F238E27FC236}">
+                <a16:creationId xmlns:a16="http://schemas.microsoft.com/office/drawing/2014/main" id="{263074B5-AD96-34AF-0379-5E1A434C6E46}"/>
+              </a:ext>
+            </a:extLst>
+          </p:cNvPr>
+          <p:cNvSpPr/>
+          <p:nvPr/>
+        </p:nvSpPr>
+        <p:spPr>
+          <a:xfrm>
+            <a:off x="8411936" y="6074229"/>
+            <a:ext cx="2438400" cy="493485"/>
+          </a:xfrm>
+          <a:prstGeom prst="rect">
+            <a:avLst/>
+          </a:prstGeom>
+        </p:spPr>
+        <p:style>
+          <a:lnRef idx="2">
+            <a:schemeClr val="accent1">
+              <a:shade val="50000"/>
+            </a:schemeClr>
+          </a:lnRef>
+          <a:fillRef idx="1">
+            <a:schemeClr val="accent1"/>
+          </a:fillRef>
+          <a:effectRef idx="0">
+            <a:schemeClr val="accent1"/>
+          </a:effectRef>
+          <a:fontRef idx="minor">
+            <a:schemeClr val="lt1"/>
+          </a:fontRef>
+        </p:style>
+        <p:txBody>
+          <a:bodyPr rtlCol="0" anchor="ctr"/>
+          <a:lstStyle/>
+          <a:p>
+            <a:pPr algn="ctr"/>
+            <a:r>
+              <a:rPr lang="en-US" dirty="0"/>
+              <a:t>Bulit-in Validation</a:t>
+            </a:r>
+          </a:p>
+        </p:txBody>
+      </p:sp>
+      <p:cxnSp>
+        <p:nvCxnSpPr>
+          <p:cNvPr id="11" name="Connector: Elbow 10">
+            <a:extLst>
+              <a:ext uri="{FF2B5EF4-FFF2-40B4-BE49-F238E27FC236}">
+                <a16:creationId xmlns:a16="http://schemas.microsoft.com/office/drawing/2014/main" id="{55C00420-8F95-3252-5801-717880B47CD8}"/>
+              </a:ext>
+            </a:extLst>
+          </p:cNvPr>
+          <p:cNvCxnSpPr>
+            <a:stCxn id="20" idx="3"/>
+            <a:endCxn id="5" idx="1"/>
+          </p:cNvCxnSpPr>
+          <p:nvPr/>
+        </p:nvCxnSpPr>
+        <p:spPr>
+          <a:xfrm>
+            <a:off x="6887936" y="6320972"/>
+            <a:ext cx="1524000" cy="12700"/>
+          </a:xfrm>
+          <a:prstGeom prst="bentConnector3">
+            <a:avLst/>
+          </a:prstGeom>
+          <a:ln>
+            <a:tailEnd type="triangle"/>
+          </a:ln>
+        </p:spPr>
+        <p:style>
+          <a:lnRef idx="1">
+            <a:schemeClr val="accent1"/>
+          </a:lnRef>
+          <a:fillRef idx="0">
+            <a:schemeClr val="accent1"/>
+          </a:fillRef>
+          <a:effectRef idx="0">
+            <a:schemeClr val="accent1"/>
+          </a:effectRef>
+          <a:fontRef idx="minor">
+            <a:schemeClr val="tx1"/>
+          </a:fontRef>
+        </p:style>
+      </p:cxnSp>
+      <p:sp>
+        <p:nvSpPr>
+          <p:cNvPr id="21" name="Rectangle 20">
+            <a:extLst>
+              <a:ext uri="{FF2B5EF4-FFF2-40B4-BE49-F238E27FC236}">
+                <a16:creationId xmlns:a16="http://schemas.microsoft.com/office/drawing/2014/main" id="{20EA0A84-AB87-4353-FD0E-86B260927A0A}"/>
+              </a:ext>
+            </a:extLst>
+          </p:cNvPr>
+          <p:cNvSpPr/>
+          <p:nvPr/>
+        </p:nvSpPr>
+        <p:spPr>
+          <a:xfrm>
+            <a:off x="8244113" y="2400295"/>
+            <a:ext cx="2438400" cy="493485"/>
+          </a:xfrm>
+          <a:prstGeom prst="rect">
+            <a:avLst/>
+          </a:prstGeom>
+        </p:spPr>
+        <p:style>
+          <a:lnRef idx="2">
+            <a:schemeClr val="accent1">
+              <a:shade val="50000"/>
+            </a:schemeClr>
+          </a:lnRef>
+          <a:fillRef idx="1">
+            <a:schemeClr val="accent1"/>
+          </a:fillRef>
+          <a:effectRef idx="0">
+            <a:schemeClr val="accent1"/>
+          </a:effectRef>
+          <a:fontRef idx="minor">
+            <a:schemeClr val="lt1"/>
+          </a:fontRef>
+        </p:style>
+        <p:txBody>
+          <a:bodyPr rtlCol="0" anchor="ctr"/>
+          <a:lstStyle/>
+          <a:p>
+            <a:pPr algn="ctr"/>
+            <a:r>
+              <a:rPr lang="en-US" dirty="0"/>
+              <a:t>Bulit-in Validation</a:t>
+            </a:r>
+          </a:p>
+        </p:txBody>
+      </p:sp>
+      <p:sp>
+        <p:nvSpPr>
+          <p:cNvPr id="27" name="Rectangle 26">
+            <a:extLst>
+              <a:ext uri="{FF2B5EF4-FFF2-40B4-BE49-F238E27FC236}">
+                <a16:creationId xmlns:a16="http://schemas.microsoft.com/office/drawing/2014/main" id="{169C23B7-217D-599C-8C2A-09CDBD17EE39}"/>
+              </a:ext>
+            </a:extLst>
+          </p:cNvPr>
+          <p:cNvSpPr/>
+          <p:nvPr/>
+        </p:nvSpPr>
+        <p:spPr>
+          <a:xfrm>
+            <a:off x="8897256" y="563328"/>
+            <a:ext cx="2438400" cy="724811"/>
+          </a:xfrm>
+          <a:prstGeom prst="rect">
+            <a:avLst/>
+          </a:prstGeom>
+        </p:spPr>
+        <p:style>
+          <a:lnRef idx="2">
+            <a:schemeClr val="accent1">
+              <a:shade val="50000"/>
+            </a:schemeClr>
+          </a:lnRef>
+          <a:fillRef idx="1">
+            <a:schemeClr val="accent1"/>
+          </a:fillRef>
+          <a:effectRef idx="0">
+            <a:schemeClr val="accent1"/>
+          </a:effectRef>
+          <a:fontRef idx="minor">
+            <a:schemeClr val="lt1"/>
+          </a:fontRef>
+        </p:style>
+        <p:txBody>
+          <a:bodyPr rtlCol="0" anchor="ctr"/>
+          <a:lstStyle/>
+          <a:p>
+            <a:pPr algn="ctr"/>
+            <a:r>
+              <a:rPr lang="en-US" dirty="0"/>
+              <a:t>Error Message + Keep old Input</a:t>
+            </a:r>
+          </a:p>
+        </p:txBody>
+      </p:sp>
+      <p:cxnSp>
+        <p:nvCxnSpPr>
+          <p:cNvPr id="29" name="Connector: Elbow 28">
+            <a:extLst>
+              <a:ext uri="{FF2B5EF4-FFF2-40B4-BE49-F238E27FC236}">
+                <a16:creationId xmlns:a16="http://schemas.microsoft.com/office/drawing/2014/main" id="{2B84E3B0-F063-19F7-0305-5790F54B69D4}"/>
+              </a:ext>
+            </a:extLst>
+          </p:cNvPr>
+          <p:cNvCxnSpPr>
+            <a:stCxn id="6" idx="3"/>
+            <a:endCxn id="21" idx="1"/>
+          </p:cNvCxnSpPr>
+          <p:nvPr/>
+        </p:nvCxnSpPr>
+        <p:spPr>
+          <a:xfrm flipV="1">
+            <a:off x="6887936" y="2647038"/>
+            <a:ext cx="1356177" cy="78012"/>
+          </a:xfrm>
+          <a:prstGeom prst="bentConnector3">
+            <a:avLst/>
+          </a:prstGeom>
+          <a:ln>
+            <a:tailEnd type="triangle"/>
+          </a:ln>
+        </p:spPr>
+        <p:style>
+          <a:lnRef idx="1">
+            <a:schemeClr val="accent1"/>
+          </a:lnRef>
+          <a:fillRef idx="0">
+            <a:schemeClr val="accent1"/>
+          </a:fillRef>
+          <a:effectRef idx="0">
+            <a:schemeClr val="accent1"/>
+          </a:effectRef>
+          <a:fontRef idx="minor">
+            <a:schemeClr val="tx1"/>
+          </a:fontRef>
+        </p:style>
+      </p:cxnSp>
+      <p:cxnSp>
+        <p:nvCxnSpPr>
+          <p:cNvPr id="31" name="Connector: Elbow 30">
+            <a:extLst>
+              <a:ext uri="{FF2B5EF4-FFF2-40B4-BE49-F238E27FC236}">
+                <a16:creationId xmlns:a16="http://schemas.microsoft.com/office/drawing/2014/main" id="{D229A5AA-FC59-CDBF-B373-7146F6E09424}"/>
+              </a:ext>
+            </a:extLst>
+          </p:cNvPr>
+          <p:cNvCxnSpPr>
+            <a:endCxn id="27" idx="2"/>
+          </p:cNvCxnSpPr>
+          <p:nvPr/>
+        </p:nvCxnSpPr>
+        <p:spPr>
+          <a:xfrm rot="5400000" flipH="1" flipV="1">
+            <a:off x="9233807" y="1517646"/>
+            <a:ext cx="1112156" cy="653142"/>
+          </a:xfrm>
+          <a:prstGeom prst="bentConnector3">
+            <a:avLst/>
+          </a:prstGeom>
+          <a:ln>
+            <a:tailEnd type="triangle"/>
+          </a:ln>
+        </p:spPr>
+        <p:style>
+          <a:lnRef idx="1">
+            <a:schemeClr val="accent1"/>
+          </a:lnRef>
+          <a:fillRef idx="0">
+            <a:schemeClr val="accent1"/>
+          </a:fillRef>
+          <a:effectRef idx="0">
+            <a:schemeClr val="accent1"/>
+          </a:effectRef>
+          <a:fontRef idx="minor">
+            <a:schemeClr val="tx1"/>
+          </a:fontRef>
+        </p:style>
+      </p:cxnSp>
+      <p:sp>
+        <p:nvSpPr>
+          <p:cNvPr id="35" name="Rectangle 34">
+            <a:extLst>
+              <a:ext uri="{FF2B5EF4-FFF2-40B4-BE49-F238E27FC236}">
+                <a16:creationId xmlns:a16="http://schemas.microsoft.com/office/drawing/2014/main" id="{AA20BF87-3C96-B15F-C594-C09873E59712}"/>
+              </a:ext>
+            </a:extLst>
+          </p:cNvPr>
+          <p:cNvSpPr/>
+          <p:nvPr/>
+        </p:nvSpPr>
+        <p:spPr>
+          <a:xfrm>
+            <a:off x="8735559" y="4596482"/>
+            <a:ext cx="2438400" cy="493485"/>
+          </a:xfrm>
+          <a:prstGeom prst="rect">
+            <a:avLst/>
+          </a:prstGeom>
+        </p:spPr>
+        <p:style>
+          <a:lnRef idx="2">
+            <a:schemeClr val="accent1">
+              <a:shade val="50000"/>
+            </a:schemeClr>
+          </a:lnRef>
+          <a:fillRef idx="1">
+            <a:schemeClr val="accent1"/>
+          </a:fillRef>
+          <a:effectRef idx="0">
+            <a:schemeClr val="accent1"/>
+          </a:effectRef>
+          <a:fontRef idx="minor">
+            <a:schemeClr val="lt1"/>
+          </a:fontRef>
+        </p:style>
+        <p:txBody>
+          <a:bodyPr rtlCol="0" anchor="ctr"/>
+          <a:lstStyle/>
+          <a:p>
+            <a:pPr algn="ctr"/>
+            <a:r>
+              <a:rPr lang="en-US" dirty="0"/>
+              <a:t>Bulit-in Validation</a:t>
+            </a:r>
+          </a:p>
+        </p:txBody>
+      </p:sp>
+      <p:cxnSp>
+        <p:nvCxnSpPr>
+          <p:cNvPr id="37" name="Straight Arrow Connector 36">
+            <a:extLst>
+              <a:ext uri="{FF2B5EF4-FFF2-40B4-BE49-F238E27FC236}">
+                <a16:creationId xmlns:a16="http://schemas.microsoft.com/office/drawing/2014/main" id="{A3B20BC0-7655-7BAE-9F2C-0C69F5EAC789}"/>
+              </a:ext>
+            </a:extLst>
+          </p:cNvPr>
+          <p:cNvCxnSpPr>
+            <a:stCxn id="19" idx="3"/>
+            <a:endCxn id="35" idx="1"/>
+          </p:cNvCxnSpPr>
+          <p:nvPr/>
+        </p:nvCxnSpPr>
+        <p:spPr>
+          <a:xfrm flipV="1">
+            <a:off x="7024914" y="4843225"/>
+            <a:ext cx="1710645" cy="316601"/>
+          </a:xfrm>
+          <a:prstGeom prst="straightConnector1">
+            <a:avLst/>
+          </a:prstGeom>
+          <a:ln>
+            <a:tailEnd type="triangle"/>
+          </a:ln>
+        </p:spPr>
+        <p:style>
+          <a:lnRef idx="1">
+            <a:schemeClr val="accent1"/>
+          </a:lnRef>
+          <a:fillRef idx="0">
+            <a:schemeClr val="accent1"/>
+          </a:fillRef>
+          <a:effectRef idx="0">
+            <a:schemeClr val="accent1"/>
+          </a:effectRef>
+          <a:fontRef idx="minor">
+            <a:schemeClr val="tx1"/>
+          </a:fontRef>
+        </p:style>
+      </p:cxnSp>
+      <p:cxnSp>
+        <p:nvCxnSpPr>
+          <p:cNvPr id="39" name="Connector: Elbow 38">
+            <a:extLst>
+              <a:ext uri="{FF2B5EF4-FFF2-40B4-BE49-F238E27FC236}">
+                <a16:creationId xmlns:a16="http://schemas.microsoft.com/office/drawing/2014/main" id="{3022C553-7F45-1232-EF5A-326CD45E0C6B}"/>
+              </a:ext>
+            </a:extLst>
+          </p:cNvPr>
+          <p:cNvCxnSpPr>
+            <a:stCxn id="35" idx="0"/>
+            <a:endCxn id="21" idx="2"/>
+          </p:cNvCxnSpPr>
+          <p:nvPr/>
+        </p:nvCxnSpPr>
+        <p:spPr>
+          <a:xfrm rot="16200000" flipV="1">
+            <a:off x="8857685" y="3499408"/>
+            <a:ext cx="1702702" cy="491446"/>
+          </a:xfrm>
+          <a:prstGeom prst="bentConnector3">
+            <a:avLst/>
+          </a:prstGeom>
+          <a:ln>
+            <a:tailEnd type="triangle"/>
+          </a:ln>
+        </p:spPr>
+        <p:style>
+          <a:lnRef idx="1">
+            <a:schemeClr val="accent1"/>
+          </a:lnRef>
+          <a:fillRef idx="0">
+            <a:schemeClr val="accent1"/>
+          </a:fillRef>
+          <a:effectRef idx="0">
+            <a:schemeClr val="accent1"/>
+          </a:effectRef>
+          <a:fontRef idx="minor">
+            <a:schemeClr val="tx1"/>
+          </a:fontRef>
+        </p:style>
+      </p:cxnSp>
+      <p:sp>
+        <p:nvSpPr>
+          <p:cNvPr id="40" name="Rectangle 39">
+            <a:extLst>
+              <a:ext uri="{FF2B5EF4-FFF2-40B4-BE49-F238E27FC236}">
+                <a16:creationId xmlns:a16="http://schemas.microsoft.com/office/drawing/2014/main" id="{8096BF4A-A064-05EB-83C5-F26F028C73AD}"/>
+              </a:ext>
+            </a:extLst>
+          </p:cNvPr>
+          <p:cNvSpPr/>
+          <p:nvPr/>
+        </p:nvSpPr>
+        <p:spPr>
+          <a:xfrm rot="18901358">
+            <a:off x="7866629" y="5708825"/>
+            <a:ext cx="1059545" cy="493485"/>
+          </a:xfrm>
+          <a:prstGeom prst="rect">
+            <a:avLst/>
+          </a:prstGeom>
+        </p:spPr>
+        <p:style>
+          <a:lnRef idx="2">
+            <a:schemeClr val="accent1">
+              <a:shade val="50000"/>
+            </a:schemeClr>
+          </a:lnRef>
+          <a:fillRef idx="1">
+            <a:schemeClr val="accent1"/>
+          </a:fillRef>
+          <a:effectRef idx="0">
+            <a:schemeClr val="accent1"/>
+          </a:effectRef>
+          <a:fontRef idx="minor">
+            <a:schemeClr val="lt1"/>
+          </a:fontRef>
+        </p:style>
+        <p:txBody>
+          <a:bodyPr rtlCol="0" anchor="ctr"/>
+          <a:lstStyle/>
+          <a:p>
+            <a:pPr algn="ctr"/>
+            <a:r>
+              <a:rPr lang="en-US" dirty="0"/>
+              <a:t>Optional</a:t>
+            </a:r>
+          </a:p>
+        </p:txBody>
+      </p:sp>
+      <p:sp>
+        <p:nvSpPr>
+          <p:cNvPr id="41" name="Rectangle 40">
+            <a:extLst>
+              <a:ext uri="{FF2B5EF4-FFF2-40B4-BE49-F238E27FC236}">
+                <a16:creationId xmlns:a16="http://schemas.microsoft.com/office/drawing/2014/main" id="{6D387467-50DD-1060-D46C-E903144BB9F3}"/>
+              </a:ext>
+            </a:extLst>
+          </p:cNvPr>
+          <p:cNvSpPr/>
+          <p:nvPr/>
+        </p:nvSpPr>
+        <p:spPr>
+          <a:xfrm rot="18901358">
+            <a:off x="3932011" y="2099739"/>
+            <a:ext cx="1059545" cy="493485"/>
+          </a:xfrm>
+          <a:prstGeom prst="rect">
+            <a:avLst/>
+          </a:prstGeom>
+        </p:spPr>
+        <p:style>
+          <a:lnRef idx="2">
+            <a:schemeClr val="accent1">
+              <a:shade val="50000"/>
+            </a:schemeClr>
+          </a:lnRef>
+          <a:fillRef idx="1">
+            <a:schemeClr val="accent1"/>
+          </a:fillRef>
+          <a:effectRef idx="0">
+            <a:schemeClr val="accent1"/>
+          </a:effectRef>
+          <a:fontRef idx="minor">
+            <a:schemeClr val="lt1"/>
+          </a:fontRef>
+        </p:style>
+        <p:txBody>
+          <a:bodyPr rtlCol="0" anchor="ctr"/>
+          <a:lstStyle/>
+          <a:p>
+            <a:pPr algn="ctr"/>
+            <a:r>
+              <a:rPr lang="en-US" dirty="0"/>
+              <a:t>Optional</a:t>
+            </a:r>
+          </a:p>
+        </p:txBody>
+      </p:sp>
+      <p:sp>
+        <p:nvSpPr>
+          <p:cNvPr id="43" name="Rectangle 42">
+            <a:extLst>
+              <a:ext uri="{FF2B5EF4-FFF2-40B4-BE49-F238E27FC236}">
+                <a16:creationId xmlns:a16="http://schemas.microsoft.com/office/drawing/2014/main" id="{8FD2C81B-EA25-2FBD-A052-2C01C85860A5}"/>
+              </a:ext>
+            </a:extLst>
+          </p:cNvPr>
+          <p:cNvSpPr/>
+          <p:nvPr/>
+        </p:nvSpPr>
+        <p:spPr>
+          <a:xfrm rot="18901358">
+            <a:off x="4056741" y="3511714"/>
+            <a:ext cx="1059545" cy="493485"/>
+          </a:xfrm>
+          <a:prstGeom prst="rect">
+            <a:avLst/>
+          </a:prstGeom>
+        </p:spPr>
+        <p:style>
+          <a:lnRef idx="2">
+            <a:schemeClr val="accent1">
+              <a:shade val="50000"/>
+            </a:schemeClr>
+          </a:lnRef>
+          <a:fillRef idx="1">
+            <a:schemeClr val="accent1"/>
+          </a:fillRef>
+          <a:effectRef idx="0">
+            <a:schemeClr val="accent1"/>
+          </a:effectRef>
+          <a:fontRef idx="minor">
+            <a:schemeClr val="lt1"/>
+          </a:fontRef>
+        </p:style>
+        <p:txBody>
+          <a:bodyPr rtlCol="0" anchor="ctr"/>
+          <a:lstStyle/>
+          <a:p>
+            <a:pPr algn="ctr"/>
+            <a:r>
+              <a:rPr lang="en-US" dirty="0"/>
+              <a:t>Required</a:t>
+            </a:r>
+          </a:p>
+        </p:txBody>
+      </p:sp>
+    </p:spTree>
+    <p:extLst>
+      <p:ext uri="{BB962C8B-B14F-4D97-AF65-F5344CB8AC3E}">
+        <p14:creationId xmlns:p14="http://schemas.microsoft.com/office/powerpoint/2010/main" val="3742996872"/>
+      </p:ext>
+    </p:extLst>
+  </p:cSld>
+  <p:clrMapOvr>
+    <a:masterClrMapping/>
+  </p:clrMapOvr>
+</p:sld>
+</file>
+
+<file path=ppt/slides/slide16.xml><?xml version="1.0" encoding="utf-8"?>
+<p:sld xmlns:a="http://schemas.openxmlformats.org/drawingml/2006/main" xmlns:r="http://schemas.openxmlformats.org/officeDocument/2006/relationships" xmlns:p="http://schemas.openxmlformats.org/presentationml/2006/main">
+  <p:cSld>
+    <p:spTree>
+      <p:nvGrpSpPr>
+        <p:cNvPr id="1" name=""/>
+        <p:cNvGrpSpPr/>
+        <p:nvPr/>
+      </p:nvGrpSpPr>
+      <p:grpSpPr>
+        <a:xfrm>
+          <a:off x="0" y="0"/>
+          <a:ext cx="0" cy="0"/>
+          <a:chOff x="0" y="0"/>
+          <a:chExt cx="0" cy="0"/>
+        </a:xfrm>
+      </p:grpSpPr>
+      <p:sp>
+        <p:nvSpPr>
+          <p:cNvPr id="4" name="TextBox 3">
+            <a:extLst>
+              <a:ext uri="{FF2B5EF4-FFF2-40B4-BE49-F238E27FC236}">
+                <a16:creationId xmlns:a16="http://schemas.microsoft.com/office/drawing/2014/main" id="{0C29F17D-2049-0526-CCC1-19B42F41F1ED}"/>
+              </a:ext>
+            </a:extLst>
+          </p:cNvPr>
+          <p:cNvSpPr txBox="1"/>
+          <p:nvPr/>
+        </p:nvSpPr>
+        <p:spPr>
+          <a:xfrm>
+            <a:off x="406400" y="377372"/>
+            <a:ext cx="5478808" cy="5016758"/>
+          </a:xfrm>
+          <a:prstGeom prst="rect">
+            <a:avLst/>
+          </a:prstGeom>
+          <a:noFill/>
+        </p:spPr>
+        <p:txBody>
+          <a:bodyPr wrap="none" rtlCol="0">
+            <a:spAutoFit/>
+          </a:bodyPr>
+          <a:lstStyle/>
+          <a:p>
+            <a:r>
+              <a:rPr lang="en-US" sz="3200" dirty="0"/>
+              <a:t>Express-validator</a:t>
+            </a:r>
+          </a:p>
+          <a:p>
+            <a:r>
+              <a:rPr lang="en-US" sz="3200" dirty="0"/>
+              <a:t>Setup &amp; Basic Validation</a:t>
+            </a:r>
+          </a:p>
+          <a:p>
+            <a:r>
+              <a:rPr lang="en-US" sz="3200" dirty="0"/>
+              <a:t>Using validation error messages</a:t>
+            </a:r>
+          </a:p>
+          <a:p>
+            <a:r>
+              <a:rPr lang="en-US" sz="3200" dirty="0"/>
+              <a:t>Bulit-in &amp; custom Validators</a:t>
+            </a:r>
+          </a:p>
+          <a:p>
+            <a:r>
+              <a:rPr lang="en-US" sz="3200" dirty="0"/>
+              <a:t>More Validators</a:t>
+            </a:r>
+          </a:p>
+          <a:p>
+            <a:r>
+              <a:rPr lang="en-US" sz="3200" dirty="0"/>
+              <a:t>Checking for field equality</a:t>
+            </a:r>
+          </a:p>
+          <a:p>
+            <a:r>
+              <a:rPr lang="en-US" sz="3200" dirty="0"/>
+              <a:t>Adding Async Validation</a:t>
+            </a:r>
+          </a:p>
+          <a:p>
+            <a:r>
+              <a:rPr lang="en-US" sz="3200" dirty="0"/>
+              <a:t>Keeping user input</a:t>
+            </a:r>
+          </a:p>
+          <a:p>
+            <a:r>
+              <a:rPr lang="en-US" sz="3200" dirty="0"/>
+              <a:t>Adding conditional </a:t>
+            </a:r>
+            <a:r>
+              <a:rPr lang="en-US" sz="3200" dirty="0" err="1"/>
+              <a:t>css</a:t>
+            </a:r>
+            <a:r>
+              <a:rPr lang="en-US" sz="3200" dirty="0"/>
+              <a:t> classes</a:t>
+            </a:r>
+          </a:p>
+          <a:p>
+            <a:r>
+              <a:rPr lang="en-US" sz="3200" dirty="0"/>
+              <a:t>Adding validation to login</a:t>
+            </a:r>
+          </a:p>
+        </p:txBody>
+      </p:sp>
+    </p:spTree>
+    <p:extLst>
+      <p:ext uri="{BB962C8B-B14F-4D97-AF65-F5344CB8AC3E}">
+        <p14:creationId xmlns:p14="http://schemas.microsoft.com/office/powerpoint/2010/main" val="916125147"/>
+      </p:ext>
+    </p:extLst>
+  </p:cSld>
+  <p:clrMapOvr>
+    <a:masterClrMapping/>
+  </p:clrMapOvr>
+</p:sld>
+</file>
+
 <file path=ppt/slides/slide2.xml><?xml version="1.0" encoding="utf-8"?>
 <p:sld xmlns:a="http://schemas.openxmlformats.org/drawingml/2006/main" xmlns:r="http://schemas.openxmlformats.org/officeDocument/2006/relationships" xmlns:p="http://schemas.openxmlformats.org/presentationml/2006/main">
   <p:cSld>

--- a/Sessions & Cookies.pptx
+++ b/Sessions & Cookies.pptx
@@ -21,6 +21,8 @@
     <p:sldId id="269" r:id="rId15"/>
     <p:sldId id="271" r:id="rId16"/>
     <p:sldId id="270" r:id="rId17"/>
+    <p:sldId id="272" r:id="rId18"/>
+    <p:sldId id="273" r:id="rId19"/>
   </p:sldIdLst>
   <p:sldSz cx="12192000" cy="6858000"/>
   <p:notesSz cx="6858000" cy="9144000"/>
@@ -274,7 +276,7 @@
           <a:p>
             <a:fld id="{96B1D18C-14DF-42B3-A5BD-77D05B72A41B}" type="datetimeFigureOut">
               <a:rPr lang="en-US" smtClean="0"/>
-              <a:t>2/1/2023</a:t>
+              <a:t>2/2/2023</a:t>
             </a:fld>
             <a:endParaRPr lang="en-US"/>
           </a:p>
@@ -472,7 +474,7 @@
           <a:p>
             <a:fld id="{96B1D18C-14DF-42B3-A5BD-77D05B72A41B}" type="datetimeFigureOut">
               <a:rPr lang="en-US" smtClean="0"/>
-              <a:t>2/1/2023</a:t>
+              <a:t>2/2/2023</a:t>
             </a:fld>
             <a:endParaRPr lang="en-US"/>
           </a:p>
@@ -680,7 +682,7 @@
           <a:p>
             <a:fld id="{96B1D18C-14DF-42B3-A5BD-77D05B72A41B}" type="datetimeFigureOut">
               <a:rPr lang="en-US" smtClean="0"/>
-              <a:t>2/1/2023</a:t>
+              <a:t>2/2/2023</a:t>
             </a:fld>
             <a:endParaRPr lang="en-US"/>
           </a:p>
@@ -878,7 +880,7 @@
           <a:p>
             <a:fld id="{96B1D18C-14DF-42B3-A5BD-77D05B72A41B}" type="datetimeFigureOut">
               <a:rPr lang="en-US" smtClean="0"/>
-              <a:t>2/1/2023</a:t>
+              <a:t>2/2/2023</a:t>
             </a:fld>
             <a:endParaRPr lang="en-US"/>
           </a:p>
@@ -1153,7 +1155,7 @@
           <a:p>
             <a:fld id="{96B1D18C-14DF-42B3-A5BD-77D05B72A41B}" type="datetimeFigureOut">
               <a:rPr lang="en-US" smtClean="0"/>
-              <a:t>2/1/2023</a:t>
+              <a:t>2/2/2023</a:t>
             </a:fld>
             <a:endParaRPr lang="en-US"/>
           </a:p>
@@ -1418,7 +1420,7 @@
           <a:p>
             <a:fld id="{96B1D18C-14DF-42B3-A5BD-77D05B72A41B}" type="datetimeFigureOut">
               <a:rPr lang="en-US" smtClean="0"/>
-              <a:t>2/1/2023</a:t>
+              <a:t>2/2/2023</a:t>
             </a:fld>
             <a:endParaRPr lang="en-US"/>
           </a:p>
@@ -1830,7 +1832,7 @@
           <a:p>
             <a:fld id="{96B1D18C-14DF-42B3-A5BD-77D05B72A41B}" type="datetimeFigureOut">
               <a:rPr lang="en-US" smtClean="0"/>
-              <a:t>2/1/2023</a:t>
+              <a:t>2/2/2023</a:t>
             </a:fld>
             <a:endParaRPr lang="en-US"/>
           </a:p>
@@ -1971,7 +1973,7 @@
           <a:p>
             <a:fld id="{96B1D18C-14DF-42B3-A5BD-77D05B72A41B}" type="datetimeFigureOut">
               <a:rPr lang="en-US" smtClean="0"/>
-              <a:t>2/1/2023</a:t>
+              <a:t>2/2/2023</a:t>
             </a:fld>
             <a:endParaRPr lang="en-US"/>
           </a:p>
@@ -2084,7 +2086,7 @@
           <a:p>
             <a:fld id="{96B1D18C-14DF-42B3-A5BD-77D05B72A41B}" type="datetimeFigureOut">
               <a:rPr lang="en-US" smtClean="0"/>
-              <a:t>2/1/2023</a:t>
+              <a:t>2/2/2023</a:t>
             </a:fld>
             <a:endParaRPr lang="en-US"/>
           </a:p>
@@ -2395,7 +2397,7 @@
           <a:p>
             <a:fld id="{96B1D18C-14DF-42B3-A5BD-77D05B72A41B}" type="datetimeFigureOut">
               <a:rPr lang="en-US" smtClean="0"/>
-              <a:t>2/1/2023</a:t>
+              <a:t>2/2/2023</a:t>
             </a:fld>
             <a:endParaRPr lang="en-US"/>
           </a:p>
@@ -2683,7 +2685,7 @@
           <a:p>
             <a:fld id="{96B1D18C-14DF-42B3-A5BD-77D05B72A41B}" type="datetimeFigureOut">
               <a:rPr lang="en-US" smtClean="0"/>
-              <a:t>2/1/2023</a:t>
+              <a:t>2/2/2023</a:t>
             </a:fld>
             <a:endParaRPr lang="en-US"/>
           </a:p>
@@ -2924,7 +2926,7 @@
           <a:p>
             <a:fld id="{96B1D18C-14DF-42B3-A5BD-77D05B72A41B}" type="datetimeFigureOut">
               <a:rPr lang="en-US" smtClean="0"/>
-              <a:t>2/1/2023</a:t>
+              <a:t>2/2/2023</a:t>
             </a:fld>
             <a:endParaRPr lang="en-US"/>
           </a:p>
@@ -6412,7 +6414,7 @@
         <p:spPr>
           <a:xfrm>
             <a:off x="406400" y="377372"/>
-            <a:ext cx="5478808" cy="5016758"/>
+            <a:ext cx="5478808" cy="5509200"/>
           </a:xfrm>
           <a:prstGeom prst="rect">
             <a:avLst/>
@@ -6490,6 +6492,12 @@
             <a:r>
               <a:rPr lang="en-US" sz="3200" dirty="0"/>
               <a:t>Adding validation to login</a:t>
+            </a:r>
+          </a:p>
+          <a:p>
+            <a:r>
+              <a:rPr lang="en-US" sz="3200" dirty="0"/>
+              <a:t>Sanitizing Data</a:t>
             </a:r>
           </a:p>
         </p:txBody>
@@ -6498,6 +6506,766 @@
     <p:extLst>
       <p:ext uri="{BB962C8B-B14F-4D97-AF65-F5344CB8AC3E}">
         <p14:creationId xmlns:p14="http://schemas.microsoft.com/office/powerpoint/2010/main" val="916125147"/>
+      </p:ext>
+    </p:extLst>
+  </p:cSld>
+  <p:clrMapOvr>
+    <a:masterClrMapping/>
+  </p:clrMapOvr>
+</p:sld>
+</file>
+
+<file path=ppt/slides/slide17.xml><?xml version="1.0" encoding="utf-8"?>
+<p:sld xmlns:a="http://schemas.openxmlformats.org/drawingml/2006/main" xmlns:r="http://schemas.openxmlformats.org/officeDocument/2006/relationships" xmlns:p="http://schemas.openxmlformats.org/presentationml/2006/main">
+  <p:cSld>
+    <p:spTree>
+      <p:nvGrpSpPr>
+        <p:cNvPr id="1" name=""/>
+        <p:cNvGrpSpPr/>
+        <p:nvPr/>
+      </p:nvGrpSpPr>
+      <p:grpSpPr>
+        <a:xfrm>
+          <a:off x="0" y="0"/>
+          <a:ext cx="0" cy="0"/>
+          <a:chOff x="0" y="0"/>
+          <a:chExt cx="0" cy="0"/>
+        </a:xfrm>
+      </p:grpSpPr>
+      <p:sp>
+        <p:nvSpPr>
+          <p:cNvPr id="3" name="Content Placeholder 2">
+            <a:extLst>
+              <a:ext uri="{FF2B5EF4-FFF2-40B4-BE49-F238E27FC236}">
+                <a16:creationId xmlns:a16="http://schemas.microsoft.com/office/drawing/2014/main" id="{7098C1DD-0E3B-4F2C-D438-91BA1980C859}"/>
+              </a:ext>
+            </a:extLst>
+          </p:cNvPr>
+          <p:cNvSpPr>
+            <a:spLocks noGrp="1"/>
+          </p:cNvSpPr>
+          <p:nvPr>
+            <p:ph idx="1"/>
+          </p:nvPr>
+        </p:nvSpPr>
+        <p:spPr>
+          <a:xfrm>
+            <a:off x="838200" y="329184"/>
+            <a:ext cx="10515600" cy="5847779"/>
+          </a:xfrm>
+        </p:spPr>
+        <p:txBody>
+          <a:bodyPr/>
+          <a:lstStyle/>
+          <a:p>
+            <a:r>
+              <a:rPr lang="en-US" dirty="0" err="1"/>
+              <a:t>Sanitzing</a:t>
+            </a:r>
+            <a:r>
+              <a:rPr lang="en-US" dirty="0"/>
+              <a:t> Data</a:t>
+            </a:r>
+          </a:p>
+          <a:p>
+            <a:r>
+              <a:rPr lang="en-US" dirty="0"/>
+              <a:t>Validating Product Addition</a:t>
+            </a:r>
+          </a:p>
+        </p:txBody>
+      </p:sp>
+    </p:spTree>
+    <p:extLst>
+      <p:ext uri="{BB962C8B-B14F-4D97-AF65-F5344CB8AC3E}">
+        <p14:creationId xmlns:p14="http://schemas.microsoft.com/office/powerpoint/2010/main" val="3887267487"/>
+      </p:ext>
+    </p:extLst>
+  </p:cSld>
+  <p:clrMapOvr>
+    <a:masterClrMapping/>
+  </p:clrMapOvr>
+</p:sld>
+</file>
+
+<file path=ppt/slides/slide18.xml><?xml version="1.0" encoding="utf-8"?>
+<p:sld xmlns:a="http://schemas.openxmlformats.org/drawingml/2006/main" xmlns:r="http://schemas.openxmlformats.org/officeDocument/2006/relationships" xmlns:p="http://schemas.openxmlformats.org/presentationml/2006/main">
+  <p:cSld>
+    <p:spTree>
+      <p:nvGrpSpPr>
+        <p:cNvPr id="1" name=""/>
+        <p:cNvGrpSpPr/>
+        <p:nvPr/>
+      </p:nvGrpSpPr>
+      <p:grpSpPr>
+        <a:xfrm>
+          <a:off x="0" y="0"/>
+          <a:ext cx="0" cy="0"/>
+          <a:chOff x="0" y="0"/>
+          <a:chExt cx="0" cy="0"/>
+        </a:xfrm>
+      </p:grpSpPr>
+      <p:sp>
+        <p:nvSpPr>
+          <p:cNvPr id="2" name="Title 1">
+            <a:extLst>
+              <a:ext uri="{FF2B5EF4-FFF2-40B4-BE49-F238E27FC236}">
+                <a16:creationId xmlns:a16="http://schemas.microsoft.com/office/drawing/2014/main" id="{EE6993D2-4E9F-1C3E-99FD-EC71F0A3124B}"/>
+              </a:ext>
+            </a:extLst>
+          </p:cNvPr>
+          <p:cNvSpPr>
+            <a:spLocks noGrp="1"/>
+          </p:cNvSpPr>
+          <p:nvPr>
+            <p:ph type="title"/>
+          </p:nvPr>
+        </p:nvSpPr>
+        <p:spPr/>
+        <p:txBody>
+          <a:bodyPr/>
+          <a:lstStyle/>
+          <a:p>
+            <a:r>
+              <a:rPr lang="en-US" dirty="0">
+                <a:ln w="0"/>
+                <a:effectLst>
+                  <a:outerShdw blurRad="38100" dist="19050" dir="2700000" algn="tl" rotWithShape="0">
+                    <a:schemeClr val="dk1">
+                      <a:alpha val="40000"/>
+                    </a:schemeClr>
+                  </a:outerShdw>
+                </a:effectLst>
+              </a:rPr>
+              <a:t>Error </a:t>
+            </a:r>
+            <a:r>
+              <a:rPr lang="en-US" dirty="0" err="1">
+                <a:ln w="0"/>
+                <a:effectLst>
+                  <a:outerShdw blurRad="38100" dist="19050" dir="2700000" algn="tl" rotWithShape="0">
+                    <a:schemeClr val="dk1">
+                      <a:alpha val="40000"/>
+                    </a:schemeClr>
+                  </a:outerShdw>
+                </a:effectLst>
+              </a:rPr>
+              <a:t>Handiling</a:t>
+            </a:r>
+            <a:endParaRPr lang="en-US" dirty="0">
+              <a:ln w="0"/>
+              <a:effectLst>
+                <a:outerShdw blurRad="38100" dist="19050" dir="2700000" algn="tl" rotWithShape="0">
+                  <a:schemeClr val="dk1">
+                    <a:alpha val="40000"/>
+                  </a:schemeClr>
+                </a:outerShdw>
+              </a:effectLst>
+            </a:endParaRPr>
+          </a:p>
+        </p:txBody>
+      </p:sp>
+      <p:sp>
+        <p:nvSpPr>
+          <p:cNvPr id="4" name="Rectangle 3">
+            <a:extLst>
+              <a:ext uri="{FF2B5EF4-FFF2-40B4-BE49-F238E27FC236}">
+                <a16:creationId xmlns:a16="http://schemas.microsoft.com/office/drawing/2014/main" id="{DFA530B9-9295-589D-ABD3-0314E760240A}"/>
+              </a:ext>
+            </a:extLst>
+          </p:cNvPr>
+          <p:cNvSpPr/>
+          <p:nvPr/>
+        </p:nvSpPr>
+        <p:spPr>
+          <a:xfrm>
+            <a:off x="711200" y="1828800"/>
+            <a:ext cx="2960914" cy="696686"/>
+          </a:xfrm>
+          <a:prstGeom prst="rect">
+            <a:avLst/>
+          </a:prstGeom>
+          <a:solidFill>
+            <a:schemeClr val="accent6">
+              <a:lumMod val="50000"/>
+            </a:schemeClr>
+          </a:solidFill>
+        </p:spPr>
+        <p:style>
+          <a:lnRef idx="2">
+            <a:schemeClr val="accent1">
+              <a:shade val="50000"/>
+            </a:schemeClr>
+          </a:lnRef>
+          <a:fillRef idx="1">
+            <a:schemeClr val="accent1"/>
+          </a:fillRef>
+          <a:effectRef idx="0">
+            <a:schemeClr val="accent1"/>
+          </a:effectRef>
+          <a:fontRef idx="minor">
+            <a:schemeClr val="lt1"/>
+          </a:fontRef>
+        </p:style>
+        <p:txBody>
+          <a:bodyPr rtlCol="0" anchor="ctr"/>
+          <a:lstStyle/>
+          <a:p>
+            <a:pPr algn="ctr"/>
+            <a:r>
+              <a:rPr lang="en-US" dirty="0">
+                <a:ln w="0"/>
+                <a:solidFill>
+                  <a:schemeClr val="tx1"/>
+                </a:solidFill>
+                <a:effectLst>
+                  <a:outerShdw blurRad="38100" dist="19050" dir="2700000" algn="tl" rotWithShape="0">
+                    <a:schemeClr val="dk1">
+                      <a:alpha val="40000"/>
+                    </a:schemeClr>
+                  </a:outerShdw>
+                </a:effectLst>
+              </a:rPr>
+              <a:t>Technical/Network Errors</a:t>
+            </a:r>
+          </a:p>
+        </p:txBody>
+      </p:sp>
+      <p:sp>
+        <p:nvSpPr>
+          <p:cNvPr id="5" name="Rectangle 4">
+            <a:extLst>
+              <a:ext uri="{FF2B5EF4-FFF2-40B4-BE49-F238E27FC236}">
+                <a16:creationId xmlns:a16="http://schemas.microsoft.com/office/drawing/2014/main" id="{4D15148A-EC10-F254-0478-13BF6ECED7C1}"/>
+              </a:ext>
+            </a:extLst>
+          </p:cNvPr>
+          <p:cNvSpPr/>
+          <p:nvPr/>
+        </p:nvSpPr>
+        <p:spPr>
+          <a:xfrm>
+            <a:off x="4499428" y="1864860"/>
+            <a:ext cx="2960914" cy="696686"/>
+          </a:xfrm>
+          <a:prstGeom prst="rect">
+            <a:avLst/>
+          </a:prstGeom>
+          <a:solidFill>
+            <a:schemeClr val="accent5">
+              <a:lumMod val="50000"/>
+            </a:schemeClr>
+          </a:solidFill>
+        </p:spPr>
+        <p:style>
+          <a:lnRef idx="2">
+            <a:schemeClr val="accent1">
+              <a:shade val="50000"/>
+            </a:schemeClr>
+          </a:lnRef>
+          <a:fillRef idx="1">
+            <a:schemeClr val="accent1"/>
+          </a:fillRef>
+          <a:effectRef idx="0">
+            <a:schemeClr val="accent1"/>
+          </a:effectRef>
+          <a:fontRef idx="minor">
+            <a:schemeClr val="lt1"/>
+          </a:fontRef>
+        </p:style>
+        <p:txBody>
+          <a:bodyPr rtlCol="0" anchor="ctr"/>
+          <a:lstStyle/>
+          <a:p>
+            <a:pPr algn="ctr"/>
+            <a:r>
+              <a:rPr lang="en-US" dirty="0">
+                <a:ln w="0"/>
+                <a:solidFill>
+                  <a:schemeClr val="tx1"/>
+                </a:solidFill>
+                <a:effectLst>
+                  <a:outerShdw blurRad="38100" dist="19050" dir="2700000" algn="tl" rotWithShape="0">
+                    <a:schemeClr val="dk1">
+                      <a:alpha val="40000"/>
+                    </a:schemeClr>
+                  </a:outerShdw>
+                </a:effectLst>
+              </a:rPr>
+              <a:t>“Expected” Errors</a:t>
+            </a:r>
+          </a:p>
+        </p:txBody>
+      </p:sp>
+      <p:sp>
+        <p:nvSpPr>
+          <p:cNvPr id="6" name="Rectangle 5">
+            <a:extLst>
+              <a:ext uri="{FF2B5EF4-FFF2-40B4-BE49-F238E27FC236}">
+                <a16:creationId xmlns:a16="http://schemas.microsoft.com/office/drawing/2014/main" id="{ABAE9DEF-9F0C-1B23-C87B-DE087BEA13B0}"/>
+              </a:ext>
+            </a:extLst>
+          </p:cNvPr>
+          <p:cNvSpPr/>
+          <p:nvPr/>
+        </p:nvSpPr>
+        <p:spPr>
+          <a:xfrm>
+            <a:off x="8287657" y="1864860"/>
+            <a:ext cx="2960914" cy="696686"/>
+          </a:xfrm>
+          <a:prstGeom prst="rect">
+            <a:avLst/>
+          </a:prstGeom>
+          <a:solidFill>
+            <a:schemeClr val="accent4">
+              <a:lumMod val="50000"/>
+            </a:schemeClr>
+          </a:solidFill>
+        </p:spPr>
+        <p:style>
+          <a:lnRef idx="2">
+            <a:schemeClr val="accent1">
+              <a:shade val="50000"/>
+            </a:schemeClr>
+          </a:lnRef>
+          <a:fillRef idx="1">
+            <a:schemeClr val="accent1"/>
+          </a:fillRef>
+          <a:effectRef idx="0">
+            <a:schemeClr val="accent1"/>
+          </a:effectRef>
+          <a:fontRef idx="minor">
+            <a:schemeClr val="lt1"/>
+          </a:fontRef>
+        </p:style>
+        <p:txBody>
+          <a:bodyPr rtlCol="0" anchor="ctr"/>
+          <a:lstStyle/>
+          <a:p>
+            <a:pPr algn="ctr"/>
+            <a:r>
+              <a:rPr lang="en-US" dirty="0">
+                <a:ln w="0"/>
+                <a:solidFill>
+                  <a:schemeClr val="tx1"/>
+                </a:solidFill>
+                <a:effectLst>
+                  <a:outerShdw blurRad="38100" dist="19050" dir="2700000" algn="tl" rotWithShape="0">
+                    <a:schemeClr val="dk1">
+                      <a:alpha val="40000"/>
+                    </a:schemeClr>
+                  </a:outerShdw>
+                </a:effectLst>
+              </a:rPr>
+              <a:t>Bugs/ Logical Errors</a:t>
+            </a:r>
+          </a:p>
+        </p:txBody>
+      </p:sp>
+      <p:sp>
+        <p:nvSpPr>
+          <p:cNvPr id="7" name="Rectangle 6">
+            <a:extLst>
+              <a:ext uri="{FF2B5EF4-FFF2-40B4-BE49-F238E27FC236}">
+                <a16:creationId xmlns:a16="http://schemas.microsoft.com/office/drawing/2014/main" id="{30A2677C-B5A9-289D-E2AC-FBD09FCCBDEC}"/>
+              </a:ext>
+            </a:extLst>
+          </p:cNvPr>
+          <p:cNvSpPr/>
+          <p:nvPr/>
+        </p:nvSpPr>
+        <p:spPr>
+          <a:xfrm>
+            <a:off x="711200" y="3080657"/>
+            <a:ext cx="2960914" cy="696686"/>
+          </a:xfrm>
+          <a:prstGeom prst="rect">
+            <a:avLst/>
+          </a:prstGeom>
+          <a:solidFill>
+            <a:schemeClr val="accent6">
+              <a:lumMod val="75000"/>
+            </a:schemeClr>
+          </a:solidFill>
+        </p:spPr>
+        <p:style>
+          <a:lnRef idx="2">
+            <a:schemeClr val="accent1">
+              <a:shade val="50000"/>
+            </a:schemeClr>
+          </a:lnRef>
+          <a:fillRef idx="1">
+            <a:schemeClr val="accent1"/>
+          </a:fillRef>
+          <a:effectRef idx="0">
+            <a:schemeClr val="accent1"/>
+          </a:effectRef>
+          <a:fontRef idx="minor">
+            <a:schemeClr val="lt1"/>
+          </a:fontRef>
+        </p:style>
+        <p:txBody>
+          <a:bodyPr rtlCol="0" anchor="ctr"/>
+          <a:lstStyle/>
+          <a:p>
+            <a:pPr algn="ctr"/>
+            <a:r>
+              <a:rPr lang="en-US" dirty="0">
+                <a:ln w="0"/>
+                <a:solidFill>
+                  <a:schemeClr val="tx1"/>
+                </a:solidFill>
+                <a:effectLst>
+                  <a:outerShdw blurRad="38100" dist="19050" dir="2700000" algn="tl" rotWithShape="0">
+                    <a:schemeClr val="dk1">
+                      <a:alpha val="40000"/>
+                    </a:schemeClr>
+                  </a:outerShdw>
+                </a:effectLst>
+              </a:rPr>
+              <a:t>e.g. MongoDB server is down</a:t>
+            </a:r>
+          </a:p>
+        </p:txBody>
+      </p:sp>
+      <p:sp>
+        <p:nvSpPr>
+          <p:cNvPr id="8" name="Rectangle 7">
+            <a:extLst>
+              <a:ext uri="{FF2B5EF4-FFF2-40B4-BE49-F238E27FC236}">
+                <a16:creationId xmlns:a16="http://schemas.microsoft.com/office/drawing/2014/main" id="{0EBED95A-1692-DABC-4BA8-D6EBBB4A8940}"/>
+              </a:ext>
+            </a:extLst>
+          </p:cNvPr>
+          <p:cNvSpPr/>
+          <p:nvPr/>
+        </p:nvSpPr>
+        <p:spPr>
+          <a:xfrm>
+            <a:off x="4499428" y="3124200"/>
+            <a:ext cx="2960914" cy="696686"/>
+          </a:xfrm>
+          <a:prstGeom prst="rect">
+            <a:avLst/>
+          </a:prstGeom>
+          <a:solidFill>
+            <a:schemeClr val="accent5">
+              <a:lumMod val="75000"/>
+            </a:schemeClr>
+          </a:solidFill>
+        </p:spPr>
+        <p:style>
+          <a:lnRef idx="2">
+            <a:schemeClr val="accent1">
+              <a:shade val="50000"/>
+            </a:schemeClr>
+          </a:lnRef>
+          <a:fillRef idx="1">
+            <a:schemeClr val="accent1"/>
+          </a:fillRef>
+          <a:effectRef idx="0">
+            <a:schemeClr val="accent1"/>
+          </a:effectRef>
+          <a:fontRef idx="minor">
+            <a:schemeClr val="lt1"/>
+          </a:fontRef>
+        </p:style>
+        <p:txBody>
+          <a:bodyPr rtlCol="0" anchor="ctr"/>
+          <a:lstStyle/>
+          <a:p>
+            <a:pPr algn="ctr"/>
+            <a:r>
+              <a:rPr lang="en-US" dirty="0">
+                <a:ln w="0"/>
+                <a:solidFill>
+                  <a:schemeClr val="tx1"/>
+                </a:solidFill>
+                <a:effectLst>
+                  <a:outerShdw blurRad="38100" dist="19050" dir="2700000" algn="tl" rotWithShape="0">
+                    <a:schemeClr val="dk1">
+                      <a:alpha val="40000"/>
+                    </a:schemeClr>
+                  </a:outerShdw>
+                </a:effectLst>
+              </a:rPr>
+              <a:t>e.g. File can’t be read, database operation fails</a:t>
+            </a:r>
+          </a:p>
+        </p:txBody>
+      </p:sp>
+      <p:sp>
+        <p:nvSpPr>
+          <p:cNvPr id="9" name="Rectangle 8">
+            <a:extLst>
+              <a:ext uri="{FF2B5EF4-FFF2-40B4-BE49-F238E27FC236}">
+                <a16:creationId xmlns:a16="http://schemas.microsoft.com/office/drawing/2014/main" id="{287C5124-9BE8-D1D6-FB41-8482E5A0CEED}"/>
+              </a:ext>
+            </a:extLst>
+          </p:cNvPr>
+          <p:cNvSpPr/>
+          <p:nvPr/>
+        </p:nvSpPr>
+        <p:spPr>
+          <a:xfrm>
+            <a:off x="8287656" y="3080657"/>
+            <a:ext cx="2960914" cy="696686"/>
+          </a:xfrm>
+          <a:prstGeom prst="rect">
+            <a:avLst/>
+          </a:prstGeom>
+          <a:solidFill>
+            <a:schemeClr val="accent4">
+              <a:lumMod val="75000"/>
+            </a:schemeClr>
+          </a:solidFill>
+        </p:spPr>
+        <p:style>
+          <a:lnRef idx="2">
+            <a:schemeClr val="accent1">
+              <a:shade val="50000"/>
+            </a:schemeClr>
+          </a:lnRef>
+          <a:fillRef idx="1">
+            <a:schemeClr val="accent1"/>
+          </a:fillRef>
+          <a:effectRef idx="0">
+            <a:schemeClr val="accent1"/>
+          </a:effectRef>
+          <a:fontRef idx="minor">
+            <a:schemeClr val="lt1"/>
+          </a:fontRef>
+        </p:style>
+        <p:txBody>
+          <a:bodyPr rtlCol="0" anchor="ctr"/>
+          <a:lstStyle/>
+          <a:p>
+            <a:pPr algn="ctr"/>
+            <a:r>
+              <a:rPr lang="en-US" dirty="0">
+                <a:ln w="0"/>
+                <a:solidFill>
+                  <a:schemeClr val="tx1"/>
+                </a:solidFill>
+                <a:effectLst>
+                  <a:outerShdw blurRad="38100" dist="19050" dir="2700000" algn="tl" rotWithShape="0">
+                    <a:schemeClr val="dk1">
+                      <a:alpha val="40000"/>
+                    </a:schemeClr>
+                  </a:outerShdw>
+                </a:effectLst>
+              </a:rPr>
+              <a:t>e.g. User object used when it doesn't exist</a:t>
+            </a:r>
+          </a:p>
+        </p:txBody>
+      </p:sp>
+      <p:sp>
+        <p:nvSpPr>
+          <p:cNvPr id="10" name="Rectangle 9">
+            <a:extLst>
+              <a:ext uri="{FF2B5EF4-FFF2-40B4-BE49-F238E27FC236}">
+                <a16:creationId xmlns:a16="http://schemas.microsoft.com/office/drawing/2014/main" id="{2BE9C5D4-5D61-5E13-D2E9-4603C25BD747}"/>
+              </a:ext>
+            </a:extLst>
+          </p:cNvPr>
+          <p:cNvSpPr/>
+          <p:nvPr/>
+        </p:nvSpPr>
+        <p:spPr>
+          <a:xfrm>
+            <a:off x="711200" y="4212771"/>
+            <a:ext cx="2960914" cy="696686"/>
+          </a:xfrm>
+          <a:prstGeom prst="rect">
+            <a:avLst/>
+          </a:prstGeom>
+          <a:solidFill>
+            <a:schemeClr val="accent6">
+              <a:lumMod val="60000"/>
+              <a:lumOff val="40000"/>
+            </a:schemeClr>
+          </a:solidFill>
+        </p:spPr>
+        <p:style>
+          <a:lnRef idx="2">
+            <a:schemeClr val="accent1">
+              <a:shade val="50000"/>
+            </a:schemeClr>
+          </a:lnRef>
+          <a:fillRef idx="1">
+            <a:schemeClr val="accent1"/>
+          </a:fillRef>
+          <a:effectRef idx="0">
+            <a:schemeClr val="accent1"/>
+          </a:effectRef>
+          <a:fontRef idx="minor">
+            <a:schemeClr val="lt1"/>
+          </a:fontRef>
+        </p:style>
+        <p:txBody>
+          <a:bodyPr rtlCol="0" anchor="ctr"/>
+          <a:lstStyle/>
+          <a:p>
+            <a:pPr algn="ctr"/>
+            <a:r>
+              <a:rPr lang="en-US" dirty="0">
+                <a:ln w="0"/>
+                <a:solidFill>
+                  <a:schemeClr val="tx1"/>
+                </a:solidFill>
+                <a:effectLst>
+                  <a:outerShdw blurRad="38100" dist="19050" dir="2700000" algn="tl" rotWithShape="0">
+                    <a:schemeClr val="dk1">
+                      <a:alpha val="40000"/>
+                    </a:schemeClr>
+                  </a:outerShdw>
+                </a:effectLst>
+              </a:rPr>
+              <a:t>Show error page to user</a:t>
+            </a:r>
+          </a:p>
+        </p:txBody>
+      </p:sp>
+      <p:sp>
+        <p:nvSpPr>
+          <p:cNvPr id="11" name="Rectangle 10">
+            <a:extLst>
+              <a:ext uri="{FF2B5EF4-FFF2-40B4-BE49-F238E27FC236}">
+                <a16:creationId xmlns:a16="http://schemas.microsoft.com/office/drawing/2014/main" id="{F16E0E88-6F05-BD7A-2D5C-CED2AD8612A5}"/>
+              </a:ext>
+            </a:extLst>
+          </p:cNvPr>
+          <p:cNvSpPr/>
+          <p:nvPr/>
+        </p:nvSpPr>
+        <p:spPr>
+          <a:xfrm>
+            <a:off x="4499428" y="4212771"/>
+            <a:ext cx="2960914" cy="696686"/>
+          </a:xfrm>
+          <a:prstGeom prst="rect">
+            <a:avLst/>
+          </a:prstGeom>
+          <a:solidFill>
+            <a:schemeClr val="accent5">
+              <a:lumMod val="60000"/>
+              <a:lumOff val="40000"/>
+            </a:schemeClr>
+          </a:solidFill>
+        </p:spPr>
+        <p:style>
+          <a:lnRef idx="2">
+            <a:schemeClr val="accent1">
+              <a:shade val="50000"/>
+            </a:schemeClr>
+          </a:lnRef>
+          <a:fillRef idx="1">
+            <a:schemeClr val="accent1"/>
+          </a:fillRef>
+          <a:effectRef idx="0">
+            <a:schemeClr val="accent1"/>
+          </a:effectRef>
+          <a:fontRef idx="minor">
+            <a:schemeClr val="lt1"/>
+          </a:fontRef>
+        </p:style>
+        <p:txBody>
+          <a:bodyPr rtlCol="0" anchor="ctr"/>
+          <a:lstStyle/>
+          <a:p>
+            <a:pPr algn="ctr"/>
+            <a:r>
+              <a:rPr lang="en-US" dirty="0">
+                <a:ln w="0"/>
+                <a:solidFill>
+                  <a:schemeClr val="tx1"/>
+                </a:solidFill>
+                <a:effectLst>
+                  <a:outerShdw blurRad="38100" dist="19050" dir="2700000" algn="tl" rotWithShape="0">
+                    <a:schemeClr val="dk1">
+                      <a:alpha val="40000"/>
+                    </a:schemeClr>
+                  </a:outerShdw>
+                </a:effectLst>
+              </a:rPr>
+              <a:t>Inform user, possibly retry</a:t>
+            </a:r>
+          </a:p>
+        </p:txBody>
+      </p:sp>
+      <p:sp>
+        <p:nvSpPr>
+          <p:cNvPr id="12" name="Rectangle 11">
+            <a:extLst>
+              <a:ext uri="{FF2B5EF4-FFF2-40B4-BE49-F238E27FC236}">
+                <a16:creationId xmlns:a16="http://schemas.microsoft.com/office/drawing/2014/main" id="{4B6FA477-AB77-C1BB-462E-3B4A3FF8E125}"/>
+              </a:ext>
+            </a:extLst>
+          </p:cNvPr>
+          <p:cNvSpPr/>
+          <p:nvPr/>
+        </p:nvSpPr>
+        <p:spPr>
+          <a:xfrm>
+            <a:off x="8287656" y="4212771"/>
+            <a:ext cx="2960914" cy="696686"/>
+          </a:xfrm>
+          <a:prstGeom prst="rect">
+            <a:avLst/>
+          </a:prstGeom>
+          <a:solidFill>
+            <a:schemeClr val="accent4">
+              <a:lumMod val="60000"/>
+              <a:lumOff val="40000"/>
+            </a:schemeClr>
+          </a:solidFill>
+        </p:spPr>
+        <p:style>
+          <a:lnRef idx="2">
+            <a:schemeClr val="accent1">
+              <a:shade val="50000"/>
+            </a:schemeClr>
+          </a:lnRef>
+          <a:fillRef idx="1">
+            <a:schemeClr val="accent1"/>
+          </a:fillRef>
+          <a:effectRef idx="0">
+            <a:schemeClr val="accent1"/>
+          </a:effectRef>
+          <a:fontRef idx="minor">
+            <a:schemeClr val="lt1"/>
+          </a:fontRef>
+        </p:style>
+        <p:txBody>
+          <a:bodyPr rtlCol="0" anchor="ctr"/>
+          <a:lstStyle/>
+          <a:p>
+            <a:pPr algn="ctr"/>
+            <a:r>
+              <a:rPr lang="en-US" dirty="0">
+                <a:ln w="0"/>
+                <a:solidFill>
+                  <a:schemeClr val="tx1"/>
+                </a:solidFill>
+                <a:effectLst>
+                  <a:outerShdw blurRad="38100" dist="19050" dir="2700000" algn="tl" rotWithShape="0">
+                    <a:schemeClr val="dk1">
+                      <a:alpha val="40000"/>
+                    </a:schemeClr>
+                  </a:outerShdw>
+                </a:effectLst>
+              </a:rPr>
+              <a:t>Fix during development!</a:t>
+            </a:r>
+          </a:p>
+        </p:txBody>
+      </p:sp>
+    </p:spTree>
+    <p:extLst>
+      <p:ext uri="{BB962C8B-B14F-4D97-AF65-F5344CB8AC3E}">
+        <p14:creationId xmlns:p14="http://schemas.microsoft.com/office/powerpoint/2010/main" val="3049213750"/>
       </p:ext>
     </p:extLst>
   </p:cSld>

--- a/Sessions & Cookies.pptx
+++ b/Sessions & Cookies.pptx
@@ -23,6 +23,8 @@
     <p:sldId id="270" r:id="rId17"/>
     <p:sldId id="272" r:id="rId18"/>
     <p:sldId id="273" r:id="rId19"/>
+    <p:sldId id="274" r:id="rId20"/>
+    <p:sldId id="275" r:id="rId21"/>
   </p:sldIdLst>
   <p:sldSz cx="12192000" cy="6858000"/>
   <p:notesSz cx="6858000" cy="9144000"/>
@@ -276,7 +278,7 @@
           <a:p>
             <a:fld id="{96B1D18C-14DF-42B3-A5BD-77D05B72A41B}" type="datetimeFigureOut">
               <a:rPr lang="en-US" smtClean="0"/>
-              <a:t>2/2/2023</a:t>
+              <a:t>2/6/2023</a:t>
             </a:fld>
             <a:endParaRPr lang="en-US"/>
           </a:p>
@@ -474,7 +476,7 @@
           <a:p>
             <a:fld id="{96B1D18C-14DF-42B3-A5BD-77D05B72A41B}" type="datetimeFigureOut">
               <a:rPr lang="en-US" smtClean="0"/>
-              <a:t>2/2/2023</a:t>
+              <a:t>2/6/2023</a:t>
             </a:fld>
             <a:endParaRPr lang="en-US"/>
           </a:p>
@@ -682,7 +684,7 @@
           <a:p>
             <a:fld id="{96B1D18C-14DF-42B3-A5BD-77D05B72A41B}" type="datetimeFigureOut">
               <a:rPr lang="en-US" smtClean="0"/>
-              <a:t>2/2/2023</a:t>
+              <a:t>2/6/2023</a:t>
             </a:fld>
             <a:endParaRPr lang="en-US"/>
           </a:p>
@@ -880,7 +882,7 @@
           <a:p>
             <a:fld id="{96B1D18C-14DF-42B3-A5BD-77D05B72A41B}" type="datetimeFigureOut">
               <a:rPr lang="en-US" smtClean="0"/>
-              <a:t>2/2/2023</a:t>
+              <a:t>2/6/2023</a:t>
             </a:fld>
             <a:endParaRPr lang="en-US"/>
           </a:p>
@@ -1155,7 +1157,7 @@
           <a:p>
             <a:fld id="{96B1D18C-14DF-42B3-A5BD-77D05B72A41B}" type="datetimeFigureOut">
               <a:rPr lang="en-US" smtClean="0"/>
-              <a:t>2/2/2023</a:t>
+              <a:t>2/6/2023</a:t>
             </a:fld>
             <a:endParaRPr lang="en-US"/>
           </a:p>
@@ -1420,7 +1422,7 @@
           <a:p>
             <a:fld id="{96B1D18C-14DF-42B3-A5BD-77D05B72A41B}" type="datetimeFigureOut">
               <a:rPr lang="en-US" smtClean="0"/>
-              <a:t>2/2/2023</a:t>
+              <a:t>2/6/2023</a:t>
             </a:fld>
             <a:endParaRPr lang="en-US"/>
           </a:p>
@@ -1832,7 +1834,7 @@
           <a:p>
             <a:fld id="{96B1D18C-14DF-42B3-A5BD-77D05B72A41B}" type="datetimeFigureOut">
               <a:rPr lang="en-US" smtClean="0"/>
-              <a:t>2/2/2023</a:t>
+              <a:t>2/6/2023</a:t>
             </a:fld>
             <a:endParaRPr lang="en-US"/>
           </a:p>
@@ -1973,7 +1975,7 @@
           <a:p>
             <a:fld id="{96B1D18C-14DF-42B3-A5BD-77D05B72A41B}" type="datetimeFigureOut">
               <a:rPr lang="en-US" smtClean="0"/>
-              <a:t>2/2/2023</a:t>
+              <a:t>2/6/2023</a:t>
             </a:fld>
             <a:endParaRPr lang="en-US"/>
           </a:p>
@@ -2086,7 +2088,7 @@
           <a:p>
             <a:fld id="{96B1D18C-14DF-42B3-A5BD-77D05B72A41B}" type="datetimeFigureOut">
               <a:rPr lang="en-US" smtClean="0"/>
-              <a:t>2/2/2023</a:t>
+              <a:t>2/6/2023</a:t>
             </a:fld>
             <a:endParaRPr lang="en-US"/>
           </a:p>
@@ -2397,7 +2399,7 @@
           <a:p>
             <a:fld id="{96B1D18C-14DF-42B3-A5BD-77D05B72A41B}" type="datetimeFigureOut">
               <a:rPr lang="en-US" smtClean="0"/>
-              <a:t>2/2/2023</a:t>
+              <a:t>2/6/2023</a:t>
             </a:fld>
             <a:endParaRPr lang="en-US"/>
           </a:p>
@@ -2685,7 +2687,7 @@
           <a:p>
             <a:fld id="{96B1D18C-14DF-42B3-A5BD-77D05B72A41B}" type="datetimeFigureOut">
               <a:rPr lang="en-US" smtClean="0"/>
-              <a:t>2/2/2023</a:t>
+              <a:t>2/6/2023</a:t>
             </a:fld>
             <a:endParaRPr lang="en-US"/>
           </a:p>
@@ -2926,7 +2928,7 @@
           <a:p>
             <a:fld id="{96B1D18C-14DF-42B3-A5BD-77D05B72A41B}" type="datetimeFigureOut">
               <a:rPr lang="en-US" smtClean="0"/>
-              <a:t>2/2/2023</a:t>
+              <a:t>2/6/2023</a:t>
             </a:fld>
             <a:endParaRPr lang="en-US"/>
           </a:p>
@@ -6637,31 +6639,8 @@
                   </a:outerShdw>
                 </a:effectLst>
               </a:rPr>
-              <a:t>Error </a:t>
-            </a:r>
-            <a:r>
-              <a:rPr lang="en-US" dirty="0" err="1">
-                <a:ln w="0"/>
-                <a:effectLst>
-                  <a:outerShdw blurRad="38100" dist="19050" dir="2700000" algn="tl" rotWithShape="0">
-                    <a:schemeClr val="dk1">
-                      <a:alpha val="40000"/>
-                    </a:schemeClr>
-                  </a:outerShdw>
-                </a:effectLst>
-              </a:rPr>
-              <a:t>Handiling</a:t>
-            </a:r>
-            <a:endParaRPr lang="en-US" dirty="0">
-              <a:ln w="0"/>
-              <a:effectLst>
-                <a:outerShdw blurRad="38100" dist="19050" dir="2700000" algn="tl" rotWithShape="0">
-                  <a:schemeClr val="dk1">
-                    <a:alpha val="40000"/>
-                  </a:schemeClr>
-                </a:outerShdw>
-              </a:effectLst>
-            </a:endParaRPr>
+              <a:t>Error Handling</a:t>
+            </a:r>
           </a:p>
         </p:txBody>
       </p:sp>
@@ -7266,6 +7245,1225 @@
     <p:extLst>
       <p:ext uri="{BB962C8B-B14F-4D97-AF65-F5344CB8AC3E}">
         <p14:creationId xmlns:p14="http://schemas.microsoft.com/office/powerpoint/2010/main" val="3049213750"/>
+      </p:ext>
+    </p:extLst>
+  </p:cSld>
+  <p:clrMapOvr>
+    <a:masterClrMapping/>
+  </p:clrMapOvr>
+</p:sld>
+</file>
+
+<file path=ppt/slides/slide19.xml><?xml version="1.0" encoding="utf-8"?>
+<p:sld xmlns:a="http://schemas.openxmlformats.org/drawingml/2006/main" xmlns:r="http://schemas.openxmlformats.org/officeDocument/2006/relationships" xmlns:p="http://schemas.openxmlformats.org/presentationml/2006/main">
+  <p:cSld>
+    <p:spTree>
+      <p:nvGrpSpPr>
+        <p:cNvPr id="1" name=""/>
+        <p:cNvGrpSpPr/>
+        <p:nvPr/>
+      </p:nvGrpSpPr>
+      <p:grpSpPr>
+        <a:xfrm>
+          <a:off x="0" y="0"/>
+          <a:ext cx="0" cy="0"/>
+          <a:chOff x="0" y="0"/>
+          <a:chExt cx="0" cy="0"/>
+        </a:xfrm>
+      </p:grpSpPr>
+      <p:sp>
+        <p:nvSpPr>
+          <p:cNvPr id="2" name="Title 1">
+            <a:extLst>
+              <a:ext uri="{FF2B5EF4-FFF2-40B4-BE49-F238E27FC236}">
+                <a16:creationId xmlns:a16="http://schemas.microsoft.com/office/drawing/2014/main" id="{50DE13F2-508E-0745-1E9B-F7F32FF1E625}"/>
+              </a:ext>
+            </a:extLst>
+          </p:cNvPr>
+          <p:cNvSpPr>
+            <a:spLocks noGrp="1"/>
+          </p:cNvSpPr>
+          <p:nvPr>
+            <p:ph type="title"/>
+          </p:nvPr>
+        </p:nvSpPr>
+        <p:spPr>
+          <a:xfrm>
+            <a:off x="838200" y="365125"/>
+            <a:ext cx="10515600" cy="752475"/>
+          </a:xfrm>
+        </p:spPr>
+        <p:txBody>
+          <a:bodyPr/>
+          <a:lstStyle/>
+          <a:p>
+            <a:r>
+              <a:rPr lang="en-US" dirty="0"/>
+              <a:t>Working with Errors</a:t>
+            </a:r>
+          </a:p>
+        </p:txBody>
+      </p:sp>
+      <p:sp>
+        <p:nvSpPr>
+          <p:cNvPr id="5" name="Rectangle 4">
+            <a:extLst>
+              <a:ext uri="{FF2B5EF4-FFF2-40B4-BE49-F238E27FC236}">
+                <a16:creationId xmlns:a16="http://schemas.microsoft.com/office/drawing/2014/main" id="{D24268F8-C403-B26D-3C27-9349AA0B4804}"/>
+              </a:ext>
+            </a:extLst>
+          </p:cNvPr>
+          <p:cNvSpPr/>
+          <p:nvPr/>
+        </p:nvSpPr>
+        <p:spPr>
+          <a:xfrm>
+            <a:off x="1689100" y="1357084"/>
+            <a:ext cx="2746829" cy="587830"/>
+          </a:xfrm>
+          <a:prstGeom prst="rect">
+            <a:avLst/>
+          </a:prstGeom>
+          <a:solidFill>
+            <a:schemeClr val="accent6">
+              <a:lumMod val="50000"/>
+            </a:schemeClr>
+          </a:solidFill>
+        </p:spPr>
+        <p:style>
+          <a:lnRef idx="2">
+            <a:schemeClr val="accent1">
+              <a:shade val="50000"/>
+            </a:schemeClr>
+          </a:lnRef>
+          <a:fillRef idx="1">
+            <a:schemeClr val="accent1"/>
+          </a:fillRef>
+          <a:effectRef idx="0">
+            <a:schemeClr val="accent1"/>
+          </a:effectRef>
+          <a:fontRef idx="minor">
+            <a:schemeClr val="lt1"/>
+          </a:fontRef>
+        </p:style>
+        <p:txBody>
+          <a:bodyPr rtlCol="0" anchor="ctr"/>
+          <a:lstStyle/>
+          <a:p>
+            <a:pPr algn="ctr"/>
+            <a:r>
+              <a:rPr lang="en-US" dirty="0"/>
+              <a:t>Error is thrown</a:t>
+            </a:r>
+          </a:p>
+          <a:p>
+            <a:pPr algn="ctr"/>
+            <a:endParaRPr lang="en-US" dirty="0"/>
+          </a:p>
+        </p:txBody>
+      </p:sp>
+      <p:sp>
+        <p:nvSpPr>
+          <p:cNvPr id="6" name="Rectangle 5">
+            <a:extLst>
+              <a:ext uri="{FF2B5EF4-FFF2-40B4-BE49-F238E27FC236}">
+                <a16:creationId xmlns:a16="http://schemas.microsoft.com/office/drawing/2014/main" id="{27F08877-19D4-BDEB-056C-040A18142FAF}"/>
+              </a:ext>
+            </a:extLst>
+          </p:cNvPr>
+          <p:cNvSpPr/>
+          <p:nvPr/>
+        </p:nvSpPr>
+        <p:spPr>
+          <a:xfrm>
+            <a:off x="7756072" y="1357084"/>
+            <a:ext cx="2746829" cy="587830"/>
+          </a:xfrm>
+          <a:prstGeom prst="rect">
+            <a:avLst/>
+          </a:prstGeom>
+          <a:solidFill>
+            <a:schemeClr val="accent2"/>
+          </a:solidFill>
+        </p:spPr>
+        <p:style>
+          <a:lnRef idx="2">
+            <a:schemeClr val="accent1">
+              <a:shade val="50000"/>
+            </a:schemeClr>
+          </a:lnRef>
+          <a:fillRef idx="1">
+            <a:schemeClr val="accent1"/>
+          </a:fillRef>
+          <a:effectRef idx="0">
+            <a:schemeClr val="accent1"/>
+          </a:effectRef>
+          <a:fontRef idx="minor">
+            <a:schemeClr val="lt1"/>
+          </a:fontRef>
+        </p:style>
+        <p:txBody>
+          <a:bodyPr rtlCol="0" anchor="ctr"/>
+          <a:lstStyle/>
+          <a:p>
+            <a:pPr marL="0" indent="0" algn="ctr">
+              <a:buFont typeface="Arial" panose="020B0604020202020204" pitchFamily="34" charset="0"/>
+              <a:buNone/>
+            </a:pPr>
+            <a:r>
+              <a:rPr lang="en-US" dirty="0"/>
+              <a:t>No Error is thrown</a:t>
+            </a:r>
+          </a:p>
+        </p:txBody>
+      </p:sp>
+      <p:sp>
+        <p:nvSpPr>
+          <p:cNvPr id="9" name="Rectangle 8">
+            <a:extLst>
+              <a:ext uri="{FF2B5EF4-FFF2-40B4-BE49-F238E27FC236}">
+                <a16:creationId xmlns:a16="http://schemas.microsoft.com/office/drawing/2014/main" id="{6457C3DA-683C-E489-3A25-15FF1816D580}"/>
+              </a:ext>
+            </a:extLst>
+          </p:cNvPr>
+          <p:cNvSpPr/>
+          <p:nvPr/>
+        </p:nvSpPr>
+        <p:spPr>
+          <a:xfrm>
+            <a:off x="315685" y="2489192"/>
+            <a:ext cx="2746829" cy="587830"/>
+          </a:xfrm>
+          <a:prstGeom prst="rect">
+            <a:avLst/>
+          </a:prstGeom>
+          <a:solidFill>
+            <a:schemeClr val="accent6">
+              <a:lumMod val="75000"/>
+            </a:schemeClr>
+          </a:solidFill>
+        </p:spPr>
+        <p:style>
+          <a:lnRef idx="2">
+            <a:schemeClr val="accent1">
+              <a:shade val="50000"/>
+            </a:schemeClr>
+          </a:lnRef>
+          <a:fillRef idx="1">
+            <a:schemeClr val="accent1"/>
+          </a:fillRef>
+          <a:effectRef idx="0">
+            <a:schemeClr val="accent1"/>
+          </a:effectRef>
+          <a:fontRef idx="minor">
+            <a:schemeClr val="lt1"/>
+          </a:fontRef>
+        </p:style>
+        <p:txBody>
+          <a:bodyPr rtlCol="0" anchor="ctr"/>
+          <a:lstStyle/>
+          <a:p>
+            <a:pPr algn="ctr"/>
+            <a:r>
+              <a:rPr lang="en-US" dirty="0"/>
+              <a:t>Synchronous Code: </a:t>
+            </a:r>
+          </a:p>
+          <a:p>
+            <a:pPr algn="ctr"/>
+            <a:r>
+              <a:rPr lang="en-US" dirty="0"/>
+              <a:t>try-catch</a:t>
+            </a:r>
+          </a:p>
+        </p:txBody>
+      </p:sp>
+      <p:sp>
+        <p:nvSpPr>
+          <p:cNvPr id="10" name="Rectangle 9">
+            <a:extLst>
+              <a:ext uri="{FF2B5EF4-FFF2-40B4-BE49-F238E27FC236}">
+                <a16:creationId xmlns:a16="http://schemas.microsoft.com/office/drawing/2014/main" id="{963B0ABB-C246-C5B5-F301-53D777D6FE1E}"/>
+              </a:ext>
+            </a:extLst>
+          </p:cNvPr>
+          <p:cNvSpPr/>
+          <p:nvPr/>
+        </p:nvSpPr>
+        <p:spPr>
+          <a:xfrm>
+            <a:off x="4040414" y="2467425"/>
+            <a:ext cx="2746829" cy="587830"/>
+          </a:xfrm>
+          <a:prstGeom prst="rect">
+            <a:avLst/>
+          </a:prstGeom>
+          <a:solidFill>
+            <a:schemeClr val="accent6">
+              <a:lumMod val="75000"/>
+            </a:schemeClr>
+          </a:solidFill>
+        </p:spPr>
+        <p:style>
+          <a:lnRef idx="2">
+            <a:schemeClr val="accent1">
+              <a:shade val="50000"/>
+            </a:schemeClr>
+          </a:lnRef>
+          <a:fillRef idx="1">
+            <a:schemeClr val="accent1"/>
+          </a:fillRef>
+          <a:effectRef idx="0">
+            <a:schemeClr val="accent1"/>
+          </a:effectRef>
+          <a:fontRef idx="minor">
+            <a:schemeClr val="lt1"/>
+          </a:fontRef>
+        </p:style>
+        <p:txBody>
+          <a:bodyPr rtlCol="0" anchor="ctr"/>
+          <a:lstStyle/>
+          <a:p>
+            <a:pPr algn="ctr"/>
+            <a:r>
+              <a:rPr lang="en-US" dirty="0"/>
+              <a:t>Asynchronous Code:</a:t>
+            </a:r>
+          </a:p>
+          <a:p>
+            <a:pPr algn="ctr"/>
+            <a:r>
+              <a:rPr lang="en-US" dirty="0"/>
+              <a:t>Then()-catch()</a:t>
+            </a:r>
+          </a:p>
+        </p:txBody>
+      </p:sp>
+      <p:sp>
+        <p:nvSpPr>
+          <p:cNvPr id="12" name="Rectangle 11">
+            <a:extLst>
+              <a:ext uri="{FF2B5EF4-FFF2-40B4-BE49-F238E27FC236}">
+                <a16:creationId xmlns:a16="http://schemas.microsoft.com/office/drawing/2014/main" id="{25CDA7AC-1599-5D1D-4471-859FF421954F}"/>
+              </a:ext>
+            </a:extLst>
+          </p:cNvPr>
+          <p:cNvSpPr/>
+          <p:nvPr/>
+        </p:nvSpPr>
+        <p:spPr>
+          <a:xfrm>
+            <a:off x="7765143" y="2576282"/>
+            <a:ext cx="2746829" cy="587830"/>
+          </a:xfrm>
+          <a:prstGeom prst="rect">
+            <a:avLst/>
+          </a:prstGeom>
+          <a:solidFill>
+            <a:schemeClr val="accent2">
+              <a:lumMod val="75000"/>
+            </a:schemeClr>
+          </a:solidFill>
+        </p:spPr>
+        <p:style>
+          <a:lnRef idx="2">
+            <a:schemeClr val="accent1">
+              <a:shade val="50000"/>
+            </a:schemeClr>
+          </a:lnRef>
+          <a:fillRef idx="1">
+            <a:schemeClr val="accent1"/>
+          </a:fillRef>
+          <a:effectRef idx="0">
+            <a:schemeClr val="accent1"/>
+          </a:effectRef>
+          <a:fontRef idx="minor">
+            <a:schemeClr val="lt1"/>
+          </a:fontRef>
+        </p:style>
+        <p:txBody>
+          <a:bodyPr rtlCol="0" anchor="ctr"/>
+          <a:lstStyle/>
+          <a:p>
+            <a:pPr algn="ctr"/>
+            <a:r>
+              <a:rPr lang="en-US" dirty="0"/>
+              <a:t>Validate Values</a:t>
+            </a:r>
+          </a:p>
+        </p:txBody>
+      </p:sp>
+      <p:sp>
+        <p:nvSpPr>
+          <p:cNvPr id="13" name="Rectangle 12">
+            <a:extLst>
+              <a:ext uri="{FF2B5EF4-FFF2-40B4-BE49-F238E27FC236}">
+                <a16:creationId xmlns:a16="http://schemas.microsoft.com/office/drawing/2014/main" id="{EE7086D3-DFFD-5A6E-A54E-E3906660BE68}"/>
+              </a:ext>
+            </a:extLst>
+          </p:cNvPr>
+          <p:cNvSpPr/>
+          <p:nvPr/>
+        </p:nvSpPr>
+        <p:spPr>
+          <a:xfrm>
+            <a:off x="315685" y="3751943"/>
+            <a:ext cx="6471558" cy="348343"/>
+          </a:xfrm>
+          <a:prstGeom prst="rect">
+            <a:avLst/>
+          </a:prstGeom>
+          <a:solidFill>
+            <a:schemeClr val="accent6">
+              <a:lumMod val="50000"/>
+            </a:schemeClr>
+          </a:solidFill>
+        </p:spPr>
+        <p:style>
+          <a:lnRef idx="2">
+            <a:schemeClr val="accent1">
+              <a:shade val="50000"/>
+            </a:schemeClr>
+          </a:lnRef>
+          <a:fillRef idx="1">
+            <a:schemeClr val="accent1"/>
+          </a:fillRef>
+          <a:effectRef idx="0">
+            <a:schemeClr val="accent1"/>
+          </a:effectRef>
+          <a:fontRef idx="minor">
+            <a:schemeClr val="lt1"/>
+          </a:fontRef>
+        </p:style>
+        <p:txBody>
+          <a:bodyPr rtlCol="0" anchor="ctr"/>
+          <a:lstStyle/>
+          <a:p>
+            <a:pPr algn="ctr"/>
+            <a:endParaRPr lang="en-US"/>
+          </a:p>
+        </p:txBody>
+      </p:sp>
+      <p:sp>
+        <p:nvSpPr>
+          <p:cNvPr id="14" name="Rectangle 13">
+            <a:extLst>
+              <a:ext uri="{FF2B5EF4-FFF2-40B4-BE49-F238E27FC236}">
+                <a16:creationId xmlns:a16="http://schemas.microsoft.com/office/drawing/2014/main" id="{1BD5986E-3FF2-7C63-26B9-FFD21FE2D312}"/>
+              </a:ext>
+            </a:extLst>
+          </p:cNvPr>
+          <p:cNvSpPr/>
+          <p:nvPr/>
+        </p:nvSpPr>
+        <p:spPr>
+          <a:xfrm>
+            <a:off x="315685" y="4535712"/>
+            <a:ext cx="2746829" cy="587830"/>
+          </a:xfrm>
+          <a:prstGeom prst="rect">
+            <a:avLst/>
+          </a:prstGeom>
+          <a:solidFill>
+            <a:schemeClr val="accent6">
+              <a:lumMod val="75000"/>
+            </a:schemeClr>
+          </a:solidFill>
+        </p:spPr>
+        <p:style>
+          <a:lnRef idx="2">
+            <a:schemeClr val="accent1">
+              <a:shade val="50000"/>
+            </a:schemeClr>
+          </a:lnRef>
+          <a:fillRef idx="1">
+            <a:schemeClr val="accent1"/>
+          </a:fillRef>
+          <a:effectRef idx="0">
+            <a:schemeClr val="accent1"/>
+          </a:effectRef>
+          <a:fontRef idx="minor">
+            <a:schemeClr val="lt1"/>
+          </a:fontRef>
+        </p:style>
+        <p:txBody>
+          <a:bodyPr rtlCol="0" anchor="ctr"/>
+          <a:lstStyle/>
+          <a:p>
+            <a:pPr algn="ctr"/>
+            <a:r>
+              <a:rPr lang="en-US" dirty="0"/>
+              <a:t>Directly handle error</a:t>
+            </a:r>
+          </a:p>
+        </p:txBody>
+      </p:sp>
+      <p:sp>
+        <p:nvSpPr>
+          <p:cNvPr id="15" name="Rectangle 14">
+            <a:extLst>
+              <a:ext uri="{FF2B5EF4-FFF2-40B4-BE49-F238E27FC236}">
+                <a16:creationId xmlns:a16="http://schemas.microsoft.com/office/drawing/2014/main" id="{7F028148-AA58-5247-2EDF-457AA699CC5D}"/>
+              </a:ext>
+            </a:extLst>
+          </p:cNvPr>
+          <p:cNvSpPr/>
+          <p:nvPr/>
+        </p:nvSpPr>
+        <p:spPr>
+          <a:xfrm>
+            <a:off x="4040414" y="4503059"/>
+            <a:ext cx="2746829" cy="587830"/>
+          </a:xfrm>
+          <a:prstGeom prst="rect">
+            <a:avLst/>
+          </a:prstGeom>
+          <a:solidFill>
+            <a:schemeClr val="accent6">
+              <a:lumMod val="75000"/>
+            </a:schemeClr>
+          </a:solidFill>
+        </p:spPr>
+        <p:style>
+          <a:lnRef idx="2">
+            <a:schemeClr val="accent1">
+              <a:shade val="50000"/>
+            </a:schemeClr>
+          </a:lnRef>
+          <a:fillRef idx="1">
+            <a:schemeClr val="accent1"/>
+          </a:fillRef>
+          <a:effectRef idx="0">
+            <a:schemeClr val="accent1"/>
+          </a:effectRef>
+          <a:fontRef idx="minor">
+            <a:schemeClr val="lt1"/>
+          </a:fontRef>
+        </p:style>
+        <p:txBody>
+          <a:bodyPr rtlCol="0" anchor="ctr"/>
+          <a:lstStyle/>
+          <a:p>
+            <a:pPr algn="ctr"/>
+            <a:r>
+              <a:rPr lang="en-US" dirty="0"/>
+              <a:t>Use Express error handling function</a:t>
+            </a:r>
+          </a:p>
+        </p:txBody>
+      </p:sp>
+      <p:sp>
+        <p:nvSpPr>
+          <p:cNvPr id="16" name="Rectangle 15">
+            <a:extLst>
+              <a:ext uri="{FF2B5EF4-FFF2-40B4-BE49-F238E27FC236}">
+                <a16:creationId xmlns:a16="http://schemas.microsoft.com/office/drawing/2014/main" id="{E6F93766-DDFB-65D7-313E-F3427B360D74}"/>
+              </a:ext>
+            </a:extLst>
+          </p:cNvPr>
+          <p:cNvSpPr/>
+          <p:nvPr/>
+        </p:nvSpPr>
+        <p:spPr>
+          <a:xfrm>
+            <a:off x="7306130" y="4535712"/>
+            <a:ext cx="1504042" cy="587830"/>
+          </a:xfrm>
+          <a:prstGeom prst="rect">
+            <a:avLst/>
+          </a:prstGeom>
+          <a:solidFill>
+            <a:schemeClr val="accent2">
+              <a:lumMod val="75000"/>
+            </a:schemeClr>
+          </a:solidFill>
+        </p:spPr>
+        <p:style>
+          <a:lnRef idx="2">
+            <a:schemeClr val="accent1">
+              <a:shade val="50000"/>
+            </a:schemeClr>
+          </a:lnRef>
+          <a:fillRef idx="1">
+            <a:schemeClr val="accent1"/>
+          </a:fillRef>
+          <a:effectRef idx="0">
+            <a:schemeClr val="accent1"/>
+          </a:effectRef>
+          <a:fontRef idx="minor">
+            <a:schemeClr val="lt1"/>
+          </a:fontRef>
+        </p:style>
+        <p:txBody>
+          <a:bodyPr rtlCol="0" anchor="ctr"/>
+          <a:lstStyle/>
+          <a:p>
+            <a:pPr algn="ctr"/>
+            <a:r>
+              <a:rPr lang="en-US" dirty="0"/>
+              <a:t>Throw error</a:t>
+            </a:r>
+          </a:p>
+        </p:txBody>
+      </p:sp>
+      <p:sp>
+        <p:nvSpPr>
+          <p:cNvPr id="17" name="Rectangle 16">
+            <a:extLst>
+              <a:ext uri="{FF2B5EF4-FFF2-40B4-BE49-F238E27FC236}">
+                <a16:creationId xmlns:a16="http://schemas.microsoft.com/office/drawing/2014/main" id="{D083B247-0928-D9C9-AD6B-943A6AE5CF36}"/>
+              </a:ext>
+            </a:extLst>
+          </p:cNvPr>
+          <p:cNvSpPr/>
+          <p:nvPr/>
+        </p:nvSpPr>
+        <p:spPr>
+          <a:xfrm>
+            <a:off x="10072915" y="4546597"/>
+            <a:ext cx="1872344" cy="587830"/>
+          </a:xfrm>
+          <a:prstGeom prst="rect">
+            <a:avLst/>
+          </a:prstGeom>
+          <a:solidFill>
+            <a:schemeClr val="accent2">
+              <a:lumMod val="75000"/>
+            </a:schemeClr>
+          </a:solidFill>
+        </p:spPr>
+        <p:style>
+          <a:lnRef idx="2">
+            <a:schemeClr val="accent1">
+              <a:shade val="50000"/>
+            </a:schemeClr>
+          </a:lnRef>
+          <a:fillRef idx="1">
+            <a:schemeClr val="accent1"/>
+          </a:fillRef>
+          <a:effectRef idx="0">
+            <a:schemeClr val="accent1"/>
+          </a:effectRef>
+          <a:fontRef idx="minor">
+            <a:schemeClr val="lt1"/>
+          </a:fontRef>
+        </p:style>
+        <p:txBody>
+          <a:bodyPr rtlCol="0" anchor="ctr"/>
+          <a:lstStyle/>
+          <a:p>
+            <a:pPr algn="ctr"/>
+            <a:r>
+              <a:rPr lang="en-US" dirty="0"/>
+              <a:t>Directly handle</a:t>
+            </a:r>
+            <a:br>
+              <a:rPr lang="en-US" dirty="0"/>
+            </a:br>
+            <a:r>
+              <a:rPr lang="en-US" dirty="0"/>
+              <a:t>“error”</a:t>
+            </a:r>
+          </a:p>
+        </p:txBody>
+      </p:sp>
+      <p:cxnSp>
+        <p:nvCxnSpPr>
+          <p:cNvPr id="21" name="Connector: Elbow 20">
+            <a:extLst>
+              <a:ext uri="{FF2B5EF4-FFF2-40B4-BE49-F238E27FC236}">
+                <a16:creationId xmlns:a16="http://schemas.microsoft.com/office/drawing/2014/main" id="{1BABB36F-19CA-4B01-4945-E01C84BB2477}"/>
+              </a:ext>
+            </a:extLst>
+          </p:cNvPr>
+          <p:cNvCxnSpPr>
+            <a:stCxn id="5" idx="2"/>
+            <a:endCxn id="9" idx="0"/>
+          </p:cNvCxnSpPr>
+          <p:nvPr/>
+        </p:nvCxnSpPr>
+        <p:spPr>
+          <a:xfrm rot="5400000">
+            <a:off x="2103669" y="1530346"/>
+            <a:ext cx="544278" cy="1373415"/>
+          </a:xfrm>
+          <a:prstGeom prst="bentConnector3">
+            <a:avLst/>
+          </a:prstGeom>
+          <a:ln>
+            <a:tailEnd type="triangle"/>
+          </a:ln>
+        </p:spPr>
+        <p:style>
+          <a:lnRef idx="1">
+            <a:schemeClr val="accent1"/>
+          </a:lnRef>
+          <a:fillRef idx="0">
+            <a:schemeClr val="accent1"/>
+          </a:fillRef>
+          <a:effectRef idx="0">
+            <a:schemeClr val="accent1"/>
+          </a:effectRef>
+          <a:fontRef idx="minor">
+            <a:schemeClr val="tx1"/>
+          </a:fontRef>
+        </p:style>
+      </p:cxnSp>
+      <p:cxnSp>
+        <p:nvCxnSpPr>
+          <p:cNvPr id="23" name="Connector: Elbow 22">
+            <a:extLst>
+              <a:ext uri="{FF2B5EF4-FFF2-40B4-BE49-F238E27FC236}">
+                <a16:creationId xmlns:a16="http://schemas.microsoft.com/office/drawing/2014/main" id="{BECFE472-13F2-D187-2DC1-BDF0240B36B4}"/>
+              </a:ext>
+            </a:extLst>
+          </p:cNvPr>
+          <p:cNvCxnSpPr>
+            <a:stCxn id="5" idx="2"/>
+            <a:endCxn id="10" idx="0"/>
+          </p:cNvCxnSpPr>
+          <p:nvPr/>
+        </p:nvCxnSpPr>
+        <p:spPr>
+          <a:xfrm rot="16200000" flipH="1">
+            <a:off x="3976917" y="1030512"/>
+            <a:ext cx="522511" cy="2351314"/>
+          </a:xfrm>
+          <a:prstGeom prst="bentConnector3">
+            <a:avLst/>
+          </a:prstGeom>
+          <a:ln>
+            <a:tailEnd type="triangle"/>
+          </a:ln>
+        </p:spPr>
+        <p:style>
+          <a:lnRef idx="1">
+            <a:schemeClr val="accent1"/>
+          </a:lnRef>
+          <a:fillRef idx="0">
+            <a:schemeClr val="accent1"/>
+          </a:fillRef>
+          <a:effectRef idx="0">
+            <a:schemeClr val="accent1"/>
+          </a:effectRef>
+          <a:fontRef idx="minor">
+            <a:schemeClr val="tx1"/>
+          </a:fontRef>
+        </p:style>
+      </p:cxnSp>
+      <p:cxnSp>
+        <p:nvCxnSpPr>
+          <p:cNvPr id="25" name="Connector: Elbow 24">
+            <a:extLst>
+              <a:ext uri="{FF2B5EF4-FFF2-40B4-BE49-F238E27FC236}">
+                <a16:creationId xmlns:a16="http://schemas.microsoft.com/office/drawing/2014/main" id="{FE61554E-8B29-60D3-4973-303C96A0E5A3}"/>
+              </a:ext>
+            </a:extLst>
+          </p:cNvPr>
+          <p:cNvCxnSpPr>
+            <a:stCxn id="9" idx="2"/>
+            <a:endCxn id="13" idx="0"/>
+          </p:cNvCxnSpPr>
+          <p:nvPr/>
+        </p:nvCxnSpPr>
+        <p:spPr>
+          <a:xfrm rot="16200000" flipH="1">
+            <a:off x="2282822" y="2483300"/>
+            <a:ext cx="674921" cy="1862364"/>
+          </a:xfrm>
+          <a:prstGeom prst="bentConnector3">
+            <a:avLst/>
+          </a:prstGeom>
+          <a:ln>
+            <a:tailEnd type="triangle"/>
+          </a:ln>
+        </p:spPr>
+        <p:style>
+          <a:lnRef idx="1">
+            <a:schemeClr val="accent1"/>
+          </a:lnRef>
+          <a:fillRef idx="0">
+            <a:schemeClr val="accent1"/>
+          </a:fillRef>
+          <a:effectRef idx="0">
+            <a:schemeClr val="accent1"/>
+          </a:effectRef>
+          <a:fontRef idx="minor">
+            <a:schemeClr val="tx1"/>
+          </a:fontRef>
+        </p:style>
+      </p:cxnSp>
+      <p:cxnSp>
+        <p:nvCxnSpPr>
+          <p:cNvPr id="27" name="Connector: Elbow 26">
+            <a:extLst>
+              <a:ext uri="{FF2B5EF4-FFF2-40B4-BE49-F238E27FC236}">
+                <a16:creationId xmlns:a16="http://schemas.microsoft.com/office/drawing/2014/main" id="{9E84A740-EB58-919D-34D5-13C82492B9E6}"/>
+              </a:ext>
+            </a:extLst>
+          </p:cNvPr>
+          <p:cNvCxnSpPr>
+            <a:stCxn id="10" idx="2"/>
+            <a:endCxn id="13" idx="0"/>
+          </p:cNvCxnSpPr>
+          <p:nvPr/>
+        </p:nvCxnSpPr>
+        <p:spPr>
+          <a:xfrm rot="5400000">
+            <a:off x="4134303" y="2472417"/>
+            <a:ext cx="696688" cy="1862365"/>
+          </a:xfrm>
+          <a:prstGeom prst="bentConnector3">
+            <a:avLst/>
+          </a:prstGeom>
+          <a:ln>
+            <a:tailEnd type="triangle"/>
+          </a:ln>
+        </p:spPr>
+        <p:style>
+          <a:lnRef idx="1">
+            <a:schemeClr val="accent1"/>
+          </a:lnRef>
+          <a:fillRef idx="0">
+            <a:schemeClr val="accent1"/>
+          </a:fillRef>
+          <a:effectRef idx="0">
+            <a:schemeClr val="accent1"/>
+          </a:effectRef>
+          <a:fontRef idx="minor">
+            <a:schemeClr val="tx1"/>
+          </a:fontRef>
+        </p:style>
+      </p:cxnSp>
+      <p:cxnSp>
+        <p:nvCxnSpPr>
+          <p:cNvPr id="29" name="Connector: Elbow 28">
+            <a:extLst>
+              <a:ext uri="{FF2B5EF4-FFF2-40B4-BE49-F238E27FC236}">
+                <a16:creationId xmlns:a16="http://schemas.microsoft.com/office/drawing/2014/main" id="{DF868DF0-EA32-AD57-0708-4BB4DB6A2F5D}"/>
+              </a:ext>
+            </a:extLst>
+          </p:cNvPr>
+          <p:cNvCxnSpPr>
+            <a:stCxn id="13" idx="2"/>
+            <a:endCxn id="14" idx="0"/>
+          </p:cNvCxnSpPr>
+          <p:nvPr/>
+        </p:nvCxnSpPr>
+        <p:spPr>
+          <a:xfrm rot="5400000">
+            <a:off x="2402569" y="3386817"/>
+            <a:ext cx="435426" cy="1862364"/>
+          </a:xfrm>
+          <a:prstGeom prst="bentConnector3">
+            <a:avLst/>
+          </a:prstGeom>
+          <a:ln>
+            <a:tailEnd type="triangle"/>
+          </a:ln>
+        </p:spPr>
+        <p:style>
+          <a:lnRef idx="1">
+            <a:schemeClr val="accent1"/>
+          </a:lnRef>
+          <a:fillRef idx="0">
+            <a:schemeClr val="accent1"/>
+          </a:fillRef>
+          <a:effectRef idx="0">
+            <a:schemeClr val="accent1"/>
+          </a:effectRef>
+          <a:fontRef idx="minor">
+            <a:schemeClr val="tx1"/>
+          </a:fontRef>
+        </p:style>
+      </p:cxnSp>
+      <p:cxnSp>
+        <p:nvCxnSpPr>
+          <p:cNvPr id="31" name="Connector: Elbow 30">
+            <a:extLst>
+              <a:ext uri="{FF2B5EF4-FFF2-40B4-BE49-F238E27FC236}">
+                <a16:creationId xmlns:a16="http://schemas.microsoft.com/office/drawing/2014/main" id="{95034206-5917-6F80-5D65-B409E5D0289C}"/>
+              </a:ext>
+            </a:extLst>
+          </p:cNvPr>
+          <p:cNvCxnSpPr>
+            <a:stCxn id="13" idx="2"/>
+            <a:endCxn id="15" idx="0"/>
+          </p:cNvCxnSpPr>
+          <p:nvPr/>
+        </p:nvCxnSpPr>
+        <p:spPr>
+          <a:xfrm rot="16200000" flipH="1">
+            <a:off x="4281260" y="3370489"/>
+            <a:ext cx="402773" cy="1862365"/>
+          </a:xfrm>
+          <a:prstGeom prst="bentConnector3">
+            <a:avLst/>
+          </a:prstGeom>
+          <a:ln>
+            <a:tailEnd type="triangle"/>
+          </a:ln>
+        </p:spPr>
+        <p:style>
+          <a:lnRef idx="1">
+            <a:schemeClr val="accent1"/>
+          </a:lnRef>
+          <a:fillRef idx="0">
+            <a:schemeClr val="accent1"/>
+          </a:fillRef>
+          <a:effectRef idx="0">
+            <a:schemeClr val="accent1"/>
+          </a:effectRef>
+          <a:fontRef idx="minor">
+            <a:schemeClr val="tx1"/>
+          </a:fontRef>
+        </p:style>
+      </p:cxnSp>
+      <p:cxnSp>
+        <p:nvCxnSpPr>
+          <p:cNvPr id="33" name="Connector: Elbow 32">
+            <a:extLst>
+              <a:ext uri="{FF2B5EF4-FFF2-40B4-BE49-F238E27FC236}">
+                <a16:creationId xmlns:a16="http://schemas.microsoft.com/office/drawing/2014/main" id="{D42B67C9-3D8F-1BEE-4DBF-265E6BA48233}"/>
+              </a:ext>
+            </a:extLst>
+          </p:cNvPr>
+          <p:cNvCxnSpPr>
+            <a:stCxn id="6" idx="2"/>
+            <a:endCxn id="12" idx="0"/>
+          </p:cNvCxnSpPr>
+          <p:nvPr/>
+        </p:nvCxnSpPr>
+        <p:spPr>
+          <a:xfrm rot="16200000" flipH="1">
+            <a:off x="8818338" y="2256062"/>
+            <a:ext cx="631368" cy="9071"/>
+          </a:xfrm>
+          <a:prstGeom prst="bentConnector3">
+            <a:avLst/>
+          </a:prstGeom>
+          <a:ln>
+            <a:tailEnd type="triangle"/>
+          </a:ln>
+        </p:spPr>
+        <p:style>
+          <a:lnRef idx="1">
+            <a:schemeClr val="accent1"/>
+          </a:lnRef>
+          <a:fillRef idx="0">
+            <a:schemeClr val="accent1"/>
+          </a:fillRef>
+          <a:effectRef idx="0">
+            <a:schemeClr val="accent1"/>
+          </a:effectRef>
+          <a:fontRef idx="minor">
+            <a:schemeClr val="tx1"/>
+          </a:fontRef>
+        </p:style>
+      </p:cxnSp>
+      <p:cxnSp>
+        <p:nvCxnSpPr>
+          <p:cNvPr id="35" name="Connector: Elbow 34">
+            <a:extLst>
+              <a:ext uri="{FF2B5EF4-FFF2-40B4-BE49-F238E27FC236}">
+                <a16:creationId xmlns:a16="http://schemas.microsoft.com/office/drawing/2014/main" id="{679A81CA-3D5D-5100-39E7-D39EE1A7C453}"/>
+              </a:ext>
+            </a:extLst>
+          </p:cNvPr>
+          <p:cNvCxnSpPr>
+            <a:stCxn id="12" idx="2"/>
+            <a:endCxn id="16" idx="0"/>
+          </p:cNvCxnSpPr>
+          <p:nvPr/>
+        </p:nvCxnSpPr>
+        <p:spPr>
+          <a:xfrm rot="5400000">
+            <a:off x="7912555" y="3309709"/>
+            <a:ext cx="1371600" cy="1080407"/>
+          </a:xfrm>
+          <a:prstGeom prst="bentConnector3">
+            <a:avLst/>
+          </a:prstGeom>
+          <a:ln>
+            <a:tailEnd type="triangle"/>
+          </a:ln>
+        </p:spPr>
+        <p:style>
+          <a:lnRef idx="1">
+            <a:schemeClr val="accent1"/>
+          </a:lnRef>
+          <a:fillRef idx="0">
+            <a:schemeClr val="accent1"/>
+          </a:fillRef>
+          <a:effectRef idx="0">
+            <a:schemeClr val="accent1"/>
+          </a:effectRef>
+          <a:fontRef idx="minor">
+            <a:schemeClr val="tx1"/>
+          </a:fontRef>
+        </p:style>
+      </p:cxnSp>
+      <p:cxnSp>
+        <p:nvCxnSpPr>
+          <p:cNvPr id="37" name="Connector: Elbow 36">
+            <a:extLst>
+              <a:ext uri="{FF2B5EF4-FFF2-40B4-BE49-F238E27FC236}">
+                <a16:creationId xmlns:a16="http://schemas.microsoft.com/office/drawing/2014/main" id="{32C950A3-3BCA-84E5-754F-B93F84200269}"/>
+              </a:ext>
+            </a:extLst>
+          </p:cNvPr>
+          <p:cNvCxnSpPr>
+            <a:cxnSpLocks/>
+            <a:stCxn id="12" idx="2"/>
+            <a:endCxn id="17" idx="0"/>
+          </p:cNvCxnSpPr>
+          <p:nvPr/>
+        </p:nvCxnSpPr>
+        <p:spPr>
+          <a:xfrm rot="16200000" flipH="1">
+            <a:off x="9382580" y="2920089"/>
+            <a:ext cx="1382485" cy="1870529"/>
+          </a:xfrm>
+          <a:prstGeom prst="bentConnector3">
+            <a:avLst/>
+          </a:prstGeom>
+          <a:ln>
+            <a:tailEnd type="triangle"/>
+          </a:ln>
+        </p:spPr>
+        <p:style>
+          <a:lnRef idx="1">
+            <a:schemeClr val="accent1"/>
+          </a:lnRef>
+          <a:fillRef idx="0">
+            <a:schemeClr val="accent1"/>
+          </a:fillRef>
+          <a:effectRef idx="0">
+            <a:schemeClr val="accent1"/>
+          </a:effectRef>
+          <a:fontRef idx="minor">
+            <a:schemeClr val="tx1"/>
+          </a:fontRef>
+        </p:style>
+      </p:cxnSp>
+      <p:sp>
+        <p:nvSpPr>
+          <p:cNvPr id="38" name="Rectangle 37">
+            <a:extLst>
+              <a:ext uri="{FF2B5EF4-FFF2-40B4-BE49-F238E27FC236}">
+                <a16:creationId xmlns:a16="http://schemas.microsoft.com/office/drawing/2014/main" id="{2F521836-D230-CD7B-CBD9-5196CD95A25B}"/>
+              </a:ext>
+            </a:extLst>
+          </p:cNvPr>
+          <p:cNvSpPr/>
+          <p:nvPr/>
+        </p:nvSpPr>
+        <p:spPr>
+          <a:xfrm>
+            <a:off x="315685" y="5515429"/>
+            <a:ext cx="11760201" cy="1153883"/>
+          </a:xfrm>
+          <a:prstGeom prst="rect">
+            <a:avLst/>
+          </a:prstGeom>
+          <a:solidFill>
+            <a:schemeClr val="accent2">
+              <a:lumMod val="40000"/>
+              <a:lumOff val="60000"/>
+            </a:schemeClr>
+          </a:solidFill>
+        </p:spPr>
+        <p:style>
+          <a:lnRef idx="2">
+            <a:schemeClr val="accent1">
+              <a:shade val="50000"/>
+            </a:schemeClr>
+          </a:lnRef>
+          <a:fillRef idx="1">
+            <a:schemeClr val="accent1"/>
+          </a:fillRef>
+          <a:effectRef idx="0">
+            <a:schemeClr val="accent1"/>
+          </a:effectRef>
+          <a:fontRef idx="minor">
+            <a:schemeClr val="lt1"/>
+          </a:fontRef>
+        </p:style>
+        <p:txBody>
+          <a:bodyPr rtlCol="0" anchor="ctr"/>
+          <a:lstStyle/>
+          <a:p>
+            <a:pPr algn="ctr"/>
+            <a:endParaRPr lang="en-US"/>
+          </a:p>
+        </p:txBody>
+      </p:sp>
+      <p:sp>
+        <p:nvSpPr>
+          <p:cNvPr id="39" name="Rectangle 38">
+            <a:extLst>
+              <a:ext uri="{FF2B5EF4-FFF2-40B4-BE49-F238E27FC236}">
+                <a16:creationId xmlns:a16="http://schemas.microsoft.com/office/drawing/2014/main" id="{7B00609C-16B0-A473-5F28-D73DDB893B6B}"/>
+              </a:ext>
+            </a:extLst>
+          </p:cNvPr>
+          <p:cNvSpPr/>
+          <p:nvPr/>
+        </p:nvSpPr>
+        <p:spPr>
+          <a:xfrm>
+            <a:off x="685799" y="5754909"/>
+            <a:ext cx="2746829" cy="587830"/>
+          </a:xfrm>
+          <a:prstGeom prst="rect">
+            <a:avLst/>
+          </a:prstGeom>
+          <a:solidFill>
+            <a:schemeClr val="bg2">
+              <a:lumMod val="50000"/>
+            </a:schemeClr>
+          </a:solidFill>
+        </p:spPr>
+        <p:style>
+          <a:lnRef idx="2">
+            <a:schemeClr val="accent1">
+              <a:shade val="50000"/>
+            </a:schemeClr>
+          </a:lnRef>
+          <a:fillRef idx="1">
+            <a:schemeClr val="accent1"/>
+          </a:fillRef>
+          <a:effectRef idx="0">
+            <a:schemeClr val="accent1"/>
+          </a:effectRef>
+          <a:fontRef idx="minor">
+            <a:schemeClr val="lt1"/>
+          </a:fontRef>
+        </p:style>
+        <p:txBody>
+          <a:bodyPr rtlCol="0" anchor="ctr"/>
+          <a:lstStyle/>
+          <a:p>
+            <a:pPr algn="ctr"/>
+            <a:r>
+              <a:rPr lang="en-US" dirty="0"/>
+              <a:t>Error page(e.g. 404 page)</a:t>
+            </a:r>
+          </a:p>
+        </p:txBody>
+      </p:sp>
+      <p:sp>
+        <p:nvSpPr>
+          <p:cNvPr id="40" name="Rectangle 39">
+            <a:extLst>
+              <a:ext uri="{FF2B5EF4-FFF2-40B4-BE49-F238E27FC236}">
+                <a16:creationId xmlns:a16="http://schemas.microsoft.com/office/drawing/2014/main" id="{7E511E24-F3EB-824A-40AB-303F17089868}"/>
+              </a:ext>
+            </a:extLst>
+          </p:cNvPr>
+          <p:cNvSpPr/>
+          <p:nvPr/>
+        </p:nvSpPr>
+        <p:spPr>
+          <a:xfrm>
+            <a:off x="4722585" y="5765793"/>
+            <a:ext cx="2746829" cy="587830"/>
+          </a:xfrm>
+          <a:prstGeom prst="rect">
+            <a:avLst/>
+          </a:prstGeom>
+          <a:solidFill>
+            <a:schemeClr val="bg2">
+              <a:lumMod val="50000"/>
+            </a:schemeClr>
+          </a:solidFill>
+        </p:spPr>
+        <p:style>
+          <a:lnRef idx="2">
+            <a:schemeClr val="accent1">
+              <a:shade val="50000"/>
+            </a:schemeClr>
+          </a:lnRef>
+          <a:fillRef idx="1">
+            <a:schemeClr val="accent1"/>
+          </a:fillRef>
+          <a:effectRef idx="0">
+            <a:schemeClr val="accent1"/>
+          </a:effectRef>
+          <a:fontRef idx="minor">
+            <a:schemeClr val="lt1"/>
+          </a:fontRef>
+        </p:style>
+        <p:txBody>
+          <a:bodyPr rtlCol="0" anchor="ctr"/>
+          <a:lstStyle/>
+          <a:p>
+            <a:pPr algn="ctr"/>
+            <a:r>
+              <a:rPr lang="en-US" dirty="0"/>
+              <a:t>Intended Page/Response with error information</a:t>
+            </a:r>
+          </a:p>
+        </p:txBody>
+      </p:sp>
+      <p:sp>
+        <p:nvSpPr>
+          <p:cNvPr id="41" name="Rectangle 40">
+            <a:extLst>
+              <a:ext uri="{FF2B5EF4-FFF2-40B4-BE49-F238E27FC236}">
+                <a16:creationId xmlns:a16="http://schemas.microsoft.com/office/drawing/2014/main" id="{F6E6F5D3-FF58-89DC-D792-757DC31DA69A}"/>
+              </a:ext>
+            </a:extLst>
+          </p:cNvPr>
+          <p:cNvSpPr/>
+          <p:nvPr/>
+        </p:nvSpPr>
+        <p:spPr>
+          <a:xfrm>
+            <a:off x="8598355" y="5776683"/>
+            <a:ext cx="2746829" cy="587830"/>
+          </a:xfrm>
+          <a:prstGeom prst="rect">
+            <a:avLst/>
+          </a:prstGeom>
+          <a:solidFill>
+            <a:schemeClr val="bg2">
+              <a:lumMod val="50000"/>
+            </a:schemeClr>
+          </a:solidFill>
+        </p:spPr>
+        <p:style>
+          <a:lnRef idx="2">
+            <a:schemeClr val="accent1">
+              <a:shade val="50000"/>
+            </a:schemeClr>
+          </a:lnRef>
+          <a:fillRef idx="1">
+            <a:schemeClr val="accent1"/>
+          </a:fillRef>
+          <a:effectRef idx="0">
+            <a:schemeClr val="accent1"/>
+          </a:effectRef>
+          <a:fontRef idx="minor">
+            <a:schemeClr val="lt1"/>
+          </a:fontRef>
+        </p:style>
+        <p:txBody>
+          <a:bodyPr rtlCol="0" anchor="ctr"/>
+          <a:lstStyle/>
+          <a:p>
+            <a:pPr algn="ctr"/>
+            <a:r>
+              <a:rPr lang="en-US" dirty="0"/>
+              <a:t>Redirect</a:t>
+            </a:r>
+          </a:p>
+        </p:txBody>
+      </p:sp>
+    </p:spTree>
+    <p:extLst>
+      <p:ext uri="{BB962C8B-B14F-4D97-AF65-F5344CB8AC3E}">
+        <p14:creationId xmlns:p14="http://schemas.microsoft.com/office/powerpoint/2010/main" val="460771507"/>
       </p:ext>
     </p:extLst>
   </p:cSld>
@@ -7394,6 +8592,75 @@
     <p:extLst>
       <p:ext uri="{BB962C8B-B14F-4D97-AF65-F5344CB8AC3E}">
         <p14:creationId xmlns:p14="http://schemas.microsoft.com/office/powerpoint/2010/main" val="3200023473"/>
+      </p:ext>
+    </p:extLst>
+  </p:cSld>
+  <p:clrMapOvr>
+    <a:masterClrMapping/>
+  </p:clrMapOvr>
+</p:sld>
+</file>
+
+<file path=ppt/slides/slide20.xml><?xml version="1.0" encoding="utf-8"?>
+<p:sld xmlns:a="http://schemas.openxmlformats.org/drawingml/2006/main" xmlns:r="http://schemas.openxmlformats.org/officeDocument/2006/relationships" xmlns:p="http://schemas.openxmlformats.org/presentationml/2006/main">
+  <p:cSld>
+    <p:spTree>
+      <p:nvGrpSpPr>
+        <p:cNvPr id="1" name=""/>
+        <p:cNvGrpSpPr/>
+        <p:nvPr/>
+      </p:nvGrpSpPr>
+      <p:grpSpPr>
+        <a:xfrm>
+          <a:off x="0" y="0"/>
+          <a:ext cx="0" cy="0"/>
+          <a:chOff x="0" y="0"/>
+          <a:chExt cx="0" cy="0"/>
+        </a:xfrm>
+      </p:grpSpPr>
+      <p:sp>
+        <p:nvSpPr>
+          <p:cNvPr id="3" name="Content Placeholder 2">
+            <a:extLst>
+              <a:ext uri="{FF2B5EF4-FFF2-40B4-BE49-F238E27FC236}">
+                <a16:creationId xmlns:a16="http://schemas.microsoft.com/office/drawing/2014/main" id="{F76E99A2-5360-DC80-DBD7-B35B3AE54730}"/>
+              </a:ext>
+            </a:extLst>
+          </p:cNvPr>
+          <p:cNvSpPr>
+            <a:spLocks noGrp="1"/>
+          </p:cNvSpPr>
+          <p:nvPr>
+            <p:ph idx="1"/>
+          </p:nvPr>
+        </p:nvSpPr>
+        <p:spPr>
+          <a:xfrm>
+            <a:off x="838200" y="551543"/>
+            <a:ext cx="10515600" cy="5625420"/>
+          </a:xfrm>
+        </p:spPr>
+        <p:txBody>
+          <a:bodyPr/>
+          <a:lstStyle/>
+          <a:p>
+            <a:r>
+              <a:rPr lang="en-US" dirty="0"/>
+              <a:t>Errors - Some Theory</a:t>
+            </a:r>
+          </a:p>
+          <a:p>
+            <a:r>
+              <a:rPr lang="en-US" dirty="0"/>
+              <a:t>Returning Error Pages </a:t>
+            </a:r>
+          </a:p>
+        </p:txBody>
+      </p:sp>
+    </p:spTree>
+    <p:extLst>
+      <p:ext uri="{BB962C8B-B14F-4D97-AF65-F5344CB8AC3E}">
+        <p14:creationId xmlns:p14="http://schemas.microsoft.com/office/powerpoint/2010/main" val="926504398"/>
       </p:ext>
     </p:extLst>
   </p:cSld>

--- a/Sessions & Cookies.pptx
+++ b/Sessions & Cookies.pptx
@@ -25,6 +25,8 @@
     <p:sldId id="273" r:id="rId19"/>
     <p:sldId id="274" r:id="rId20"/>
     <p:sldId id="275" r:id="rId21"/>
+    <p:sldId id="276" r:id="rId22"/>
+    <p:sldId id="277" r:id="rId23"/>
   </p:sldIdLst>
   <p:sldSz cx="12192000" cy="6858000"/>
   <p:notesSz cx="6858000" cy="9144000"/>
@@ -278,7 +280,7 @@
           <a:p>
             <a:fld id="{96B1D18C-14DF-42B3-A5BD-77D05B72A41B}" type="datetimeFigureOut">
               <a:rPr lang="en-US" smtClean="0"/>
-              <a:t>2/6/2023</a:t>
+              <a:t>2/7/2023</a:t>
             </a:fld>
             <a:endParaRPr lang="en-US"/>
           </a:p>
@@ -476,7 +478,7 @@
           <a:p>
             <a:fld id="{96B1D18C-14DF-42B3-A5BD-77D05B72A41B}" type="datetimeFigureOut">
               <a:rPr lang="en-US" smtClean="0"/>
-              <a:t>2/6/2023</a:t>
+              <a:t>2/7/2023</a:t>
             </a:fld>
             <a:endParaRPr lang="en-US"/>
           </a:p>
@@ -684,7 +686,7 @@
           <a:p>
             <a:fld id="{96B1D18C-14DF-42B3-A5BD-77D05B72A41B}" type="datetimeFigureOut">
               <a:rPr lang="en-US" smtClean="0"/>
-              <a:t>2/6/2023</a:t>
+              <a:t>2/7/2023</a:t>
             </a:fld>
             <a:endParaRPr lang="en-US"/>
           </a:p>
@@ -882,7 +884,7 @@
           <a:p>
             <a:fld id="{96B1D18C-14DF-42B3-A5BD-77D05B72A41B}" type="datetimeFigureOut">
               <a:rPr lang="en-US" smtClean="0"/>
-              <a:t>2/6/2023</a:t>
+              <a:t>2/7/2023</a:t>
             </a:fld>
             <a:endParaRPr lang="en-US"/>
           </a:p>
@@ -1157,7 +1159,7 @@
           <a:p>
             <a:fld id="{96B1D18C-14DF-42B3-A5BD-77D05B72A41B}" type="datetimeFigureOut">
               <a:rPr lang="en-US" smtClean="0"/>
-              <a:t>2/6/2023</a:t>
+              <a:t>2/7/2023</a:t>
             </a:fld>
             <a:endParaRPr lang="en-US"/>
           </a:p>
@@ -1422,7 +1424,7 @@
           <a:p>
             <a:fld id="{96B1D18C-14DF-42B3-A5BD-77D05B72A41B}" type="datetimeFigureOut">
               <a:rPr lang="en-US" smtClean="0"/>
-              <a:t>2/6/2023</a:t>
+              <a:t>2/7/2023</a:t>
             </a:fld>
             <a:endParaRPr lang="en-US"/>
           </a:p>
@@ -1834,7 +1836,7 @@
           <a:p>
             <a:fld id="{96B1D18C-14DF-42B3-A5BD-77D05B72A41B}" type="datetimeFigureOut">
               <a:rPr lang="en-US" smtClean="0"/>
-              <a:t>2/6/2023</a:t>
+              <a:t>2/7/2023</a:t>
             </a:fld>
             <a:endParaRPr lang="en-US"/>
           </a:p>
@@ -1975,7 +1977,7 @@
           <a:p>
             <a:fld id="{96B1D18C-14DF-42B3-A5BD-77D05B72A41B}" type="datetimeFigureOut">
               <a:rPr lang="en-US" smtClean="0"/>
-              <a:t>2/6/2023</a:t>
+              <a:t>2/7/2023</a:t>
             </a:fld>
             <a:endParaRPr lang="en-US"/>
           </a:p>
@@ -2088,7 +2090,7 @@
           <a:p>
             <a:fld id="{96B1D18C-14DF-42B3-A5BD-77D05B72A41B}" type="datetimeFigureOut">
               <a:rPr lang="en-US" smtClean="0"/>
-              <a:t>2/6/2023</a:t>
+              <a:t>2/7/2023</a:t>
             </a:fld>
             <a:endParaRPr lang="en-US"/>
           </a:p>
@@ -2399,7 +2401,7 @@
           <a:p>
             <a:fld id="{96B1D18C-14DF-42B3-A5BD-77D05B72A41B}" type="datetimeFigureOut">
               <a:rPr lang="en-US" smtClean="0"/>
-              <a:t>2/6/2023</a:t>
+              <a:t>2/7/2023</a:t>
             </a:fld>
             <a:endParaRPr lang="en-US"/>
           </a:p>
@@ -2687,7 +2689,7 @@
           <a:p>
             <a:fld id="{96B1D18C-14DF-42B3-A5BD-77D05B72A41B}" type="datetimeFigureOut">
               <a:rPr lang="en-US" smtClean="0"/>
-              <a:t>2/6/2023</a:t>
+              <a:t>2/7/2023</a:t>
             </a:fld>
             <a:endParaRPr lang="en-US"/>
           </a:p>
@@ -2928,7 +2930,7 @@
           <a:p>
             <a:fld id="{96B1D18C-14DF-42B3-A5BD-77D05B72A41B}" type="datetimeFigureOut">
               <a:rPr lang="en-US" smtClean="0"/>
-              <a:t>2/6/2023</a:t>
+              <a:t>2/7/2023</a:t>
             </a:fld>
             <a:endParaRPr lang="en-US"/>
           </a:p>
@@ -8655,12 +8657,1798 @@
               <a:t>Returning Error Pages </a:t>
             </a:r>
           </a:p>
+          <a:p>
+            <a:r>
+              <a:rPr lang="en-US" dirty="0"/>
+              <a:t>Using the express.js error handling middleware</a:t>
+            </a:r>
+          </a:p>
+          <a:p>
+            <a:r>
+              <a:rPr lang="en-US" dirty="0"/>
+              <a:t>updating the App</a:t>
+            </a:r>
+          </a:p>
+          <a:p>
+            <a:r>
+              <a:rPr lang="en-US" dirty="0"/>
+              <a:t>Using error handling middleware correct.</a:t>
+            </a:r>
+          </a:p>
+          <a:p>
+            <a:r>
+              <a:rPr lang="en-US" dirty="0"/>
+              <a:t>Status Codes</a:t>
+            </a:r>
+          </a:p>
         </p:txBody>
       </p:sp>
     </p:spTree>
     <p:extLst>
       <p:ext uri="{BB962C8B-B14F-4D97-AF65-F5344CB8AC3E}">
         <p14:creationId xmlns:p14="http://schemas.microsoft.com/office/powerpoint/2010/main" val="926504398"/>
+      </p:ext>
+    </p:extLst>
+  </p:cSld>
+  <p:clrMapOvr>
+    <a:masterClrMapping/>
+  </p:clrMapOvr>
+</p:sld>
+</file>
+
+<file path=ppt/slides/slide21.xml><?xml version="1.0" encoding="utf-8"?>
+<p:sld xmlns:a="http://schemas.openxmlformats.org/drawingml/2006/main" xmlns:r="http://schemas.openxmlformats.org/officeDocument/2006/relationships" xmlns:p="http://schemas.openxmlformats.org/presentationml/2006/main">
+  <p:cSld>
+    <p:spTree>
+      <p:nvGrpSpPr>
+        <p:cNvPr id="1" name=""/>
+        <p:cNvGrpSpPr/>
+        <p:nvPr/>
+      </p:nvGrpSpPr>
+      <p:grpSpPr>
+        <a:xfrm>
+          <a:off x="0" y="0"/>
+          <a:ext cx="0" cy="0"/>
+          <a:chOff x="0" y="0"/>
+          <a:chExt cx="0" cy="0"/>
+        </a:xfrm>
+      </p:grpSpPr>
+      <p:sp>
+        <p:nvSpPr>
+          <p:cNvPr id="2" name="Title 1">
+            <a:extLst>
+              <a:ext uri="{FF2B5EF4-FFF2-40B4-BE49-F238E27FC236}">
+                <a16:creationId xmlns:a16="http://schemas.microsoft.com/office/drawing/2014/main" id="{4141D7F0-1C74-B37F-6998-903B1D7F1EFC}"/>
+              </a:ext>
+            </a:extLst>
+          </p:cNvPr>
+          <p:cNvSpPr>
+            <a:spLocks noGrp="1"/>
+          </p:cNvSpPr>
+          <p:nvPr>
+            <p:ph type="title"/>
+          </p:nvPr>
+        </p:nvSpPr>
+        <p:spPr>
+          <a:xfrm>
+            <a:off x="838200" y="365125"/>
+            <a:ext cx="10515600" cy="752475"/>
+          </a:xfrm>
+        </p:spPr>
+        <p:txBody>
+          <a:bodyPr/>
+          <a:lstStyle/>
+          <a:p>
+            <a:r>
+              <a:rPr lang="en-US" dirty="0"/>
+              <a:t>Errors &amp; http response codes</a:t>
+            </a:r>
+          </a:p>
+        </p:txBody>
+      </p:sp>
+      <p:sp>
+        <p:nvSpPr>
+          <p:cNvPr id="4" name="Rectangle 3">
+            <a:extLst>
+              <a:ext uri="{FF2B5EF4-FFF2-40B4-BE49-F238E27FC236}">
+                <a16:creationId xmlns:a16="http://schemas.microsoft.com/office/drawing/2014/main" id="{83027F69-A46E-B09A-FA08-3A8181E04834}"/>
+              </a:ext>
+            </a:extLst>
+          </p:cNvPr>
+          <p:cNvSpPr/>
+          <p:nvPr/>
+        </p:nvSpPr>
+        <p:spPr>
+          <a:xfrm>
+            <a:off x="449943" y="1208314"/>
+            <a:ext cx="2569028" cy="522515"/>
+          </a:xfrm>
+          <a:prstGeom prst="rect">
+            <a:avLst/>
+          </a:prstGeom>
+        </p:spPr>
+        <p:style>
+          <a:lnRef idx="2">
+            <a:schemeClr val="accent1">
+              <a:shade val="50000"/>
+            </a:schemeClr>
+          </a:lnRef>
+          <a:fillRef idx="1">
+            <a:schemeClr val="accent1"/>
+          </a:fillRef>
+          <a:effectRef idx="0">
+            <a:schemeClr val="accent1"/>
+          </a:effectRef>
+          <a:fontRef idx="minor">
+            <a:schemeClr val="lt1"/>
+          </a:fontRef>
+        </p:style>
+        <p:txBody>
+          <a:bodyPr rtlCol="0" anchor="ctr"/>
+          <a:lstStyle/>
+          <a:p>
+            <a:pPr algn="ctr"/>
+            <a:r>
+              <a:rPr lang="en-US" dirty="0"/>
+              <a:t>2xx(Success)</a:t>
+            </a:r>
+          </a:p>
+        </p:txBody>
+      </p:sp>
+      <p:sp>
+        <p:nvSpPr>
+          <p:cNvPr id="5" name="Rectangle 4">
+            <a:extLst>
+              <a:ext uri="{FF2B5EF4-FFF2-40B4-BE49-F238E27FC236}">
+                <a16:creationId xmlns:a16="http://schemas.microsoft.com/office/drawing/2014/main" id="{E7B103E7-7E9C-B2CA-FA92-CE9A0F53636B}"/>
+              </a:ext>
+            </a:extLst>
+          </p:cNvPr>
+          <p:cNvSpPr/>
+          <p:nvPr/>
+        </p:nvSpPr>
+        <p:spPr>
+          <a:xfrm>
+            <a:off x="449943" y="2394855"/>
+            <a:ext cx="2569028" cy="522515"/>
+          </a:xfrm>
+          <a:prstGeom prst="rect">
+            <a:avLst/>
+          </a:prstGeom>
+        </p:spPr>
+        <p:style>
+          <a:lnRef idx="2">
+            <a:schemeClr val="accent1">
+              <a:shade val="50000"/>
+            </a:schemeClr>
+          </a:lnRef>
+          <a:fillRef idx="1">
+            <a:schemeClr val="accent1"/>
+          </a:fillRef>
+          <a:effectRef idx="0">
+            <a:schemeClr val="accent1"/>
+          </a:effectRef>
+          <a:fontRef idx="minor">
+            <a:schemeClr val="lt1"/>
+          </a:fontRef>
+        </p:style>
+        <p:txBody>
+          <a:bodyPr rtlCol="0" anchor="ctr"/>
+          <a:lstStyle/>
+          <a:p>
+            <a:pPr algn="ctr"/>
+            <a:r>
+              <a:rPr lang="en-US" dirty="0"/>
+              <a:t>3xx(Redirect)</a:t>
+            </a:r>
+          </a:p>
+        </p:txBody>
+      </p:sp>
+      <p:sp>
+        <p:nvSpPr>
+          <p:cNvPr id="6" name="Rectangle 5">
+            <a:extLst>
+              <a:ext uri="{FF2B5EF4-FFF2-40B4-BE49-F238E27FC236}">
+                <a16:creationId xmlns:a16="http://schemas.microsoft.com/office/drawing/2014/main" id="{0F8F287D-51DF-7FC8-44CC-B436B11D6C09}"/>
+              </a:ext>
+            </a:extLst>
+          </p:cNvPr>
+          <p:cNvSpPr/>
+          <p:nvPr/>
+        </p:nvSpPr>
+        <p:spPr>
+          <a:xfrm>
+            <a:off x="449943" y="3081563"/>
+            <a:ext cx="2569028" cy="522515"/>
+          </a:xfrm>
+          <a:prstGeom prst="rect">
+            <a:avLst/>
+          </a:prstGeom>
+        </p:spPr>
+        <p:style>
+          <a:lnRef idx="2">
+            <a:schemeClr val="accent1">
+              <a:shade val="50000"/>
+            </a:schemeClr>
+          </a:lnRef>
+          <a:fillRef idx="1">
+            <a:schemeClr val="accent1"/>
+          </a:fillRef>
+          <a:effectRef idx="0">
+            <a:schemeClr val="accent1"/>
+          </a:effectRef>
+          <a:fontRef idx="minor">
+            <a:schemeClr val="lt1"/>
+          </a:fontRef>
+        </p:style>
+        <p:txBody>
+          <a:bodyPr rtlCol="0" anchor="ctr"/>
+          <a:lstStyle/>
+          <a:p>
+            <a:pPr algn="ctr"/>
+            <a:r>
+              <a:rPr lang="en-US" dirty="0"/>
+              <a:t>4xx(Client-side error)</a:t>
+            </a:r>
+          </a:p>
+        </p:txBody>
+      </p:sp>
+      <p:sp>
+        <p:nvSpPr>
+          <p:cNvPr id="7" name="Rectangle 6">
+            <a:extLst>
+              <a:ext uri="{FF2B5EF4-FFF2-40B4-BE49-F238E27FC236}">
+                <a16:creationId xmlns:a16="http://schemas.microsoft.com/office/drawing/2014/main" id="{B379D903-18C0-0918-3820-BC913E0AA907}"/>
+              </a:ext>
+            </a:extLst>
+          </p:cNvPr>
+          <p:cNvSpPr/>
+          <p:nvPr/>
+        </p:nvSpPr>
+        <p:spPr>
+          <a:xfrm>
+            <a:off x="449943" y="5693228"/>
+            <a:ext cx="2569028" cy="522515"/>
+          </a:xfrm>
+          <a:prstGeom prst="rect">
+            <a:avLst/>
+          </a:prstGeom>
+        </p:spPr>
+        <p:style>
+          <a:lnRef idx="2">
+            <a:schemeClr val="accent1">
+              <a:shade val="50000"/>
+            </a:schemeClr>
+          </a:lnRef>
+          <a:fillRef idx="1">
+            <a:schemeClr val="accent1"/>
+          </a:fillRef>
+          <a:effectRef idx="0">
+            <a:schemeClr val="accent1"/>
+          </a:effectRef>
+          <a:fontRef idx="minor">
+            <a:schemeClr val="lt1"/>
+          </a:fontRef>
+        </p:style>
+        <p:txBody>
+          <a:bodyPr rtlCol="0" anchor="ctr"/>
+          <a:lstStyle/>
+          <a:p>
+            <a:pPr algn="ctr"/>
+            <a:r>
+              <a:rPr lang="en-US" dirty="0"/>
+              <a:t>5xx(Server-side error)</a:t>
+            </a:r>
+          </a:p>
+        </p:txBody>
+      </p:sp>
+      <p:sp>
+        <p:nvSpPr>
+          <p:cNvPr id="8" name="Rectangle 7">
+            <a:extLst>
+              <a:ext uri="{FF2B5EF4-FFF2-40B4-BE49-F238E27FC236}">
+                <a16:creationId xmlns:a16="http://schemas.microsoft.com/office/drawing/2014/main" id="{75DC32CE-2EC0-899C-208F-6B998CB994D9}"/>
+              </a:ext>
+            </a:extLst>
+          </p:cNvPr>
+          <p:cNvSpPr/>
+          <p:nvPr/>
+        </p:nvSpPr>
+        <p:spPr>
+          <a:xfrm>
+            <a:off x="3693887" y="1839684"/>
+            <a:ext cx="2569028" cy="522515"/>
+          </a:xfrm>
+          <a:prstGeom prst="rect">
+            <a:avLst/>
+          </a:prstGeom>
+        </p:spPr>
+        <p:style>
+          <a:lnRef idx="2">
+            <a:schemeClr val="accent1">
+              <a:shade val="50000"/>
+            </a:schemeClr>
+          </a:lnRef>
+          <a:fillRef idx="1">
+            <a:schemeClr val="accent1"/>
+          </a:fillRef>
+          <a:effectRef idx="0">
+            <a:schemeClr val="accent1"/>
+          </a:effectRef>
+          <a:fontRef idx="minor">
+            <a:schemeClr val="lt1"/>
+          </a:fontRef>
+        </p:style>
+        <p:txBody>
+          <a:bodyPr rtlCol="0" anchor="ctr"/>
+          <a:lstStyle/>
+          <a:p>
+            <a:pPr algn="ctr"/>
+            <a:r>
+              <a:rPr lang="en-US" dirty="0"/>
+              <a:t>201</a:t>
+            </a:r>
+          </a:p>
+        </p:txBody>
+      </p:sp>
+      <p:sp>
+        <p:nvSpPr>
+          <p:cNvPr id="9" name="Rectangle 8">
+            <a:extLst>
+              <a:ext uri="{FF2B5EF4-FFF2-40B4-BE49-F238E27FC236}">
+                <a16:creationId xmlns:a16="http://schemas.microsoft.com/office/drawing/2014/main" id="{0C5D5E04-4EA5-3D22-5CBC-997DCF257635}"/>
+              </a:ext>
+            </a:extLst>
+          </p:cNvPr>
+          <p:cNvSpPr/>
+          <p:nvPr/>
+        </p:nvSpPr>
+        <p:spPr>
+          <a:xfrm>
+            <a:off x="3693887" y="1184728"/>
+            <a:ext cx="2569028" cy="522515"/>
+          </a:xfrm>
+          <a:prstGeom prst="rect">
+            <a:avLst/>
+          </a:prstGeom>
+        </p:spPr>
+        <p:style>
+          <a:lnRef idx="2">
+            <a:schemeClr val="accent1">
+              <a:shade val="50000"/>
+            </a:schemeClr>
+          </a:lnRef>
+          <a:fillRef idx="1">
+            <a:schemeClr val="accent1"/>
+          </a:fillRef>
+          <a:effectRef idx="0">
+            <a:schemeClr val="accent1"/>
+          </a:effectRef>
+          <a:fontRef idx="minor">
+            <a:schemeClr val="lt1"/>
+          </a:fontRef>
+        </p:style>
+        <p:txBody>
+          <a:bodyPr rtlCol="0" anchor="ctr"/>
+          <a:lstStyle/>
+          <a:p>
+            <a:pPr algn="ctr"/>
+            <a:r>
+              <a:rPr lang="en-US" dirty="0"/>
+              <a:t>200</a:t>
+            </a:r>
+          </a:p>
+        </p:txBody>
+      </p:sp>
+      <p:sp>
+        <p:nvSpPr>
+          <p:cNvPr id="10" name="Rectangle 9">
+            <a:extLst>
+              <a:ext uri="{FF2B5EF4-FFF2-40B4-BE49-F238E27FC236}">
+                <a16:creationId xmlns:a16="http://schemas.microsoft.com/office/drawing/2014/main" id="{478F46B1-B9D8-0EAB-7850-57E2461BF280}"/>
+              </a:ext>
+            </a:extLst>
+          </p:cNvPr>
+          <p:cNvSpPr/>
+          <p:nvPr/>
+        </p:nvSpPr>
+        <p:spPr>
+          <a:xfrm>
+            <a:off x="3693887" y="2459263"/>
+            <a:ext cx="2569028" cy="522515"/>
+          </a:xfrm>
+          <a:prstGeom prst="rect">
+            <a:avLst/>
+          </a:prstGeom>
+        </p:spPr>
+        <p:style>
+          <a:lnRef idx="2">
+            <a:schemeClr val="accent1">
+              <a:shade val="50000"/>
+            </a:schemeClr>
+          </a:lnRef>
+          <a:fillRef idx="1">
+            <a:schemeClr val="accent1"/>
+          </a:fillRef>
+          <a:effectRef idx="0">
+            <a:schemeClr val="accent1"/>
+          </a:effectRef>
+          <a:fontRef idx="minor">
+            <a:schemeClr val="lt1"/>
+          </a:fontRef>
+        </p:style>
+        <p:txBody>
+          <a:bodyPr rtlCol="0" anchor="ctr"/>
+          <a:lstStyle/>
+          <a:p>
+            <a:pPr algn="ctr"/>
+            <a:r>
+              <a:rPr lang="en-US" dirty="0"/>
+              <a:t>301</a:t>
+            </a:r>
+          </a:p>
+        </p:txBody>
+      </p:sp>
+      <p:sp>
+        <p:nvSpPr>
+          <p:cNvPr id="11" name="Rectangle 10">
+            <a:extLst>
+              <a:ext uri="{FF2B5EF4-FFF2-40B4-BE49-F238E27FC236}">
+                <a16:creationId xmlns:a16="http://schemas.microsoft.com/office/drawing/2014/main" id="{F5D24132-80C3-F787-2BB6-A7A92EB554E8}"/>
+              </a:ext>
+            </a:extLst>
+          </p:cNvPr>
+          <p:cNvSpPr/>
+          <p:nvPr/>
+        </p:nvSpPr>
+        <p:spPr>
+          <a:xfrm>
+            <a:off x="3693887" y="3081562"/>
+            <a:ext cx="2569028" cy="522515"/>
+          </a:xfrm>
+          <a:prstGeom prst="rect">
+            <a:avLst/>
+          </a:prstGeom>
+        </p:spPr>
+        <p:style>
+          <a:lnRef idx="2">
+            <a:schemeClr val="accent1">
+              <a:shade val="50000"/>
+            </a:schemeClr>
+          </a:lnRef>
+          <a:fillRef idx="1">
+            <a:schemeClr val="accent1"/>
+          </a:fillRef>
+          <a:effectRef idx="0">
+            <a:schemeClr val="accent1"/>
+          </a:effectRef>
+          <a:fontRef idx="minor">
+            <a:schemeClr val="lt1"/>
+          </a:fontRef>
+        </p:style>
+        <p:txBody>
+          <a:bodyPr rtlCol="0" anchor="ctr"/>
+          <a:lstStyle/>
+          <a:p>
+            <a:pPr algn="ctr"/>
+            <a:r>
+              <a:rPr lang="en-US" dirty="0"/>
+              <a:t>401</a:t>
+            </a:r>
+          </a:p>
+        </p:txBody>
+      </p:sp>
+      <p:sp>
+        <p:nvSpPr>
+          <p:cNvPr id="12" name="Rectangle 11">
+            <a:extLst>
+              <a:ext uri="{FF2B5EF4-FFF2-40B4-BE49-F238E27FC236}">
+                <a16:creationId xmlns:a16="http://schemas.microsoft.com/office/drawing/2014/main" id="{E6B819D2-61D8-3CE1-A608-8E54E26D2345}"/>
+              </a:ext>
+            </a:extLst>
+          </p:cNvPr>
+          <p:cNvSpPr/>
+          <p:nvPr/>
+        </p:nvSpPr>
+        <p:spPr>
+          <a:xfrm>
+            <a:off x="3693887" y="3703861"/>
+            <a:ext cx="2569028" cy="522515"/>
+          </a:xfrm>
+          <a:prstGeom prst="rect">
+            <a:avLst/>
+          </a:prstGeom>
+        </p:spPr>
+        <p:style>
+          <a:lnRef idx="2">
+            <a:schemeClr val="accent1">
+              <a:shade val="50000"/>
+            </a:schemeClr>
+          </a:lnRef>
+          <a:fillRef idx="1">
+            <a:schemeClr val="accent1"/>
+          </a:fillRef>
+          <a:effectRef idx="0">
+            <a:schemeClr val="accent1"/>
+          </a:effectRef>
+          <a:fontRef idx="minor">
+            <a:schemeClr val="lt1"/>
+          </a:fontRef>
+        </p:style>
+        <p:txBody>
+          <a:bodyPr rtlCol="0" anchor="ctr"/>
+          <a:lstStyle/>
+          <a:p>
+            <a:pPr algn="ctr"/>
+            <a:r>
+              <a:rPr lang="en-US" dirty="0"/>
+              <a:t>403</a:t>
+            </a:r>
+          </a:p>
+        </p:txBody>
+      </p:sp>
+      <p:sp>
+        <p:nvSpPr>
+          <p:cNvPr id="13" name="Rectangle 12">
+            <a:extLst>
+              <a:ext uri="{FF2B5EF4-FFF2-40B4-BE49-F238E27FC236}">
+                <a16:creationId xmlns:a16="http://schemas.microsoft.com/office/drawing/2014/main" id="{A6922BA3-948E-B692-4467-20C8D90EEE03}"/>
+              </a:ext>
+            </a:extLst>
+          </p:cNvPr>
+          <p:cNvSpPr/>
+          <p:nvPr/>
+        </p:nvSpPr>
+        <p:spPr>
+          <a:xfrm>
+            <a:off x="3693887" y="4274910"/>
+            <a:ext cx="2569028" cy="522515"/>
+          </a:xfrm>
+          <a:prstGeom prst="rect">
+            <a:avLst/>
+          </a:prstGeom>
+        </p:spPr>
+        <p:style>
+          <a:lnRef idx="2">
+            <a:schemeClr val="accent1">
+              <a:shade val="50000"/>
+            </a:schemeClr>
+          </a:lnRef>
+          <a:fillRef idx="1">
+            <a:schemeClr val="accent1"/>
+          </a:fillRef>
+          <a:effectRef idx="0">
+            <a:schemeClr val="accent1"/>
+          </a:effectRef>
+          <a:fontRef idx="minor">
+            <a:schemeClr val="lt1"/>
+          </a:fontRef>
+        </p:style>
+        <p:txBody>
+          <a:bodyPr rtlCol="0" anchor="ctr"/>
+          <a:lstStyle/>
+          <a:p>
+            <a:pPr algn="ctr"/>
+            <a:r>
+              <a:rPr lang="en-US" dirty="0"/>
+              <a:t>404</a:t>
+            </a:r>
+          </a:p>
+        </p:txBody>
+      </p:sp>
+      <p:sp>
+        <p:nvSpPr>
+          <p:cNvPr id="14" name="Rectangle 13">
+            <a:extLst>
+              <a:ext uri="{FF2B5EF4-FFF2-40B4-BE49-F238E27FC236}">
+                <a16:creationId xmlns:a16="http://schemas.microsoft.com/office/drawing/2014/main" id="{0689137C-41AA-66B1-5560-1ECDC2CB986E}"/>
+              </a:ext>
+            </a:extLst>
+          </p:cNvPr>
+          <p:cNvSpPr/>
+          <p:nvPr/>
+        </p:nvSpPr>
+        <p:spPr>
+          <a:xfrm>
+            <a:off x="3693887" y="5001986"/>
+            <a:ext cx="2569028" cy="522515"/>
+          </a:xfrm>
+          <a:prstGeom prst="rect">
+            <a:avLst/>
+          </a:prstGeom>
+        </p:spPr>
+        <p:style>
+          <a:lnRef idx="2">
+            <a:schemeClr val="accent1">
+              <a:shade val="50000"/>
+            </a:schemeClr>
+          </a:lnRef>
+          <a:fillRef idx="1">
+            <a:schemeClr val="accent1"/>
+          </a:fillRef>
+          <a:effectRef idx="0">
+            <a:schemeClr val="accent1"/>
+          </a:effectRef>
+          <a:fontRef idx="minor">
+            <a:schemeClr val="lt1"/>
+          </a:fontRef>
+        </p:style>
+        <p:txBody>
+          <a:bodyPr rtlCol="0" anchor="ctr"/>
+          <a:lstStyle/>
+          <a:p>
+            <a:pPr algn="ctr"/>
+            <a:r>
+              <a:rPr lang="en-US" dirty="0"/>
+              <a:t>422</a:t>
+            </a:r>
+          </a:p>
+        </p:txBody>
+      </p:sp>
+      <p:sp>
+        <p:nvSpPr>
+          <p:cNvPr id="15" name="Rectangle 14">
+            <a:extLst>
+              <a:ext uri="{FF2B5EF4-FFF2-40B4-BE49-F238E27FC236}">
+                <a16:creationId xmlns:a16="http://schemas.microsoft.com/office/drawing/2014/main" id="{A5C66830-CBA7-F851-9C86-43FD3FE0A4DE}"/>
+              </a:ext>
+            </a:extLst>
+          </p:cNvPr>
+          <p:cNvSpPr/>
+          <p:nvPr/>
+        </p:nvSpPr>
+        <p:spPr>
+          <a:xfrm>
+            <a:off x="3693887" y="5673272"/>
+            <a:ext cx="2569028" cy="522515"/>
+          </a:xfrm>
+          <a:prstGeom prst="rect">
+            <a:avLst/>
+          </a:prstGeom>
+        </p:spPr>
+        <p:style>
+          <a:lnRef idx="2">
+            <a:schemeClr val="accent1">
+              <a:shade val="50000"/>
+            </a:schemeClr>
+          </a:lnRef>
+          <a:fillRef idx="1">
+            <a:schemeClr val="accent1"/>
+          </a:fillRef>
+          <a:effectRef idx="0">
+            <a:schemeClr val="accent1"/>
+          </a:effectRef>
+          <a:fontRef idx="minor">
+            <a:schemeClr val="lt1"/>
+          </a:fontRef>
+        </p:style>
+        <p:txBody>
+          <a:bodyPr rtlCol="0" anchor="ctr"/>
+          <a:lstStyle/>
+          <a:p>
+            <a:pPr algn="ctr"/>
+            <a:r>
+              <a:rPr lang="en-US" dirty="0"/>
+              <a:t>500</a:t>
+            </a:r>
+          </a:p>
+        </p:txBody>
+      </p:sp>
+      <p:sp>
+        <p:nvSpPr>
+          <p:cNvPr id="16" name="Rectangle 15">
+            <a:extLst>
+              <a:ext uri="{FF2B5EF4-FFF2-40B4-BE49-F238E27FC236}">
+                <a16:creationId xmlns:a16="http://schemas.microsoft.com/office/drawing/2014/main" id="{45182A91-6E60-DF8D-D438-9AA269B1D416}"/>
+              </a:ext>
+            </a:extLst>
+          </p:cNvPr>
+          <p:cNvSpPr/>
+          <p:nvPr/>
+        </p:nvSpPr>
+        <p:spPr>
+          <a:xfrm>
+            <a:off x="7133773" y="1866898"/>
+            <a:ext cx="2569028" cy="522515"/>
+          </a:xfrm>
+          <a:prstGeom prst="rect">
+            <a:avLst/>
+          </a:prstGeom>
+        </p:spPr>
+        <p:style>
+          <a:lnRef idx="2">
+            <a:schemeClr val="accent1">
+              <a:shade val="50000"/>
+            </a:schemeClr>
+          </a:lnRef>
+          <a:fillRef idx="1">
+            <a:schemeClr val="accent1"/>
+          </a:fillRef>
+          <a:effectRef idx="0">
+            <a:schemeClr val="accent1"/>
+          </a:effectRef>
+          <a:fontRef idx="minor">
+            <a:schemeClr val="lt1"/>
+          </a:fontRef>
+        </p:style>
+        <p:txBody>
+          <a:bodyPr rtlCol="0" anchor="ctr"/>
+          <a:lstStyle/>
+          <a:p>
+            <a:pPr algn="ctr"/>
+            <a:r>
+              <a:rPr lang="en-US" dirty="0"/>
+              <a:t>Success, resource created</a:t>
+            </a:r>
+          </a:p>
+        </p:txBody>
+      </p:sp>
+      <p:sp>
+        <p:nvSpPr>
+          <p:cNvPr id="17" name="Rectangle 16">
+            <a:extLst>
+              <a:ext uri="{FF2B5EF4-FFF2-40B4-BE49-F238E27FC236}">
+                <a16:creationId xmlns:a16="http://schemas.microsoft.com/office/drawing/2014/main" id="{9CF4E086-C29A-846E-93D8-A9A74678DB33}"/>
+              </a:ext>
+            </a:extLst>
+          </p:cNvPr>
+          <p:cNvSpPr/>
+          <p:nvPr/>
+        </p:nvSpPr>
+        <p:spPr>
+          <a:xfrm>
+            <a:off x="7133773" y="1211942"/>
+            <a:ext cx="2569028" cy="522515"/>
+          </a:xfrm>
+          <a:prstGeom prst="rect">
+            <a:avLst/>
+          </a:prstGeom>
+        </p:spPr>
+        <p:style>
+          <a:lnRef idx="2">
+            <a:schemeClr val="accent1">
+              <a:shade val="50000"/>
+            </a:schemeClr>
+          </a:lnRef>
+          <a:fillRef idx="1">
+            <a:schemeClr val="accent1"/>
+          </a:fillRef>
+          <a:effectRef idx="0">
+            <a:schemeClr val="accent1"/>
+          </a:effectRef>
+          <a:fontRef idx="minor">
+            <a:schemeClr val="lt1"/>
+          </a:fontRef>
+        </p:style>
+        <p:txBody>
+          <a:bodyPr rtlCol="0" anchor="ctr"/>
+          <a:lstStyle/>
+          <a:p>
+            <a:pPr algn="ctr"/>
+            <a:r>
+              <a:rPr lang="en-US" dirty="0"/>
+              <a:t>Operation succeeded</a:t>
+            </a:r>
+          </a:p>
+        </p:txBody>
+      </p:sp>
+      <p:sp>
+        <p:nvSpPr>
+          <p:cNvPr id="18" name="Rectangle 17">
+            <a:extLst>
+              <a:ext uri="{FF2B5EF4-FFF2-40B4-BE49-F238E27FC236}">
+                <a16:creationId xmlns:a16="http://schemas.microsoft.com/office/drawing/2014/main" id="{AD827CC6-83AA-8D2B-5F51-84A3E599E5EA}"/>
+              </a:ext>
+            </a:extLst>
+          </p:cNvPr>
+          <p:cNvSpPr/>
+          <p:nvPr/>
+        </p:nvSpPr>
+        <p:spPr>
+          <a:xfrm>
+            <a:off x="7133773" y="2486477"/>
+            <a:ext cx="2569028" cy="522515"/>
+          </a:xfrm>
+          <a:prstGeom prst="rect">
+            <a:avLst/>
+          </a:prstGeom>
+        </p:spPr>
+        <p:style>
+          <a:lnRef idx="2">
+            <a:schemeClr val="accent1">
+              <a:shade val="50000"/>
+            </a:schemeClr>
+          </a:lnRef>
+          <a:fillRef idx="1">
+            <a:schemeClr val="accent1"/>
+          </a:fillRef>
+          <a:effectRef idx="0">
+            <a:schemeClr val="accent1"/>
+          </a:effectRef>
+          <a:fontRef idx="minor">
+            <a:schemeClr val="lt1"/>
+          </a:fontRef>
+        </p:style>
+        <p:txBody>
+          <a:bodyPr rtlCol="0" anchor="ctr"/>
+          <a:lstStyle/>
+          <a:p>
+            <a:pPr algn="ctr"/>
+            <a:r>
+              <a:rPr lang="en-US" dirty="0"/>
+              <a:t>Moved permanently</a:t>
+            </a:r>
+          </a:p>
+        </p:txBody>
+      </p:sp>
+      <p:sp>
+        <p:nvSpPr>
+          <p:cNvPr id="19" name="Rectangle 18">
+            <a:extLst>
+              <a:ext uri="{FF2B5EF4-FFF2-40B4-BE49-F238E27FC236}">
+                <a16:creationId xmlns:a16="http://schemas.microsoft.com/office/drawing/2014/main" id="{A828C03F-0916-45EC-A296-764E43E47F90}"/>
+              </a:ext>
+            </a:extLst>
+          </p:cNvPr>
+          <p:cNvSpPr/>
+          <p:nvPr/>
+        </p:nvSpPr>
+        <p:spPr>
+          <a:xfrm>
+            <a:off x="7133773" y="3108776"/>
+            <a:ext cx="2569028" cy="522515"/>
+          </a:xfrm>
+          <a:prstGeom prst="rect">
+            <a:avLst/>
+          </a:prstGeom>
+        </p:spPr>
+        <p:style>
+          <a:lnRef idx="2">
+            <a:schemeClr val="accent1">
+              <a:shade val="50000"/>
+            </a:schemeClr>
+          </a:lnRef>
+          <a:fillRef idx="1">
+            <a:schemeClr val="accent1"/>
+          </a:fillRef>
+          <a:effectRef idx="0">
+            <a:schemeClr val="accent1"/>
+          </a:effectRef>
+          <a:fontRef idx="minor">
+            <a:schemeClr val="lt1"/>
+          </a:fontRef>
+        </p:style>
+        <p:txBody>
+          <a:bodyPr rtlCol="0" anchor="ctr"/>
+          <a:lstStyle/>
+          <a:p>
+            <a:pPr algn="ctr"/>
+            <a:r>
+              <a:rPr lang="en-US" dirty="0"/>
+              <a:t>Not authenticated</a:t>
+            </a:r>
+          </a:p>
+        </p:txBody>
+      </p:sp>
+      <p:sp>
+        <p:nvSpPr>
+          <p:cNvPr id="20" name="Rectangle 19">
+            <a:extLst>
+              <a:ext uri="{FF2B5EF4-FFF2-40B4-BE49-F238E27FC236}">
+                <a16:creationId xmlns:a16="http://schemas.microsoft.com/office/drawing/2014/main" id="{70EC5DBA-9CDE-7983-1A2D-A46865661EB3}"/>
+              </a:ext>
+            </a:extLst>
+          </p:cNvPr>
+          <p:cNvSpPr/>
+          <p:nvPr/>
+        </p:nvSpPr>
+        <p:spPr>
+          <a:xfrm>
+            <a:off x="7133773" y="3731075"/>
+            <a:ext cx="2569028" cy="522515"/>
+          </a:xfrm>
+          <a:prstGeom prst="rect">
+            <a:avLst/>
+          </a:prstGeom>
+        </p:spPr>
+        <p:style>
+          <a:lnRef idx="2">
+            <a:schemeClr val="accent1">
+              <a:shade val="50000"/>
+            </a:schemeClr>
+          </a:lnRef>
+          <a:fillRef idx="1">
+            <a:schemeClr val="accent1"/>
+          </a:fillRef>
+          <a:effectRef idx="0">
+            <a:schemeClr val="accent1"/>
+          </a:effectRef>
+          <a:fontRef idx="minor">
+            <a:schemeClr val="lt1"/>
+          </a:fontRef>
+        </p:style>
+        <p:txBody>
+          <a:bodyPr rtlCol="0" anchor="ctr"/>
+          <a:lstStyle/>
+          <a:p>
+            <a:pPr algn="ctr"/>
+            <a:r>
+              <a:rPr lang="en-US" dirty="0"/>
+              <a:t>Not authorized</a:t>
+            </a:r>
+          </a:p>
+        </p:txBody>
+      </p:sp>
+      <p:sp>
+        <p:nvSpPr>
+          <p:cNvPr id="21" name="Rectangle 20">
+            <a:extLst>
+              <a:ext uri="{FF2B5EF4-FFF2-40B4-BE49-F238E27FC236}">
+                <a16:creationId xmlns:a16="http://schemas.microsoft.com/office/drawing/2014/main" id="{11F7B393-847E-DADE-F96C-267A5B6B097F}"/>
+              </a:ext>
+            </a:extLst>
+          </p:cNvPr>
+          <p:cNvSpPr/>
+          <p:nvPr/>
+        </p:nvSpPr>
+        <p:spPr>
+          <a:xfrm>
+            <a:off x="7133773" y="4302124"/>
+            <a:ext cx="2569028" cy="522515"/>
+          </a:xfrm>
+          <a:prstGeom prst="rect">
+            <a:avLst/>
+          </a:prstGeom>
+        </p:spPr>
+        <p:style>
+          <a:lnRef idx="2">
+            <a:schemeClr val="accent1">
+              <a:shade val="50000"/>
+            </a:schemeClr>
+          </a:lnRef>
+          <a:fillRef idx="1">
+            <a:schemeClr val="accent1"/>
+          </a:fillRef>
+          <a:effectRef idx="0">
+            <a:schemeClr val="accent1"/>
+          </a:effectRef>
+          <a:fontRef idx="minor">
+            <a:schemeClr val="lt1"/>
+          </a:fontRef>
+        </p:style>
+        <p:txBody>
+          <a:bodyPr rtlCol="0" anchor="ctr"/>
+          <a:lstStyle/>
+          <a:p>
+            <a:pPr algn="ctr"/>
+            <a:r>
+              <a:rPr lang="en-US" dirty="0"/>
+              <a:t>Not found</a:t>
+            </a:r>
+          </a:p>
+        </p:txBody>
+      </p:sp>
+      <p:sp>
+        <p:nvSpPr>
+          <p:cNvPr id="22" name="Rectangle 21">
+            <a:extLst>
+              <a:ext uri="{FF2B5EF4-FFF2-40B4-BE49-F238E27FC236}">
+                <a16:creationId xmlns:a16="http://schemas.microsoft.com/office/drawing/2014/main" id="{F14DFD30-94B5-90F9-3648-1D55CA4B4A66}"/>
+              </a:ext>
+            </a:extLst>
+          </p:cNvPr>
+          <p:cNvSpPr/>
+          <p:nvPr/>
+        </p:nvSpPr>
+        <p:spPr>
+          <a:xfrm>
+            <a:off x="7133773" y="5029200"/>
+            <a:ext cx="2569028" cy="522515"/>
+          </a:xfrm>
+          <a:prstGeom prst="rect">
+            <a:avLst/>
+          </a:prstGeom>
+        </p:spPr>
+        <p:style>
+          <a:lnRef idx="2">
+            <a:schemeClr val="accent1">
+              <a:shade val="50000"/>
+            </a:schemeClr>
+          </a:lnRef>
+          <a:fillRef idx="1">
+            <a:schemeClr val="accent1"/>
+          </a:fillRef>
+          <a:effectRef idx="0">
+            <a:schemeClr val="accent1"/>
+          </a:effectRef>
+          <a:fontRef idx="minor">
+            <a:schemeClr val="lt1"/>
+          </a:fontRef>
+        </p:style>
+        <p:txBody>
+          <a:bodyPr rtlCol="0" anchor="ctr"/>
+          <a:lstStyle/>
+          <a:p>
+            <a:pPr algn="ctr"/>
+            <a:r>
+              <a:rPr lang="en-US" dirty="0"/>
+              <a:t>Invalid Input</a:t>
+            </a:r>
+          </a:p>
+        </p:txBody>
+      </p:sp>
+      <p:sp>
+        <p:nvSpPr>
+          <p:cNvPr id="23" name="Rectangle 22">
+            <a:extLst>
+              <a:ext uri="{FF2B5EF4-FFF2-40B4-BE49-F238E27FC236}">
+                <a16:creationId xmlns:a16="http://schemas.microsoft.com/office/drawing/2014/main" id="{11276F24-D1AE-5591-CA56-03FDD33FE9B1}"/>
+              </a:ext>
+            </a:extLst>
+          </p:cNvPr>
+          <p:cNvSpPr/>
+          <p:nvPr/>
+        </p:nvSpPr>
+        <p:spPr>
+          <a:xfrm>
+            <a:off x="7133773" y="5700486"/>
+            <a:ext cx="2569028" cy="522515"/>
+          </a:xfrm>
+          <a:prstGeom prst="rect">
+            <a:avLst/>
+          </a:prstGeom>
+        </p:spPr>
+        <p:style>
+          <a:lnRef idx="2">
+            <a:schemeClr val="accent1">
+              <a:shade val="50000"/>
+            </a:schemeClr>
+          </a:lnRef>
+          <a:fillRef idx="1">
+            <a:schemeClr val="accent1"/>
+          </a:fillRef>
+          <a:effectRef idx="0">
+            <a:schemeClr val="accent1"/>
+          </a:effectRef>
+          <a:fontRef idx="minor">
+            <a:schemeClr val="lt1"/>
+          </a:fontRef>
+        </p:style>
+        <p:txBody>
+          <a:bodyPr rtlCol="0" anchor="ctr"/>
+          <a:lstStyle/>
+          <a:p>
+            <a:pPr algn="ctr"/>
+            <a:r>
+              <a:rPr lang="en-US" dirty="0"/>
+              <a:t>Server-side error</a:t>
+            </a:r>
+          </a:p>
+        </p:txBody>
+      </p:sp>
+    </p:spTree>
+    <p:extLst>
+      <p:ext uri="{BB962C8B-B14F-4D97-AF65-F5344CB8AC3E}">
+        <p14:creationId xmlns:p14="http://schemas.microsoft.com/office/powerpoint/2010/main" val="3470940049"/>
+      </p:ext>
+    </p:extLst>
+  </p:cSld>
+  <p:clrMapOvr>
+    <a:masterClrMapping/>
+  </p:clrMapOvr>
+</p:sld>
+</file>
+
+<file path=ppt/slides/slide22.xml><?xml version="1.0" encoding="utf-8"?>
+<p:sld xmlns:a="http://schemas.openxmlformats.org/drawingml/2006/main" xmlns:r="http://schemas.openxmlformats.org/officeDocument/2006/relationships" xmlns:p="http://schemas.openxmlformats.org/presentationml/2006/main">
+  <p:cSld>
+    <p:spTree>
+      <p:nvGrpSpPr>
+        <p:cNvPr id="1" name=""/>
+        <p:cNvGrpSpPr/>
+        <p:nvPr/>
+      </p:nvGrpSpPr>
+      <p:grpSpPr>
+        <a:xfrm>
+          <a:off x="0" y="0"/>
+          <a:ext cx="0" cy="0"/>
+          <a:chOff x="0" y="0"/>
+          <a:chExt cx="0" cy="0"/>
+        </a:xfrm>
+      </p:grpSpPr>
+      <p:sp>
+        <p:nvSpPr>
+          <p:cNvPr id="2" name="Title 1">
+            <a:extLst>
+              <a:ext uri="{FF2B5EF4-FFF2-40B4-BE49-F238E27FC236}">
+                <a16:creationId xmlns:a16="http://schemas.microsoft.com/office/drawing/2014/main" id="{E046AE5C-01BB-3873-3C54-8BC971BB1A1F}"/>
+              </a:ext>
+            </a:extLst>
+          </p:cNvPr>
+          <p:cNvSpPr>
+            <a:spLocks noGrp="1"/>
+          </p:cNvSpPr>
+          <p:nvPr>
+            <p:ph type="title"/>
+          </p:nvPr>
+        </p:nvSpPr>
+        <p:spPr/>
+        <p:txBody>
+          <a:bodyPr/>
+          <a:lstStyle/>
+          <a:p>
+            <a:r>
+              <a:rPr lang="en-US" dirty="0"/>
+              <a:t>Module Summary</a:t>
+            </a:r>
+          </a:p>
+        </p:txBody>
+      </p:sp>
+      <p:sp>
+        <p:nvSpPr>
+          <p:cNvPr id="3" name="Content Placeholder 2">
+            <a:extLst>
+              <a:ext uri="{FF2B5EF4-FFF2-40B4-BE49-F238E27FC236}">
+                <a16:creationId xmlns:a16="http://schemas.microsoft.com/office/drawing/2014/main" id="{D80519B5-D687-D00F-52E4-B85F3DDFD832}"/>
+              </a:ext>
+            </a:extLst>
+          </p:cNvPr>
+          <p:cNvSpPr>
+            <a:spLocks noGrp="1"/>
+          </p:cNvSpPr>
+          <p:nvPr>
+            <p:ph idx="1"/>
+          </p:nvPr>
+        </p:nvSpPr>
+        <p:spPr>
+          <a:xfrm>
+            <a:off x="838200" y="1825625"/>
+            <a:ext cx="5098143" cy="728889"/>
+          </a:xfrm>
+        </p:spPr>
+        <p:txBody>
+          <a:bodyPr/>
+          <a:lstStyle/>
+          <a:p>
+            <a:pPr marL="0" indent="0">
+              <a:buNone/>
+            </a:pPr>
+            <a:r>
+              <a:rPr lang="en-US" dirty="0"/>
+              <a:t>Types of Errors &amp; Handling Errors</a:t>
+            </a:r>
+          </a:p>
+        </p:txBody>
+      </p:sp>
+      <p:sp>
+        <p:nvSpPr>
+          <p:cNvPr id="4" name="Content Placeholder 2">
+            <a:extLst>
+              <a:ext uri="{FF2B5EF4-FFF2-40B4-BE49-F238E27FC236}">
+                <a16:creationId xmlns:a16="http://schemas.microsoft.com/office/drawing/2014/main" id="{6696A626-F6D9-404C-B8D6-356730D8D832}"/>
+              </a:ext>
+            </a:extLst>
+          </p:cNvPr>
+          <p:cNvSpPr txBox="1">
+            <a:spLocks/>
+          </p:cNvSpPr>
+          <p:nvPr/>
+        </p:nvSpPr>
+        <p:spPr>
+          <a:xfrm>
+            <a:off x="1070428" y="2293257"/>
+            <a:ext cx="5098143" cy="4199618"/>
+          </a:xfrm>
+          <a:prstGeom prst="rect">
+            <a:avLst/>
+          </a:prstGeom>
+        </p:spPr>
+        <p:txBody>
+          <a:bodyPr vert="horz" lIns="91440" tIns="45720" rIns="91440" bIns="45720" rtlCol="0">
+            <a:normAutofit lnSpcReduction="10000"/>
+          </a:bodyPr>
+          <a:lstStyle>
+            <a:lvl1pPr marL="228600" indent="-228600" algn="l" defTabSz="914400" rtl="0" eaLnBrk="1" latinLnBrk="0" hangingPunct="1">
+              <a:lnSpc>
+                <a:spcPct val="90000"/>
+              </a:lnSpc>
+              <a:spcBef>
+                <a:spcPts val="1000"/>
+              </a:spcBef>
+              <a:buFont typeface="Arial" panose="020B0604020202020204" pitchFamily="34" charset="0"/>
+              <a:buChar char="•"/>
+              <a:defRPr sz="2800" kern="1200">
+                <a:solidFill>
+                  <a:schemeClr val="tx1"/>
+                </a:solidFill>
+                <a:latin typeface="+mn-lt"/>
+                <a:ea typeface="+mn-ea"/>
+                <a:cs typeface="+mn-cs"/>
+              </a:defRPr>
+            </a:lvl1pPr>
+            <a:lvl2pPr marL="685800" indent="-228600" algn="l" defTabSz="914400" rtl="0" eaLnBrk="1" latinLnBrk="0" hangingPunct="1">
+              <a:lnSpc>
+                <a:spcPct val="90000"/>
+              </a:lnSpc>
+              <a:spcBef>
+                <a:spcPts val="500"/>
+              </a:spcBef>
+              <a:buFont typeface="Arial" panose="020B0604020202020204" pitchFamily="34" charset="0"/>
+              <a:buChar char="•"/>
+              <a:defRPr sz="2400" kern="1200">
+                <a:solidFill>
+                  <a:schemeClr val="tx1"/>
+                </a:solidFill>
+                <a:latin typeface="+mn-lt"/>
+                <a:ea typeface="+mn-ea"/>
+                <a:cs typeface="+mn-cs"/>
+              </a:defRPr>
+            </a:lvl2pPr>
+            <a:lvl3pPr marL="1143000" indent="-228600" algn="l" defTabSz="914400" rtl="0" eaLnBrk="1" latinLnBrk="0" hangingPunct="1">
+              <a:lnSpc>
+                <a:spcPct val="90000"/>
+              </a:lnSpc>
+              <a:spcBef>
+                <a:spcPts val="500"/>
+              </a:spcBef>
+              <a:buFont typeface="Arial" panose="020B0604020202020204" pitchFamily="34" charset="0"/>
+              <a:buChar char="•"/>
+              <a:defRPr sz="2000" kern="1200">
+                <a:solidFill>
+                  <a:schemeClr val="tx1"/>
+                </a:solidFill>
+                <a:latin typeface="+mn-lt"/>
+                <a:ea typeface="+mn-ea"/>
+                <a:cs typeface="+mn-cs"/>
+              </a:defRPr>
+            </a:lvl3pPr>
+            <a:lvl4pPr marL="1600200" indent="-228600" algn="l" defTabSz="914400" rtl="0" eaLnBrk="1" latinLnBrk="0" hangingPunct="1">
+              <a:lnSpc>
+                <a:spcPct val="90000"/>
+              </a:lnSpc>
+              <a:spcBef>
+                <a:spcPts val="500"/>
+              </a:spcBef>
+              <a:buFont typeface="Arial" panose="020B0604020202020204" pitchFamily="34" charset="0"/>
+              <a:buChar char="•"/>
+              <a:defRPr sz="1800" kern="1200">
+                <a:solidFill>
+                  <a:schemeClr val="tx1"/>
+                </a:solidFill>
+                <a:latin typeface="+mn-lt"/>
+                <a:ea typeface="+mn-ea"/>
+                <a:cs typeface="+mn-cs"/>
+              </a:defRPr>
+            </a:lvl4pPr>
+            <a:lvl5pPr marL="2057400" indent="-228600" algn="l" defTabSz="914400" rtl="0" eaLnBrk="1" latinLnBrk="0" hangingPunct="1">
+              <a:lnSpc>
+                <a:spcPct val="90000"/>
+              </a:lnSpc>
+              <a:spcBef>
+                <a:spcPts val="500"/>
+              </a:spcBef>
+              <a:buFont typeface="Arial" panose="020B0604020202020204" pitchFamily="34" charset="0"/>
+              <a:buChar char="•"/>
+              <a:defRPr sz="1800" kern="1200">
+                <a:solidFill>
+                  <a:schemeClr val="tx1"/>
+                </a:solidFill>
+                <a:latin typeface="+mn-lt"/>
+                <a:ea typeface="+mn-ea"/>
+                <a:cs typeface="+mn-cs"/>
+              </a:defRPr>
+            </a:lvl5pPr>
+            <a:lvl6pPr marL="2514600" indent="-228600" algn="l" defTabSz="914400" rtl="0" eaLnBrk="1" latinLnBrk="0" hangingPunct="1">
+              <a:lnSpc>
+                <a:spcPct val="90000"/>
+              </a:lnSpc>
+              <a:spcBef>
+                <a:spcPts val="500"/>
+              </a:spcBef>
+              <a:buFont typeface="Arial" panose="020B0604020202020204" pitchFamily="34" charset="0"/>
+              <a:buChar char="•"/>
+              <a:defRPr sz="1800" kern="1200">
+                <a:solidFill>
+                  <a:schemeClr val="tx1"/>
+                </a:solidFill>
+                <a:latin typeface="+mn-lt"/>
+                <a:ea typeface="+mn-ea"/>
+                <a:cs typeface="+mn-cs"/>
+              </a:defRPr>
+            </a:lvl6pPr>
+            <a:lvl7pPr marL="2971800" indent="-228600" algn="l" defTabSz="914400" rtl="0" eaLnBrk="1" latinLnBrk="0" hangingPunct="1">
+              <a:lnSpc>
+                <a:spcPct val="90000"/>
+              </a:lnSpc>
+              <a:spcBef>
+                <a:spcPts val="500"/>
+              </a:spcBef>
+              <a:buFont typeface="Arial" panose="020B0604020202020204" pitchFamily="34" charset="0"/>
+              <a:buChar char="•"/>
+              <a:defRPr sz="1800" kern="1200">
+                <a:solidFill>
+                  <a:schemeClr val="tx1"/>
+                </a:solidFill>
+                <a:latin typeface="+mn-lt"/>
+                <a:ea typeface="+mn-ea"/>
+                <a:cs typeface="+mn-cs"/>
+              </a:defRPr>
+            </a:lvl7pPr>
+            <a:lvl8pPr marL="3429000" indent="-228600" algn="l" defTabSz="914400" rtl="0" eaLnBrk="1" latinLnBrk="0" hangingPunct="1">
+              <a:lnSpc>
+                <a:spcPct val="90000"/>
+              </a:lnSpc>
+              <a:spcBef>
+                <a:spcPts val="500"/>
+              </a:spcBef>
+              <a:buFont typeface="Arial" panose="020B0604020202020204" pitchFamily="34" charset="0"/>
+              <a:buChar char="•"/>
+              <a:defRPr sz="1800" kern="1200">
+                <a:solidFill>
+                  <a:schemeClr val="tx1"/>
+                </a:solidFill>
+                <a:latin typeface="+mn-lt"/>
+                <a:ea typeface="+mn-ea"/>
+                <a:cs typeface="+mn-cs"/>
+              </a:defRPr>
+            </a:lvl8pPr>
+            <a:lvl9pPr marL="3886200" indent="-228600" algn="l" defTabSz="914400" rtl="0" eaLnBrk="1" latinLnBrk="0" hangingPunct="1">
+              <a:lnSpc>
+                <a:spcPct val="90000"/>
+              </a:lnSpc>
+              <a:spcBef>
+                <a:spcPts val="500"/>
+              </a:spcBef>
+              <a:buFont typeface="Arial" panose="020B0604020202020204" pitchFamily="34" charset="0"/>
+              <a:buChar char="•"/>
+              <a:defRPr sz="1800" kern="1200">
+                <a:solidFill>
+                  <a:schemeClr val="tx1"/>
+                </a:solidFill>
+                <a:latin typeface="+mn-lt"/>
+                <a:ea typeface="+mn-ea"/>
+                <a:cs typeface="+mn-cs"/>
+              </a:defRPr>
+            </a:lvl9pPr>
+          </a:lstStyle>
+          <a:p>
+            <a:r>
+              <a:rPr lang="en-US" dirty="0"/>
+              <a:t>We can differentiate between different types of errors – technical errors( which are thrown) and “Expected errors” ( e.g. invalid user input)</a:t>
+            </a:r>
+          </a:p>
+          <a:p>
+            <a:r>
+              <a:rPr lang="en-US" dirty="0"/>
+              <a:t>Error handling can be done with custom if-checks, try-catch, then()-catch() etc.</a:t>
+            </a:r>
+          </a:p>
+          <a:p>
+            <a:r>
+              <a:rPr lang="en-US" dirty="0"/>
+              <a:t>We can use the Express error handling middleware to handle all unhandled errors</a:t>
+            </a:r>
+          </a:p>
+        </p:txBody>
+      </p:sp>
+      <p:sp>
+        <p:nvSpPr>
+          <p:cNvPr id="5" name="Content Placeholder 2">
+            <a:extLst>
+              <a:ext uri="{FF2B5EF4-FFF2-40B4-BE49-F238E27FC236}">
+                <a16:creationId xmlns:a16="http://schemas.microsoft.com/office/drawing/2014/main" id="{A91208A9-FE61-E4FF-5E65-1F7A80C54E22}"/>
+              </a:ext>
+            </a:extLst>
+          </p:cNvPr>
+          <p:cNvSpPr txBox="1">
+            <a:spLocks/>
+          </p:cNvSpPr>
+          <p:nvPr/>
+        </p:nvSpPr>
+        <p:spPr>
+          <a:xfrm>
+            <a:off x="6607629" y="1825625"/>
+            <a:ext cx="5098143" cy="728889"/>
+          </a:xfrm>
+          <a:prstGeom prst="rect">
+            <a:avLst/>
+          </a:prstGeom>
+        </p:spPr>
+        <p:txBody>
+          <a:bodyPr vert="horz" lIns="91440" tIns="45720" rIns="91440" bIns="45720" rtlCol="0">
+            <a:normAutofit/>
+          </a:bodyPr>
+          <a:lstStyle>
+            <a:lvl1pPr marL="228600" indent="-228600" algn="l" defTabSz="914400" rtl="0" eaLnBrk="1" latinLnBrk="0" hangingPunct="1">
+              <a:lnSpc>
+                <a:spcPct val="90000"/>
+              </a:lnSpc>
+              <a:spcBef>
+                <a:spcPts val="1000"/>
+              </a:spcBef>
+              <a:buFont typeface="Arial" panose="020B0604020202020204" pitchFamily="34" charset="0"/>
+              <a:buChar char="•"/>
+              <a:defRPr sz="2800" kern="1200">
+                <a:solidFill>
+                  <a:schemeClr val="tx1"/>
+                </a:solidFill>
+                <a:latin typeface="+mn-lt"/>
+                <a:ea typeface="+mn-ea"/>
+                <a:cs typeface="+mn-cs"/>
+              </a:defRPr>
+            </a:lvl1pPr>
+            <a:lvl2pPr marL="685800" indent="-228600" algn="l" defTabSz="914400" rtl="0" eaLnBrk="1" latinLnBrk="0" hangingPunct="1">
+              <a:lnSpc>
+                <a:spcPct val="90000"/>
+              </a:lnSpc>
+              <a:spcBef>
+                <a:spcPts val="500"/>
+              </a:spcBef>
+              <a:buFont typeface="Arial" panose="020B0604020202020204" pitchFamily="34" charset="0"/>
+              <a:buChar char="•"/>
+              <a:defRPr sz="2400" kern="1200">
+                <a:solidFill>
+                  <a:schemeClr val="tx1"/>
+                </a:solidFill>
+                <a:latin typeface="+mn-lt"/>
+                <a:ea typeface="+mn-ea"/>
+                <a:cs typeface="+mn-cs"/>
+              </a:defRPr>
+            </a:lvl2pPr>
+            <a:lvl3pPr marL="1143000" indent="-228600" algn="l" defTabSz="914400" rtl="0" eaLnBrk="1" latinLnBrk="0" hangingPunct="1">
+              <a:lnSpc>
+                <a:spcPct val="90000"/>
+              </a:lnSpc>
+              <a:spcBef>
+                <a:spcPts val="500"/>
+              </a:spcBef>
+              <a:buFont typeface="Arial" panose="020B0604020202020204" pitchFamily="34" charset="0"/>
+              <a:buChar char="•"/>
+              <a:defRPr sz="2000" kern="1200">
+                <a:solidFill>
+                  <a:schemeClr val="tx1"/>
+                </a:solidFill>
+                <a:latin typeface="+mn-lt"/>
+                <a:ea typeface="+mn-ea"/>
+                <a:cs typeface="+mn-cs"/>
+              </a:defRPr>
+            </a:lvl3pPr>
+            <a:lvl4pPr marL="1600200" indent="-228600" algn="l" defTabSz="914400" rtl="0" eaLnBrk="1" latinLnBrk="0" hangingPunct="1">
+              <a:lnSpc>
+                <a:spcPct val="90000"/>
+              </a:lnSpc>
+              <a:spcBef>
+                <a:spcPts val="500"/>
+              </a:spcBef>
+              <a:buFont typeface="Arial" panose="020B0604020202020204" pitchFamily="34" charset="0"/>
+              <a:buChar char="•"/>
+              <a:defRPr sz="1800" kern="1200">
+                <a:solidFill>
+                  <a:schemeClr val="tx1"/>
+                </a:solidFill>
+                <a:latin typeface="+mn-lt"/>
+                <a:ea typeface="+mn-ea"/>
+                <a:cs typeface="+mn-cs"/>
+              </a:defRPr>
+            </a:lvl4pPr>
+            <a:lvl5pPr marL="2057400" indent="-228600" algn="l" defTabSz="914400" rtl="0" eaLnBrk="1" latinLnBrk="0" hangingPunct="1">
+              <a:lnSpc>
+                <a:spcPct val="90000"/>
+              </a:lnSpc>
+              <a:spcBef>
+                <a:spcPts val="500"/>
+              </a:spcBef>
+              <a:buFont typeface="Arial" panose="020B0604020202020204" pitchFamily="34" charset="0"/>
+              <a:buChar char="•"/>
+              <a:defRPr sz="1800" kern="1200">
+                <a:solidFill>
+                  <a:schemeClr val="tx1"/>
+                </a:solidFill>
+                <a:latin typeface="+mn-lt"/>
+                <a:ea typeface="+mn-ea"/>
+                <a:cs typeface="+mn-cs"/>
+              </a:defRPr>
+            </a:lvl5pPr>
+            <a:lvl6pPr marL="2514600" indent="-228600" algn="l" defTabSz="914400" rtl="0" eaLnBrk="1" latinLnBrk="0" hangingPunct="1">
+              <a:lnSpc>
+                <a:spcPct val="90000"/>
+              </a:lnSpc>
+              <a:spcBef>
+                <a:spcPts val="500"/>
+              </a:spcBef>
+              <a:buFont typeface="Arial" panose="020B0604020202020204" pitchFamily="34" charset="0"/>
+              <a:buChar char="•"/>
+              <a:defRPr sz="1800" kern="1200">
+                <a:solidFill>
+                  <a:schemeClr val="tx1"/>
+                </a:solidFill>
+                <a:latin typeface="+mn-lt"/>
+                <a:ea typeface="+mn-ea"/>
+                <a:cs typeface="+mn-cs"/>
+              </a:defRPr>
+            </a:lvl6pPr>
+            <a:lvl7pPr marL="2971800" indent="-228600" algn="l" defTabSz="914400" rtl="0" eaLnBrk="1" latinLnBrk="0" hangingPunct="1">
+              <a:lnSpc>
+                <a:spcPct val="90000"/>
+              </a:lnSpc>
+              <a:spcBef>
+                <a:spcPts val="500"/>
+              </a:spcBef>
+              <a:buFont typeface="Arial" panose="020B0604020202020204" pitchFamily="34" charset="0"/>
+              <a:buChar char="•"/>
+              <a:defRPr sz="1800" kern="1200">
+                <a:solidFill>
+                  <a:schemeClr val="tx1"/>
+                </a:solidFill>
+                <a:latin typeface="+mn-lt"/>
+                <a:ea typeface="+mn-ea"/>
+                <a:cs typeface="+mn-cs"/>
+              </a:defRPr>
+            </a:lvl7pPr>
+            <a:lvl8pPr marL="3429000" indent="-228600" algn="l" defTabSz="914400" rtl="0" eaLnBrk="1" latinLnBrk="0" hangingPunct="1">
+              <a:lnSpc>
+                <a:spcPct val="90000"/>
+              </a:lnSpc>
+              <a:spcBef>
+                <a:spcPts val="500"/>
+              </a:spcBef>
+              <a:buFont typeface="Arial" panose="020B0604020202020204" pitchFamily="34" charset="0"/>
+              <a:buChar char="•"/>
+              <a:defRPr sz="1800" kern="1200">
+                <a:solidFill>
+                  <a:schemeClr val="tx1"/>
+                </a:solidFill>
+                <a:latin typeface="+mn-lt"/>
+                <a:ea typeface="+mn-ea"/>
+                <a:cs typeface="+mn-cs"/>
+              </a:defRPr>
+            </a:lvl8pPr>
+            <a:lvl9pPr marL="3886200" indent="-228600" algn="l" defTabSz="914400" rtl="0" eaLnBrk="1" latinLnBrk="0" hangingPunct="1">
+              <a:lnSpc>
+                <a:spcPct val="90000"/>
+              </a:lnSpc>
+              <a:spcBef>
+                <a:spcPts val="500"/>
+              </a:spcBef>
+              <a:buFont typeface="Arial" panose="020B0604020202020204" pitchFamily="34" charset="0"/>
+              <a:buChar char="•"/>
+              <a:defRPr sz="1800" kern="1200">
+                <a:solidFill>
+                  <a:schemeClr val="tx1"/>
+                </a:solidFill>
+                <a:latin typeface="+mn-lt"/>
+                <a:ea typeface="+mn-ea"/>
+                <a:cs typeface="+mn-cs"/>
+              </a:defRPr>
+            </a:lvl9pPr>
+          </a:lstStyle>
+          <a:p>
+            <a:pPr marL="0" indent="0">
+              <a:buFont typeface="Arial" panose="020B0604020202020204" pitchFamily="34" charset="0"/>
+              <a:buNone/>
+            </a:pPr>
+            <a:r>
+              <a:rPr lang="en-US" dirty="0"/>
+              <a:t>Errors &amp; Status Code</a:t>
+            </a:r>
+          </a:p>
+        </p:txBody>
+      </p:sp>
+      <p:sp>
+        <p:nvSpPr>
+          <p:cNvPr id="6" name="Content Placeholder 2">
+            <a:extLst>
+              <a:ext uri="{FF2B5EF4-FFF2-40B4-BE49-F238E27FC236}">
+                <a16:creationId xmlns:a16="http://schemas.microsoft.com/office/drawing/2014/main" id="{BE2EE203-9E24-073F-92D0-4BB16A22DFC3}"/>
+              </a:ext>
+            </a:extLst>
+          </p:cNvPr>
+          <p:cNvSpPr txBox="1">
+            <a:spLocks/>
+          </p:cNvSpPr>
+          <p:nvPr/>
+        </p:nvSpPr>
+        <p:spPr>
+          <a:xfrm>
+            <a:off x="6839857" y="2293257"/>
+            <a:ext cx="5098143" cy="4199618"/>
+          </a:xfrm>
+          <a:prstGeom prst="rect">
+            <a:avLst/>
+          </a:prstGeom>
+        </p:spPr>
+        <p:txBody>
+          <a:bodyPr vert="horz" lIns="91440" tIns="45720" rIns="91440" bIns="45720" rtlCol="0">
+            <a:normAutofit fontScale="92500" lnSpcReduction="10000"/>
+          </a:bodyPr>
+          <a:lstStyle>
+            <a:lvl1pPr marL="228600" indent="-228600" algn="l" defTabSz="914400" rtl="0" eaLnBrk="1" latinLnBrk="0" hangingPunct="1">
+              <a:lnSpc>
+                <a:spcPct val="90000"/>
+              </a:lnSpc>
+              <a:spcBef>
+                <a:spcPts val="1000"/>
+              </a:spcBef>
+              <a:buFont typeface="Arial" panose="020B0604020202020204" pitchFamily="34" charset="0"/>
+              <a:buChar char="•"/>
+              <a:defRPr sz="2800" kern="1200">
+                <a:solidFill>
+                  <a:schemeClr val="tx1"/>
+                </a:solidFill>
+                <a:latin typeface="+mn-lt"/>
+                <a:ea typeface="+mn-ea"/>
+                <a:cs typeface="+mn-cs"/>
+              </a:defRPr>
+            </a:lvl1pPr>
+            <a:lvl2pPr marL="685800" indent="-228600" algn="l" defTabSz="914400" rtl="0" eaLnBrk="1" latinLnBrk="0" hangingPunct="1">
+              <a:lnSpc>
+                <a:spcPct val="90000"/>
+              </a:lnSpc>
+              <a:spcBef>
+                <a:spcPts val="500"/>
+              </a:spcBef>
+              <a:buFont typeface="Arial" panose="020B0604020202020204" pitchFamily="34" charset="0"/>
+              <a:buChar char="•"/>
+              <a:defRPr sz="2400" kern="1200">
+                <a:solidFill>
+                  <a:schemeClr val="tx1"/>
+                </a:solidFill>
+                <a:latin typeface="+mn-lt"/>
+                <a:ea typeface="+mn-ea"/>
+                <a:cs typeface="+mn-cs"/>
+              </a:defRPr>
+            </a:lvl2pPr>
+            <a:lvl3pPr marL="1143000" indent="-228600" algn="l" defTabSz="914400" rtl="0" eaLnBrk="1" latinLnBrk="0" hangingPunct="1">
+              <a:lnSpc>
+                <a:spcPct val="90000"/>
+              </a:lnSpc>
+              <a:spcBef>
+                <a:spcPts val="500"/>
+              </a:spcBef>
+              <a:buFont typeface="Arial" panose="020B0604020202020204" pitchFamily="34" charset="0"/>
+              <a:buChar char="•"/>
+              <a:defRPr sz="2000" kern="1200">
+                <a:solidFill>
+                  <a:schemeClr val="tx1"/>
+                </a:solidFill>
+                <a:latin typeface="+mn-lt"/>
+                <a:ea typeface="+mn-ea"/>
+                <a:cs typeface="+mn-cs"/>
+              </a:defRPr>
+            </a:lvl3pPr>
+            <a:lvl4pPr marL="1600200" indent="-228600" algn="l" defTabSz="914400" rtl="0" eaLnBrk="1" latinLnBrk="0" hangingPunct="1">
+              <a:lnSpc>
+                <a:spcPct val="90000"/>
+              </a:lnSpc>
+              <a:spcBef>
+                <a:spcPts val="500"/>
+              </a:spcBef>
+              <a:buFont typeface="Arial" panose="020B0604020202020204" pitchFamily="34" charset="0"/>
+              <a:buChar char="•"/>
+              <a:defRPr sz="1800" kern="1200">
+                <a:solidFill>
+                  <a:schemeClr val="tx1"/>
+                </a:solidFill>
+                <a:latin typeface="+mn-lt"/>
+                <a:ea typeface="+mn-ea"/>
+                <a:cs typeface="+mn-cs"/>
+              </a:defRPr>
+            </a:lvl4pPr>
+            <a:lvl5pPr marL="2057400" indent="-228600" algn="l" defTabSz="914400" rtl="0" eaLnBrk="1" latinLnBrk="0" hangingPunct="1">
+              <a:lnSpc>
+                <a:spcPct val="90000"/>
+              </a:lnSpc>
+              <a:spcBef>
+                <a:spcPts val="500"/>
+              </a:spcBef>
+              <a:buFont typeface="Arial" panose="020B0604020202020204" pitchFamily="34" charset="0"/>
+              <a:buChar char="•"/>
+              <a:defRPr sz="1800" kern="1200">
+                <a:solidFill>
+                  <a:schemeClr val="tx1"/>
+                </a:solidFill>
+                <a:latin typeface="+mn-lt"/>
+                <a:ea typeface="+mn-ea"/>
+                <a:cs typeface="+mn-cs"/>
+              </a:defRPr>
+            </a:lvl5pPr>
+            <a:lvl6pPr marL="2514600" indent="-228600" algn="l" defTabSz="914400" rtl="0" eaLnBrk="1" latinLnBrk="0" hangingPunct="1">
+              <a:lnSpc>
+                <a:spcPct val="90000"/>
+              </a:lnSpc>
+              <a:spcBef>
+                <a:spcPts val="500"/>
+              </a:spcBef>
+              <a:buFont typeface="Arial" panose="020B0604020202020204" pitchFamily="34" charset="0"/>
+              <a:buChar char="•"/>
+              <a:defRPr sz="1800" kern="1200">
+                <a:solidFill>
+                  <a:schemeClr val="tx1"/>
+                </a:solidFill>
+                <a:latin typeface="+mn-lt"/>
+                <a:ea typeface="+mn-ea"/>
+                <a:cs typeface="+mn-cs"/>
+              </a:defRPr>
+            </a:lvl6pPr>
+            <a:lvl7pPr marL="2971800" indent="-228600" algn="l" defTabSz="914400" rtl="0" eaLnBrk="1" latinLnBrk="0" hangingPunct="1">
+              <a:lnSpc>
+                <a:spcPct val="90000"/>
+              </a:lnSpc>
+              <a:spcBef>
+                <a:spcPts val="500"/>
+              </a:spcBef>
+              <a:buFont typeface="Arial" panose="020B0604020202020204" pitchFamily="34" charset="0"/>
+              <a:buChar char="•"/>
+              <a:defRPr sz="1800" kern="1200">
+                <a:solidFill>
+                  <a:schemeClr val="tx1"/>
+                </a:solidFill>
+                <a:latin typeface="+mn-lt"/>
+                <a:ea typeface="+mn-ea"/>
+                <a:cs typeface="+mn-cs"/>
+              </a:defRPr>
+            </a:lvl7pPr>
+            <a:lvl8pPr marL="3429000" indent="-228600" algn="l" defTabSz="914400" rtl="0" eaLnBrk="1" latinLnBrk="0" hangingPunct="1">
+              <a:lnSpc>
+                <a:spcPct val="90000"/>
+              </a:lnSpc>
+              <a:spcBef>
+                <a:spcPts val="500"/>
+              </a:spcBef>
+              <a:buFont typeface="Arial" panose="020B0604020202020204" pitchFamily="34" charset="0"/>
+              <a:buChar char="•"/>
+              <a:defRPr sz="1800" kern="1200">
+                <a:solidFill>
+                  <a:schemeClr val="tx1"/>
+                </a:solidFill>
+                <a:latin typeface="+mn-lt"/>
+                <a:ea typeface="+mn-ea"/>
+                <a:cs typeface="+mn-cs"/>
+              </a:defRPr>
+            </a:lvl8pPr>
+            <a:lvl9pPr marL="3886200" indent="-228600" algn="l" defTabSz="914400" rtl="0" eaLnBrk="1" latinLnBrk="0" hangingPunct="1">
+              <a:lnSpc>
+                <a:spcPct val="90000"/>
+              </a:lnSpc>
+              <a:spcBef>
+                <a:spcPts val="500"/>
+              </a:spcBef>
+              <a:buFont typeface="Arial" panose="020B0604020202020204" pitchFamily="34" charset="0"/>
+              <a:buChar char="•"/>
+              <a:defRPr sz="1800" kern="1200">
+                <a:solidFill>
+                  <a:schemeClr val="tx1"/>
+                </a:solidFill>
+                <a:latin typeface="+mn-lt"/>
+                <a:ea typeface="+mn-ea"/>
+                <a:cs typeface="+mn-cs"/>
+              </a:defRPr>
+            </a:lvl9pPr>
+          </a:lstStyle>
+          <a:p>
+            <a:r>
+              <a:rPr lang="en-US" dirty="0"/>
+              <a:t>When returning responses, it can make sense to also set an appropriate Http status code – this lets the browser know what went wrong.</a:t>
+            </a:r>
+          </a:p>
+          <a:p>
+            <a:r>
+              <a:rPr lang="en-US" dirty="0"/>
+              <a:t>We got success (2xx), redirect(3xx),client-side errors(4xx) and server-side errors (5xx) codes to choose from</a:t>
+            </a:r>
+          </a:p>
+          <a:p>
+            <a:r>
+              <a:rPr lang="en-US" dirty="0"/>
+              <a:t>Setting status codes does NOT mean that the response is incomplete or the app crashed!</a:t>
+            </a:r>
+          </a:p>
+        </p:txBody>
+      </p:sp>
+    </p:spTree>
+    <p:extLst>
+      <p:ext uri="{BB962C8B-B14F-4D97-AF65-F5344CB8AC3E}">
+        <p14:creationId xmlns:p14="http://schemas.microsoft.com/office/powerpoint/2010/main" val="77178659"/>
       </p:ext>
     </p:extLst>
   </p:cSld>
